--- a/Presentation_Slides/AME 557 Project 2 Outline.pptx
+++ b/Presentation_Slides/AME 557 Project 2 Outline.pptx
@@ -5,10 +5,10 @@
     <p:sldMasterId id="2147483648" r:id="rId3"/>
   </p:sldMasterIdLst>
   <p:notesMasterIdLst>
-    <p:notesMasterId r:id="rId13"/>
+    <p:notesMasterId r:id="rId12"/>
   </p:notesMasterIdLst>
   <p:handoutMasterIdLst>
-    <p:handoutMasterId r:id="rId14"/>
+    <p:handoutMasterId r:id="rId13"/>
   </p:handoutMasterIdLst>
   <p:sldIdLst>
     <p:sldId id="256" r:id="rId4"/>
@@ -17,9 +17,8 @@
     <p:sldId id="258" r:id="rId7"/>
     <p:sldId id="262" r:id="rId8"/>
     <p:sldId id="260" r:id="rId9"/>
-    <p:sldId id="261" r:id="rId10"/>
-    <p:sldId id="263" r:id="rId11"/>
-    <p:sldId id="264" r:id="rId12"/>
+    <p:sldId id="263" r:id="rId10"/>
+    <p:sldId id="264" r:id="rId11"/>
   </p:sldIdLst>
   <p:sldSz cx="12192000" cy="6858000"/>
   <p:notesSz cx="6858000" cy="9144000"/>
@@ -1486,7 +1485,7 @@
     </p:spTree>
     <p:extLst>
       <p:ext uri="{BB962C8B-B14F-4D97-AF65-F5344CB8AC3E}">
-        <p14:creationId xmlns:p14="http://schemas.microsoft.com/office/powerpoint/2010/main" val="2830483432"/>
+        <p14:creationId xmlns:p14="http://schemas.microsoft.com/office/powerpoint/2010/main" val="3111714672"/>
       </p:ext>
     </p:extLst>
   </p:cSld>
@@ -1600,128 +1599,6 @@
             <a:fld id="{1F2545D6-431F-430E-BE68-C9E074B64D37}" type="slidenum">
               <a:rPr lang="en-US" smtClean="0"/>
               <a:t>8</a:t>
-            </a:fld>
-            <a:endParaRPr lang="en-US"/>
-          </a:p>
-        </p:txBody>
-      </p:sp>
-    </p:spTree>
-    <p:extLst>
-      <p:ext uri="{BB962C8B-B14F-4D97-AF65-F5344CB8AC3E}">
-        <p14:creationId xmlns:p14="http://schemas.microsoft.com/office/powerpoint/2010/main" val="3111714672"/>
-      </p:ext>
-    </p:extLst>
-  </p:cSld>
-  <p:clrMapOvr>
-    <a:masterClrMapping/>
-  </p:clrMapOvr>
-</p:notes>
-</file>
-
-<file path=ppt/notesSlides/notesSlide9.xml><?xml version="1.0" encoding="utf-8"?>
-<p:notes xmlns:a="http://schemas.openxmlformats.org/drawingml/2006/main" xmlns:r="http://schemas.openxmlformats.org/officeDocument/2006/relationships" xmlns:p="http://schemas.openxmlformats.org/presentationml/2006/main">
-  <p:cSld>
-    <p:spTree>
-      <p:nvGrpSpPr>
-        <p:cNvPr id="1" name=""/>
-        <p:cNvGrpSpPr/>
-        <p:nvPr/>
-      </p:nvGrpSpPr>
-      <p:grpSpPr>
-        <a:xfrm>
-          <a:off x="0" y="0"/>
-          <a:ext cx="0" cy="0"/>
-          <a:chOff x="0" y="0"/>
-          <a:chExt cx="0" cy="0"/>
-        </a:xfrm>
-      </p:grpSpPr>
-      <p:sp>
-        <p:nvSpPr>
-          <p:cNvPr id="2" name="Slide Image Placeholder 1"/>
-          <p:cNvSpPr>
-            <a:spLocks noGrp="1" noRot="1" noChangeAspect="1"/>
-          </p:cNvSpPr>
-          <p:nvPr>
-            <p:ph type="sldImg"/>
-          </p:nvPr>
-        </p:nvSpPr>
-        <p:spPr/>
-      </p:sp>
-      <p:sp>
-        <p:nvSpPr>
-          <p:cNvPr id="3" name="Notes Placeholder 2"/>
-          <p:cNvSpPr>
-            <a:spLocks noGrp="1"/>
-          </p:cNvSpPr>
-          <p:nvPr>
-            <p:ph type="body" idx="1"/>
-          </p:nvPr>
-        </p:nvSpPr>
-        <p:spPr/>
-        <p:txBody>
-          <a:bodyPr/>
-          <a:lstStyle/>
-          <a:p>
-            <a:endParaRPr lang="en-US"/>
-          </a:p>
-        </p:txBody>
-      </p:sp>
-      <p:sp>
-        <p:nvSpPr>
-          <p:cNvPr id="4" name="Header Placeholder 3"/>
-          <p:cNvSpPr>
-            <a:spLocks noGrp="1"/>
-          </p:cNvSpPr>
-          <p:nvPr>
-            <p:ph type="hdr" sz="quarter" idx="10"/>
-          </p:nvPr>
-        </p:nvSpPr>
-        <p:spPr/>
-        <p:txBody>
-          <a:bodyPr/>
-          <a:lstStyle/>
-          <a:p>
-            <a:endParaRPr lang="en-US"/>
-          </a:p>
-        </p:txBody>
-      </p:sp>
-      <p:sp>
-        <p:nvSpPr>
-          <p:cNvPr id="5" name="Footer Placeholder 4"/>
-          <p:cNvSpPr>
-            <a:spLocks noGrp="1"/>
-          </p:cNvSpPr>
-          <p:nvPr>
-            <p:ph type="ftr" sz="quarter" idx="11"/>
-          </p:nvPr>
-        </p:nvSpPr>
-        <p:spPr/>
-        <p:txBody>
-          <a:bodyPr/>
-          <a:lstStyle/>
-          <a:p>
-            <a:endParaRPr lang="en-US"/>
-          </a:p>
-        </p:txBody>
-      </p:sp>
-      <p:sp>
-        <p:nvSpPr>
-          <p:cNvPr id="6" name="Slide Number Placeholder 5"/>
-          <p:cNvSpPr>
-            <a:spLocks noGrp="1"/>
-          </p:cNvSpPr>
-          <p:nvPr>
-            <p:ph type="sldNum" sz="quarter" idx="12"/>
-          </p:nvPr>
-        </p:nvSpPr>
-        <p:spPr/>
-        <p:txBody>
-          <a:bodyPr/>
-          <a:lstStyle/>
-          <a:p>
-            <a:fld id="{1F2545D6-431F-430E-BE68-C9E074B64D37}" type="slidenum">
-              <a:rPr lang="en-US" smtClean="0"/>
-              <a:t>9</a:t>
             </a:fld>
             <a:endParaRPr lang="en-US"/>
           </a:p>
@@ -4614,11 +4491,7 @@
           <a:p>
             <a:r>
               <a:rPr lang="en-US" dirty="0" smtClean="0"/>
-              <a:t>Orbit Propagation </a:t>
-            </a:r>
-            <a:r>
-              <a:rPr lang="en-US" dirty="0" smtClean="0"/>
-              <a:t>to Determine Satellite’s Demise</a:t>
+              <a:t>Orbit Propagation to Determine Satellite’s Demise</a:t>
             </a:r>
             <a:endParaRPr lang="en-US" dirty="0"/>
           </a:p>
@@ -8122,1561 +7995,6 @@
           <a:p>
             <a:r>
               <a:rPr lang="en-US" dirty="0" smtClean="0"/>
-              <a:t>Equations of Motion (Averaged)</a:t>
-            </a:r>
-            <a:endParaRPr lang="en-US" dirty="0"/>
-          </a:p>
-        </p:txBody>
-      </p:sp>
-      <mc:AlternateContent xmlns:mc="http://schemas.openxmlformats.org/markup-compatibility/2006" xmlns:a14="http://schemas.microsoft.com/office/drawing/2010/main">
-        <mc:Choice Requires="a14">
-          <p:sp>
-            <p:nvSpPr>
-              <p:cNvPr id="3" name="Content Placeholder 2"/>
-              <p:cNvSpPr>
-                <a:spLocks noGrp="1"/>
-              </p:cNvSpPr>
-              <p:nvPr>
-                <p:ph idx="1"/>
-              </p:nvPr>
-            </p:nvSpPr>
-            <p:spPr/>
-            <p:txBody>
-              <a:bodyPr/>
-              <a:lstStyle/>
-              <a:p>
-                <a14:m>
-                  <m:oMath xmlns:m="http://schemas.openxmlformats.org/officeDocument/2006/math">
-                    <m:acc>
-                      <m:accPr>
-                        <m:chr m:val="̇"/>
-                        <m:ctrlPr>
-                          <a:rPr lang="en-US" sz="2400" i="1" smtClean="0">
-                            <a:latin typeface="Cambria Math" panose="02040503050406030204" pitchFamily="18" charset="0"/>
-                          </a:rPr>
-                        </m:ctrlPr>
-                      </m:accPr>
-                      <m:e>
-                        <m:acc>
-                          <m:accPr>
-                            <m:chr m:val="̇"/>
-                            <m:ctrlPr>
-                              <a:rPr lang="en-US" sz="2400" i="1" smtClean="0">
-                                <a:latin typeface="Cambria Math" panose="02040503050406030204" pitchFamily="18" charset="0"/>
-                              </a:rPr>
-                            </m:ctrlPr>
-                          </m:accPr>
-                          <m:e>
-                            <m:acc>
-                              <m:accPr>
-                                <m:chr m:val="̅"/>
-                                <m:ctrlPr>
-                                  <a:rPr lang="en-US" sz="2400" i="1" smtClean="0">
-                                    <a:latin typeface="Cambria Math" panose="02040503050406030204" pitchFamily="18" charset="0"/>
-                                  </a:rPr>
-                                </m:ctrlPr>
-                              </m:accPr>
-                              <m:e>
-                                <m:r>
-                                  <a:rPr lang="en-US" sz="2400" b="0" i="1" smtClean="0">
-                                    <a:latin typeface="Cambria Math" panose="02040503050406030204" pitchFamily="18" charset="0"/>
-                                  </a:rPr>
-                                  <m:t>𝑎</m:t>
-                                </m:r>
-                              </m:e>
-                            </m:acc>
-                          </m:e>
-                        </m:acc>
-                        <m:r>
-                          <a:rPr lang="en-US" sz="2400" i="1">
-                            <a:latin typeface="Cambria Math" panose="02040503050406030204" pitchFamily="18" charset="0"/>
-                          </a:rPr>
-                          <m:t>=−</m:t>
-                        </m:r>
-                        <m:d>
-                          <m:dPr>
-                            <m:ctrlPr>
-                              <a:rPr lang="en-US" sz="2400" i="1">
-                                <a:latin typeface="Cambria Math" panose="02040503050406030204" pitchFamily="18" charset="0"/>
-                              </a:rPr>
-                            </m:ctrlPr>
-                          </m:dPr>
-                          <m:e>
-                            <m:f>
-                              <m:fPr>
-                                <m:ctrlPr>
-                                  <a:rPr lang="en-US" sz="2400" i="1">
-                                    <a:latin typeface="Cambria Math" panose="02040503050406030204" pitchFamily="18" charset="0"/>
-                                  </a:rPr>
-                                </m:ctrlPr>
-                              </m:fPr>
-                              <m:num>
-                                <m:r>
-                                  <a:rPr lang="en-US" sz="2400" i="1">
-                                    <a:latin typeface="Cambria Math" panose="02040503050406030204" pitchFamily="18" charset="0"/>
-                                  </a:rPr>
-                                  <m:t>𝐴</m:t>
-                                </m:r>
-                              </m:num>
-                              <m:den>
-                                <m:r>
-                                  <a:rPr lang="en-US" sz="2400" i="1">
-                                    <a:latin typeface="Cambria Math" panose="02040503050406030204" pitchFamily="18" charset="0"/>
-                                  </a:rPr>
-                                  <m:t>𝑚</m:t>
-                                </m:r>
-                              </m:den>
-                            </m:f>
-                          </m:e>
-                        </m:d>
-                        <m:sSub>
-                          <m:sSubPr>
-                            <m:ctrlPr>
-                              <a:rPr lang="en-US" sz="2400" i="1">
-                                <a:latin typeface="Cambria Math" panose="02040503050406030204" pitchFamily="18" charset="0"/>
-                              </a:rPr>
-                            </m:ctrlPr>
-                          </m:sSubPr>
-                          <m:e>
-                            <m:r>
-                              <a:rPr lang="en-US" sz="2400" i="1">
-                                <a:latin typeface="Cambria Math" panose="02040503050406030204" pitchFamily="18" charset="0"/>
-                              </a:rPr>
-                              <m:t>𝐶</m:t>
-                            </m:r>
-                          </m:e>
-                          <m:sub>
-                            <m:r>
-                              <a:rPr lang="en-US" sz="2400" i="1">
-                                <a:latin typeface="Cambria Math" panose="02040503050406030204" pitchFamily="18" charset="0"/>
-                              </a:rPr>
-                              <m:t>𝑑</m:t>
-                            </m:r>
-                          </m:sub>
-                        </m:sSub>
-                        <m:r>
-                          <a:rPr lang="en-US" sz="2400" i="1">
-                            <a:latin typeface="Cambria Math" panose="02040503050406030204" pitchFamily="18" charset="0"/>
-                          </a:rPr>
-                          <m:t>𝑛</m:t>
-                        </m:r>
-                        <m:sSup>
-                          <m:sSupPr>
-                            <m:ctrlPr>
-                              <a:rPr lang="en-US" sz="2400" i="1">
-                                <a:latin typeface="Cambria Math" panose="02040503050406030204" pitchFamily="18" charset="0"/>
-                              </a:rPr>
-                            </m:ctrlPr>
-                          </m:sSupPr>
-                          <m:e>
-                            <m:r>
-                              <a:rPr lang="en-US" sz="2400" i="1">
-                                <a:latin typeface="Cambria Math" panose="02040503050406030204" pitchFamily="18" charset="0"/>
-                              </a:rPr>
-                              <m:t>𝑎</m:t>
-                            </m:r>
-                          </m:e>
-                          <m:sup>
-                            <m:r>
-                              <a:rPr lang="en-US" sz="2400" i="1">
-                                <a:latin typeface="Cambria Math" panose="02040503050406030204" pitchFamily="18" charset="0"/>
-                              </a:rPr>
-                              <m:t>2</m:t>
-                            </m:r>
-                          </m:sup>
-                        </m:sSup>
-                        <m:sSub>
-                          <m:sSubPr>
-                            <m:ctrlPr>
-                              <a:rPr lang="en-US" sz="2400" i="1">
-                                <a:latin typeface="Cambria Math" panose="02040503050406030204" pitchFamily="18" charset="0"/>
-                              </a:rPr>
-                            </m:ctrlPr>
-                          </m:sSubPr>
-                          <m:e>
-                            <m:r>
-                              <a:rPr lang="en-US" sz="2400" i="1">
-                                <a:latin typeface="Cambria Math" panose="02040503050406030204" pitchFamily="18" charset="0"/>
-                              </a:rPr>
-                              <m:t>𝑝</m:t>
-                            </m:r>
-                          </m:e>
-                          <m:sub>
-                            <m:r>
-                              <a:rPr lang="en-US" sz="2400" i="1">
-                                <a:latin typeface="Cambria Math" panose="02040503050406030204" pitchFamily="18" charset="0"/>
-                              </a:rPr>
-                              <m:t>𝑎</m:t>
-                            </m:r>
-                          </m:sub>
-                        </m:sSub>
-                        <m:d>
-                          <m:dPr>
-                            <m:begChr m:val="{"/>
-                            <m:endChr m:val="}"/>
-                            <m:ctrlPr>
-                              <a:rPr lang="en-US" sz="2400" i="1">
-                                <a:latin typeface="Cambria Math" panose="02040503050406030204" pitchFamily="18" charset="0"/>
-                              </a:rPr>
-                            </m:ctrlPr>
-                          </m:dPr>
-                          <m:e>
-                            <m:sSub>
-                              <m:sSubPr>
-                                <m:ctrlPr>
-                                  <a:rPr lang="en-US" sz="2400" i="1">
-                                    <a:latin typeface="Cambria Math" panose="02040503050406030204" pitchFamily="18" charset="0"/>
-                                  </a:rPr>
-                                </m:ctrlPr>
-                              </m:sSubPr>
-                              <m:e>
-                                <m:r>
-                                  <a:rPr lang="en-US" sz="2400" i="1">
-                                    <a:latin typeface="Cambria Math" panose="02040503050406030204" pitchFamily="18" charset="0"/>
-                                  </a:rPr>
-                                  <m:t>𝐼</m:t>
-                                </m:r>
-                              </m:e>
-                              <m:sub>
-                                <m:r>
-                                  <a:rPr lang="en-US" sz="2400" i="1">
-                                    <a:latin typeface="Cambria Math" panose="02040503050406030204" pitchFamily="18" charset="0"/>
-                                  </a:rPr>
-                                  <m:t>0</m:t>
-                                </m:r>
-                              </m:sub>
-                            </m:sSub>
-                            <m:d>
-                              <m:dPr>
-                                <m:ctrlPr>
-                                  <a:rPr lang="en-US" sz="2400" i="1">
-                                    <a:latin typeface="Cambria Math" panose="02040503050406030204" pitchFamily="18" charset="0"/>
-                                  </a:rPr>
-                                </m:ctrlPr>
-                              </m:dPr>
-                              <m:e>
-                                <m:r>
-                                  <a:rPr lang="en-US" sz="2400" i="1">
-                                    <a:latin typeface="Cambria Math" panose="02040503050406030204" pitchFamily="18" charset="0"/>
-                                    <a:ea typeface="Cambria Math" panose="02040503050406030204" pitchFamily="18" charset="0"/>
-                                  </a:rPr>
-                                  <m:t>𝜈</m:t>
-                                </m:r>
-                              </m:e>
-                            </m:d>
-                            <m:r>
-                              <a:rPr lang="en-US" sz="2400" i="1">
-                                <a:latin typeface="Cambria Math" panose="02040503050406030204" pitchFamily="18" charset="0"/>
-                                <a:ea typeface="Cambria Math" panose="02040503050406030204" pitchFamily="18" charset="0"/>
-                              </a:rPr>
-                              <m:t>+2</m:t>
-                            </m:r>
-                            <m:r>
-                              <a:rPr lang="en-US" sz="2400" i="1">
-                                <a:latin typeface="Cambria Math" panose="02040503050406030204" pitchFamily="18" charset="0"/>
-                                <a:ea typeface="Cambria Math" panose="02040503050406030204" pitchFamily="18" charset="0"/>
-                              </a:rPr>
-                              <m:t>𝑒</m:t>
-                            </m:r>
-                            <m:sSub>
-                              <m:sSubPr>
-                                <m:ctrlPr>
-                                  <a:rPr lang="en-US" sz="2400" i="1">
-                                    <a:latin typeface="Cambria Math" panose="02040503050406030204" pitchFamily="18" charset="0"/>
-                                    <a:ea typeface="Cambria Math" panose="02040503050406030204" pitchFamily="18" charset="0"/>
-                                  </a:rPr>
-                                </m:ctrlPr>
-                              </m:sSubPr>
-                              <m:e>
-                                <m:r>
-                                  <a:rPr lang="en-US" sz="2400" i="1">
-                                    <a:latin typeface="Cambria Math" panose="02040503050406030204" pitchFamily="18" charset="0"/>
-                                    <a:ea typeface="Cambria Math" panose="02040503050406030204" pitchFamily="18" charset="0"/>
-                                  </a:rPr>
-                                  <m:t>𝐼</m:t>
-                                </m:r>
-                              </m:e>
-                              <m:sub>
-                                <m:r>
-                                  <a:rPr lang="en-US" sz="2400" i="1">
-                                    <a:latin typeface="Cambria Math" panose="02040503050406030204" pitchFamily="18" charset="0"/>
-                                    <a:ea typeface="Cambria Math" panose="02040503050406030204" pitchFamily="18" charset="0"/>
-                                  </a:rPr>
-                                  <m:t>1</m:t>
-                                </m:r>
-                              </m:sub>
-                            </m:sSub>
-                            <m:d>
-                              <m:dPr>
-                                <m:ctrlPr>
-                                  <a:rPr lang="en-US" sz="2400" i="1">
-                                    <a:latin typeface="Cambria Math" panose="02040503050406030204" pitchFamily="18" charset="0"/>
-                                    <a:ea typeface="Cambria Math" panose="02040503050406030204" pitchFamily="18" charset="0"/>
-                                  </a:rPr>
-                                </m:ctrlPr>
-                              </m:dPr>
-                              <m:e>
-                                <m:r>
-                                  <a:rPr lang="en-US" sz="2400" i="1">
-                                    <a:latin typeface="Cambria Math" panose="02040503050406030204" pitchFamily="18" charset="0"/>
-                                    <a:ea typeface="Cambria Math" panose="02040503050406030204" pitchFamily="18" charset="0"/>
-                                  </a:rPr>
-                                  <m:t>𝜈</m:t>
-                                </m:r>
-                              </m:e>
-                            </m:d>
-                            <m:r>
-                              <a:rPr lang="en-US" sz="2400" i="1">
-                                <a:latin typeface="Cambria Math" panose="02040503050406030204" pitchFamily="18" charset="0"/>
-                                <a:ea typeface="Cambria Math" panose="02040503050406030204" pitchFamily="18" charset="0"/>
-                              </a:rPr>
-                              <m:t>+</m:t>
-                            </m:r>
-                            <m:f>
-                              <m:fPr>
-                                <m:ctrlPr>
-                                  <a:rPr lang="en-US" sz="2400" i="1">
-                                    <a:latin typeface="Cambria Math" panose="02040503050406030204" pitchFamily="18" charset="0"/>
-                                    <a:ea typeface="Cambria Math" panose="02040503050406030204" pitchFamily="18" charset="0"/>
-                                  </a:rPr>
-                                </m:ctrlPr>
-                              </m:fPr>
-                              <m:num>
-                                <m:r>
-                                  <a:rPr lang="en-US" sz="2400" i="1">
-                                    <a:latin typeface="Cambria Math" panose="02040503050406030204" pitchFamily="18" charset="0"/>
-                                    <a:ea typeface="Cambria Math" panose="02040503050406030204" pitchFamily="18" charset="0"/>
-                                  </a:rPr>
-                                  <m:t>3</m:t>
-                                </m:r>
-                              </m:num>
-                              <m:den>
-                                <m:r>
-                                  <a:rPr lang="en-US" sz="2400" i="1">
-                                    <a:latin typeface="Cambria Math" panose="02040503050406030204" pitchFamily="18" charset="0"/>
-                                    <a:ea typeface="Cambria Math" panose="02040503050406030204" pitchFamily="18" charset="0"/>
-                                  </a:rPr>
-                                  <m:t>4</m:t>
-                                </m:r>
-                              </m:den>
-                            </m:f>
-                            <m:sSup>
-                              <m:sSupPr>
-                                <m:ctrlPr>
-                                  <a:rPr lang="en-US" sz="2400" i="1">
-                                    <a:latin typeface="Cambria Math" panose="02040503050406030204" pitchFamily="18" charset="0"/>
-                                    <a:ea typeface="Cambria Math" panose="02040503050406030204" pitchFamily="18" charset="0"/>
-                                  </a:rPr>
-                                </m:ctrlPr>
-                              </m:sSupPr>
-                              <m:e>
-                                <m:r>
-                                  <a:rPr lang="en-US" sz="2400" i="1">
-                                    <a:latin typeface="Cambria Math" panose="02040503050406030204" pitchFamily="18" charset="0"/>
-                                    <a:ea typeface="Cambria Math" panose="02040503050406030204" pitchFamily="18" charset="0"/>
-                                  </a:rPr>
-                                  <m:t>𝑒</m:t>
-                                </m:r>
-                              </m:e>
-                              <m:sup>
-                                <m:r>
-                                  <a:rPr lang="en-US" sz="2400" i="1">
-                                    <a:latin typeface="Cambria Math" panose="02040503050406030204" pitchFamily="18" charset="0"/>
-                                    <a:ea typeface="Cambria Math" panose="02040503050406030204" pitchFamily="18" charset="0"/>
-                                  </a:rPr>
-                                  <m:t>2</m:t>
-                                </m:r>
-                              </m:sup>
-                            </m:sSup>
-                            <m:d>
-                              <m:dPr>
-                                <m:begChr m:val="["/>
-                                <m:endChr m:val="]"/>
-                                <m:ctrlPr>
-                                  <a:rPr lang="en-US" sz="2400" i="1">
-                                    <a:latin typeface="Cambria Math" panose="02040503050406030204" pitchFamily="18" charset="0"/>
-                                    <a:ea typeface="Cambria Math" panose="02040503050406030204" pitchFamily="18" charset="0"/>
-                                  </a:rPr>
-                                </m:ctrlPr>
-                              </m:dPr>
-                              <m:e>
-                                <m:sSub>
-                                  <m:sSubPr>
-                                    <m:ctrlPr>
-                                      <a:rPr lang="en-US" sz="2400" i="1">
-                                        <a:latin typeface="Cambria Math" panose="02040503050406030204" pitchFamily="18" charset="0"/>
-                                        <a:ea typeface="Cambria Math" panose="02040503050406030204" pitchFamily="18" charset="0"/>
-                                      </a:rPr>
-                                    </m:ctrlPr>
-                                  </m:sSubPr>
-                                  <m:e>
-                                    <m:r>
-                                      <a:rPr lang="en-US" sz="2400" i="1">
-                                        <a:latin typeface="Cambria Math" panose="02040503050406030204" pitchFamily="18" charset="0"/>
-                                        <a:ea typeface="Cambria Math" panose="02040503050406030204" pitchFamily="18" charset="0"/>
-                                      </a:rPr>
-                                      <m:t>𝐼</m:t>
-                                    </m:r>
-                                  </m:e>
-                                  <m:sub>
-                                    <m:r>
-                                      <a:rPr lang="en-US" sz="2400" i="1">
-                                        <a:latin typeface="Cambria Math" panose="02040503050406030204" pitchFamily="18" charset="0"/>
-                                        <a:ea typeface="Cambria Math" panose="02040503050406030204" pitchFamily="18" charset="0"/>
-                                      </a:rPr>
-                                      <m:t>0</m:t>
-                                    </m:r>
-                                  </m:sub>
-                                </m:sSub>
-                                <m:d>
-                                  <m:dPr>
-                                    <m:ctrlPr>
-                                      <a:rPr lang="en-US" sz="2400" i="1">
-                                        <a:latin typeface="Cambria Math" panose="02040503050406030204" pitchFamily="18" charset="0"/>
-                                        <a:ea typeface="Cambria Math" panose="02040503050406030204" pitchFamily="18" charset="0"/>
-                                      </a:rPr>
-                                    </m:ctrlPr>
-                                  </m:dPr>
-                                  <m:e>
-                                    <m:r>
-                                      <a:rPr lang="en-US" sz="2400" i="1">
-                                        <a:latin typeface="Cambria Math" panose="02040503050406030204" pitchFamily="18" charset="0"/>
-                                        <a:ea typeface="Cambria Math" panose="02040503050406030204" pitchFamily="18" charset="0"/>
-                                      </a:rPr>
-                                      <m:t>𝜈</m:t>
-                                    </m:r>
-                                  </m:e>
-                                </m:d>
-                                <m:r>
-                                  <a:rPr lang="en-US" sz="2400" i="1">
-                                    <a:latin typeface="Cambria Math" panose="02040503050406030204" pitchFamily="18" charset="0"/>
-                                    <a:ea typeface="Cambria Math" panose="02040503050406030204" pitchFamily="18" charset="0"/>
-                                  </a:rPr>
-                                  <m:t>+</m:t>
-                                </m:r>
-                                <m:sSub>
-                                  <m:sSubPr>
-                                    <m:ctrlPr>
-                                      <a:rPr lang="en-US" sz="2400" i="1">
-                                        <a:latin typeface="Cambria Math" panose="02040503050406030204" pitchFamily="18" charset="0"/>
-                                        <a:ea typeface="Cambria Math" panose="02040503050406030204" pitchFamily="18" charset="0"/>
-                                      </a:rPr>
-                                    </m:ctrlPr>
-                                  </m:sSubPr>
-                                  <m:e>
-                                    <m:r>
-                                      <a:rPr lang="en-US" sz="2400" i="1">
-                                        <a:latin typeface="Cambria Math" panose="02040503050406030204" pitchFamily="18" charset="0"/>
-                                        <a:ea typeface="Cambria Math" panose="02040503050406030204" pitchFamily="18" charset="0"/>
-                                      </a:rPr>
-                                      <m:t>𝐼</m:t>
-                                    </m:r>
-                                  </m:e>
-                                  <m:sub>
-                                    <m:r>
-                                      <a:rPr lang="en-US" sz="2400" i="1">
-                                        <a:latin typeface="Cambria Math" panose="02040503050406030204" pitchFamily="18" charset="0"/>
-                                        <a:ea typeface="Cambria Math" panose="02040503050406030204" pitchFamily="18" charset="0"/>
-                                      </a:rPr>
-                                      <m:t>2</m:t>
-                                    </m:r>
-                                  </m:sub>
-                                </m:sSub>
-                                <m:r>
-                                  <a:rPr lang="en-US" sz="2400" i="1">
-                                    <a:latin typeface="Cambria Math" panose="02040503050406030204" pitchFamily="18" charset="0"/>
-                                    <a:ea typeface="Cambria Math" panose="02040503050406030204" pitchFamily="18" charset="0"/>
-                                  </a:rPr>
-                                  <m:t>(</m:t>
-                                </m:r>
-                                <m:r>
-                                  <a:rPr lang="en-US" sz="2400" i="1">
-                                    <a:latin typeface="Cambria Math" panose="02040503050406030204" pitchFamily="18" charset="0"/>
-                                    <a:ea typeface="Cambria Math" panose="02040503050406030204" pitchFamily="18" charset="0"/>
-                                  </a:rPr>
-                                  <m:t>𝜈</m:t>
-                                </m:r>
-                                <m:r>
-                                  <a:rPr lang="en-US" sz="2400" i="1">
-                                    <a:latin typeface="Cambria Math" panose="02040503050406030204" pitchFamily="18" charset="0"/>
-                                    <a:ea typeface="Cambria Math" panose="02040503050406030204" pitchFamily="18" charset="0"/>
-                                  </a:rPr>
-                                  <m:t>)</m:t>
-                                </m:r>
-                              </m:e>
-                            </m:d>
-                          </m:e>
-                        </m:d>
-                      </m:e>
-                    </m:acc>
-                  </m:oMath>
-                </a14:m>
-                <a:endParaRPr lang="en-US" sz="2400" dirty="0" smtClean="0"/>
-              </a:p>
-              <a:p>
-                <a14:m>
-                  <m:oMath xmlns:m="http://schemas.openxmlformats.org/officeDocument/2006/math">
-                    <m:acc>
-                      <m:accPr>
-                        <m:chr m:val="̇"/>
-                        <m:ctrlPr>
-                          <a:rPr lang="en-US" sz="2400" i="1" smtClean="0">
-                            <a:latin typeface="Cambria Math" panose="02040503050406030204" pitchFamily="18" charset="0"/>
-                          </a:rPr>
-                        </m:ctrlPr>
-                      </m:accPr>
-                      <m:e>
-                        <m:acc>
-                          <m:accPr>
-                            <m:chr m:val="̅"/>
-                            <m:ctrlPr>
-                              <a:rPr lang="en-US" sz="2400" i="1" smtClean="0">
-                                <a:latin typeface="Cambria Math" panose="02040503050406030204" pitchFamily="18" charset="0"/>
-                              </a:rPr>
-                            </m:ctrlPr>
-                          </m:accPr>
-                          <m:e>
-                            <m:r>
-                              <a:rPr lang="en-US" sz="2400" b="0" i="1" smtClean="0">
-                                <a:latin typeface="Cambria Math" panose="02040503050406030204" pitchFamily="18" charset="0"/>
-                              </a:rPr>
-                              <m:t>𝑒</m:t>
-                            </m:r>
-                          </m:e>
-                        </m:acc>
-                      </m:e>
-                    </m:acc>
-                    <m:r>
-                      <a:rPr lang="en-US" sz="2400" b="0" i="1" smtClean="0">
-                        <a:latin typeface="Cambria Math" panose="02040503050406030204" pitchFamily="18" charset="0"/>
-                      </a:rPr>
-                      <m:t>=−</m:t>
-                    </m:r>
-                    <m:d>
-                      <m:dPr>
-                        <m:ctrlPr>
-                          <a:rPr lang="en-US" sz="2400" b="0" i="1" smtClean="0">
-                            <a:latin typeface="Cambria Math" panose="02040503050406030204" pitchFamily="18" charset="0"/>
-                          </a:rPr>
-                        </m:ctrlPr>
-                      </m:dPr>
-                      <m:e>
-                        <m:f>
-                          <m:fPr>
-                            <m:ctrlPr>
-                              <a:rPr lang="en-US" sz="2400" b="0" i="1" smtClean="0">
-                                <a:latin typeface="Cambria Math" panose="02040503050406030204" pitchFamily="18" charset="0"/>
-                              </a:rPr>
-                            </m:ctrlPr>
-                          </m:fPr>
-                          <m:num>
-                            <m:r>
-                              <a:rPr lang="en-US" sz="2400" b="0" i="1" smtClean="0">
-                                <a:latin typeface="Cambria Math" panose="02040503050406030204" pitchFamily="18" charset="0"/>
-                              </a:rPr>
-                              <m:t>𝐴</m:t>
-                            </m:r>
-                          </m:num>
-                          <m:den>
-                            <m:r>
-                              <a:rPr lang="en-US" sz="2400" b="0" i="1" smtClean="0">
-                                <a:latin typeface="Cambria Math" panose="02040503050406030204" pitchFamily="18" charset="0"/>
-                              </a:rPr>
-                              <m:t>𝑚</m:t>
-                            </m:r>
-                          </m:den>
-                        </m:f>
-                      </m:e>
-                    </m:d>
-                    <m:sSub>
-                      <m:sSubPr>
-                        <m:ctrlPr>
-                          <a:rPr lang="en-US" sz="2400" b="0" i="1" smtClean="0">
-                            <a:latin typeface="Cambria Math" panose="02040503050406030204" pitchFamily="18" charset="0"/>
-                          </a:rPr>
-                        </m:ctrlPr>
-                      </m:sSubPr>
-                      <m:e>
-                        <m:r>
-                          <a:rPr lang="en-US" sz="2400" b="0" i="1" smtClean="0">
-                            <a:latin typeface="Cambria Math" panose="02040503050406030204" pitchFamily="18" charset="0"/>
-                          </a:rPr>
-                          <m:t>𝐶</m:t>
-                        </m:r>
-                      </m:e>
-                      <m:sub>
-                        <m:r>
-                          <a:rPr lang="en-US" sz="2400" b="0" i="1" smtClean="0">
-                            <a:latin typeface="Cambria Math" panose="02040503050406030204" pitchFamily="18" charset="0"/>
-                          </a:rPr>
-                          <m:t>𝑑</m:t>
-                        </m:r>
-                      </m:sub>
-                    </m:sSub>
-                    <m:r>
-                      <a:rPr lang="en-US" sz="2400" b="0" i="1" smtClean="0">
-                        <a:latin typeface="Cambria Math" panose="02040503050406030204" pitchFamily="18" charset="0"/>
-                      </a:rPr>
-                      <m:t>𝑛𝑎</m:t>
-                    </m:r>
-                    <m:d>
-                      <m:dPr>
-                        <m:ctrlPr>
-                          <a:rPr lang="en-US" sz="2400" b="0" i="1" smtClean="0">
-                            <a:latin typeface="Cambria Math" panose="02040503050406030204" pitchFamily="18" charset="0"/>
-                          </a:rPr>
-                        </m:ctrlPr>
-                      </m:dPr>
-                      <m:e>
-                        <m:r>
-                          <a:rPr lang="en-US" sz="2400" b="0" i="1" smtClean="0">
-                            <a:latin typeface="Cambria Math" panose="02040503050406030204" pitchFamily="18" charset="0"/>
-                          </a:rPr>
-                          <m:t>1−</m:t>
-                        </m:r>
-                        <m:sSup>
-                          <m:sSupPr>
-                            <m:ctrlPr>
-                              <a:rPr lang="en-US" sz="2400" b="0" i="1" smtClean="0">
-                                <a:latin typeface="Cambria Math" panose="02040503050406030204" pitchFamily="18" charset="0"/>
-                              </a:rPr>
-                            </m:ctrlPr>
-                          </m:sSupPr>
-                          <m:e>
-                            <m:r>
-                              <a:rPr lang="en-US" sz="2400" b="0" i="1" smtClean="0">
-                                <a:latin typeface="Cambria Math" panose="02040503050406030204" pitchFamily="18" charset="0"/>
-                              </a:rPr>
-                              <m:t>𝑒</m:t>
-                            </m:r>
-                          </m:e>
-                          <m:sup>
-                            <m:r>
-                              <a:rPr lang="en-US" sz="2400" b="0" i="1" smtClean="0">
-                                <a:latin typeface="Cambria Math" panose="02040503050406030204" pitchFamily="18" charset="0"/>
-                              </a:rPr>
-                              <m:t>2</m:t>
-                            </m:r>
-                          </m:sup>
-                        </m:sSup>
-                      </m:e>
-                    </m:d>
-                    <m:sSub>
-                      <m:sSubPr>
-                        <m:ctrlPr>
-                          <a:rPr lang="en-US" sz="2400" b="0" i="1" smtClean="0">
-                            <a:latin typeface="Cambria Math" panose="02040503050406030204" pitchFamily="18" charset="0"/>
-                          </a:rPr>
-                        </m:ctrlPr>
-                      </m:sSubPr>
-                      <m:e>
-                        <m:r>
-                          <a:rPr lang="en-US" sz="2400" b="0" i="1" smtClean="0">
-                            <a:latin typeface="Cambria Math" panose="02040503050406030204" pitchFamily="18" charset="0"/>
-                          </a:rPr>
-                          <m:t>𝑝</m:t>
-                        </m:r>
-                      </m:e>
-                      <m:sub>
-                        <m:r>
-                          <a:rPr lang="en-US" sz="2400" b="0" i="1" smtClean="0">
-                            <a:latin typeface="Cambria Math" panose="02040503050406030204" pitchFamily="18" charset="0"/>
-                          </a:rPr>
-                          <m:t>𝑎</m:t>
-                        </m:r>
-                      </m:sub>
-                    </m:sSub>
-                    <m:d>
-                      <m:dPr>
-                        <m:begChr m:val="{"/>
-                        <m:endChr m:val="}"/>
-                        <m:ctrlPr>
-                          <a:rPr lang="en-US" sz="2400" b="0" i="1" smtClean="0">
-                            <a:latin typeface="Cambria Math" panose="02040503050406030204" pitchFamily="18" charset="0"/>
-                          </a:rPr>
-                        </m:ctrlPr>
-                      </m:dPr>
-                      <m:e>
-                        <m:sSub>
-                          <m:sSubPr>
-                            <m:ctrlPr>
-                              <a:rPr lang="en-US" sz="2400" b="0" i="1" smtClean="0">
-                                <a:latin typeface="Cambria Math" panose="02040503050406030204" pitchFamily="18" charset="0"/>
-                              </a:rPr>
-                            </m:ctrlPr>
-                          </m:sSubPr>
-                          <m:e>
-                            <m:r>
-                              <a:rPr lang="en-US" sz="2400" b="0" i="1" smtClean="0">
-                                <a:latin typeface="Cambria Math" panose="02040503050406030204" pitchFamily="18" charset="0"/>
-                              </a:rPr>
-                              <m:t>𝐼</m:t>
-                            </m:r>
-                          </m:e>
-                          <m:sub>
-                            <m:r>
-                              <a:rPr lang="en-US" sz="2400" b="0" i="1" smtClean="0">
-                                <a:latin typeface="Cambria Math" panose="02040503050406030204" pitchFamily="18" charset="0"/>
-                              </a:rPr>
-                              <m:t>1</m:t>
-                            </m:r>
-                          </m:sub>
-                        </m:sSub>
-                        <m:d>
-                          <m:dPr>
-                            <m:ctrlPr>
-                              <a:rPr lang="en-US" sz="2400" b="0" i="1" smtClean="0">
-                                <a:latin typeface="Cambria Math" panose="02040503050406030204" pitchFamily="18" charset="0"/>
-                              </a:rPr>
-                            </m:ctrlPr>
-                          </m:dPr>
-                          <m:e>
-                            <m:r>
-                              <a:rPr lang="en-US" sz="2400" b="0" i="1" smtClean="0">
-                                <a:latin typeface="Cambria Math" panose="02040503050406030204" pitchFamily="18" charset="0"/>
-                                <a:ea typeface="Cambria Math" panose="02040503050406030204" pitchFamily="18" charset="0"/>
-                              </a:rPr>
-                              <m:t>𝜈</m:t>
-                            </m:r>
-                          </m:e>
-                        </m:d>
-                        <m:r>
-                          <a:rPr lang="en-US" sz="2400" b="0" i="1" smtClean="0">
-                            <a:latin typeface="Cambria Math" panose="02040503050406030204" pitchFamily="18" charset="0"/>
-                            <a:ea typeface="Cambria Math" panose="02040503050406030204" pitchFamily="18" charset="0"/>
-                          </a:rPr>
-                          <m:t>+</m:t>
-                        </m:r>
-                        <m:f>
-                          <m:fPr>
-                            <m:ctrlPr>
-                              <a:rPr lang="en-US" sz="2400" b="0" i="1" smtClean="0">
-                                <a:latin typeface="Cambria Math" panose="02040503050406030204" pitchFamily="18" charset="0"/>
-                                <a:ea typeface="Cambria Math" panose="02040503050406030204" pitchFamily="18" charset="0"/>
-                              </a:rPr>
-                            </m:ctrlPr>
-                          </m:fPr>
-                          <m:num>
-                            <m:r>
-                              <a:rPr lang="en-US" sz="2400" b="0" i="1" smtClean="0">
-                                <a:latin typeface="Cambria Math" panose="02040503050406030204" pitchFamily="18" charset="0"/>
-                                <a:ea typeface="Cambria Math" panose="02040503050406030204" pitchFamily="18" charset="0"/>
-                              </a:rPr>
-                              <m:t>1</m:t>
-                            </m:r>
-                          </m:num>
-                          <m:den>
-                            <m:r>
-                              <a:rPr lang="en-US" sz="2400" b="0" i="1" smtClean="0">
-                                <a:latin typeface="Cambria Math" panose="02040503050406030204" pitchFamily="18" charset="0"/>
-                                <a:ea typeface="Cambria Math" panose="02040503050406030204" pitchFamily="18" charset="0"/>
-                              </a:rPr>
-                              <m:t>2</m:t>
-                            </m:r>
-                          </m:den>
-                        </m:f>
-                        <m:r>
-                          <a:rPr lang="en-US" sz="2400" b="0" i="1" smtClean="0">
-                            <a:latin typeface="Cambria Math" panose="02040503050406030204" pitchFamily="18" charset="0"/>
-                            <a:ea typeface="Cambria Math" panose="02040503050406030204" pitchFamily="18" charset="0"/>
-                          </a:rPr>
-                          <m:t>𝑒</m:t>
-                        </m:r>
-                        <m:d>
-                          <m:dPr>
-                            <m:begChr m:val="["/>
-                            <m:endChr m:val="]"/>
-                            <m:ctrlPr>
-                              <a:rPr lang="en-US" sz="2400" b="0" i="1" smtClean="0">
-                                <a:latin typeface="Cambria Math" panose="02040503050406030204" pitchFamily="18" charset="0"/>
-                                <a:ea typeface="Cambria Math" panose="02040503050406030204" pitchFamily="18" charset="0"/>
-                              </a:rPr>
-                            </m:ctrlPr>
-                          </m:dPr>
-                          <m:e>
-                            <m:sSub>
-                              <m:sSubPr>
-                                <m:ctrlPr>
-                                  <a:rPr lang="en-US" sz="2400" b="0" i="1" smtClean="0">
-                                    <a:latin typeface="Cambria Math" panose="02040503050406030204" pitchFamily="18" charset="0"/>
-                                    <a:ea typeface="Cambria Math" panose="02040503050406030204" pitchFamily="18" charset="0"/>
-                                  </a:rPr>
-                                </m:ctrlPr>
-                              </m:sSubPr>
-                              <m:e>
-                                <m:r>
-                                  <a:rPr lang="en-US" sz="2400" b="0" i="1" smtClean="0">
-                                    <a:latin typeface="Cambria Math" panose="02040503050406030204" pitchFamily="18" charset="0"/>
-                                    <a:ea typeface="Cambria Math" panose="02040503050406030204" pitchFamily="18" charset="0"/>
-                                  </a:rPr>
-                                  <m:t>𝐼</m:t>
-                                </m:r>
-                              </m:e>
-                              <m:sub>
-                                <m:r>
-                                  <a:rPr lang="en-US" sz="2400" b="0" i="1" smtClean="0">
-                                    <a:latin typeface="Cambria Math" panose="02040503050406030204" pitchFamily="18" charset="0"/>
-                                    <a:ea typeface="Cambria Math" panose="02040503050406030204" pitchFamily="18" charset="0"/>
-                                  </a:rPr>
-                                  <m:t>0</m:t>
-                                </m:r>
-                              </m:sub>
-                            </m:sSub>
-                            <m:d>
-                              <m:dPr>
-                                <m:ctrlPr>
-                                  <a:rPr lang="en-US" sz="2400" b="0" i="1" smtClean="0">
-                                    <a:latin typeface="Cambria Math" panose="02040503050406030204" pitchFamily="18" charset="0"/>
-                                    <a:ea typeface="Cambria Math" panose="02040503050406030204" pitchFamily="18" charset="0"/>
-                                  </a:rPr>
-                                </m:ctrlPr>
-                              </m:dPr>
-                              <m:e>
-                                <m:r>
-                                  <a:rPr lang="en-US" sz="2400" b="0" i="1" smtClean="0">
-                                    <a:latin typeface="Cambria Math" panose="02040503050406030204" pitchFamily="18" charset="0"/>
-                                    <a:ea typeface="Cambria Math" panose="02040503050406030204" pitchFamily="18" charset="0"/>
-                                  </a:rPr>
-                                  <m:t>𝜈</m:t>
-                                </m:r>
-                              </m:e>
-                            </m:d>
-                            <m:r>
-                              <a:rPr lang="en-US" sz="2400" b="0" i="1" smtClean="0">
-                                <a:latin typeface="Cambria Math" panose="02040503050406030204" pitchFamily="18" charset="0"/>
-                                <a:ea typeface="Cambria Math" panose="02040503050406030204" pitchFamily="18" charset="0"/>
-                              </a:rPr>
-                              <m:t>+</m:t>
-                            </m:r>
-                            <m:sSub>
-                              <m:sSubPr>
-                                <m:ctrlPr>
-                                  <a:rPr lang="en-US" sz="2400" b="0" i="1" smtClean="0">
-                                    <a:latin typeface="Cambria Math" panose="02040503050406030204" pitchFamily="18" charset="0"/>
-                                    <a:ea typeface="Cambria Math" panose="02040503050406030204" pitchFamily="18" charset="0"/>
-                                  </a:rPr>
-                                </m:ctrlPr>
-                              </m:sSubPr>
-                              <m:e>
-                                <m:r>
-                                  <a:rPr lang="en-US" sz="2400" b="0" i="1" smtClean="0">
-                                    <a:latin typeface="Cambria Math" panose="02040503050406030204" pitchFamily="18" charset="0"/>
-                                    <a:ea typeface="Cambria Math" panose="02040503050406030204" pitchFamily="18" charset="0"/>
-                                  </a:rPr>
-                                  <m:t>𝐼</m:t>
-                                </m:r>
-                              </m:e>
-                              <m:sub>
-                                <m:r>
-                                  <a:rPr lang="en-US" sz="2400" b="0" i="1" smtClean="0">
-                                    <a:latin typeface="Cambria Math" panose="02040503050406030204" pitchFamily="18" charset="0"/>
-                                    <a:ea typeface="Cambria Math" panose="02040503050406030204" pitchFamily="18" charset="0"/>
-                                  </a:rPr>
-                                  <m:t>2</m:t>
-                                </m:r>
-                              </m:sub>
-                            </m:sSub>
-                            <m:r>
-                              <a:rPr lang="en-US" sz="2400" b="0" i="1" smtClean="0">
-                                <a:latin typeface="Cambria Math" panose="02040503050406030204" pitchFamily="18" charset="0"/>
-                                <a:ea typeface="Cambria Math" panose="02040503050406030204" pitchFamily="18" charset="0"/>
-                              </a:rPr>
-                              <m:t>(</m:t>
-                            </m:r>
-                            <m:r>
-                              <a:rPr lang="en-US" sz="2400" b="0" i="1" smtClean="0">
-                                <a:latin typeface="Cambria Math" panose="02040503050406030204" pitchFamily="18" charset="0"/>
-                                <a:ea typeface="Cambria Math" panose="02040503050406030204" pitchFamily="18" charset="0"/>
-                              </a:rPr>
-                              <m:t>𝜈</m:t>
-                            </m:r>
-                            <m:r>
-                              <a:rPr lang="en-US" sz="2400" b="0" i="1" smtClean="0">
-                                <a:latin typeface="Cambria Math" panose="02040503050406030204" pitchFamily="18" charset="0"/>
-                                <a:ea typeface="Cambria Math" panose="02040503050406030204" pitchFamily="18" charset="0"/>
-                              </a:rPr>
-                              <m:t>)</m:t>
-                            </m:r>
-                          </m:e>
-                        </m:d>
-                        <m:r>
-                          <a:rPr lang="en-US" sz="2400" b="0" i="1" smtClean="0">
-                            <a:latin typeface="Cambria Math" panose="02040503050406030204" pitchFamily="18" charset="0"/>
-                            <a:ea typeface="Cambria Math" panose="02040503050406030204" pitchFamily="18" charset="0"/>
-                          </a:rPr>
-                          <m:t>+</m:t>
-                        </m:r>
-                        <m:f>
-                          <m:fPr>
-                            <m:ctrlPr>
-                              <a:rPr lang="en-US" sz="2400" b="0" i="1" smtClean="0">
-                                <a:latin typeface="Cambria Math" panose="02040503050406030204" pitchFamily="18" charset="0"/>
-                                <a:ea typeface="Cambria Math" panose="02040503050406030204" pitchFamily="18" charset="0"/>
-                              </a:rPr>
-                            </m:ctrlPr>
-                          </m:fPr>
-                          <m:num>
-                            <m:r>
-                              <a:rPr lang="en-US" sz="2400" b="0" i="1" smtClean="0">
-                                <a:latin typeface="Cambria Math" panose="02040503050406030204" pitchFamily="18" charset="0"/>
-                                <a:ea typeface="Cambria Math" panose="02040503050406030204" pitchFamily="18" charset="0"/>
-                              </a:rPr>
-                              <m:t>1</m:t>
-                            </m:r>
-                          </m:num>
-                          <m:den>
-                            <m:r>
-                              <a:rPr lang="en-US" sz="2400" b="0" i="1" smtClean="0">
-                                <a:latin typeface="Cambria Math" panose="02040503050406030204" pitchFamily="18" charset="0"/>
-                                <a:ea typeface="Cambria Math" panose="02040503050406030204" pitchFamily="18" charset="0"/>
-                              </a:rPr>
-                              <m:t>8</m:t>
-                            </m:r>
-                          </m:den>
-                        </m:f>
-                        <m:sSup>
-                          <m:sSupPr>
-                            <m:ctrlPr>
-                              <a:rPr lang="en-US" sz="2400" b="0" i="1" smtClean="0">
-                                <a:latin typeface="Cambria Math" panose="02040503050406030204" pitchFamily="18" charset="0"/>
-                                <a:ea typeface="Cambria Math" panose="02040503050406030204" pitchFamily="18" charset="0"/>
-                              </a:rPr>
-                            </m:ctrlPr>
-                          </m:sSupPr>
-                          <m:e>
-                            <m:r>
-                              <a:rPr lang="en-US" sz="2400" b="0" i="1" smtClean="0">
-                                <a:latin typeface="Cambria Math" panose="02040503050406030204" pitchFamily="18" charset="0"/>
-                                <a:ea typeface="Cambria Math" panose="02040503050406030204" pitchFamily="18" charset="0"/>
-                              </a:rPr>
-                              <m:t>𝑒</m:t>
-                            </m:r>
-                          </m:e>
-                          <m:sup>
-                            <m:r>
-                              <a:rPr lang="en-US" sz="2400" b="0" i="1" smtClean="0">
-                                <a:latin typeface="Cambria Math" panose="02040503050406030204" pitchFamily="18" charset="0"/>
-                                <a:ea typeface="Cambria Math" panose="02040503050406030204" pitchFamily="18" charset="0"/>
-                              </a:rPr>
-                              <m:t>2</m:t>
-                            </m:r>
-                          </m:sup>
-                        </m:sSup>
-                        <m:d>
-                          <m:dPr>
-                            <m:begChr m:val="["/>
-                            <m:endChr m:val="]"/>
-                            <m:ctrlPr>
-                              <a:rPr lang="en-US" sz="2400" b="0" i="1" smtClean="0">
-                                <a:latin typeface="Cambria Math" panose="02040503050406030204" pitchFamily="18" charset="0"/>
-                                <a:ea typeface="Cambria Math" panose="02040503050406030204" pitchFamily="18" charset="0"/>
-                              </a:rPr>
-                            </m:ctrlPr>
-                          </m:dPr>
-                          <m:e>
-                            <m:r>
-                              <a:rPr lang="en-US" sz="2400" b="0" i="1" smtClean="0">
-                                <a:latin typeface="Cambria Math" panose="02040503050406030204" pitchFamily="18" charset="0"/>
-                                <a:ea typeface="Cambria Math" panose="02040503050406030204" pitchFamily="18" charset="0"/>
-                              </a:rPr>
-                              <m:t>3</m:t>
-                            </m:r>
-                            <m:sSub>
-                              <m:sSubPr>
-                                <m:ctrlPr>
-                                  <a:rPr lang="en-US" sz="2400" b="0" i="1" smtClean="0">
-                                    <a:latin typeface="Cambria Math" panose="02040503050406030204" pitchFamily="18" charset="0"/>
-                                    <a:ea typeface="Cambria Math" panose="02040503050406030204" pitchFamily="18" charset="0"/>
-                                  </a:rPr>
-                                </m:ctrlPr>
-                              </m:sSubPr>
-                              <m:e>
-                                <m:r>
-                                  <a:rPr lang="en-US" sz="2400" b="0" i="1" smtClean="0">
-                                    <a:latin typeface="Cambria Math" panose="02040503050406030204" pitchFamily="18" charset="0"/>
-                                    <a:ea typeface="Cambria Math" panose="02040503050406030204" pitchFamily="18" charset="0"/>
-                                  </a:rPr>
-                                  <m:t>𝐼</m:t>
-                                </m:r>
-                              </m:e>
-                              <m:sub>
-                                <m:r>
-                                  <a:rPr lang="en-US" sz="2400" b="0" i="1" smtClean="0">
-                                    <a:latin typeface="Cambria Math" panose="02040503050406030204" pitchFamily="18" charset="0"/>
-                                    <a:ea typeface="Cambria Math" panose="02040503050406030204" pitchFamily="18" charset="0"/>
-                                  </a:rPr>
-                                  <m:t>1</m:t>
-                                </m:r>
-                              </m:sub>
-                            </m:sSub>
-                            <m:d>
-                              <m:dPr>
-                                <m:ctrlPr>
-                                  <a:rPr lang="en-US" sz="2400" b="0" i="1" smtClean="0">
-                                    <a:latin typeface="Cambria Math" panose="02040503050406030204" pitchFamily="18" charset="0"/>
-                                    <a:ea typeface="Cambria Math" panose="02040503050406030204" pitchFamily="18" charset="0"/>
-                                  </a:rPr>
-                                </m:ctrlPr>
-                              </m:dPr>
-                              <m:e>
-                                <m:r>
-                                  <a:rPr lang="en-US" sz="2400" b="0" i="1" smtClean="0">
-                                    <a:latin typeface="Cambria Math" panose="02040503050406030204" pitchFamily="18" charset="0"/>
-                                    <a:ea typeface="Cambria Math" panose="02040503050406030204" pitchFamily="18" charset="0"/>
-                                  </a:rPr>
-                                  <m:t>𝜈</m:t>
-                                </m:r>
-                              </m:e>
-                            </m:d>
-                            <m:r>
-                              <a:rPr lang="en-US" sz="2400" b="0" i="1" smtClean="0">
-                                <a:latin typeface="Cambria Math" panose="02040503050406030204" pitchFamily="18" charset="0"/>
-                                <a:ea typeface="Cambria Math" panose="02040503050406030204" pitchFamily="18" charset="0"/>
-                              </a:rPr>
-                              <m:t>+</m:t>
-                            </m:r>
-                            <m:sSub>
-                              <m:sSubPr>
-                                <m:ctrlPr>
-                                  <a:rPr lang="en-US" sz="2400" b="0" i="1" smtClean="0">
-                                    <a:latin typeface="Cambria Math" panose="02040503050406030204" pitchFamily="18" charset="0"/>
-                                    <a:ea typeface="Cambria Math" panose="02040503050406030204" pitchFamily="18" charset="0"/>
-                                  </a:rPr>
-                                </m:ctrlPr>
-                              </m:sSubPr>
-                              <m:e>
-                                <m:r>
-                                  <a:rPr lang="en-US" sz="2400" b="0" i="1" smtClean="0">
-                                    <a:latin typeface="Cambria Math" panose="02040503050406030204" pitchFamily="18" charset="0"/>
-                                    <a:ea typeface="Cambria Math" panose="02040503050406030204" pitchFamily="18" charset="0"/>
-                                  </a:rPr>
-                                  <m:t>𝐼</m:t>
-                                </m:r>
-                              </m:e>
-                              <m:sub>
-                                <m:r>
-                                  <a:rPr lang="en-US" sz="2400" b="0" i="1" smtClean="0">
-                                    <a:latin typeface="Cambria Math" panose="02040503050406030204" pitchFamily="18" charset="0"/>
-                                    <a:ea typeface="Cambria Math" panose="02040503050406030204" pitchFamily="18" charset="0"/>
-                                  </a:rPr>
-                                  <m:t>3</m:t>
-                                </m:r>
-                              </m:sub>
-                            </m:sSub>
-                            <m:r>
-                              <a:rPr lang="en-US" sz="2400" b="0" i="1" smtClean="0">
-                                <a:latin typeface="Cambria Math" panose="02040503050406030204" pitchFamily="18" charset="0"/>
-                                <a:ea typeface="Cambria Math" panose="02040503050406030204" pitchFamily="18" charset="0"/>
-                              </a:rPr>
-                              <m:t>(</m:t>
-                            </m:r>
-                            <m:r>
-                              <a:rPr lang="en-US" sz="2400" b="0" i="1" smtClean="0">
-                                <a:latin typeface="Cambria Math" panose="02040503050406030204" pitchFamily="18" charset="0"/>
-                                <a:ea typeface="Cambria Math" panose="02040503050406030204" pitchFamily="18" charset="0"/>
-                              </a:rPr>
-                              <m:t>𝜈</m:t>
-                            </m:r>
-                            <m:r>
-                              <a:rPr lang="en-US" sz="2400" b="0" i="1" smtClean="0">
-                                <a:latin typeface="Cambria Math" panose="02040503050406030204" pitchFamily="18" charset="0"/>
-                                <a:ea typeface="Cambria Math" panose="02040503050406030204" pitchFamily="18" charset="0"/>
-                              </a:rPr>
-                              <m:t>)</m:t>
-                            </m:r>
-                          </m:e>
-                        </m:d>
-                      </m:e>
-                    </m:d>
-                  </m:oMath>
-                </a14:m>
-                <a:endParaRPr lang="en-US" sz="2400" dirty="0" smtClean="0"/>
-              </a:p>
-              <a:p>
-                <a14:m>
-                  <m:oMath xmlns:m="http://schemas.openxmlformats.org/officeDocument/2006/math">
-                    <m:acc>
-                      <m:accPr>
-                        <m:chr m:val="̇"/>
-                        <m:ctrlPr>
-                          <a:rPr lang="en-US" sz="2400" i="1" smtClean="0">
-                            <a:latin typeface="Cambria Math" panose="02040503050406030204" pitchFamily="18" charset="0"/>
-                          </a:rPr>
-                        </m:ctrlPr>
-                      </m:accPr>
-                      <m:e>
-                        <m:acc>
-                          <m:accPr>
-                            <m:chr m:val="̅"/>
-                            <m:ctrlPr>
-                              <a:rPr lang="en-US" sz="2400" i="1" smtClean="0">
-                                <a:latin typeface="Cambria Math" panose="02040503050406030204" pitchFamily="18" charset="0"/>
-                              </a:rPr>
-                            </m:ctrlPr>
-                          </m:accPr>
-                          <m:e>
-                            <m:r>
-                              <m:rPr>
-                                <m:sty m:val="p"/>
-                              </m:rPr>
-                              <a:rPr lang="el-GR" sz="2400" i="1" smtClean="0">
-                                <a:latin typeface="Cambria Math" panose="02040503050406030204" pitchFamily="18" charset="0"/>
-                                <a:ea typeface="Cambria Math" panose="02040503050406030204" pitchFamily="18" charset="0"/>
-                              </a:rPr>
-                              <m:t>Ω</m:t>
-                            </m:r>
-                          </m:e>
-                        </m:acc>
-                      </m:e>
-                    </m:acc>
-                    <m:r>
-                      <a:rPr lang="en-US" sz="2400" b="0" i="1" smtClean="0">
-                        <a:latin typeface="Cambria Math" panose="02040503050406030204" pitchFamily="18" charset="0"/>
-                      </a:rPr>
-                      <m:t>=−</m:t>
-                    </m:r>
-                    <m:f>
-                      <m:fPr>
-                        <m:ctrlPr>
-                          <a:rPr lang="en-US" sz="2400" b="0" i="1" smtClean="0">
-                            <a:latin typeface="Cambria Math" panose="02040503050406030204" pitchFamily="18" charset="0"/>
-                          </a:rPr>
-                        </m:ctrlPr>
-                      </m:fPr>
-                      <m:num>
-                        <m:r>
-                          <a:rPr lang="en-US" sz="2400" b="0" i="1" smtClean="0">
-                            <a:latin typeface="Cambria Math" panose="02040503050406030204" pitchFamily="18" charset="0"/>
-                          </a:rPr>
-                          <m:t>3</m:t>
-                        </m:r>
-                        <m:sSub>
-                          <m:sSubPr>
-                            <m:ctrlPr>
-                              <a:rPr lang="en-US" sz="2400" b="0" i="1" smtClean="0">
-                                <a:latin typeface="Cambria Math" panose="02040503050406030204" pitchFamily="18" charset="0"/>
-                              </a:rPr>
-                            </m:ctrlPr>
-                          </m:sSubPr>
-                          <m:e>
-                            <m:r>
-                              <a:rPr lang="en-US" sz="2400" b="0" i="1" smtClean="0">
-                                <a:latin typeface="Cambria Math" panose="02040503050406030204" pitchFamily="18" charset="0"/>
-                              </a:rPr>
-                              <m:t>𝐽</m:t>
-                            </m:r>
-                          </m:e>
-                          <m:sub>
-                            <m:r>
-                              <a:rPr lang="en-US" sz="2400" b="0" i="1" smtClean="0">
-                                <a:latin typeface="Cambria Math" panose="02040503050406030204" pitchFamily="18" charset="0"/>
-                              </a:rPr>
-                              <m:t>2</m:t>
-                            </m:r>
-                          </m:sub>
-                        </m:sSub>
-                        <m:sSup>
-                          <m:sSupPr>
-                            <m:ctrlPr>
-                              <a:rPr lang="en-US" sz="2400" b="0" i="1" smtClean="0">
-                                <a:latin typeface="Cambria Math" panose="02040503050406030204" pitchFamily="18" charset="0"/>
-                              </a:rPr>
-                            </m:ctrlPr>
-                          </m:sSupPr>
-                          <m:e>
-                            <m:r>
-                              <a:rPr lang="en-US" sz="2400" b="0" i="1" smtClean="0">
-                                <a:latin typeface="Cambria Math" panose="02040503050406030204" pitchFamily="18" charset="0"/>
-                              </a:rPr>
-                              <m:t>𝑅</m:t>
-                            </m:r>
-                          </m:e>
-                          <m:sup>
-                            <m:r>
-                              <a:rPr lang="en-US" sz="2400" b="0" i="1" smtClean="0">
-                                <a:latin typeface="Cambria Math" panose="02040503050406030204" pitchFamily="18" charset="0"/>
-                              </a:rPr>
-                              <m:t>2</m:t>
-                            </m:r>
-                          </m:sup>
-                        </m:sSup>
-                        <m:r>
-                          <a:rPr lang="en-US" sz="2400" b="0" i="1" smtClean="0">
-                            <a:latin typeface="Cambria Math" panose="02040503050406030204" pitchFamily="18" charset="0"/>
-                          </a:rPr>
-                          <m:t>𝑛</m:t>
-                        </m:r>
-                      </m:num>
-                      <m:den>
-                        <m:r>
-                          <a:rPr lang="en-US" sz="2400" b="0" i="1" smtClean="0">
-                            <a:latin typeface="Cambria Math" panose="02040503050406030204" pitchFamily="18" charset="0"/>
-                          </a:rPr>
-                          <m:t>2</m:t>
-                        </m:r>
-                        <m:sSup>
-                          <m:sSupPr>
-                            <m:ctrlPr>
-                              <a:rPr lang="en-US" sz="2400" b="0" i="1" smtClean="0">
-                                <a:latin typeface="Cambria Math" panose="02040503050406030204" pitchFamily="18" charset="0"/>
-                              </a:rPr>
-                            </m:ctrlPr>
-                          </m:sSupPr>
-                          <m:e>
-                            <m:r>
-                              <a:rPr lang="en-US" sz="2400" b="0" i="1" smtClean="0">
-                                <a:latin typeface="Cambria Math" panose="02040503050406030204" pitchFamily="18" charset="0"/>
-                              </a:rPr>
-                              <m:t>𝑝</m:t>
-                            </m:r>
-                          </m:e>
-                          <m:sup>
-                            <m:r>
-                              <a:rPr lang="en-US" sz="2400" b="0" i="1" smtClean="0">
-                                <a:latin typeface="Cambria Math" panose="02040503050406030204" pitchFamily="18" charset="0"/>
-                              </a:rPr>
-                              <m:t>2</m:t>
-                            </m:r>
-                          </m:sup>
-                        </m:sSup>
-                      </m:den>
-                    </m:f>
-                    <m:func>
-                      <m:funcPr>
-                        <m:ctrlPr>
-                          <a:rPr lang="en-US" sz="2400" b="0" i="1" smtClean="0">
-                            <a:latin typeface="Cambria Math" panose="02040503050406030204" pitchFamily="18" charset="0"/>
-                          </a:rPr>
-                        </m:ctrlPr>
-                      </m:funcPr>
-                      <m:fName>
-                        <m:r>
-                          <m:rPr>
-                            <m:sty m:val="p"/>
-                          </m:rPr>
-                          <a:rPr lang="en-US" sz="2400" b="0" i="0" smtClean="0">
-                            <a:latin typeface="Cambria Math" panose="02040503050406030204" pitchFamily="18" charset="0"/>
-                          </a:rPr>
-                          <m:t>cos</m:t>
-                        </m:r>
-                      </m:fName>
-                      <m:e>
-                        <m:r>
-                          <a:rPr lang="en-US" sz="2400" b="0" i="1" smtClean="0">
-                            <a:latin typeface="Cambria Math" panose="02040503050406030204" pitchFamily="18" charset="0"/>
-                          </a:rPr>
-                          <m:t>𝑖</m:t>
-                        </m:r>
-                      </m:e>
-                    </m:func>
-                  </m:oMath>
-                </a14:m>
-                <a:endParaRPr lang="en-US" sz="2400" dirty="0" smtClean="0"/>
-              </a:p>
-              <a:p>
-                <a14:m>
-                  <m:oMath xmlns:m="http://schemas.openxmlformats.org/officeDocument/2006/math">
-                    <m:acc>
-                      <m:accPr>
-                        <m:chr m:val="̇"/>
-                        <m:ctrlPr>
-                          <a:rPr lang="en-US" sz="2400" i="1" smtClean="0">
-                            <a:latin typeface="Cambria Math" panose="02040503050406030204" pitchFamily="18" charset="0"/>
-                          </a:rPr>
-                        </m:ctrlPr>
-                      </m:accPr>
-                      <m:e>
-                        <m:acc>
-                          <m:accPr>
-                            <m:chr m:val="̅"/>
-                            <m:ctrlPr>
-                              <a:rPr lang="en-US" sz="2400" i="1" smtClean="0">
-                                <a:latin typeface="Cambria Math" panose="02040503050406030204" pitchFamily="18" charset="0"/>
-                              </a:rPr>
-                            </m:ctrlPr>
-                          </m:accPr>
-                          <m:e>
-                            <m:r>
-                              <a:rPr lang="en-US" sz="2400" i="1" smtClean="0">
-                                <a:latin typeface="Cambria Math" panose="02040503050406030204" pitchFamily="18" charset="0"/>
-                                <a:ea typeface="Cambria Math" panose="02040503050406030204" pitchFamily="18" charset="0"/>
-                              </a:rPr>
-                              <m:t>𝜔</m:t>
-                            </m:r>
-                          </m:e>
-                        </m:acc>
-                      </m:e>
-                    </m:acc>
-                    <m:r>
-                      <a:rPr lang="en-US" sz="2400" b="0" i="1" smtClean="0">
-                        <a:latin typeface="Cambria Math" panose="02040503050406030204" pitchFamily="18" charset="0"/>
-                      </a:rPr>
-                      <m:t>=</m:t>
-                    </m:r>
-                    <m:f>
-                      <m:fPr>
-                        <m:ctrlPr>
-                          <a:rPr lang="en-US" sz="2400" b="0" i="1" smtClean="0">
-                            <a:latin typeface="Cambria Math" panose="02040503050406030204" pitchFamily="18" charset="0"/>
-                          </a:rPr>
-                        </m:ctrlPr>
-                      </m:fPr>
-                      <m:num>
-                        <m:r>
-                          <a:rPr lang="en-US" sz="2400" b="0" i="1" smtClean="0">
-                            <a:latin typeface="Cambria Math" panose="02040503050406030204" pitchFamily="18" charset="0"/>
-                          </a:rPr>
-                          <m:t>3</m:t>
-                        </m:r>
-                        <m:sSub>
-                          <m:sSubPr>
-                            <m:ctrlPr>
-                              <a:rPr lang="en-US" sz="2400" b="0" i="1" smtClean="0">
-                                <a:latin typeface="Cambria Math" panose="02040503050406030204" pitchFamily="18" charset="0"/>
-                              </a:rPr>
-                            </m:ctrlPr>
-                          </m:sSubPr>
-                          <m:e>
-                            <m:r>
-                              <a:rPr lang="en-US" sz="2400" b="0" i="1" smtClean="0">
-                                <a:latin typeface="Cambria Math" panose="02040503050406030204" pitchFamily="18" charset="0"/>
-                              </a:rPr>
-                              <m:t>𝐽</m:t>
-                            </m:r>
-                          </m:e>
-                          <m:sub>
-                            <m:r>
-                              <a:rPr lang="en-US" sz="2400" b="0" i="1" smtClean="0">
-                                <a:latin typeface="Cambria Math" panose="02040503050406030204" pitchFamily="18" charset="0"/>
-                              </a:rPr>
-                              <m:t>2</m:t>
-                            </m:r>
-                          </m:sub>
-                        </m:sSub>
-                        <m:sSup>
-                          <m:sSupPr>
-                            <m:ctrlPr>
-                              <a:rPr lang="en-US" sz="2400" b="0" i="1" smtClean="0">
-                                <a:latin typeface="Cambria Math" panose="02040503050406030204" pitchFamily="18" charset="0"/>
-                              </a:rPr>
-                            </m:ctrlPr>
-                          </m:sSupPr>
-                          <m:e>
-                            <m:r>
-                              <a:rPr lang="en-US" sz="2400" b="0" i="1" smtClean="0">
-                                <a:latin typeface="Cambria Math" panose="02040503050406030204" pitchFamily="18" charset="0"/>
-                              </a:rPr>
-                              <m:t>𝑅</m:t>
-                            </m:r>
-                          </m:e>
-                          <m:sup>
-                            <m:r>
-                              <a:rPr lang="en-US" sz="2400" b="0" i="1" smtClean="0">
-                                <a:latin typeface="Cambria Math" panose="02040503050406030204" pitchFamily="18" charset="0"/>
-                              </a:rPr>
-                              <m:t>2</m:t>
-                            </m:r>
-                          </m:sup>
-                        </m:sSup>
-                        <m:r>
-                          <a:rPr lang="en-US" sz="2400" b="0" i="1" smtClean="0">
-                            <a:latin typeface="Cambria Math" panose="02040503050406030204" pitchFamily="18" charset="0"/>
-                          </a:rPr>
-                          <m:t>𝑛</m:t>
-                        </m:r>
-                      </m:num>
-                      <m:den>
-                        <m:r>
-                          <a:rPr lang="en-US" sz="2400" b="0" i="1" smtClean="0">
-                            <a:latin typeface="Cambria Math" panose="02040503050406030204" pitchFamily="18" charset="0"/>
-                          </a:rPr>
-                          <m:t>4</m:t>
-                        </m:r>
-                        <m:sSup>
-                          <m:sSupPr>
-                            <m:ctrlPr>
-                              <a:rPr lang="en-US" sz="2400" b="0" i="1" smtClean="0">
-                                <a:latin typeface="Cambria Math" panose="02040503050406030204" pitchFamily="18" charset="0"/>
-                              </a:rPr>
-                            </m:ctrlPr>
-                          </m:sSupPr>
-                          <m:e>
-                            <m:r>
-                              <a:rPr lang="en-US" sz="2400" b="0" i="1" smtClean="0">
-                                <a:latin typeface="Cambria Math" panose="02040503050406030204" pitchFamily="18" charset="0"/>
-                              </a:rPr>
-                              <m:t>𝑝</m:t>
-                            </m:r>
-                          </m:e>
-                          <m:sup>
-                            <m:r>
-                              <a:rPr lang="en-US" sz="2400" b="0" i="1" smtClean="0">
-                                <a:latin typeface="Cambria Math" panose="02040503050406030204" pitchFamily="18" charset="0"/>
-                              </a:rPr>
-                              <m:t>2</m:t>
-                            </m:r>
-                          </m:sup>
-                        </m:sSup>
-                      </m:den>
-                    </m:f>
-                    <m:d>
-                      <m:dPr>
-                        <m:ctrlPr>
-                          <a:rPr lang="en-US" sz="2400" b="0" i="1" smtClean="0">
-                            <a:latin typeface="Cambria Math" panose="02040503050406030204" pitchFamily="18" charset="0"/>
-                          </a:rPr>
-                        </m:ctrlPr>
-                      </m:dPr>
-                      <m:e>
-                        <m:r>
-                          <a:rPr lang="en-US" sz="2400" b="0" i="1" smtClean="0">
-                            <a:latin typeface="Cambria Math" panose="02040503050406030204" pitchFamily="18" charset="0"/>
-                          </a:rPr>
-                          <m:t>5</m:t>
-                        </m:r>
-                        <m:func>
-                          <m:funcPr>
-                            <m:ctrlPr>
-                              <a:rPr lang="en-US" sz="2400" b="0" i="1" smtClean="0">
-                                <a:latin typeface="Cambria Math" panose="02040503050406030204" pitchFamily="18" charset="0"/>
-                              </a:rPr>
-                            </m:ctrlPr>
-                          </m:funcPr>
-                          <m:fName>
-                            <m:sSup>
-                              <m:sSupPr>
-                                <m:ctrlPr>
-                                  <a:rPr lang="en-US" sz="2400" b="0" i="1" smtClean="0">
-                                    <a:latin typeface="Cambria Math" panose="02040503050406030204" pitchFamily="18" charset="0"/>
-                                  </a:rPr>
-                                </m:ctrlPr>
-                              </m:sSupPr>
-                              <m:e>
-                                <m:r>
-                                  <m:rPr>
-                                    <m:sty m:val="p"/>
-                                  </m:rPr>
-                                  <a:rPr lang="en-US" sz="2400" b="0" i="0" smtClean="0">
-                                    <a:latin typeface="Cambria Math" panose="02040503050406030204" pitchFamily="18" charset="0"/>
-                                  </a:rPr>
-                                  <m:t>cos</m:t>
-                                </m:r>
-                              </m:e>
-                              <m:sup>
-                                <m:r>
-                                  <a:rPr lang="en-US" sz="2400" b="0" i="1" smtClean="0">
-                                    <a:latin typeface="Cambria Math" panose="02040503050406030204" pitchFamily="18" charset="0"/>
-                                  </a:rPr>
-                                  <m:t>2</m:t>
-                                </m:r>
-                              </m:sup>
-                            </m:sSup>
-                          </m:fName>
-                          <m:e>
-                            <m:r>
-                              <a:rPr lang="en-US" sz="2400" b="0" i="1" smtClean="0">
-                                <a:latin typeface="Cambria Math" panose="02040503050406030204" pitchFamily="18" charset="0"/>
-                              </a:rPr>
-                              <m:t>𝑖</m:t>
-                            </m:r>
-                          </m:e>
-                        </m:func>
-                        <m:r>
-                          <a:rPr lang="en-US" sz="2400" b="0" i="1" smtClean="0">
-                            <a:latin typeface="Cambria Math" panose="02040503050406030204" pitchFamily="18" charset="0"/>
-                          </a:rPr>
-                          <m:t>−1</m:t>
-                        </m:r>
-                      </m:e>
-                    </m:d>
-                  </m:oMath>
-                </a14:m>
-                <a:endParaRPr lang="en-US" sz="2400" dirty="0"/>
-              </a:p>
-            </p:txBody>
-          </p:sp>
-        </mc:Choice>
-        <mc:Fallback xmlns="">
-          <p:sp>
-            <p:nvSpPr>
-              <p:cNvPr id="3" name="Content Placeholder 2"/>
-              <p:cNvSpPr>
-                <a:spLocks noGrp="1" noRot="1" noChangeAspect="1" noMove="1" noResize="1" noEditPoints="1" noAdjustHandles="1" noChangeArrowheads="1" noChangeShapeType="1" noTextEdit="1"/>
-              </p:cNvSpPr>
-              <p:nvPr>
-                <p:ph idx="1"/>
-              </p:nvPr>
-            </p:nvSpPr>
-            <p:spPr>
-              <a:blipFill>
-                <a:blip r:embed="rId3"/>
-                <a:stretch>
-                  <a:fillRect/>
-                </a:stretch>
-              </a:blipFill>
-            </p:spPr>
-            <p:txBody>
-              <a:bodyPr/>
-              <a:lstStyle/>
-              <a:p>
-                <a:r>
-                  <a:rPr lang="en-US">
-                    <a:noFill/>
-                  </a:rPr>
-                  <a:t> </a:t>
-                </a:r>
-              </a:p>
-            </p:txBody>
-          </p:sp>
-        </mc:Fallback>
-      </mc:AlternateContent>
-    </p:spTree>
-    <p:extLst>
-      <p:ext uri="{BB962C8B-B14F-4D97-AF65-F5344CB8AC3E}">
-        <p14:creationId xmlns:p14="http://schemas.microsoft.com/office/powerpoint/2010/main" val="2193512530"/>
-      </p:ext>
-    </p:extLst>
-  </p:cSld>
-  <p:clrMapOvr>
-    <a:masterClrMapping/>
-  </p:clrMapOvr>
-</p:sld>
-</file>
-
-<file path=ppt/slides/slide8.xml><?xml version="1.0" encoding="utf-8"?>
-<p:sld xmlns:a="http://schemas.openxmlformats.org/drawingml/2006/main" xmlns:r="http://schemas.openxmlformats.org/officeDocument/2006/relationships" xmlns:p="http://schemas.openxmlformats.org/presentationml/2006/main">
-  <p:cSld>
-    <p:spTree>
-      <p:nvGrpSpPr>
-        <p:cNvPr id="1" name=""/>
-        <p:cNvGrpSpPr/>
-        <p:nvPr/>
-      </p:nvGrpSpPr>
-      <p:grpSpPr>
-        <a:xfrm>
-          <a:off x="0" y="0"/>
-          <a:ext cx="0" cy="0"/>
-          <a:chOff x="0" y="0"/>
-          <a:chExt cx="0" cy="0"/>
-        </a:xfrm>
-      </p:grpSpPr>
-      <p:sp>
-        <p:nvSpPr>
-          <p:cNvPr id="2" name="Title 1"/>
-          <p:cNvSpPr>
-            <a:spLocks noGrp="1"/>
-          </p:cNvSpPr>
-          <p:nvPr>
-            <p:ph type="title"/>
-          </p:nvPr>
-        </p:nvSpPr>
-        <p:spPr/>
-        <p:txBody>
-          <a:bodyPr/>
-          <a:lstStyle/>
-          <a:p>
-            <a:r>
-              <a:rPr lang="en-US" dirty="0" smtClean="0"/>
               <a:t>Results: Gauss </a:t>
             </a:r>
             <a:r>
@@ -9723,7 +8041,7 @@
 </p:sld>
 </file>
 
-<file path=ppt/slides/slide9.xml><?xml version="1.0" encoding="utf-8"?>
+<file path=ppt/slides/slide8.xml><?xml version="1.0" encoding="utf-8"?>
 <p:sld xmlns:a="http://schemas.openxmlformats.org/drawingml/2006/main" xmlns:r="http://schemas.openxmlformats.org/officeDocument/2006/relationships" xmlns:p="http://schemas.openxmlformats.org/presentationml/2006/main">
   <p:cSld>
     <p:spTree>
@@ -10579,29 +8897,29 @@
 </file>
 
 <file path=customXml/item1.xml><?xml version="1.0" encoding="utf-8"?>
-<sisl xmlns:xsi="http://www.w3.org/2001/XMLSchema-instance" xmlns:xsd="http://www.w3.org/2001/XMLSchema" xmlns="http://www.boldonjames.com/2008/01/sie/internal/label" sislVersion="0" policy="cde53ac1-bf5f-4aae-9cf1-07509e23a4b0" origin="userSelected"/>
-</file>
-
-<file path=customXml/item2.xml><?xml version="1.0" encoding="utf-8"?>
 <WrappedLabelHistory xmlns:xsi="http://www.w3.org/2001/XMLSchema-instance" xmlns:xsd="http://www.w3.org/2001/XMLSchema" xmlns="http://www.boldonjames.com/2016/02/Classifier/internal/wrappedLabelHistory">
   <Value>PD94bWwgdmVyc2lvbj0iMS4wIiBlbmNvZGluZz0idXMtYXNjaWkiPz48bGFiZWxIaXN0b3J5IHhtbG5zOnhzaT0iaHR0cDovL3d3dy53My5vcmcvMjAwMS9YTUxTY2hlbWEtaW5zdGFuY2UiIHhtbG5zOnhzZD0iaHR0cDovL3d3dy53My5vcmcvMjAwMS9YTUxTY2hlbWEiIHhtbG5zPSJodHRwOi8vd3d3LmJvbGRvbmphbWVzLmNvbS8yMDE2LzAyL0NsYXNzaWZpZXIvaW50ZXJuYWwvbGFiZWxIaXN0b3J5Ij48aXRlbT48c2lzbCBzaXNsVmVyc2lvbj0iMCIgcG9saWN5PSJjZGU1M2FjMS1iZjVmLTRhYWUtOWNmMS0wNzUwOWUyM2E0YjAiIG9yaWdpbj0idXNlclNlbGVjdGVkIiAvPjxVc2VyTmFtZT5VU1x6MTA4OTgyOTwvVXNlck5hbWU+PERhdGVUaW1lPjEwLzI5LzIwMTggMjowNDo1NyBQTTwvRGF0ZVRpbWU+PExhYmVsU3RyaW5nPlRoaXMgYXJ0aWZhY3QgaGFzIG5vIGNsYXNzaWZpY2F0aW9uLjwvTGFiZWxTdHJpbmc+PC9pdGVtPjwvbGFiZWxIaXN0b3J5Pg==</Value>
 </WrappedLabelHistory>
 </file>
 
+<file path=customXml/item2.xml><?xml version="1.0" encoding="utf-8"?>
+<sisl xmlns:xsi="http://www.w3.org/2001/XMLSchema-instance" xmlns:xsd="http://www.w3.org/2001/XMLSchema" xmlns="http://www.boldonjames.com/2008/01/sie/internal/label" sislVersion="0" policy="cde53ac1-bf5f-4aae-9cf1-07509e23a4b0" origin="userSelected"/>
+</file>
+
 <file path=customXml/itemProps1.xml><?xml version="1.0" encoding="utf-8"?>
+<ds:datastoreItem xmlns:ds="http://schemas.openxmlformats.org/officeDocument/2006/customXml" ds:itemID="{8F3D67F1-45F6-45F4-924E-C40296E44607}">
+  <ds:schemaRefs>
+    <ds:schemaRef ds:uri="http://www.w3.org/2001/XMLSchema"/>
+    <ds:schemaRef ds:uri="http://www.boldonjames.com/2016/02/Classifier/internal/wrappedLabelHistory"/>
+  </ds:schemaRefs>
+</ds:datastoreItem>
+</file>
+
+<file path=customXml/itemProps2.xml><?xml version="1.0" encoding="utf-8"?>
 <ds:datastoreItem xmlns:ds="http://schemas.openxmlformats.org/officeDocument/2006/customXml" ds:itemID="{AF6E7334-B74F-4269-96F9-7C22409C9EA6}">
   <ds:schemaRefs>
     <ds:schemaRef ds:uri="http://www.w3.org/2001/XMLSchema"/>
     <ds:schemaRef ds:uri="http://www.boldonjames.com/2008/01/sie/internal/label"/>
   </ds:schemaRefs>
 </ds:datastoreItem>
-</file>
-
-<file path=customXml/itemProps2.xml><?xml version="1.0" encoding="utf-8"?>
-<ds:datastoreItem xmlns:ds="http://schemas.openxmlformats.org/officeDocument/2006/customXml" ds:itemID="{8F3D67F1-45F6-45F4-924E-C40296E44607}">
-  <ds:schemaRefs>
-    <ds:schemaRef ds:uri="http://www.w3.org/2001/XMLSchema"/>
-    <ds:schemaRef ds:uri="http://www.boldonjames.com/2016/02/Classifier/internal/wrappedLabelHistory"/>
-  </ds:schemaRefs>
-</ds:datastoreItem>
 </file>
--- a/Presentation_Slides/AME 557 Project 2 Outline.pptx
+++ b/Presentation_Slides/AME 557 Project 2 Outline.pptx
@@ -207,7 +207,7 @@
           <a:p>
             <a:fld id="{5161AEA7-BDE3-4933-ABF6-F40A6642C2BA}" type="datetimeFigureOut">
               <a:rPr lang="en-US" smtClean="0"/>
-              <a:t>11/3/2018</a:t>
+              <a:t>11/4/2018</a:t>
             </a:fld>
             <a:endParaRPr lang="en-US"/>
           </a:p>
@@ -372,7 +372,7 @@
           <a:p>
             <a:fld id="{AA723876-049D-4529-81E4-B0DA7F95CC9A}" type="datetimeFigureOut">
               <a:rPr lang="en-US" smtClean="0"/>
-              <a:t>11/3/2018</a:t>
+              <a:t>11/4/2018</a:t>
             </a:fld>
             <a:endParaRPr lang="en-US"/>
           </a:p>
@@ -1748,7 +1748,7 @@
           <a:p>
             <a:fld id="{5CD77D07-8B73-47AA-BA22-D3F09B3009AD}" type="datetimeFigureOut">
               <a:rPr lang="en-US" smtClean="0"/>
-              <a:t>11/3/2018</a:t>
+              <a:t>11/4/2018</a:t>
             </a:fld>
             <a:endParaRPr lang="en-US"/>
           </a:p>
@@ -1918,7 +1918,7 @@
           <a:p>
             <a:fld id="{5CD77D07-8B73-47AA-BA22-D3F09B3009AD}" type="datetimeFigureOut">
               <a:rPr lang="en-US" smtClean="0"/>
-              <a:t>11/3/2018</a:t>
+              <a:t>11/4/2018</a:t>
             </a:fld>
             <a:endParaRPr lang="en-US"/>
           </a:p>
@@ -2098,7 +2098,7 @@
           <a:p>
             <a:fld id="{5CD77D07-8B73-47AA-BA22-D3F09B3009AD}" type="datetimeFigureOut">
               <a:rPr lang="en-US" smtClean="0"/>
-              <a:t>11/3/2018</a:t>
+              <a:t>11/4/2018</a:t>
             </a:fld>
             <a:endParaRPr lang="en-US"/>
           </a:p>
@@ -2268,7 +2268,7 @@
           <a:p>
             <a:fld id="{5CD77D07-8B73-47AA-BA22-D3F09B3009AD}" type="datetimeFigureOut">
               <a:rPr lang="en-US" smtClean="0"/>
-              <a:t>11/3/2018</a:t>
+              <a:t>11/4/2018</a:t>
             </a:fld>
             <a:endParaRPr lang="en-US"/>
           </a:p>
@@ -2514,7 +2514,7 @@
           <a:p>
             <a:fld id="{5CD77D07-8B73-47AA-BA22-D3F09B3009AD}" type="datetimeFigureOut">
               <a:rPr lang="en-US" smtClean="0"/>
-              <a:t>11/3/2018</a:t>
+              <a:t>11/4/2018</a:t>
             </a:fld>
             <a:endParaRPr lang="en-US"/>
           </a:p>
@@ -2746,7 +2746,7 @@
           <a:p>
             <a:fld id="{5CD77D07-8B73-47AA-BA22-D3F09B3009AD}" type="datetimeFigureOut">
               <a:rPr lang="en-US" smtClean="0"/>
-              <a:t>11/3/2018</a:t>
+              <a:t>11/4/2018</a:t>
             </a:fld>
             <a:endParaRPr lang="en-US"/>
           </a:p>
@@ -3113,7 +3113,7 @@
           <a:p>
             <a:fld id="{5CD77D07-8B73-47AA-BA22-D3F09B3009AD}" type="datetimeFigureOut">
               <a:rPr lang="en-US" smtClean="0"/>
-              <a:t>11/3/2018</a:t>
+              <a:t>11/4/2018</a:t>
             </a:fld>
             <a:endParaRPr lang="en-US"/>
           </a:p>
@@ -3231,7 +3231,7 @@
           <a:p>
             <a:fld id="{5CD77D07-8B73-47AA-BA22-D3F09B3009AD}" type="datetimeFigureOut">
               <a:rPr lang="en-US" smtClean="0"/>
-              <a:t>11/3/2018</a:t>
+              <a:t>11/4/2018</a:t>
             </a:fld>
             <a:endParaRPr lang="en-US"/>
           </a:p>
@@ -3326,7 +3326,7 @@
           <a:p>
             <a:fld id="{5CD77D07-8B73-47AA-BA22-D3F09B3009AD}" type="datetimeFigureOut">
               <a:rPr lang="en-US" smtClean="0"/>
-              <a:t>11/3/2018</a:t>
+              <a:t>11/4/2018</a:t>
             </a:fld>
             <a:endParaRPr lang="en-US"/>
           </a:p>
@@ -3603,7 +3603,7 @@
           <a:p>
             <a:fld id="{5CD77D07-8B73-47AA-BA22-D3F09B3009AD}" type="datetimeFigureOut">
               <a:rPr lang="en-US" smtClean="0"/>
-              <a:t>11/3/2018</a:t>
+              <a:t>11/4/2018</a:t>
             </a:fld>
             <a:endParaRPr lang="en-US"/>
           </a:p>
@@ -3856,7 +3856,7 @@
           <a:p>
             <a:fld id="{5CD77D07-8B73-47AA-BA22-D3F09B3009AD}" type="datetimeFigureOut">
               <a:rPr lang="en-US" smtClean="0"/>
-              <a:t>11/3/2018</a:t>
+              <a:t>11/4/2018</a:t>
             </a:fld>
             <a:endParaRPr lang="en-US"/>
           </a:p>
@@ -4069,7 +4069,7 @@
           <a:p>
             <a:fld id="{5CD77D07-8B73-47AA-BA22-D3F09B3009AD}" type="datetimeFigureOut">
               <a:rPr lang="en-US" smtClean="0"/>
-              <a:t>11/3/2018</a:t>
+              <a:t>11/4/2018</a:t>
             </a:fld>
             <a:endParaRPr lang="en-US"/>
           </a:p>
@@ -4576,7 +4576,12 @@
             <p:ph type="title"/>
           </p:nvPr>
         </p:nvSpPr>
-        <p:spPr/>
+        <p:spPr>
+          <a:xfrm>
+            <a:off x="838200" y="365126"/>
+            <a:ext cx="10515600" cy="937464"/>
+          </a:xfrm>
+        </p:spPr>
         <p:txBody>
           <a:bodyPr>
             <a:normAutofit/>
@@ -4601,9 +4606,16 @@
             <p:ph idx="1"/>
           </p:nvPr>
         </p:nvSpPr>
-        <p:spPr/>
-        <p:txBody>
-          <a:bodyPr/>
+        <p:spPr>
+          <a:xfrm>
+            <a:off x="838200" y="1454688"/>
+            <a:ext cx="11057626" cy="4351338"/>
+          </a:xfrm>
+        </p:spPr>
+        <p:txBody>
+          <a:bodyPr>
+            <a:normAutofit/>
+          </a:bodyPr>
           <a:lstStyle/>
           <a:p>
             <a:r>
@@ -4626,12 +4638,28 @@
               <a:t> 1 Chinese space station and estimate the lifetime of the space station using both numerical integration of the </a:t>
             </a:r>
             <a:r>
+              <a:rPr lang="en-US" dirty="0" smtClean="0"/>
+              <a:t>perturbed </a:t>
+            </a:r>
+            <a:r>
               <a:rPr lang="en-US" dirty="0" err="1" smtClean="0"/>
               <a:t>Keplarian</a:t>
             </a:r>
             <a:r>
               <a:rPr lang="en-US" dirty="0" smtClean="0"/>
-              <a:t> equations of motion including J2 and atmospheric drag perturbations and the averaged Gauss </a:t>
+              <a:t> </a:t>
+            </a:r>
+            <a:r>
+              <a:rPr lang="en-US" dirty="0" smtClean="0"/>
+              <a:t>equations of </a:t>
+            </a:r>
+            <a:r>
+              <a:rPr lang="en-US" dirty="0" smtClean="0"/>
+              <a:t>motion and </a:t>
+            </a:r>
+            <a:r>
+              <a:rPr lang="en-US" dirty="0" smtClean="0"/>
+              <a:t>the averaged Gauss </a:t>
             </a:r>
             <a:r>
               <a:rPr lang="en-US" dirty="0" err="1" smtClean="0"/>
@@ -4639,24 +4667,107 @@
             </a:r>
             <a:r>
               <a:rPr lang="en-US" dirty="0" smtClean="0"/>
-              <a:t> equations.</a:t>
-            </a:r>
-          </a:p>
-          <a:p>
-            <a:pPr marL="457200" lvl="1" indent="0">
-              <a:buNone/>
-            </a:pPr>
+              <a:t> equations</a:t>
+            </a:r>
             <a:r>
               <a:rPr lang="en-US" dirty="0" smtClean="0"/>
-              <a:t>  </a:t>
-            </a:r>
-          </a:p>
-          <a:p>
-            <a:r>
-              <a:rPr lang="en-US" dirty="0" smtClean="0"/>
-              <a:t>The lifetime of the space station will be determined when the magnitude of the orbital position vector is less than the equatorial radius of the Earth.</a:t>
-            </a:r>
-            <a:endParaRPr lang="en-US" dirty="0"/>
+              <a:t>.</a:t>
+            </a:r>
+          </a:p>
+          <a:p>
+            <a:pPr lvl="1"/>
+            <a:endParaRPr lang="en-US" dirty="0" smtClean="0"/>
+          </a:p>
+          <a:p>
+            <a:r>
+              <a:rPr lang="en-US" sz="2400" dirty="0" smtClean="0"/>
+              <a:t>The </a:t>
+            </a:r>
+            <a:r>
+              <a:rPr lang="en-US" sz="2400" dirty="0" err="1" smtClean="0"/>
+              <a:t>Tiangong</a:t>
+            </a:r>
+            <a:r>
+              <a:rPr lang="en-US" sz="2400" dirty="0" smtClean="0"/>
+              <a:t> 1 re-entered the Earth’s atmosphere on April (1-2) 2018.</a:t>
+            </a:r>
+          </a:p>
+          <a:p>
+            <a:endParaRPr lang="en-US" sz="2400" dirty="0" smtClean="0"/>
+          </a:p>
+        </p:txBody>
+      </p:sp>
+      <p:pic>
+        <p:nvPicPr>
+          <p:cNvPr id="1026" name="Picture 2" descr="https://e3.365dm.com/18/03/1096x616/skynews-tiangong-china-chinese_4264895.jpg?bypass-service-worker&amp;20180325161729"/>
+          <p:cNvPicPr>
+            <a:picLocks noChangeAspect="1" noChangeArrowheads="1"/>
+          </p:cNvPicPr>
+          <p:nvPr/>
+        </p:nvPicPr>
+        <p:blipFill>
+          <a:blip r:embed="rId3">
+            <a:extLst>
+              <a:ext uri="{28A0092B-C50C-407E-A947-70E740481C1C}">
+                <a14:useLocalDpi xmlns:a14="http://schemas.microsoft.com/office/drawing/2010/main" val="0"/>
+              </a:ext>
+            </a:extLst>
+          </a:blip>
+          <a:srcRect/>
+          <a:stretch>
+            <a:fillRect/>
+          </a:stretch>
+        </p:blipFill>
+        <p:spPr bwMode="auto">
+          <a:xfrm>
+            <a:off x="6832121" y="3825625"/>
+            <a:ext cx="4904118" cy="2756330"/>
+          </a:xfrm>
+          <a:prstGeom prst="rect">
+            <a:avLst/>
+          </a:prstGeom>
+          <a:noFill/>
+          <a:extLst>
+            <a:ext uri="{909E8E84-426E-40DD-AFC4-6F175D3DCCD1}">
+              <a14:hiddenFill xmlns:a14="http://schemas.microsoft.com/office/drawing/2010/main">
+                <a:solidFill>
+                  <a:srgbClr val="FFFFFF"/>
+                </a:solidFill>
+              </a14:hiddenFill>
+            </a:ext>
+          </a:extLst>
+        </p:spPr>
+      </p:pic>
+      <p:sp>
+        <p:nvSpPr>
+          <p:cNvPr id="5" name="TextBox 4"/>
+          <p:cNvSpPr txBox="1"/>
+          <p:nvPr/>
+        </p:nvSpPr>
+        <p:spPr>
+          <a:xfrm>
+            <a:off x="6367013" y="6611779"/>
+            <a:ext cx="5952226" cy="246221"/>
+          </a:xfrm>
+          <a:prstGeom prst="rect">
+            <a:avLst/>
+          </a:prstGeom>
+          <a:noFill/>
+        </p:spPr>
+        <p:txBody>
+          <a:bodyPr wrap="square" rtlCol="0">
+            <a:spAutoFit/>
+          </a:bodyPr>
+          <a:lstStyle/>
+          <a:p>
+            <a:r>
+              <a:rPr lang="en-US" sz="1000" dirty="0" smtClean="0"/>
+              <a:t>Source: https</a:t>
+            </a:r>
+            <a:r>
+              <a:rPr lang="en-US" sz="1000" dirty="0"/>
+              <a:t>://news.sky.com/story/chinese-space-lab-tiangong-1-re-enters-earths-atmosphere-11313548</a:t>
+            </a:r>
           </a:p>
         </p:txBody>
       </p:sp>
@@ -4715,8 +4826,8 @@
           </a:p>
         </p:txBody>
       </p:sp>
-      <mc:AlternateContent xmlns:mc="http://schemas.openxmlformats.org/markup-compatibility/2006" xmlns:a14="http://schemas.microsoft.com/office/drawing/2010/main">
-        <mc:Choice Requires="a14">
+      <mc:AlternateContent xmlns:mc="http://schemas.openxmlformats.org/markup-compatibility/2006">
+        <mc:Choice xmlns:a14="http://schemas.microsoft.com/office/drawing/2010/main" Requires="a14">
           <p:sp>
             <p:nvSpPr>
               <p:cNvPr id="3" name="Content Placeholder 2"/>
@@ -4729,7 +4840,9 @@
             </p:nvSpPr>
             <p:spPr/>
             <p:txBody>
-              <a:bodyPr/>
+              <a:bodyPr>
+                <a:normAutofit lnSpcReduction="10000"/>
+              </a:bodyPr>
               <a:lstStyle/>
               <a:p>
                 <a14:m>
@@ -5202,14 +5315,30 @@
                 <a:pPr lvl="1"/>
                 <a:r>
                   <a:rPr lang="en-US" dirty="0" smtClean="0"/>
-                  <a:t>JD = 2458130.58298365</a:t>
+                  <a:t>JD = </a:t>
                 </a:r>
+                <a:r>
+                  <a:rPr lang="en-US" dirty="0" smtClean="0"/>
+                  <a:t>2458130.58298365</a:t>
+                </a:r>
+              </a:p>
+              <a:p>
+                <a:pPr lvl="1"/>
+                <a:endParaRPr lang="en-US" dirty="0"/>
+              </a:p>
+              <a:p>
+                <a:r>
+                  <a:rPr lang="en-US" dirty="0"/>
+                  <a:t>The lifetime of the space station will be determined when the magnitude of the orbital position vector is less than the equatorial radius of the Earth.</a:t>
+                </a:r>
+              </a:p>
+              <a:p>
                 <a:endParaRPr lang="en-US" dirty="0"/>
               </a:p>
             </p:txBody>
           </p:sp>
         </mc:Choice>
-        <mc:Fallback xmlns="">
+        <mc:Fallback>
           <p:sp>
             <p:nvSpPr>
               <p:cNvPr id="3" name="Content Placeholder 2"/>
@@ -5221,10 +5350,10 @@
               </p:nvPr>
             </p:nvSpPr>
             <p:spPr>
-              <a:blipFill>
+              <a:blipFill rotWithShape="0">
                 <a:blip r:embed="rId3"/>
                 <a:stretch>
-                  <a:fillRect l="-1043" t="-1261"/>
+                  <a:fillRect l="-1043" t="-5322" b="-3782"/>
                 </a:stretch>
               </a:blipFill>
             </p:spPr>
@@ -8897,29 +9026,29 @@
 </file>
 
 <file path=customXml/item1.xml><?xml version="1.0" encoding="utf-8"?>
+<sisl xmlns:xsi="http://www.w3.org/2001/XMLSchema-instance" xmlns:xsd="http://www.w3.org/2001/XMLSchema" xmlns="http://www.boldonjames.com/2008/01/sie/internal/label" sislVersion="0" policy="cde53ac1-bf5f-4aae-9cf1-07509e23a4b0" origin="userSelected"/>
+</file>
+
+<file path=customXml/item2.xml><?xml version="1.0" encoding="utf-8"?>
 <WrappedLabelHistory xmlns:xsi="http://www.w3.org/2001/XMLSchema-instance" xmlns:xsd="http://www.w3.org/2001/XMLSchema" xmlns="http://www.boldonjames.com/2016/02/Classifier/internal/wrappedLabelHistory">
   <Value>PD94bWwgdmVyc2lvbj0iMS4wIiBlbmNvZGluZz0idXMtYXNjaWkiPz48bGFiZWxIaXN0b3J5IHhtbG5zOnhzaT0iaHR0cDovL3d3dy53My5vcmcvMjAwMS9YTUxTY2hlbWEtaW5zdGFuY2UiIHhtbG5zOnhzZD0iaHR0cDovL3d3dy53My5vcmcvMjAwMS9YTUxTY2hlbWEiIHhtbG5zPSJodHRwOi8vd3d3LmJvbGRvbmphbWVzLmNvbS8yMDE2LzAyL0NsYXNzaWZpZXIvaW50ZXJuYWwvbGFiZWxIaXN0b3J5Ij48aXRlbT48c2lzbCBzaXNsVmVyc2lvbj0iMCIgcG9saWN5PSJjZGU1M2FjMS1iZjVmLTRhYWUtOWNmMS0wNzUwOWUyM2E0YjAiIG9yaWdpbj0idXNlclNlbGVjdGVkIiAvPjxVc2VyTmFtZT5VU1x6MTA4OTgyOTwvVXNlck5hbWU+PERhdGVUaW1lPjEwLzI5LzIwMTggMjowNDo1NyBQTTwvRGF0ZVRpbWU+PExhYmVsU3RyaW5nPlRoaXMgYXJ0aWZhY3QgaGFzIG5vIGNsYXNzaWZpY2F0aW9uLjwvTGFiZWxTdHJpbmc+PC9pdGVtPjwvbGFiZWxIaXN0b3J5Pg==</Value>
 </WrappedLabelHistory>
 </file>
 
-<file path=customXml/item2.xml><?xml version="1.0" encoding="utf-8"?>
-<sisl xmlns:xsi="http://www.w3.org/2001/XMLSchema-instance" xmlns:xsd="http://www.w3.org/2001/XMLSchema" xmlns="http://www.boldonjames.com/2008/01/sie/internal/label" sislVersion="0" policy="cde53ac1-bf5f-4aae-9cf1-07509e23a4b0" origin="userSelected"/>
+<file path=customXml/itemProps1.xml><?xml version="1.0" encoding="utf-8"?>
+<ds:datastoreItem xmlns:ds="http://schemas.openxmlformats.org/officeDocument/2006/customXml" ds:itemID="{AF6E7334-B74F-4269-96F9-7C22409C9EA6}">
+  <ds:schemaRefs>
+    <ds:schemaRef ds:uri="http://www.w3.org/2001/XMLSchema"/>
+    <ds:schemaRef ds:uri="http://www.boldonjames.com/2008/01/sie/internal/label"/>
+  </ds:schemaRefs>
+</ds:datastoreItem>
 </file>
 
-<file path=customXml/itemProps1.xml><?xml version="1.0" encoding="utf-8"?>
+<file path=customXml/itemProps2.xml><?xml version="1.0" encoding="utf-8"?>
 <ds:datastoreItem xmlns:ds="http://schemas.openxmlformats.org/officeDocument/2006/customXml" ds:itemID="{8F3D67F1-45F6-45F4-924E-C40296E44607}">
   <ds:schemaRefs>
     <ds:schemaRef ds:uri="http://www.w3.org/2001/XMLSchema"/>
     <ds:schemaRef ds:uri="http://www.boldonjames.com/2016/02/Classifier/internal/wrappedLabelHistory"/>
   </ds:schemaRefs>
 </ds:datastoreItem>
-</file>
-
-<file path=customXml/itemProps2.xml><?xml version="1.0" encoding="utf-8"?>
-<ds:datastoreItem xmlns:ds="http://schemas.openxmlformats.org/officeDocument/2006/customXml" ds:itemID="{AF6E7334-B74F-4269-96F9-7C22409C9EA6}">
-  <ds:schemaRefs>
-    <ds:schemaRef ds:uri="http://www.w3.org/2001/XMLSchema"/>
-    <ds:schemaRef ds:uri="http://www.boldonjames.com/2008/01/sie/internal/label"/>
-  </ds:schemaRefs>
-</ds:datastoreItem>
 </file>
--- a/Presentation_Slides/AME 557 Project 2 Outline.pptx
+++ b/Presentation_Slides/AME 557 Project 2 Outline.pptx
@@ -2,13 +2,13 @@
 <file path=ppt/presentation.xml><?xml version="1.0" encoding="utf-8"?>
 <p:presentation xmlns:a="http://schemas.openxmlformats.org/drawingml/2006/main" xmlns:r="http://schemas.openxmlformats.org/officeDocument/2006/relationships" xmlns:p="http://schemas.openxmlformats.org/presentationml/2006/main" saveSubsetFonts="1">
   <p:sldMasterIdLst>
-    <p:sldMasterId id="2147483648" r:id="rId3"/>
+    <p:sldMasterId id="2147484032" r:id="rId3"/>
   </p:sldMasterIdLst>
   <p:notesMasterIdLst>
-    <p:notesMasterId r:id="rId12"/>
+    <p:notesMasterId r:id="rId14"/>
   </p:notesMasterIdLst>
   <p:handoutMasterIdLst>
-    <p:handoutMasterId r:id="rId13"/>
+    <p:handoutMasterId r:id="rId15"/>
   </p:handoutMasterIdLst>
   <p:sldIdLst>
     <p:sldId id="256" r:id="rId4"/>
@@ -16,9 +16,11 @@
     <p:sldId id="265" r:id="rId6"/>
     <p:sldId id="258" r:id="rId7"/>
     <p:sldId id="262" r:id="rId8"/>
-    <p:sldId id="260" r:id="rId9"/>
-    <p:sldId id="263" r:id="rId10"/>
-    <p:sldId id="264" r:id="rId11"/>
+    <p:sldId id="266" r:id="rId9"/>
+    <p:sldId id="260" r:id="rId10"/>
+    <p:sldId id="263" r:id="rId11"/>
+    <p:sldId id="267" r:id="rId12"/>
+    <p:sldId id="264" r:id="rId13"/>
   </p:sldIdLst>
   <p:sldSz cx="12192000" cy="6858000"/>
   <p:notesSz cx="6858000" cy="9144000"/>
@@ -26,7 +28,7 @@
     <a:defPPr>
       <a:defRPr lang="en-US"/>
     </a:defPPr>
-    <a:lvl1pPr marL="0" algn="l" defTabSz="914400" rtl="0" eaLnBrk="1" latinLnBrk="0" hangingPunct="1">
+    <a:lvl1pPr marL="0" algn="l" defTabSz="457200" rtl="0" eaLnBrk="1" latinLnBrk="0" hangingPunct="1">
       <a:defRPr sz="1800" kern="1200">
         <a:solidFill>
           <a:schemeClr val="tx1"/>
@@ -36,7 +38,7 @@
         <a:cs typeface="+mn-cs"/>
       </a:defRPr>
     </a:lvl1pPr>
-    <a:lvl2pPr marL="457200" algn="l" defTabSz="914400" rtl="0" eaLnBrk="1" latinLnBrk="0" hangingPunct="1">
+    <a:lvl2pPr marL="457200" algn="l" defTabSz="457200" rtl="0" eaLnBrk="1" latinLnBrk="0" hangingPunct="1">
       <a:defRPr sz="1800" kern="1200">
         <a:solidFill>
           <a:schemeClr val="tx1"/>
@@ -46,7 +48,7 @@
         <a:cs typeface="+mn-cs"/>
       </a:defRPr>
     </a:lvl2pPr>
-    <a:lvl3pPr marL="914400" algn="l" defTabSz="914400" rtl="0" eaLnBrk="1" latinLnBrk="0" hangingPunct="1">
+    <a:lvl3pPr marL="914400" algn="l" defTabSz="457200" rtl="0" eaLnBrk="1" latinLnBrk="0" hangingPunct="1">
       <a:defRPr sz="1800" kern="1200">
         <a:solidFill>
           <a:schemeClr val="tx1"/>
@@ -56,7 +58,7 @@
         <a:cs typeface="+mn-cs"/>
       </a:defRPr>
     </a:lvl3pPr>
-    <a:lvl4pPr marL="1371600" algn="l" defTabSz="914400" rtl="0" eaLnBrk="1" latinLnBrk="0" hangingPunct="1">
+    <a:lvl4pPr marL="1371600" algn="l" defTabSz="457200" rtl="0" eaLnBrk="1" latinLnBrk="0" hangingPunct="1">
       <a:defRPr sz="1800" kern="1200">
         <a:solidFill>
           <a:schemeClr val="tx1"/>
@@ -66,7 +68,7 @@
         <a:cs typeface="+mn-cs"/>
       </a:defRPr>
     </a:lvl4pPr>
-    <a:lvl5pPr marL="1828800" algn="l" defTabSz="914400" rtl="0" eaLnBrk="1" latinLnBrk="0" hangingPunct="1">
+    <a:lvl5pPr marL="1828800" algn="l" defTabSz="457200" rtl="0" eaLnBrk="1" latinLnBrk="0" hangingPunct="1">
       <a:defRPr sz="1800" kern="1200">
         <a:solidFill>
           <a:schemeClr val="tx1"/>
@@ -76,7 +78,7 @@
         <a:cs typeface="+mn-cs"/>
       </a:defRPr>
     </a:lvl5pPr>
-    <a:lvl6pPr marL="2286000" algn="l" defTabSz="914400" rtl="0" eaLnBrk="1" latinLnBrk="0" hangingPunct="1">
+    <a:lvl6pPr marL="2286000" algn="l" defTabSz="457200" rtl="0" eaLnBrk="1" latinLnBrk="0" hangingPunct="1">
       <a:defRPr sz="1800" kern="1200">
         <a:solidFill>
           <a:schemeClr val="tx1"/>
@@ -86,7 +88,7 @@
         <a:cs typeface="+mn-cs"/>
       </a:defRPr>
     </a:lvl6pPr>
-    <a:lvl7pPr marL="2743200" algn="l" defTabSz="914400" rtl="0" eaLnBrk="1" latinLnBrk="0" hangingPunct="1">
+    <a:lvl7pPr marL="2743200" algn="l" defTabSz="457200" rtl="0" eaLnBrk="1" latinLnBrk="0" hangingPunct="1">
       <a:defRPr sz="1800" kern="1200">
         <a:solidFill>
           <a:schemeClr val="tx1"/>
@@ -96,7 +98,7 @@
         <a:cs typeface="+mn-cs"/>
       </a:defRPr>
     </a:lvl7pPr>
-    <a:lvl8pPr marL="3200400" algn="l" defTabSz="914400" rtl="0" eaLnBrk="1" latinLnBrk="0" hangingPunct="1">
+    <a:lvl8pPr marL="3200400" algn="l" defTabSz="457200" rtl="0" eaLnBrk="1" latinLnBrk="0" hangingPunct="1">
       <a:defRPr sz="1800" kern="1200">
         <a:solidFill>
           <a:schemeClr val="tx1"/>
@@ -106,7 +108,7 @@
         <a:cs typeface="+mn-cs"/>
       </a:defRPr>
     </a:lvl8pPr>
-    <a:lvl9pPr marL="3657600" algn="l" defTabSz="914400" rtl="0" eaLnBrk="1" latinLnBrk="0" hangingPunct="1">
+    <a:lvl9pPr marL="3657600" algn="l" defTabSz="457200" rtl="0" eaLnBrk="1" latinLnBrk="0" hangingPunct="1">
       <a:defRPr sz="1800" kern="1200">
         <a:solidFill>
           <a:schemeClr val="tx1"/>
@@ -207,7 +209,7 @@
           <a:p>
             <a:fld id="{5161AEA7-BDE3-4933-ABF6-F40A6642C2BA}" type="datetimeFigureOut">
               <a:rPr lang="en-US" smtClean="0"/>
-              <a:t>11/4/2018</a:t>
+              <a:t>11/5/2018</a:t>
             </a:fld>
             <a:endParaRPr lang="en-US"/>
           </a:p>
@@ -372,7 +374,7 @@
           <a:p>
             <a:fld id="{AA723876-049D-4529-81E4-B0DA7F95CC9A}" type="datetimeFigureOut">
               <a:rPr lang="en-US" smtClean="0"/>
-              <a:t>11/4/2018</a:t>
+              <a:t>11/5/2018</a:t>
             </a:fld>
             <a:endParaRPr lang="en-US"/>
           </a:p>
@@ -763,6 +765,128 @@
 </p:notes>
 </file>
 
+<file path=ppt/notesSlides/notesSlide10.xml><?xml version="1.0" encoding="utf-8"?>
+<p:notes xmlns:a="http://schemas.openxmlformats.org/drawingml/2006/main" xmlns:r="http://schemas.openxmlformats.org/officeDocument/2006/relationships" xmlns:p="http://schemas.openxmlformats.org/presentationml/2006/main">
+  <p:cSld>
+    <p:spTree>
+      <p:nvGrpSpPr>
+        <p:cNvPr id="1" name=""/>
+        <p:cNvGrpSpPr/>
+        <p:nvPr/>
+      </p:nvGrpSpPr>
+      <p:grpSpPr>
+        <a:xfrm>
+          <a:off x="0" y="0"/>
+          <a:ext cx="0" cy="0"/>
+          <a:chOff x="0" y="0"/>
+          <a:chExt cx="0" cy="0"/>
+        </a:xfrm>
+      </p:grpSpPr>
+      <p:sp>
+        <p:nvSpPr>
+          <p:cNvPr id="2" name="Slide Image Placeholder 1"/>
+          <p:cNvSpPr>
+            <a:spLocks noGrp="1" noRot="1" noChangeAspect="1"/>
+          </p:cNvSpPr>
+          <p:nvPr>
+            <p:ph type="sldImg"/>
+          </p:nvPr>
+        </p:nvSpPr>
+        <p:spPr/>
+      </p:sp>
+      <p:sp>
+        <p:nvSpPr>
+          <p:cNvPr id="3" name="Notes Placeholder 2"/>
+          <p:cNvSpPr>
+            <a:spLocks noGrp="1"/>
+          </p:cNvSpPr>
+          <p:nvPr>
+            <p:ph type="body" idx="1"/>
+          </p:nvPr>
+        </p:nvSpPr>
+        <p:spPr/>
+        <p:txBody>
+          <a:bodyPr/>
+          <a:lstStyle/>
+          <a:p>
+            <a:endParaRPr lang="en-US"/>
+          </a:p>
+        </p:txBody>
+      </p:sp>
+      <p:sp>
+        <p:nvSpPr>
+          <p:cNvPr id="4" name="Header Placeholder 3"/>
+          <p:cNvSpPr>
+            <a:spLocks noGrp="1"/>
+          </p:cNvSpPr>
+          <p:nvPr>
+            <p:ph type="hdr" sz="quarter" idx="10"/>
+          </p:nvPr>
+        </p:nvSpPr>
+        <p:spPr/>
+        <p:txBody>
+          <a:bodyPr/>
+          <a:lstStyle/>
+          <a:p>
+            <a:endParaRPr lang="en-US"/>
+          </a:p>
+        </p:txBody>
+      </p:sp>
+      <p:sp>
+        <p:nvSpPr>
+          <p:cNvPr id="5" name="Footer Placeholder 4"/>
+          <p:cNvSpPr>
+            <a:spLocks noGrp="1"/>
+          </p:cNvSpPr>
+          <p:nvPr>
+            <p:ph type="ftr" sz="quarter" idx="11"/>
+          </p:nvPr>
+        </p:nvSpPr>
+        <p:spPr/>
+        <p:txBody>
+          <a:bodyPr/>
+          <a:lstStyle/>
+          <a:p>
+            <a:endParaRPr lang="en-US"/>
+          </a:p>
+        </p:txBody>
+      </p:sp>
+      <p:sp>
+        <p:nvSpPr>
+          <p:cNvPr id="6" name="Slide Number Placeholder 5"/>
+          <p:cNvSpPr>
+            <a:spLocks noGrp="1"/>
+          </p:cNvSpPr>
+          <p:nvPr>
+            <p:ph type="sldNum" sz="quarter" idx="12"/>
+          </p:nvPr>
+        </p:nvSpPr>
+        <p:spPr/>
+        <p:txBody>
+          <a:bodyPr/>
+          <a:lstStyle/>
+          <a:p>
+            <a:fld id="{1F2545D6-431F-430E-BE68-C9E074B64D37}" type="slidenum">
+              <a:rPr lang="en-US" smtClean="0"/>
+              <a:t>10</a:t>
+            </a:fld>
+            <a:endParaRPr lang="en-US"/>
+          </a:p>
+        </p:txBody>
+      </p:sp>
+    </p:spTree>
+    <p:extLst>
+      <p:ext uri="{BB962C8B-B14F-4D97-AF65-F5344CB8AC3E}">
+        <p14:creationId xmlns:p14="http://schemas.microsoft.com/office/powerpoint/2010/main" val="2176050424"/>
+      </p:ext>
+    </p:extLst>
+  </p:cSld>
+  <p:clrMapOvr>
+    <a:masterClrMapping/>
+  </p:clrMapOvr>
+</p:notes>
+</file>
+
 <file path=ppt/notesSlides/notesSlide2.xml><?xml version="1.0" encoding="utf-8"?>
 <p:notes xmlns:a="http://schemas.openxmlformats.org/drawingml/2006/main" xmlns:r="http://schemas.openxmlformats.org/officeDocument/2006/relationships" xmlns:p="http://schemas.openxmlformats.org/presentationml/2006/main">
   <p:cSld>
@@ -1363,7 +1487,7 @@
     </p:spTree>
     <p:extLst>
       <p:ext uri="{BB962C8B-B14F-4D97-AF65-F5344CB8AC3E}">
-        <p14:creationId xmlns:p14="http://schemas.microsoft.com/office/powerpoint/2010/main" val="2130713960"/>
+        <p14:creationId xmlns:p14="http://schemas.microsoft.com/office/powerpoint/2010/main" val="422788524"/>
       </p:ext>
     </p:extLst>
   </p:cSld>
@@ -1485,7 +1609,7 @@
     </p:spTree>
     <p:extLst>
       <p:ext uri="{BB962C8B-B14F-4D97-AF65-F5344CB8AC3E}">
-        <p14:creationId xmlns:p14="http://schemas.microsoft.com/office/powerpoint/2010/main" val="3111714672"/>
+        <p14:creationId xmlns:p14="http://schemas.microsoft.com/office/powerpoint/2010/main" val="2130713960"/>
       </p:ext>
     </p:extLst>
   </p:cSld>
@@ -1607,7 +1731,7 @@
     </p:spTree>
     <p:extLst>
       <p:ext uri="{BB962C8B-B14F-4D97-AF65-F5344CB8AC3E}">
-        <p14:creationId xmlns:p14="http://schemas.microsoft.com/office/powerpoint/2010/main" val="2176050424"/>
+        <p14:creationId xmlns:p14="http://schemas.microsoft.com/office/powerpoint/2010/main" val="3111714672"/>
       </p:ext>
     </p:extLst>
   </p:cSld>
@@ -1617,9 +1741,9 @@
 </p:notes>
 </file>
 
-<file path=ppt/slideLayouts/slideLayout1.xml><?xml version="1.0" encoding="utf-8"?>
-<p:sldLayout xmlns:a="http://schemas.openxmlformats.org/drawingml/2006/main" xmlns:r="http://schemas.openxmlformats.org/officeDocument/2006/relationships" xmlns:p="http://schemas.openxmlformats.org/presentationml/2006/main" type="title" preserve="1">
-  <p:cSld name="Title Slide">
+<file path=ppt/notesSlides/notesSlide9.xml><?xml version="1.0" encoding="utf-8"?>
+<p:notes xmlns:a="http://schemas.openxmlformats.org/drawingml/2006/main" xmlns:r="http://schemas.openxmlformats.org/officeDocument/2006/relationships" xmlns:p="http://schemas.openxmlformats.org/presentationml/2006/main">
+  <p:cSld>
     <p:spTree>
       <p:nvGrpSpPr>
         <p:cNvPr id="1" name=""/>
@@ -1636,6 +1760,330 @@
       </p:grpSpPr>
       <p:sp>
         <p:nvSpPr>
+          <p:cNvPr id="2" name="Slide Image Placeholder 1"/>
+          <p:cNvSpPr>
+            <a:spLocks noGrp="1" noRot="1" noChangeAspect="1"/>
+          </p:cNvSpPr>
+          <p:nvPr>
+            <p:ph type="sldImg"/>
+          </p:nvPr>
+        </p:nvSpPr>
+        <p:spPr/>
+      </p:sp>
+      <p:sp>
+        <p:nvSpPr>
+          <p:cNvPr id="3" name="Notes Placeholder 2"/>
+          <p:cNvSpPr>
+            <a:spLocks noGrp="1"/>
+          </p:cNvSpPr>
+          <p:nvPr>
+            <p:ph type="body" idx="1"/>
+          </p:nvPr>
+        </p:nvSpPr>
+        <p:spPr/>
+        <p:txBody>
+          <a:bodyPr/>
+          <a:lstStyle/>
+          <a:p>
+            <a:endParaRPr lang="en-US"/>
+          </a:p>
+        </p:txBody>
+      </p:sp>
+      <p:sp>
+        <p:nvSpPr>
+          <p:cNvPr id="4" name="Header Placeholder 3"/>
+          <p:cNvSpPr>
+            <a:spLocks noGrp="1"/>
+          </p:cNvSpPr>
+          <p:nvPr>
+            <p:ph type="hdr" sz="quarter" idx="10"/>
+          </p:nvPr>
+        </p:nvSpPr>
+        <p:spPr/>
+        <p:txBody>
+          <a:bodyPr/>
+          <a:lstStyle/>
+          <a:p>
+            <a:endParaRPr lang="en-US"/>
+          </a:p>
+        </p:txBody>
+      </p:sp>
+      <p:sp>
+        <p:nvSpPr>
+          <p:cNvPr id="5" name="Footer Placeholder 4"/>
+          <p:cNvSpPr>
+            <a:spLocks noGrp="1"/>
+          </p:cNvSpPr>
+          <p:nvPr>
+            <p:ph type="ftr" sz="quarter" idx="11"/>
+          </p:nvPr>
+        </p:nvSpPr>
+        <p:spPr/>
+        <p:txBody>
+          <a:bodyPr/>
+          <a:lstStyle/>
+          <a:p>
+            <a:endParaRPr lang="en-US"/>
+          </a:p>
+        </p:txBody>
+      </p:sp>
+      <p:sp>
+        <p:nvSpPr>
+          <p:cNvPr id="6" name="Slide Number Placeholder 5"/>
+          <p:cNvSpPr>
+            <a:spLocks noGrp="1"/>
+          </p:cNvSpPr>
+          <p:nvPr>
+            <p:ph type="sldNum" sz="quarter" idx="12"/>
+          </p:nvPr>
+        </p:nvSpPr>
+        <p:spPr/>
+        <p:txBody>
+          <a:bodyPr/>
+          <a:lstStyle/>
+          <a:p>
+            <a:fld id="{1F2545D6-431F-430E-BE68-C9E074B64D37}" type="slidenum">
+              <a:rPr lang="en-US" smtClean="0"/>
+              <a:t>9</a:t>
+            </a:fld>
+            <a:endParaRPr lang="en-US"/>
+          </a:p>
+        </p:txBody>
+      </p:sp>
+    </p:spTree>
+    <p:extLst>
+      <p:ext uri="{BB962C8B-B14F-4D97-AF65-F5344CB8AC3E}">
+        <p14:creationId xmlns:p14="http://schemas.microsoft.com/office/powerpoint/2010/main" val="613252800"/>
+      </p:ext>
+    </p:extLst>
+  </p:cSld>
+  <p:clrMapOvr>
+    <a:masterClrMapping/>
+  </p:clrMapOvr>
+</p:notes>
+</file>
+
+<file path=ppt/slideLayouts/slideLayout1.xml><?xml version="1.0" encoding="utf-8"?>
+<p:sldLayout xmlns:a="http://schemas.openxmlformats.org/drawingml/2006/main" xmlns:r="http://schemas.openxmlformats.org/officeDocument/2006/relationships" xmlns:p="http://schemas.openxmlformats.org/presentationml/2006/main" showMasterSp="0" type="title" preserve="1">
+  <p:cSld name="Title Slide">
+    <p:bg>
+      <p:bgRef idx="1001">
+        <a:schemeClr val="bg2"/>
+      </p:bgRef>
+    </p:bg>
+    <p:spTree>
+      <p:nvGrpSpPr>
+        <p:cNvPr id="1" name=""/>
+        <p:cNvGrpSpPr/>
+        <p:nvPr/>
+      </p:nvGrpSpPr>
+      <p:grpSpPr>
+        <a:xfrm>
+          <a:off x="0" y="0"/>
+          <a:ext cx="0" cy="0"/>
+          <a:chOff x="0" y="0"/>
+          <a:chExt cx="0" cy="0"/>
+        </a:xfrm>
+      </p:grpSpPr>
+      <p:sp>
+        <p:nvSpPr>
+          <p:cNvPr id="12" name="Freeform 6" title="Page Number Shape"/>
+          <p:cNvSpPr/>
+          <p:nvPr/>
+        </p:nvSpPr>
+        <p:spPr bwMode="auto">
+          <a:xfrm>
+            <a:off x="11784011" y="1189204"/>
+            <a:ext cx="407988" cy="819150"/>
+          </a:xfrm>
+          <a:custGeom>
+            <a:avLst/>
+            <a:gdLst/>
+            <a:ahLst/>
+            <a:cxnLst/>
+            <a:rect l="0" t="0" r="r" b="b"/>
+            <a:pathLst>
+              <a:path w="1799" h="3612">
+                <a:moveTo>
+                  <a:pt x="1799" y="0"/>
+                </a:moveTo>
+                <a:lnTo>
+                  <a:pt x="1799" y="3612"/>
+                </a:lnTo>
+                <a:lnTo>
+                  <a:pt x="1686" y="3609"/>
+                </a:lnTo>
+                <a:lnTo>
+                  <a:pt x="1574" y="3598"/>
+                </a:lnTo>
+                <a:lnTo>
+                  <a:pt x="1464" y="3581"/>
+                </a:lnTo>
+                <a:lnTo>
+                  <a:pt x="1357" y="3557"/>
+                </a:lnTo>
+                <a:lnTo>
+                  <a:pt x="1251" y="3527"/>
+                </a:lnTo>
+                <a:lnTo>
+                  <a:pt x="1150" y="3490"/>
+                </a:lnTo>
+                <a:lnTo>
+                  <a:pt x="1050" y="3448"/>
+                </a:lnTo>
+                <a:lnTo>
+                  <a:pt x="953" y="3401"/>
+                </a:lnTo>
+                <a:lnTo>
+                  <a:pt x="860" y="3347"/>
+                </a:lnTo>
+                <a:lnTo>
+                  <a:pt x="771" y="3289"/>
+                </a:lnTo>
+                <a:lnTo>
+                  <a:pt x="686" y="3224"/>
+                </a:lnTo>
+                <a:lnTo>
+                  <a:pt x="604" y="3156"/>
+                </a:lnTo>
+                <a:lnTo>
+                  <a:pt x="527" y="3083"/>
+                </a:lnTo>
+                <a:lnTo>
+                  <a:pt x="454" y="3005"/>
+                </a:lnTo>
+                <a:lnTo>
+                  <a:pt x="386" y="2923"/>
+                </a:lnTo>
+                <a:lnTo>
+                  <a:pt x="323" y="2838"/>
+                </a:lnTo>
+                <a:lnTo>
+                  <a:pt x="265" y="2748"/>
+                </a:lnTo>
+                <a:lnTo>
+                  <a:pt x="211" y="2655"/>
+                </a:lnTo>
+                <a:lnTo>
+                  <a:pt x="163" y="2559"/>
+                </a:lnTo>
+                <a:lnTo>
+                  <a:pt x="121" y="2459"/>
+                </a:lnTo>
+                <a:lnTo>
+                  <a:pt x="85" y="2356"/>
+                </a:lnTo>
+                <a:lnTo>
+                  <a:pt x="55" y="2251"/>
+                </a:lnTo>
+                <a:lnTo>
+                  <a:pt x="32" y="2143"/>
+                </a:lnTo>
+                <a:lnTo>
+                  <a:pt x="14" y="2033"/>
+                </a:lnTo>
+                <a:lnTo>
+                  <a:pt x="4" y="1920"/>
+                </a:lnTo>
+                <a:lnTo>
+                  <a:pt x="0" y="1806"/>
+                </a:lnTo>
+                <a:lnTo>
+                  <a:pt x="4" y="1692"/>
+                </a:lnTo>
+                <a:lnTo>
+                  <a:pt x="14" y="1580"/>
+                </a:lnTo>
+                <a:lnTo>
+                  <a:pt x="32" y="1469"/>
+                </a:lnTo>
+                <a:lnTo>
+                  <a:pt x="55" y="1362"/>
+                </a:lnTo>
+                <a:lnTo>
+                  <a:pt x="85" y="1256"/>
+                </a:lnTo>
+                <a:lnTo>
+                  <a:pt x="121" y="1154"/>
+                </a:lnTo>
+                <a:lnTo>
+                  <a:pt x="163" y="1054"/>
+                </a:lnTo>
+                <a:lnTo>
+                  <a:pt x="211" y="958"/>
+                </a:lnTo>
+                <a:lnTo>
+                  <a:pt x="265" y="864"/>
+                </a:lnTo>
+                <a:lnTo>
+                  <a:pt x="323" y="774"/>
+                </a:lnTo>
+                <a:lnTo>
+                  <a:pt x="386" y="689"/>
+                </a:lnTo>
+                <a:lnTo>
+                  <a:pt x="454" y="607"/>
+                </a:lnTo>
+                <a:lnTo>
+                  <a:pt x="527" y="529"/>
+                </a:lnTo>
+                <a:lnTo>
+                  <a:pt x="604" y="456"/>
+                </a:lnTo>
+                <a:lnTo>
+                  <a:pt x="686" y="388"/>
+                </a:lnTo>
+                <a:lnTo>
+                  <a:pt x="771" y="325"/>
+                </a:lnTo>
+                <a:lnTo>
+                  <a:pt x="860" y="266"/>
+                </a:lnTo>
+                <a:lnTo>
+                  <a:pt x="953" y="212"/>
+                </a:lnTo>
+                <a:lnTo>
+                  <a:pt x="1050" y="164"/>
+                </a:lnTo>
+                <a:lnTo>
+                  <a:pt x="1150" y="122"/>
+                </a:lnTo>
+                <a:lnTo>
+                  <a:pt x="1251" y="85"/>
+                </a:lnTo>
+                <a:lnTo>
+                  <a:pt x="1357" y="55"/>
+                </a:lnTo>
+                <a:lnTo>
+                  <a:pt x="1464" y="32"/>
+                </a:lnTo>
+                <a:lnTo>
+                  <a:pt x="1574" y="14"/>
+                </a:lnTo>
+                <a:lnTo>
+                  <a:pt x="1686" y="5"/>
+                </a:lnTo>
+                <a:lnTo>
+                  <a:pt x="1799" y="0"/>
+                </a:lnTo>
+                <a:close/>
+              </a:path>
+            </a:pathLst>
+          </a:custGeom>
+          <a:solidFill>
+            <a:schemeClr val="tx2"/>
+          </a:solidFill>
+          <a:ln w="0">
+            <a:noFill/>
+            <a:prstDash val="solid"/>
+            <a:round/>
+            <a:headEnd/>
+            <a:tailEnd/>
+          </a:ln>
+        </p:spPr>
+      </p:sp>
+      <p:sp>
+        <p:nvSpPr>
           <p:cNvPr id="2" name="Title 1"/>
           <p:cNvSpPr>
             <a:spLocks noGrp="1"/>
@@ -1646,15 +2094,24 @@
         </p:nvSpPr>
         <p:spPr>
           <a:xfrm>
-            <a:off x="1524000" y="1122363"/>
-            <a:ext cx="9144000" cy="2387600"/>
+            <a:off x="1088913" y="1143293"/>
+            <a:ext cx="7034362" cy="4268965"/>
           </a:xfrm>
         </p:spPr>
         <p:txBody>
-          <a:bodyPr anchor="b"/>
+          <a:bodyPr anchor="t">
+            <a:normAutofit/>
+          </a:bodyPr>
           <a:lstStyle>
-            <a:lvl1pPr algn="ctr">
-              <a:defRPr sz="6000"/>
+            <a:lvl1pPr algn="l">
+              <a:lnSpc>
+                <a:spcPct val="85000"/>
+              </a:lnSpc>
+              <a:defRPr sz="7700" cap="all" baseline="0">
+                <a:solidFill>
+                  <a:schemeClr val="tx2"/>
+                </a:solidFill>
+              </a:defRPr>
             </a:lvl1pPr>
           </a:lstStyle>
           <a:p>
@@ -1662,7 +2119,7 @@
               <a:rPr lang="en-US" smtClean="0"/>
               <a:t>Click to edit Master title style</a:t>
             </a:r>
-            <a:endParaRPr lang="en-US"/>
+            <a:endParaRPr lang="en-US" dirty="0"/>
           </a:p>
         </p:txBody>
       </p:sp>
@@ -1678,16 +2135,28 @@
         </p:nvSpPr>
         <p:spPr>
           <a:xfrm>
-            <a:off x="1524000" y="3602038"/>
-            <a:ext cx="9144000" cy="1655762"/>
+            <a:off x="1088914" y="5537925"/>
+            <a:ext cx="7034362" cy="706355"/>
           </a:xfrm>
         </p:spPr>
         <p:txBody>
-          <a:bodyPr/>
+          <a:bodyPr>
+            <a:normAutofit/>
+          </a:bodyPr>
           <a:lstStyle>
-            <a:lvl1pPr marL="0" indent="0" algn="ctr">
+            <a:lvl1pPr marL="0" indent="0" algn="l">
+              <a:lnSpc>
+                <a:spcPct val="114000"/>
+              </a:lnSpc>
+              <a:spcBef>
+                <a:spcPts val="0"/>
+              </a:spcBef>
               <a:buNone/>
-              <a:defRPr sz="2400"/>
+              <a:defRPr sz="2000" b="0" i="1" baseline="0">
+                <a:solidFill>
+                  <a:schemeClr val="tx2"/>
+                </a:solidFill>
+              </a:defRPr>
             </a:lvl1pPr>
             <a:lvl2pPr marL="457200" indent="0" algn="ctr">
               <a:buNone/>
@@ -1727,7 +2196,7 @@
               <a:rPr lang="en-US" smtClean="0"/>
               <a:t>Click to edit Master subtitle style</a:t>
             </a:r>
-            <a:endParaRPr lang="en-US"/>
+            <a:endParaRPr lang="en-US" dirty="0"/>
           </a:p>
         </p:txBody>
       </p:sp>
@@ -1741,14 +2210,27 @@
             <p:ph type="dt" sz="half" idx="10"/>
           </p:nvPr>
         </p:nvSpPr>
-        <p:spPr/>
+        <p:spPr>
+          <a:xfrm>
+            <a:off x="1088913" y="6314440"/>
+            <a:ext cx="1596622" cy="365125"/>
+          </a:xfrm>
+        </p:spPr>
         <p:txBody>
           <a:bodyPr/>
-          <a:lstStyle/>
+          <a:lstStyle>
+            <a:lvl1pPr algn="l">
+              <a:defRPr sz="1200">
+                <a:solidFill>
+                  <a:schemeClr val="tx2"/>
+                </a:solidFill>
+              </a:defRPr>
+            </a:lvl1pPr>
+          </a:lstStyle>
           <a:p>
             <a:fld id="{5CD77D07-8B73-47AA-BA22-D3F09B3009AD}" type="datetimeFigureOut">
               <a:rPr lang="en-US" smtClean="0"/>
-              <a:t>11/4/2018</a:t>
+              <a:t>11/5/2018</a:t>
             </a:fld>
             <a:endParaRPr lang="en-US"/>
           </a:p>
@@ -1764,10 +2246,23 @@
             <p:ph type="ftr" sz="quarter" idx="11"/>
           </p:nvPr>
         </p:nvSpPr>
-        <p:spPr/>
+        <p:spPr>
+          <a:xfrm>
+            <a:off x="3000591" y="6314440"/>
+            <a:ext cx="5122683" cy="365125"/>
+          </a:xfrm>
+        </p:spPr>
         <p:txBody>
           <a:bodyPr/>
-          <a:lstStyle/>
+          <a:lstStyle>
+            <a:lvl1pPr algn="l">
+              <a:defRPr b="0">
+                <a:solidFill>
+                  <a:schemeClr val="tx2"/>
+                </a:solidFill>
+              </a:defRPr>
+            </a:lvl1pPr>
+          </a:lstStyle>
           <a:p>
             <a:endParaRPr lang="en-US"/>
           </a:p>
@@ -1783,10 +2278,23 @@
             <p:ph type="sldNum" sz="quarter" idx="12"/>
           </p:nvPr>
         </p:nvSpPr>
-        <p:spPr/>
+        <p:spPr>
+          <a:xfrm>
+            <a:off x="11784011" y="1416216"/>
+            <a:ext cx="407988" cy="365125"/>
+          </a:xfrm>
+        </p:spPr>
         <p:txBody>
           <a:bodyPr/>
-          <a:lstStyle/>
+          <a:lstStyle>
+            <a:lvl1pPr algn="r">
+              <a:defRPr>
+                <a:solidFill>
+                  <a:schemeClr val="bg2"/>
+                </a:solidFill>
+              </a:defRPr>
+            </a:lvl1pPr>
+          </a:lstStyle>
           <a:p>
             <a:fld id="{3CE23A90-48EA-4574-AEA1-95A891830F84}" type="slidenum">
               <a:rPr lang="en-US" smtClean="0"/>
@@ -1796,16 +2304,62 @@
           </a:p>
         </p:txBody>
       </p:sp>
+      <p:cxnSp>
+        <p:nvCxnSpPr>
+          <p:cNvPr id="9" name="Straight Connector 8" title="Verticle Rule Line"/>
+          <p:cNvCxnSpPr/>
+          <p:nvPr/>
+        </p:nvCxnSpPr>
+        <p:spPr>
+          <a:xfrm>
+            <a:off x="773855" y="1257300"/>
+            <a:ext cx="0" cy="5600700"/>
+          </a:xfrm>
+          <a:prstGeom prst="line">
+            <a:avLst/>
+          </a:prstGeom>
+          <a:ln w="25400">
+            <a:solidFill>
+              <a:schemeClr val="tx2"/>
+            </a:solidFill>
+          </a:ln>
+        </p:spPr>
+        <p:style>
+          <a:lnRef idx="1">
+            <a:schemeClr val="accent1"/>
+          </a:lnRef>
+          <a:fillRef idx="0">
+            <a:schemeClr val="accent1"/>
+          </a:fillRef>
+          <a:effectRef idx="0">
+            <a:schemeClr val="accent1"/>
+          </a:effectRef>
+          <a:fontRef idx="minor">
+            <a:schemeClr val="tx1"/>
+          </a:fontRef>
+        </p:style>
+      </p:cxnSp>
     </p:spTree>
     <p:extLst>
       <p:ext uri="{BB962C8B-B14F-4D97-AF65-F5344CB8AC3E}">
-        <p14:creationId xmlns:p14="http://schemas.microsoft.com/office/powerpoint/2010/main" val="1343483697"/>
+        <p14:creationId xmlns:p14="http://schemas.microsoft.com/office/powerpoint/2010/main" val="3830311507"/>
       </p:ext>
     </p:extLst>
   </p:cSld>
   <p:clrMapOvr>
-    <a:masterClrMapping/>
+    <a:overrideClrMapping bg1="dk1" tx1="lt1" bg2="dk2" tx2="lt2" accent1="accent1" accent2="accent2" accent3="accent3" accent4="accent4" accent5="accent5" accent6="accent6" hlink="hlink" folHlink="folHlink"/>
   </p:clrMapOvr>
+  <p:extLst mod="1">
+    <p:ext uri="{DCECCB84-F9BA-43D5-87BE-67443E8EF086}">
+      <p15:sldGuideLst xmlns:p15="http://schemas.microsoft.com/office/powerpoint/2012/main">
+        <p15:guide id="1" orient="horz" pos="792">
+          <p15:clr>
+            <a:srgbClr val="FBAE40"/>
+          </p15:clr>
+        </p15:guide>
+      </p15:sldGuideLst>
+    </p:ext>
+  </p:extLst>
 </p:sldLayout>
 </file>
 
@@ -1845,7 +2399,7 @@
               <a:rPr lang="en-US" smtClean="0"/>
               <a:t>Click to edit Master title style</a:t>
             </a:r>
-            <a:endParaRPr lang="en-US"/>
+            <a:endParaRPr lang="en-US" dirty="0"/>
           </a:p>
         </p:txBody>
       </p:sp>
@@ -1859,7 +2413,12 @@
             <p:ph type="body" orient="vert" idx="1"/>
           </p:nvPr>
         </p:nvSpPr>
-        <p:spPr/>
+        <p:spPr>
+          <a:xfrm>
+            <a:off x="5181600" y="640080"/>
+            <a:ext cx="6248398" cy="5584142"/>
+          </a:xfrm>
+        </p:spPr>
         <p:txBody>
           <a:bodyPr vert="eaVert"/>
           <a:lstStyle/>
@@ -1867,7 +2426,7 @@
             <a:pPr lvl="0"/>
             <a:r>
               <a:rPr lang="en-US" smtClean="0"/>
-              <a:t>Click to edit Master text styles</a:t>
+              <a:t>Edit Master text styles</a:t>
             </a:r>
           </a:p>
           <a:p>
@@ -1897,7 +2456,7 @@
               <a:rPr lang="en-US" smtClean="0"/>
               <a:t>Fifth level</a:t>
             </a:r>
-            <a:endParaRPr lang="en-US"/>
+            <a:endParaRPr lang="en-US" dirty="0"/>
           </a:p>
         </p:txBody>
       </p:sp>
@@ -1918,7 +2477,7 @@
           <a:p>
             <a:fld id="{5CD77D07-8B73-47AA-BA22-D3F09B3009AD}" type="datetimeFigureOut">
               <a:rPr lang="en-US" smtClean="0"/>
-              <a:t>11/4/2018</a:t>
+              <a:t>11/5/2018</a:t>
             </a:fld>
             <a:endParaRPr lang="en-US"/>
           </a:p>
@@ -1969,7 +2528,7 @@
     </p:spTree>
     <p:extLst>
       <p:ext uri="{BB962C8B-B14F-4D97-AF65-F5344CB8AC3E}">
-        <p14:creationId xmlns:p14="http://schemas.microsoft.com/office/powerpoint/2010/main" val="2707175384"/>
+        <p14:creationId xmlns:p14="http://schemas.microsoft.com/office/powerpoint/2010/main" val="1235055991"/>
       </p:ext>
     </p:extLst>
   </p:cSld>
@@ -1980,7 +2539,7 @@
 </file>
 
 <file path=ppt/slideLayouts/slideLayout11.xml><?xml version="1.0" encoding="utf-8"?>
-<p:sldLayout xmlns:a="http://schemas.openxmlformats.org/drawingml/2006/main" xmlns:r="http://schemas.openxmlformats.org/officeDocument/2006/relationships" xmlns:p="http://schemas.openxmlformats.org/presentationml/2006/main" type="vertTitleAndTx" preserve="1">
+<p:sldLayout xmlns:a="http://schemas.openxmlformats.org/drawingml/2006/main" xmlns:r="http://schemas.openxmlformats.org/officeDocument/2006/relationships" xmlns:p="http://schemas.openxmlformats.org/presentationml/2006/main" showMasterSp="0" type="vertTitleAndTx" preserve="1">
   <p:cSld name="Vertical Title and Text">
     <p:spTree>
       <p:nvGrpSpPr>
@@ -1998,6 +2557,203 @@
       </p:grpSpPr>
       <p:sp>
         <p:nvSpPr>
+          <p:cNvPr id="12" name="Freeform 6" title="Page Number Shape"/>
+          <p:cNvSpPr/>
+          <p:nvPr/>
+        </p:nvSpPr>
+        <p:spPr bwMode="auto">
+          <a:xfrm>
+            <a:off x="11784011" y="5380580"/>
+            <a:ext cx="407988" cy="819150"/>
+          </a:xfrm>
+          <a:custGeom>
+            <a:avLst/>
+            <a:gdLst/>
+            <a:ahLst/>
+            <a:cxnLst/>
+            <a:rect l="0" t="0" r="r" b="b"/>
+            <a:pathLst>
+              <a:path w="1799" h="3612">
+                <a:moveTo>
+                  <a:pt x="1799" y="0"/>
+                </a:moveTo>
+                <a:lnTo>
+                  <a:pt x="1799" y="3612"/>
+                </a:lnTo>
+                <a:lnTo>
+                  <a:pt x="1686" y="3609"/>
+                </a:lnTo>
+                <a:lnTo>
+                  <a:pt x="1574" y="3598"/>
+                </a:lnTo>
+                <a:lnTo>
+                  <a:pt x="1464" y="3581"/>
+                </a:lnTo>
+                <a:lnTo>
+                  <a:pt x="1357" y="3557"/>
+                </a:lnTo>
+                <a:lnTo>
+                  <a:pt x="1251" y="3527"/>
+                </a:lnTo>
+                <a:lnTo>
+                  <a:pt x="1150" y="3490"/>
+                </a:lnTo>
+                <a:lnTo>
+                  <a:pt x="1050" y="3448"/>
+                </a:lnTo>
+                <a:lnTo>
+                  <a:pt x="953" y="3401"/>
+                </a:lnTo>
+                <a:lnTo>
+                  <a:pt x="860" y="3347"/>
+                </a:lnTo>
+                <a:lnTo>
+                  <a:pt x="771" y="3289"/>
+                </a:lnTo>
+                <a:lnTo>
+                  <a:pt x="686" y="3224"/>
+                </a:lnTo>
+                <a:lnTo>
+                  <a:pt x="604" y="3156"/>
+                </a:lnTo>
+                <a:lnTo>
+                  <a:pt x="527" y="3083"/>
+                </a:lnTo>
+                <a:lnTo>
+                  <a:pt x="454" y="3005"/>
+                </a:lnTo>
+                <a:lnTo>
+                  <a:pt x="386" y="2923"/>
+                </a:lnTo>
+                <a:lnTo>
+                  <a:pt x="323" y="2838"/>
+                </a:lnTo>
+                <a:lnTo>
+                  <a:pt x="265" y="2748"/>
+                </a:lnTo>
+                <a:lnTo>
+                  <a:pt x="211" y="2655"/>
+                </a:lnTo>
+                <a:lnTo>
+                  <a:pt x="163" y="2559"/>
+                </a:lnTo>
+                <a:lnTo>
+                  <a:pt x="121" y="2459"/>
+                </a:lnTo>
+                <a:lnTo>
+                  <a:pt x="85" y="2356"/>
+                </a:lnTo>
+                <a:lnTo>
+                  <a:pt x="55" y="2251"/>
+                </a:lnTo>
+                <a:lnTo>
+                  <a:pt x="32" y="2143"/>
+                </a:lnTo>
+                <a:lnTo>
+                  <a:pt x="14" y="2033"/>
+                </a:lnTo>
+                <a:lnTo>
+                  <a:pt x="4" y="1920"/>
+                </a:lnTo>
+                <a:lnTo>
+                  <a:pt x="0" y="1806"/>
+                </a:lnTo>
+                <a:lnTo>
+                  <a:pt x="4" y="1692"/>
+                </a:lnTo>
+                <a:lnTo>
+                  <a:pt x="14" y="1580"/>
+                </a:lnTo>
+                <a:lnTo>
+                  <a:pt x="32" y="1469"/>
+                </a:lnTo>
+                <a:lnTo>
+                  <a:pt x="55" y="1362"/>
+                </a:lnTo>
+                <a:lnTo>
+                  <a:pt x="85" y="1256"/>
+                </a:lnTo>
+                <a:lnTo>
+                  <a:pt x="121" y="1154"/>
+                </a:lnTo>
+                <a:lnTo>
+                  <a:pt x="163" y="1054"/>
+                </a:lnTo>
+                <a:lnTo>
+                  <a:pt x="211" y="958"/>
+                </a:lnTo>
+                <a:lnTo>
+                  <a:pt x="265" y="864"/>
+                </a:lnTo>
+                <a:lnTo>
+                  <a:pt x="323" y="774"/>
+                </a:lnTo>
+                <a:lnTo>
+                  <a:pt x="386" y="689"/>
+                </a:lnTo>
+                <a:lnTo>
+                  <a:pt x="454" y="607"/>
+                </a:lnTo>
+                <a:lnTo>
+                  <a:pt x="527" y="529"/>
+                </a:lnTo>
+                <a:lnTo>
+                  <a:pt x="604" y="456"/>
+                </a:lnTo>
+                <a:lnTo>
+                  <a:pt x="686" y="388"/>
+                </a:lnTo>
+                <a:lnTo>
+                  <a:pt x="771" y="325"/>
+                </a:lnTo>
+                <a:lnTo>
+                  <a:pt x="860" y="266"/>
+                </a:lnTo>
+                <a:lnTo>
+                  <a:pt x="953" y="212"/>
+                </a:lnTo>
+                <a:lnTo>
+                  <a:pt x="1050" y="164"/>
+                </a:lnTo>
+                <a:lnTo>
+                  <a:pt x="1150" y="122"/>
+                </a:lnTo>
+                <a:lnTo>
+                  <a:pt x="1251" y="85"/>
+                </a:lnTo>
+                <a:lnTo>
+                  <a:pt x="1357" y="55"/>
+                </a:lnTo>
+                <a:lnTo>
+                  <a:pt x="1464" y="32"/>
+                </a:lnTo>
+                <a:lnTo>
+                  <a:pt x="1574" y="14"/>
+                </a:lnTo>
+                <a:lnTo>
+                  <a:pt x="1686" y="5"/>
+                </a:lnTo>
+                <a:lnTo>
+                  <a:pt x="1799" y="0"/>
+                </a:lnTo>
+                <a:close/>
+              </a:path>
+            </a:pathLst>
+          </a:custGeom>
+          <a:solidFill>
+            <a:srgbClr val="262626"/>
+          </a:solidFill>
+          <a:ln w="0">
+            <a:noFill/>
+            <a:prstDash val="solid"/>
+            <a:round/>
+            <a:headEnd/>
+            <a:tailEnd/>
+          </a:ln>
+        </p:spPr>
+      </p:sp>
+      <p:sp>
+        <p:nvSpPr>
           <p:cNvPr id="2" name="Vertical Title 1"/>
           <p:cNvSpPr>
             <a:spLocks noGrp="1"/>
@@ -2008,19 +2764,23 @@
         </p:nvSpPr>
         <p:spPr>
           <a:xfrm>
-            <a:off x="8724900" y="365125"/>
-            <a:ext cx="2628900" cy="5811838"/>
+            <a:off x="7990765" y="642931"/>
+            <a:ext cx="2446670" cy="4678106"/>
           </a:xfrm>
         </p:spPr>
         <p:txBody>
           <a:bodyPr vert="eaVert"/>
-          <a:lstStyle/>
+          <a:lstStyle>
+            <a:lvl1pPr algn="l">
+              <a:defRPr/>
+            </a:lvl1pPr>
+          </a:lstStyle>
           <a:p>
             <a:r>
               <a:rPr lang="en-US" smtClean="0"/>
               <a:t>Click to edit Master title style</a:t>
             </a:r>
-            <a:endParaRPr lang="en-US"/>
+            <a:endParaRPr lang="en-US" dirty="0"/>
           </a:p>
         </p:txBody>
       </p:sp>
@@ -2036,8 +2796,8 @@
         </p:nvSpPr>
         <p:spPr>
           <a:xfrm>
-            <a:off x="838200" y="365125"/>
-            <a:ext cx="7734300" cy="5811838"/>
+            <a:off x="838200" y="642932"/>
+            <a:ext cx="7070678" cy="4678105"/>
           </a:xfrm>
         </p:spPr>
         <p:txBody>
@@ -2047,7 +2807,7 @@
             <a:pPr lvl="0"/>
             <a:r>
               <a:rPr lang="en-US" smtClean="0"/>
-              <a:t>Click to edit Master text styles</a:t>
+              <a:t>Edit Master text styles</a:t>
             </a:r>
           </a:p>
           <a:p>
@@ -2077,7 +2837,7 @@
               <a:rPr lang="en-US" smtClean="0"/>
               <a:t>Fifth level</a:t>
             </a:r>
-            <a:endParaRPr lang="en-US"/>
+            <a:endParaRPr lang="en-US" dirty="0"/>
           </a:p>
         </p:txBody>
       </p:sp>
@@ -2091,14 +2851,19 @@
             <p:ph type="dt" sz="half" idx="10"/>
           </p:nvPr>
         </p:nvSpPr>
-        <p:spPr/>
+        <p:spPr>
+          <a:xfrm>
+            <a:off x="6536187" y="5927131"/>
+            <a:ext cx="3814856" cy="365125"/>
+          </a:xfrm>
+        </p:spPr>
         <p:txBody>
           <a:bodyPr/>
           <a:lstStyle/>
           <a:p>
             <a:fld id="{5CD77D07-8B73-47AA-BA22-D3F09B3009AD}" type="datetimeFigureOut">
               <a:rPr lang="en-US" smtClean="0"/>
-              <a:t>11/4/2018</a:t>
+              <a:t>11/5/2018</a:t>
             </a:fld>
             <a:endParaRPr lang="en-US"/>
           </a:p>
@@ -2114,7 +2879,12 @@
             <p:ph type="ftr" sz="quarter" idx="11"/>
           </p:nvPr>
         </p:nvSpPr>
-        <p:spPr/>
+        <p:spPr>
+          <a:xfrm>
+            <a:off x="6536187" y="6315949"/>
+            <a:ext cx="3814856" cy="365125"/>
+          </a:xfrm>
+        </p:spPr>
         <p:txBody>
           <a:bodyPr/>
           <a:lstStyle/>
@@ -2133,7 +2903,12 @@
             <p:ph type="sldNum" sz="quarter" idx="12"/>
           </p:nvPr>
         </p:nvSpPr>
-        <p:spPr/>
+        <p:spPr>
+          <a:xfrm>
+            <a:off x="11784011" y="5607592"/>
+            <a:ext cx="407988" cy="365125"/>
+          </a:xfrm>
+        </p:spPr>
         <p:txBody>
           <a:bodyPr/>
           <a:lstStyle/>
@@ -2146,16 +2921,65 @@
           </a:p>
         </p:txBody>
       </p:sp>
+      <p:cxnSp>
+        <p:nvCxnSpPr>
+          <p:cNvPr id="13" name="Straight Connector 12" title="Horizontal Rule Line"/>
+          <p:cNvCxnSpPr/>
+          <p:nvPr/>
+        </p:nvCxnSpPr>
+        <p:spPr>
+          <a:xfrm>
+            <a:off x="0" y="6199730"/>
+            <a:ext cx="10260011" cy="0"/>
+          </a:xfrm>
+          <a:prstGeom prst="line">
+            <a:avLst/>
+          </a:prstGeom>
+          <a:ln w="25400">
+            <a:solidFill>
+              <a:schemeClr val="tx1">
+                <a:lumMod val="85000"/>
+                <a:lumOff val="15000"/>
+              </a:schemeClr>
+            </a:solidFill>
+          </a:ln>
+        </p:spPr>
+        <p:style>
+          <a:lnRef idx="1">
+            <a:schemeClr val="accent1"/>
+          </a:lnRef>
+          <a:fillRef idx="0">
+            <a:schemeClr val="accent1"/>
+          </a:fillRef>
+          <a:effectRef idx="0">
+            <a:schemeClr val="accent1"/>
+          </a:effectRef>
+          <a:fontRef idx="minor">
+            <a:schemeClr val="tx1"/>
+          </a:fontRef>
+        </p:style>
+      </p:cxnSp>
     </p:spTree>
     <p:extLst>
       <p:ext uri="{BB962C8B-B14F-4D97-AF65-F5344CB8AC3E}">
-        <p14:creationId xmlns:p14="http://schemas.microsoft.com/office/powerpoint/2010/main" val="471347447"/>
+        <p14:creationId xmlns:p14="http://schemas.microsoft.com/office/powerpoint/2010/main" val="2684472052"/>
       </p:ext>
     </p:extLst>
   </p:cSld>
   <p:clrMapOvr>
     <a:masterClrMapping/>
   </p:clrMapOvr>
+  <p:extLst mod="1">
+    <p:ext uri="{DCECCB84-F9BA-43D5-87BE-67443E8EF086}">
+      <p15:sldGuideLst xmlns:p15="http://schemas.microsoft.com/office/powerpoint/2012/main">
+        <p15:guide id="1" pos="6456">
+          <p15:clr>
+            <a:srgbClr val="FBAE40"/>
+          </p15:clr>
+        </p15:guide>
+      </p15:sldGuideLst>
+    </p:ext>
+  </p:extLst>
 </p:sldLayout>
 </file>
 
@@ -2195,7 +3019,7 @@
               <a:rPr lang="en-US" smtClean="0"/>
               <a:t>Click to edit Master title style</a:t>
             </a:r>
-            <a:endParaRPr lang="en-US"/>
+            <a:endParaRPr lang="en-US" dirty="0"/>
           </a:p>
         </p:txBody>
       </p:sp>
@@ -2217,7 +3041,7 @@
             <a:pPr lvl="0"/>
             <a:r>
               <a:rPr lang="en-US" smtClean="0"/>
-              <a:t>Click to edit Master text styles</a:t>
+              <a:t>Edit Master text styles</a:t>
             </a:r>
           </a:p>
           <a:p>
@@ -2247,7 +3071,7 @@
               <a:rPr lang="en-US" smtClean="0"/>
               <a:t>Fifth level</a:t>
             </a:r>
-            <a:endParaRPr lang="en-US"/>
+            <a:endParaRPr lang="en-US" dirty="0"/>
           </a:p>
         </p:txBody>
       </p:sp>
@@ -2268,7 +3092,7 @@
           <a:p>
             <a:fld id="{5CD77D07-8B73-47AA-BA22-D3F09B3009AD}" type="datetimeFigureOut">
               <a:rPr lang="en-US" smtClean="0"/>
-              <a:t>11/4/2018</a:t>
+              <a:t>11/5/2018</a:t>
             </a:fld>
             <a:endParaRPr lang="en-US"/>
           </a:p>
@@ -2319,7 +3143,7 @@
     </p:spTree>
     <p:extLst>
       <p:ext uri="{BB962C8B-B14F-4D97-AF65-F5344CB8AC3E}">
-        <p14:creationId xmlns:p14="http://schemas.microsoft.com/office/powerpoint/2010/main" val="2734247762"/>
+        <p14:creationId xmlns:p14="http://schemas.microsoft.com/office/powerpoint/2010/main" val="4188643603"/>
       </p:ext>
     </p:extLst>
   </p:cSld>
@@ -2330,8 +3154,16 @@
 </file>
 
 <file path=ppt/slideLayouts/slideLayout3.xml><?xml version="1.0" encoding="utf-8"?>
-<p:sldLayout xmlns:a="http://schemas.openxmlformats.org/drawingml/2006/main" xmlns:r="http://schemas.openxmlformats.org/officeDocument/2006/relationships" xmlns:p="http://schemas.openxmlformats.org/presentationml/2006/main" type="secHead" preserve="1">
+<p:sldLayout xmlns:a="http://schemas.openxmlformats.org/drawingml/2006/main" xmlns:r="http://schemas.openxmlformats.org/officeDocument/2006/relationships" xmlns:p="http://schemas.openxmlformats.org/presentationml/2006/main" showMasterSp="0" type="secHead" preserve="1">
   <p:cSld name="Section Header">
+    <p:bg>
+      <p:bgPr>
+        <a:solidFill>
+          <a:schemeClr val="bg2"/>
+        </a:solidFill>
+        <a:effectLst/>
+      </p:bgPr>
+    </p:bg>
     <p:spTree>
       <p:nvGrpSpPr>
         <p:cNvPr id="1" name=""/>
@@ -2348,6 +3180,206 @@
       </p:grpSpPr>
       <p:sp>
         <p:nvSpPr>
+          <p:cNvPr id="7" name="Freeform 6" title="Page Number Shape"/>
+          <p:cNvSpPr/>
+          <p:nvPr/>
+        </p:nvSpPr>
+        <p:spPr bwMode="auto">
+          <a:xfrm>
+            <a:off x="11784011" y="1393748"/>
+            <a:ext cx="407988" cy="819150"/>
+          </a:xfrm>
+          <a:custGeom>
+            <a:avLst/>
+            <a:gdLst/>
+            <a:ahLst/>
+            <a:cxnLst/>
+            <a:rect l="0" t="0" r="r" b="b"/>
+            <a:pathLst>
+              <a:path w="1799" h="3612">
+                <a:moveTo>
+                  <a:pt x="1799" y="0"/>
+                </a:moveTo>
+                <a:lnTo>
+                  <a:pt x="1799" y="3612"/>
+                </a:lnTo>
+                <a:lnTo>
+                  <a:pt x="1686" y="3609"/>
+                </a:lnTo>
+                <a:lnTo>
+                  <a:pt x="1574" y="3598"/>
+                </a:lnTo>
+                <a:lnTo>
+                  <a:pt x="1464" y="3581"/>
+                </a:lnTo>
+                <a:lnTo>
+                  <a:pt x="1357" y="3557"/>
+                </a:lnTo>
+                <a:lnTo>
+                  <a:pt x="1251" y="3527"/>
+                </a:lnTo>
+                <a:lnTo>
+                  <a:pt x="1150" y="3490"/>
+                </a:lnTo>
+                <a:lnTo>
+                  <a:pt x="1050" y="3448"/>
+                </a:lnTo>
+                <a:lnTo>
+                  <a:pt x="953" y="3401"/>
+                </a:lnTo>
+                <a:lnTo>
+                  <a:pt x="860" y="3347"/>
+                </a:lnTo>
+                <a:lnTo>
+                  <a:pt x="771" y="3289"/>
+                </a:lnTo>
+                <a:lnTo>
+                  <a:pt x="686" y="3224"/>
+                </a:lnTo>
+                <a:lnTo>
+                  <a:pt x="604" y="3156"/>
+                </a:lnTo>
+                <a:lnTo>
+                  <a:pt x="527" y="3083"/>
+                </a:lnTo>
+                <a:lnTo>
+                  <a:pt x="454" y="3005"/>
+                </a:lnTo>
+                <a:lnTo>
+                  <a:pt x="386" y="2923"/>
+                </a:lnTo>
+                <a:lnTo>
+                  <a:pt x="323" y="2838"/>
+                </a:lnTo>
+                <a:lnTo>
+                  <a:pt x="265" y="2748"/>
+                </a:lnTo>
+                <a:lnTo>
+                  <a:pt x="211" y="2655"/>
+                </a:lnTo>
+                <a:lnTo>
+                  <a:pt x="163" y="2559"/>
+                </a:lnTo>
+                <a:lnTo>
+                  <a:pt x="121" y="2459"/>
+                </a:lnTo>
+                <a:lnTo>
+                  <a:pt x="85" y="2356"/>
+                </a:lnTo>
+                <a:lnTo>
+                  <a:pt x="55" y="2251"/>
+                </a:lnTo>
+                <a:lnTo>
+                  <a:pt x="32" y="2143"/>
+                </a:lnTo>
+                <a:lnTo>
+                  <a:pt x="14" y="2033"/>
+                </a:lnTo>
+                <a:lnTo>
+                  <a:pt x="4" y="1920"/>
+                </a:lnTo>
+                <a:lnTo>
+                  <a:pt x="0" y="1806"/>
+                </a:lnTo>
+                <a:lnTo>
+                  <a:pt x="4" y="1692"/>
+                </a:lnTo>
+                <a:lnTo>
+                  <a:pt x="14" y="1580"/>
+                </a:lnTo>
+                <a:lnTo>
+                  <a:pt x="32" y="1469"/>
+                </a:lnTo>
+                <a:lnTo>
+                  <a:pt x="55" y="1362"/>
+                </a:lnTo>
+                <a:lnTo>
+                  <a:pt x="85" y="1256"/>
+                </a:lnTo>
+                <a:lnTo>
+                  <a:pt x="121" y="1154"/>
+                </a:lnTo>
+                <a:lnTo>
+                  <a:pt x="163" y="1054"/>
+                </a:lnTo>
+                <a:lnTo>
+                  <a:pt x="211" y="958"/>
+                </a:lnTo>
+                <a:lnTo>
+                  <a:pt x="265" y="864"/>
+                </a:lnTo>
+                <a:lnTo>
+                  <a:pt x="323" y="774"/>
+                </a:lnTo>
+                <a:lnTo>
+                  <a:pt x="386" y="689"/>
+                </a:lnTo>
+                <a:lnTo>
+                  <a:pt x="454" y="607"/>
+                </a:lnTo>
+                <a:lnTo>
+                  <a:pt x="527" y="529"/>
+                </a:lnTo>
+                <a:lnTo>
+                  <a:pt x="604" y="456"/>
+                </a:lnTo>
+                <a:lnTo>
+                  <a:pt x="686" y="388"/>
+                </a:lnTo>
+                <a:lnTo>
+                  <a:pt x="771" y="325"/>
+                </a:lnTo>
+                <a:lnTo>
+                  <a:pt x="860" y="266"/>
+                </a:lnTo>
+                <a:lnTo>
+                  <a:pt x="953" y="212"/>
+                </a:lnTo>
+                <a:lnTo>
+                  <a:pt x="1050" y="164"/>
+                </a:lnTo>
+                <a:lnTo>
+                  <a:pt x="1150" y="122"/>
+                </a:lnTo>
+                <a:lnTo>
+                  <a:pt x="1251" y="85"/>
+                </a:lnTo>
+                <a:lnTo>
+                  <a:pt x="1357" y="55"/>
+                </a:lnTo>
+                <a:lnTo>
+                  <a:pt x="1464" y="32"/>
+                </a:lnTo>
+                <a:lnTo>
+                  <a:pt x="1574" y="14"/>
+                </a:lnTo>
+                <a:lnTo>
+                  <a:pt x="1686" y="5"/>
+                </a:lnTo>
+                <a:lnTo>
+                  <a:pt x="1799" y="0"/>
+                </a:lnTo>
+                <a:close/>
+              </a:path>
+            </a:pathLst>
+          </a:custGeom>
+          <a:solidFill>
+            <a:schemeClr val="tx1">
+              <a:lumMod val="85000"/>
+              <a:lumOff val="15000"/>
+            </a:schemeClr>
+          </a:solidFill>
+          <a:ln w="0">
+            <a:noFill/>
+            <a:prstDash val="solid"/>
+            <a:round/>
+            <a:headEnd/>
+            <a:tailEnd/>
+          </a:ln>
+        </p:spPr>
+      </p:sp>
+      <p:sp>
+        <p:nvSpPr>
           <p:cNvPr id="2" name="Title 1"/>
           <p:cNvSpPr>
             <a:spLocks noGrp="1"/>
@@ -2358,15 +3390,27 @@
         </p:nvSpPr>
         <p:spPr>
           <a:xfrm>
-            <a:off x="831850" y="1709738"/>
-            <a:ext cx="10515600" cy="2852737"/>
+            <a:off x="1947673" y="2571722"/>
+            <a:ext cx="8296654" cy="3286153"/>
           </a:xfrm>
         </p:spPr>
         <p:txBody>
-          <a:bodyPr anchor="b"/>
+          <a:bodyPr anchor="t">
+            <a:normAutofit/>
+          </a:bodyPr>
           <a:lstStyle>
             <a:lvl1pPr>
-              <a:defRPr sz="6000"/>
+              <a:lnSpc>
+                <a:spcPct val="85000"/>
+              </a:lnSpc>
+              <a:defRPr sz="7700" cap="all" baseline="0">
+                <a:solidFill>
+                  <a:schemeClr val="tx1">
+                    <a:lumMod val="85000"/>
+                    <a:lumOff val="15000"/>
+                  </a:schemeClr>
+                </a:solidFill>
+              </a:defRPr>
             </a:lvl1pPr>
           </a:lstStyle>
           <a:p>
@@ -2374,7 +3418,7 @@
               <a:rPr lang="en-US" smtClean="0"/>
               <a:t>Click to edit Master title style</a:t>
             </a:r>
-            <a:endParaRPr lang="en-US"/>
+            <a:endParaRPr lang="en-US" dirty="0"/>
           </a:p>
         </p:txBody>
       </p:sp>
@@ -2390,19 +3434,28 @@
         </p:nvSpPr>
         <p:spPr>
           <a:xfrm>
-            <a:off x="831850" y="4589463"/>
-            <a:ext cx="10515600" cy="1500187"/>
+            <a:off x="1947673" y="1393748"/>
+            <a:ext cx="8401429" cy="819150"/>
           </a:xfrm>
         </p:spPr>
         <p:txBody>
-          <a:bodyPr/>
+          <a:bodyPr anchor="ctr">
+            <a:normAutofit/>
+          </a:bodyPr>
           <a:lstStyle>
-            <a:lvl1pPr marL="0" indent="0">
+            <a:lvl1pPr marL="0" indent="0" algn="r">
+              <a:lnSpc>
+                <a:spcPct val="113000"/>
+              </a:lnSpc>
+              <a:spcBef>
+                <a:spcPts val="0"/>
+              </a:spcBef>
               <a:buNone/>
-              <a:defRPr sz="2400">
+              <a:defRPr sz="2000" b="0" i="1" baseline="0">
                 <a:solidFill>
                   <a:schemeClr val="tx1">
-                    <a:tint val="75000"/>
+                    <a:lumMod val="85000"/>
+                    <a:lumOff val="15000"/>
                   </a:schemeClr>
                 </a:solidFill>
               </a:defRPr>
@@ -2492,7 +3545,7 @@
             <a:pPr lvl="0"/>
             <a:r>
               <a:rPr lang="en-US" smtClean="0"/>
-              <a:t>Click to edit Master text styles</a:t>
+              <a:t>Edit Master text styles</a:t>
             </a:r>
           </a:p>
         </p:txBody>
@@ -2507,14 +3560,30 @@
             <p:ph type="dt" sz="half" idx="10"/>
           </p:nvPr>
         </p:nvSpPr>
-        <p:spPr/>
+        <p:spPr>
+          <a:xfrm>
+            <a:off x="8742955" y="6314439"/>
+            <a:ext cx="1596622" cy="365125"/>
+          </a:xfrm>
+        </p:spPr>
         <p:txBody>
           <a:bodyPr/>
-          <a:lstStyle/>
+          <a:lstStyle>
+            <a:lvl1pPr>
+              <a:defRPr sz="1200">
+                <a:solidFill>
+                  <a:schemeClr val="tx1">
+                    <a:lumMod val="85000"/>
+                    <a:lumOff val="15000"/>
+                  </a:schemeClr>
+                </a:solidFill>
+              </a:defRPr>
+            </a:lvl1pPr>
+          </a:lstStyle>
           <a:p>
             <a:fld id="{5CD77D07-8B73-47AA-BA22-D3F09B3009AD}" type="datetimeFigureOut">
               <a:rPr lang="en-US" smtClean="0"/>
-              <a:t>11/4/2018</a:t>
+              <a:t>11/5/2018</a:t>
             </a:fld>
             <a:endParaRPr lang="en-US"/>
           </a:p>
@@ -2530,10 +3599,26 @@
             <p:ph type="ftr" sz="quarter" idx="11"/>
           </p:nvPr>
         </p:nvSpPr>
-        <p:spPr/>
+        <p:spPr>
+          <a:xfrm>
+            <a:off x="1947673" y="6314440"/>
+            <a:ext cx="6480226" cy="365125"/>
+          </a:xfrm>
+        </p:spPr>
         <p:txBody>
           <a:bodyPr/>
-          <a:lstStyle/>
+          <a:lstStyle>
+            <a:lvl1pPr>
+              <a:defRPr b="0">
+                <a:solidFill>
+                  <a:schemeClr val="tx1">
+                    <a:lumMod val="85000"/>
+                    <a:lumOff val="15000"/>
+                  </a:schemeClr>
+                </a:solidFill>
+              </a:defRPr>
+            </a:lvl1pPr>
+          </a:lstStyle>
           <a:p>
             <a:endParaRPr lang="en-US"/>
           </a:p>
@@ -2549,10 +3634,23 @@
             <p:ph type="sldNum" sz="quarter" idx="12"/>
           </p:nvPr>
         </p:nvSpPr>
-        <p:spPr/>
+        <p:spPr>
+          <a:xfrm>
+            <a:off x="11784011" y="1620760"/>
+            <a:ext cx="407988" cy="365125"/>
+          </a:xfrm>
+        </p:spPr>
         <p:txBody>
           <a:bodyPr/>
-          <a:lstStyle/>
+          <a:lstStyle>
+            <a:lvl1pPr>
+              <a:defRPr>
+                <a:solidFill>
+                  <a:schemeClr val="bg2"/>
+                </a:solidFill>
+              </a:defRPr>
+            </a:lvl1pPr>
+          </a:lstStyle>
           <a:p>
             <a:fld id="{3CE23A90-48EA-4574-AEA1-95A891830F84}" type="slidenum">
               <a:rPr lang="en-US" smtClean="0"/>
@@ -2562,16 +3660,65 @@
           </a:p>
         </p:txBody>
       </p:sp>
+      <p:cxnSp>
+        <p:nvCxnSpPr>
+          <p:cNvPr id="10" name="Straight Connector 9" title="Horizontal Rule Line"/>
+          <p:cNvCxnSpPr/>
+          <p:nvPr/>
+        </p:nvCxnSpPr>
+        <p:spPr>
+          <a:xfrm flipH="1">
+            <a:off x="1" y="6178167"/>
+            <a:ext cx="10244326" cy="0"/>
+          </a:xfrm>
+          <a:prstGeom prst="line">
+            <a:avLst/>
+          </a:prstGeom>
+          <a:ln w="25400">
+            <a:solidFill>
+              <a:schemeClr val="tx1">
+                <a:lumMod val="85000"/>
+                <a:lumOff val="15000"/>
+              </a:schemeClr>
+            </a:solidFill>
+          </a:ln>
+        </p:spPr>
+        <p:style>
+          <a:lnRef idx="1">
+            <a:schemeClr val="accent1"/>
+          </a:lnRef>
+          <a:fillRef idx="0">
+            <a:schemeClr val="accent1"/>
+          </a:fillRef>
+          <a:effectRef idx="0">
+            <a:schemeClr val="accent1"/>
+          </a:effectRef>
+          <a:fontRef idx="minor">
+            <a:schemeClr val="tx1"/>
+          </a:fontRef>
+        </p:style>
+      </p:cxnSp>
     </p:spTree>
     <p:extLst>
       <p:ext uri="{BB962C8B-B14F-4D97-AF65-F5344CB8AC3E}">
-        <p14:creationId xmlns:p14="http://schemas.microsoft.com/office/powerpoint/2010/main" val="3671139695"/>
+        <p14:creationId xmlns:p14="http://schemas.microsoft.com/office/powerpoint/2010/main" val="2851139752"/>
       </p:ext>
     </p:extLst>
   </p:cSld>
   <p:clrMapOvr>
     <a:masterClrMapping/>
   </p:clrMapOvr>
+  <p:extLst mod="1">
+    <p:ext uri="{DCECCB84-F9BA-43D5-87BE-67443E8EF086}">
+      <p15:sldGuideLst xmlns:p15="http://schemas.microsoft.com/office/powerpoint/2012/main">
+        <p15:guide id="1" pos="6456">
+          <p15:clr>
+            <a:srgbClr val="FBAE40"/>
+          </p15:clr>
+        </p15:guide>
+      </p15:sldGuideLst>
+    </p:ext>
+  </p:extLst>
 </p:sldLayout>
 </file>
 
@@ -2611,7 +3758,7 @@
               <a:rPr lang="en-US" smtClean="0"/>
               <a:t>Click to edit Master title style</a:t>
             </a:r>
-            <a:endParaRPr lang="en-US"/>
+            <a:endParaRPr lang="en-US" dirty="0"/>
           </a:p>
         </p:txBody>
       </p:sp>
@@ -2627,8 +3774,8 @@
         </p:nvSpPr>
         <p:spPr>
           <a:xfrm>
-            <a:off x="838200" y="1825625"/>
-            <a:ext cx="5181600" cy="4351338"/>
+            <a:off x="5181600" y="540628"/>
+            <a:ext cx="6248400" cy="2488946"/>
           </a:xfrm>
         </p:spPr>
         <p:txBody>
@@ -2638,7 +3785,7 @@
             <a:pPr lvl="0"/>
             <a:r>
               <a:rPr lang="en-US" smtClean="0"/>
-              <a:t>Click to edit Master text styles</a:t>
+              <a:t>Edit Master text styles</a:t>
             </a:r>
           </a:p>
           <a:p>
@@ -2668,7 +3815,7 @@
               <a:rPr lang="en-US" smtClean="0"/>
               <a:t>Fifth level</a:t>
             </a:r>
-            <a:endParaRPr lang="en-US"/>
+            <a:endParaRPr lang="en-US" dirty="0"/>
           </a:p>
         </p:txBody>
       </p:sp>
@@ -2684,8 +3831,8 @@
         </p:nvSpPr>
         <p:spPr>
           <a:xfrm>
-            <a:off x="6172200" y="1825625"/>
-            <a:ext cx="5181600" cy="4351338"/>
+            <a:off x="5181600" y="3712467"/>
+            <a:ext cx="6248400" cy="2482228"/>
           </a:xfrm>
         </p:spPr>
         <p:txBody>
@@ -2695,7 +3842,7 @@
             <a:pPr lvl="0"/>
             <a:r>
               <a:rPr lang="en-US" smtClean="0"/>
-              <a:t>Click to edit Master text styles</a:t>
+              <a:t>Edit Master text styles</a:t>
             </a:r>
           </a:p>
           <a:p>
@@ -2725,7 +3872,7 @@
               <a:rPr lang="en-US" smtClean="0"/>
               <a:t>Fifth level</a:t>
             </a:r>
-            <a:endParaRPr lang="en-US"/>
+            <a:endParaRPr lang="en-US" dirty="0"/>
           </a:p>
         </p:txBody>
       </p:sp>
@@ -2746,7 +3893,7 @@
           <a:p>
             <a:fld id="{5CD77D07-8B73-47AA-BA22-D3F09B3009AD}" type="datetimeFigureOut">
               <a:rPr lang="en-US" smtClean="0"/>
-              <a:t>11/4/2018</a:t>
+              <a:t>11/5/2018</a:t>
             </a:fld>
             <a:endParaRPr lang="en-US"/>
           </a:p>
@@ -2797,7 +3944,7 @@
     </p:spTree>
     <p:extLst>
       <p:ext uri="{BB962C8B-B14F-4D97-AF65-F5344CB8AC3E}">
-        <p14:creationId xmlns:p14="http://schemas.microsoft.com/office/powerpoint/2010/main" val="1684454154"/>
+        <p14:creationId xmlns:p14="http://schemas.microsoft.com/office/powerpoint/2010/main" val="975505458"/>
       </p:ext>
     </p:extLst>
   </p:cSld>
@@ -2836,8 +3983,8 @@
         </p:nvSpPr>
         <p:spPr>
           <a:xfrm>
-            <a:off x="839788" y="365125"/>
-            <a:ext cx="10515600" cy="1325563"/>
+            <a:off x="762000" y="557784"/>
+            <a:ext cx="3831336" cy="4956048"/>
           </a:xfrm>
         </p:spPr>
         <p:txBody>
@@ -2848,7 +3995,7 @@
               <a:rPr lang="en-US" smtClean="0"/>
               <a:t>Click to edit Master title style</a:t>
             </a:r>
-            <a:endParaRPr lang="en-US"/>
+            <a:endParaRPr lang="en-US" dirty="0"/>
           </a:p>
         </p:txBody>
       </p:sp>
@@ -2864,16 +4011,31 @@
         </p:nvSpPr>
         <p:spPr>
           <a:xfrm>
-            <a:off x="839788" y="1681163"/>
-            <a:ext cx="5157787" cy="823912"/>
+            <a:off x="5181600" y="558065"/>
+            <a:ext cx="6245352" cy="914400"/>
           </a:xfrm>
         </p:spPr>
         <p:txBody>
-          <a:bodyPr anchor="b"/>
+          <a:bodyPr anchor="b">
+            <a:normAutofit/>
+          </a:bodyPr>
           <a:lstStyle>
             <a:lvl1pPr marL="0" indent="0">
+              <a:lnSpc>
+                <a:spcPct val="113000"/>
+              </a:lnSpc>
+              <a:spcBef>
+                <a:spcPts val="0"/>
+              </a:spcBef>
               <a:buNone/>
-              <a:defRPr sz="2400" b="1"/>
+              <a:defRPr sz="2400" b="0" i="1" baseline="0">
+                <a:solidFill>
+                  <a:schemeClr val="tx1">
+                    <a:lumMod val="85000"/>
+                    <a:lumOff val="15000"/>
+                  </a:schemeClr>
+                </a:solidFill>
+              </a:defRPr>
             </a:lvl1pPr>
             <a:lvl2pPr marL="457200" indent="0">
               <a:buNone/>
@@ -2912,7 +4074,7 @@
             <a:pPr lvl="0"/>
             <a:r>
               <a:rPr lang="en-US" smtClean="0"/>
-              <a:t>Click to edit Master text styles</a:t>
+              <a:t>Edit Master text styles</a:t>
             </a:r>
           </a:p>
         </p:txBody>
@@ -2929,8 +4091,8 @@
         </p:nvSpPr>
         <p:spPr>
           <a:xfrm>
-            <a:off x="839788" y="2505075"/>
-            <a:ext cx="5157787" cy="3684588"/>
+            <a:off x="5181600" y="1526671"/>
+            <a:ext cx="6245352" cy="1755648"/>
           </a:xfrm>
         </p:spPr>
         <p:txBody>
@@ -2940,7 +4102,7 @@
             <a:pPr lvl="0"/>
             <a:r>
               <a:rPr lang="en-US" smtClean="0"/>
-              <a:t>Click to edit Master text styles</a:t>
+              <a:t>Edit Master text styles</a:t>
             </a:r>
           </a:p>
           <a:p>
@@ -2970,7 +4132,7 @@
               <a:rPr lang="en-US" smtClean="0"/>
               <a:t>Fifth level</a:t>
             </a:r>
-            <a:endParaRPr lang="en-US"/>
+            <a:endParaRPr lang="en-US" dirty="0"/>
           </a:p>
         </p:txBody>
       </p:sp>
@@ -2986,16 +4148,25 @@
         </p:nvSpPr>
         <p:spPr>
           <a:xfrm>
-            <a:off x="6172200" y="1681163"/>
-            <a:ext cx="5183188" cy="823912"/>
+            <a:off x="5181600" y="3700826"/>
+            <a:ext cx="6248400" cy="914400"/>
           </a:xfrm>
         </p:spPr>
         <p:txBody>
-          <a:bodyPr anchor="b"/>
+          <a:bodyPr anchor="b">
+            <a:normAutofit/>
+          </a:bodyPr>
           <a:lstStyle>
             <a:lvl1pPr marL="0" indent="0">
               <a:buNone/>
-              <a:defRPr sz="2400" b="1"/>
+              <a:defRPr sz="2400" b="0" i="1" baseline="0">
+                <a:solidFill>
+                  <a:schemeClr val="tx1">
+                    <a:lumMod val="85000"/>
+                    <a:lumOff val="15000"/>
+                  </a:schemeClr>
+                </a:solidFill>
+              </a:defRPr>
             </a:lvl1pPr>
             <a:lvl2pPr marL="457200" indent="0">
               <a:buNone/>
@@ -3034,7 +4205,7 @@
             <a:pPr lvl="0"/>
             <a:r>
               <a:rPr lang="en-US" smtClean="0"/>
-              <a:t>Click to edit Master text styles</a:t>
+              <a:t>Edit Master text styles</a:t>
             </a:r>
           </a:p>
         </p:txBody>
@@ -3051,8 +4222,8 @@
         </p:nvSpPr>
         <p:spPr>
           <a:xfrm>
-            <a:off x="6172200" y="2505075"/>
-            <a:ext cx="5183188" cy="3684588"/>
+            <a:off x="5181600" y="4669432"/>
+            <a:ext cx="6245352" cy="1755648"/>
           </a:xfrm>
         </p:spPr>
         <p:txBody>
@@ -3062,7 +4233,7 @@
             <a:pPr lvl="0"/>
             <a:r>
               <a:rPr lang="en-US" smtClean="0"/>
-              <a:t>Click to edit Master text styles</a:t>
+              <a:t>Edit Master text styles</a:t>
             </a:r>
           </a:p>
           <a:p>
@@ -3092,7 +4263,7 @@
               <a:rPr lang="en-US" smtClean="0"/>
               <a:t>Fifth level</a:t>
             </a:r>
-            <a:endParaRPr lang="en-US"/>
+            <a:endParaRPr lang="en-US" dirty="0"/>
           </a:p>
         </p:txBody>
       </p:sp>
@@ -3113,7 +4284,7 @@
           <a:p>
             <a:fld id="{5CD77D07-8B73-47AA-BA22-D3F09B3009AD}" type="datetimeFigureOut">
               <a:rPr lang="en-US" smtClean="0"/>
-              <a:t>11/4/2018</a:t>
+              <a:t>11/5/2018</a:t>
             </a:fld>
             <a:endParaRPr lang="en-US"/>
           </a:p>
@@ -3164,7 +4335,7 @@
     </p:spTree>
     <p:extLst>
       <p:ext uri="{BB962C8B-B14F-4D97-AF65-F5344CB8AC3E}">
-        <p14:creationId xmlns:p14="http://schemas.microsoft.com/office/powerpoint/2010/main" val="2663159359"/>
+        <p14:creationId xmlns:p14="http://schemas.microsoft.com/office/powerpoint/2010/main" val="1088470807"/>
       </p:ext>
     </p:extLst>
   </p:cSld>
@@ -3210,7 +4381,7 @@
               <a:rPr lang="en-US" smtClean="0"/>
               <a:t>Click to edit Master title style</a:t>
             </a:r>
-            <a:endParaRPr lang="en-US"/>
+            <a:endParaRPr lang="en-US" dirty="0"/>
           </a:p>
         </p:txBody>
       </p:sp>
@@ -3231,7 +4402,7 @@
           <a:p>
             <a:fld id="{5CD77D07-8B73-47AA-BA22-D3F09B3009AD}" type="datetimeFigureOut">
               <a:rPr lang="en-US" smtClean="0"/>
-              <a:t>11/4/2018</a:t>
+              <a:t>11/5/2018</a:t>
             </a:fld>
             <a:endParaRPr lang="en-US"/>
           </a:p>
@@ -3282,7 +4453,7 @@
     </p:spTree>
     <p:extLst>
       <p:ext uri="{BB962C8B-B14F-4D97-AF65-F5344CB8AC3E}">
-        <p14:creationId xmlns:p14="http://schemas.microsoft.com/office/powerpoint/2010/main" val="2211860999"/>
+        <p14:creationId xmlns:p14="http://schemas.microsoft.com/office/powerpoint/2010/main" val="2697762284"/>
       </p:ext>
     </p:extLst>
   </p:cSld>
@@ -3326,7 +4497,7 @@
           <a:p>
             <a:fld id="{5CD77D07-8B73-47AA-BA22-D3F09B3009AD}" type="datetimeFigureOut">
               <a:rPr lang="en-US" smtClean="0"/>
-              <a:t>11/4/2018</a:t>
+              <a:t>11/5/2018</a:t>
             </a:fld>
             <a:endParaRPr lang="en-US"/>
           </a:p>
@@ -3377,7 +4548,7 @@
     </p:spTree>
     <p:extLst>
       <p:ext uri="{BB962C8B-B14F-4D97-AF65-F5344CB8AC3E}">
-        <p14:creationId xmlns:p14="http://schemas.microsoft.com/office/powerpoint/2010/main" val="2343458372"/>
+        <p14:creationId xmlns:p14="http://schemas.microsoft.com/office/powerpoint/2010/main" val="1541661916"/>
       </p:ext>
     </p:extLst>
   </p:cSld>
@@ -3416,15 +4587,20 @@
         </p:nvSpPr>
         <p:spPr>
           <a:xfrm>
-            <a:off x="839788" y="457200"/>
-            <a:ext cx="3932237" cy="1600200"/>
+            <a:off x="762000" y="555479"/>
+            <a:ext cx="3838776" cy="1921022"/>
           </a:xfrm>
         </p:spPr>
         <p:txBody>
-          <a:bodyPr anchor="b"/>
+          <a:bodyPr anchor="t">
+            <a:noAutofit/>
+          </a:bodyPr>
           <a:lstStyle>
             <a:lvl1pPr>
-              <a:defRPr sz="3200"/>
+              <a:lnSpc>
+                <a:spcPct val="93000"/>
+              </a:lnSpc>
+              <a:defRPr sz="4000"/>
             </a:lvl1pPr>
           </a:lstStyle>
           <a:p>
@@ -3432,7 +4608,7 @@
               <a:rPr lang="en-US" smtClean="0"/>
               <a:t>Click to edit Master title style</a:t>
             </a:r>
-            <a:endParaRPr lang="en-US"/>
+            <a:endParaRPr lang="en-US" dirty="0"/>
           </a:p>
         </p:txBody>
       </p:sp>
@@ -3448,46 +4624,61 @@
         </p:nvSpPr>
         <p:spPr>
           <a:xfrm>
-            <a:off x="5183188" y="987425"/>
-            <a:ext cx="6172200" cy="4873625"/>
+            <a:off x="5181600" y="564147"/>
+            <a:ext cx="6248400" cy="5622644"/>
           </a:xfrm>
         </p:spPr>
         <p:txBody>
           <a:bodyPr/>
           <a:lstStyle>
             <a:lvl1pPr>
-              <a:defRPr sz="3200"/>
+              <a:lnSpc>
+                <a:spcPct val="112000"/>
+              </a:lnSpc>
+              <a:defRPr sz="2000"/>
             </a:lvl1pPr>
             <a:lvl2pPr>
-              <a:defRPr sz="2800"/>
+              <a:lnSpc>
+                <a:spcPct val="112000"/>
+              </a:lnSpc>
+              <a:defRPr sz="1800"/>
             </a:lvl2pPr>
             <a:lvl3pPr>
-              <a:defRPr sz="2400"/>
+              <a:lnSpc>
+                <a:spcPct val="112000"/>
+              </a:lnSpc>
+              <a:defRPr sz="1600"/>
             </a:lvl3pPr>
             <a:lvl4pPr>
-              <a:defRPr sz="2000"/>
+              <a:lnSpc>
+                <a:spcPct val="112000"/>
+              </a:lnSpc>
+              <a:defRPr sz="1400"/>
             </a:lvl4pPr>
             <a:lvl5pPr>
-              <a:defRPr sz="2000"/>
+              <a:lnSpc>
+                <a:spcPct val="112000"/>
+              </a:lnSpc>
+              <a:defRPr sz="1400"/>
             </a:lvl5pPr>
             <a:lvl6pPr>
-              <a:defRPr sz="2000"/>
+              <a:defRPr sz="1400"/>
             </a:lvl6pPr>
             <a:lvl7pPr>
-              <a:defRPr sz="2000"/>
+              <a:defRPr sz="1400"/>
             </a:lvl7pPr>
             <a:lvl8pPr>
-              <a:defRPr sz="2000"/>
+              <a:defRPr sz="1400"/>
             </a:lvl8pPr>
             <a:lvl9pPr>
-              <a:defRPr sz="2000"/>
+              <a:defRPr sz="1400"/>
             </a:lvl9pPr>
           </a:lstStyle>
           <a:p>
             <a:pPr lvl="0"/>
             <a:r>
               <a:rPr lang="en-US" smtClean="0"/>
-              <a:t>Click to edit Master text styles</a:t>
+              <a:t>Edit Master text styles</a:t>
             </a:r>
           </a:p>
           <a:p>
@@ -3517,7 +4708,7 @@
               <a:rPr lang="en-US" smtClean="0"/>
               <a:t>Fifth level</a:t>
             </a:r>
-            <a:endParaRPr lang="en-US"/>
+            <a:endParaRPr lang="en-US" dirty="0"/>
           </a:p>
         </p:txBody>
       </p:sp>
@@ -3533,14 +4724,17 @@
         </p:nvSpPr>
         <p:spPr>
           <a:xfrm>
-            <a:off x="839788" y="2057400"/>
-            <a:ext cx="3932237" cy="3811588"/>
+            <a:off x="762000" y="2621512"/>
+            <a:ext cx="3838776" cy="3239537"/>
           </a:xfrm>
         </p:spPr>
         <p:txBody>
           <a:bodyPr/>
           <a:lstStyle>
-            <a:lvl1pPr marL="0" indent="0">
+            <a:lvl1pPr marL="0" indent="0" algn="r">
+              <a:lnSpc>
+                <a:spcPct val="125000"/>
+              </a:lnSpc>
               <a:buNone/>
               <a:defRPr sz="1600"/>
             </a:lvl1pPr>
@@ -3581,7 +4775,7 @@
             <a:pPr lvl="0"/>
             <a:r>
               <a:rPr lang="en-US" smtClean="0"/>
-              <a:t>Click to edit Master text styles</a:t>
+              <a:t>Edit Master text styles</a:t>
             </a:r>
           </a:p>
         </p:txBody>
@@ -3603,7 +4797,7 @@
           <a:p>
             <a:fld id="{5CD77D07-8B73-47AA-BA22-D3F09B3009AD}" type="datetimeFigureOut">
               <a:rPr lang="en-US" smtClean="0"/>
-              <a:t>11/4/2018</a:t>
+              <a:t>11/5/2018</a:t>
             </a:fld>
             <a:endParaRPr lang="en-US"/>
           </a:p>
@@ -3654,7 +4848,7 @@
     </p:spTree>
     <p:extLst>
       <p:ext uri="{BB962C8B-B14F-4D97-AF65-F5344CB8AC3E}">
-        <p14:creationId xmlns:p14="http://schemas.microsoft.com/office/powerpoint/2010/main" val="4285530269"/>
+        <p14:creationId xmlns:p14="http://schemas.microsoft.com/office/powerpoint/2010/main" val="2612258323"/>
       </p:ext>
     </p:extLst>
   </p:cSld>
@@ -3693,15 +4887,20 @@
         </p:nvSpPr>
         <p:spPr>
           <a:xfrm>
-            <a:off x="839788" y="457200"/>
-            <a:ext cx="3932237" cy="1600200"/>
+            <a:off x="758952" y="557261"/>
+            <a:ext cx="3840480" cy="1919239"/>
           </a:xfrm>
         </p:spPr>
         <p:txBody>
-          <a:bodyPr anchor="b"/>
+          <a:bodyPr anchor="t">
+            <a:noAutofit/>
+          </a:bodyPr>
           <a:lstStyle>
             <a:lvl1pPr>
-              <a:defRPr sz="3200"/>
+              <a:lnSpc>
+                <a:spcPct val="93000"/>
+              </a:lnSpc>
+              <a:defRPr sz="4000" baseline="0"/>
             </a:lvl1pPr>
           </a:lstStyle>
           <a:p>
@@ -3709,7 +4908,7 @@
               <a:rPr lang="en-US" smtClean="0"/>
               <a:t>Click to edit Master title style</a:t>
             </a:r>
-            <a:endParaRPr lang="en-US"/>
+            <a:endParaRPr lang="en-US" dirty="0"/>
           </a:p>
         </p:txBody>
       </p:sp>
@@ -3717,7 +4916,7 @@
         <p:nvSpPr>
           <p:cNvPr id="3" name="Picture Placeholder 2"/>
           <p:cNvSpPr>
-            <a:spLocks noGrp="1"/>
+            <a:spLocks noGrp="1" noChangeAspect="1"/>
           </p:cNvSpPr>
           <p:nvPr>
             <p:ph type="pic" idx="1"/>
@@ -3725,12 +4924,12 @@
         </p:nvSpPr>
         <p:spPr>
           <a:xfrm>
-            <a:off x="5183188" y="987425"/>
-            <a:ext cx="6172200" cy="4873625"/>
+            <a:off x="5257800" y="0"/>
+            <a:ext cx="6172200" cy="6857999"/>
           </a:xfrm>
         </p:spPr>
         <p:txBody>
-          <a:bodyPr/>
+          <a:bodyPr anchor="t"/>
           <a:lstStyle>
             <a:lvl1pPr marL="0" indent="0">
               <a:buNone/>
@@ -3770,7 +4969,11 @@
             </a:lvl9pPr>
           </a:lstStyle>
           <a:p>
-            <a:endParaRPr lang="en-US"/>
+            <a:r>
+              <a:rPr lang="en-US" smtClean="0"/>
+              <a:t>Click icon to add picture</a:t>
+            </a:r>
+            <a:endParaRPr lang="en-US" dirty="0"/>
           </a:p>
         </p:txBody>
       </p:sp>
@@ -3786,14 +4989,17 @@
         </p:nvSpPr>
         <p:spPr>
           <a:xfrm>
-            <a:off x="839788" y="2057400"/>
-            <a:ext cx="3932237" cy="3811588"/>
+            <a:off x="758952" y="2621512"/>
+            <a:ext cx="3840480" cy="3236976"/>
           </a:xfrm>
         </p:spPr>
         <p:txBody>
           <a:bodyPr/>
           <a:lstStyle>
-            <a:lvl1pPr marL="0" indent="0">
+            <a:lvl1pPr marL="0" indent="0" algn="r">
+              <a:lnSpc>
+                <a:spcPct val="125000"/>
+              </a:lnSpc>
               <a:buNone/>
               <a:defRPr sz="1600"/>
             </a:lvl1pPr>
@@ -3834,7 +5040,7 @@
             <a:pPr lvl="0"/>
             <a:r>
               <a:rPr lang="en-US" smtClean="0"/>
-              <a:t>Click to edit Master text styles</a:t>
+              <a:t>Edit Master text styles</a:t>
             </a:r>
           </a:p>
         </p:txBody>
@@ -3856,7 +5062,7 @@
           <a:p>
             <a:fld id="{5CD77D07-8B73-47AA-BA22-D3F09B3009AD}" type="datetimeFigureOut">
               <a:rPr lang="en-US" smtClean="0"/>
-              <a:t>11/4/2018</a:t>
+              <a:t>11/5/2018</a:t>
             </a:fld>
             <a:endParaRPr lang="en-US"/>
           </a:p>
@@ -3907,7 +5113,7 @@
     </p:spTree>
     <p:extLst>
       <p:ext uri="{BB962C8B-B14F-4D97-AF65-F5344CB8AC3E}">
-        <p14:creationId xmlns:p14="http://schemas.microsoft.com/office/powerpoint/2010/main" val="3792991051"/>
+        <p14:creationId xmlns:p14="http://schemas.microsoft.com/office/powerpoint/2010/main" val="2619086426"/>
       </p:ext>
     </p:extLst>
   </p:cSld>
@@ -3921,9 +5127,12 @@
 <p:sldMaster xmlns:a="http://schemas.openxmlformats.org/drawingml/2006/main" xmlns:r="http://schemas.openxmlformats.org/officeDocument/2006/relationships" xmlns:p="http://schemas.openxmlformats.org/presentationml/2006/main">
   <p:cSld>
     <p:bg>
-      <p:bgRef idx="1001">
-        <a:schemeClr val="bg1"/>
-      </p:bgRef>
+      <p:bgPr>
+        <a:solidFill>
+          <a:schemeClr val="bg2"/>
+        </a:solidFill>
+        <a:effectLst/>
+      </p:bgPr>
     </p:bg>
     <p:spTree>
       <p:nvGrpSpPr>
@@ -3941,6 +5150,206 @@
       </p:grpSpPr>
       <p:sp>
         <p:nvSpPr>
+          <p:cNvPr id="20" name="Freeform 6" title="Page Number Shape"/>
+          <p:cNvSpPr/>
+          <p:nvPr/>
+        </p:nvSpPr>
+        <p:spPr bwMode="auto">
+          <a:xfrm>
+            <a:off x="11784011" y="5380580"/>
+            <a:ext cx="407988" cy="819150"/>
+          </a:xfrm>
+          <a:custGeom>
+            <a:avLst/>
+            <a:gdLst/>
+            <a:ahLst/>
+            <a:cxnLst/>
+            <a:rect l="0" t="0" r="r" b="b"/>
+            <a:pathLst>
+              <a:path w="1799" h="3612">
+                <a:moveTo>
+                  <a:pt x="1799" y="0"/>
+                </a:moveTo>
+                <a:lnTo>
+                  <a:pt x="1799" y="3612"/>
+                </a:lnTo>
+                <a:lnTo>
+                  <a:pt x="1686" y="3609"/>
+                </a:lnTo>
+                <a:lnTo>
+                  <a:pt x="1574" y="3598"/>
+                </a:lnTo>
+                <a:lnTo>
+                  <a:pt x="1464" y="3581"/>
+                </a:lnTo>
+                <a:lnTo>
+                  <a:pt x="1357" y="3557"/>
+                </a:lnTo>
+                <a:lnTo>
+                  <a:pt x="1251" y="3527"/>
+                </a:lnTo>
+                <a:lnTo>
+                  <a:pt x="1150" y="3490"/>
+                </a:lnTo>
+                <a:lnTo>
+                  <a:pt x="1050" y="3448"/>
+                </a:lnTo>
+                <a:lnTo>
+                  <a:pt x="953" y="3401"/>
+                </a:lnTo>
+                <a:lnTo>
+                  <a:pt x="860" y="3347"/>
+                </a:lnTo>
+                <a:lnTo>
+                  <a:pt x="771" y="3289"/>
+                </a:lnTo>
+                <a:lnTo>
+                  <a:pt x="686" y="3224"/>
+                </a:lnTo>
+                <a:lnTo>
+                  <a:pt x="604" y="3156"/>
+                </a:lnTo>
+                <a:lnTo>
+                  <a:pt x="527" y="3083"/>
+                </a:lnTo>
+                <a:lnTo>
+                  <a:pt x="454" y="3005"/>
+                </a:lnTo>
+                <a:lnTo>
+                  <a:pt x="386" y="2923"/>
+                </a:lnTo>
+                <a:lnTo>
+                  <a:pt x="323" y="2838"/>
+                </a:lnTo>
+                <a:lnTo>
+                  <a:pt x="265" y="2748"/>
+                </a:lnTo>
+                <a:lnTo>
+                  <a:pt x="211" y="2655"/>
+                </a:lnTo>
+                <a:lnTo>
+                  <a:pt x="163" y="2559"/>
+                </a:lnTo>
+                <a:lnTo>
+                  <a:pt x="121" y="2459"/>
+                </a:lnTo>
+                <a:lnTo>
+                  <a:pt x="85" y="2356"/>
+                </a:lnTo>
+                <a:lnTo>
+                  <a:pt x="55" y="2251"/>
+                </a:lnTo>
+                <a:lnTo>
+                  <a:pt x="32" y="2143"/>
+                </a:lnTo>
+                <a:lnTo>
+                  <a:pt x="14" y="2033"/>
+                </a:lnTo>
+                <a:lnTo>
+                  <a:pt x="4" y="1920"/>
+                </a:lnTo>
+                <a:lnTo>
+                  <a:pt x="0" y="1806"/>
+                </a:lnTo>
+                <a:lnTo>
+                  <a:pt x="4" y="1692"/>
+                </a:lnTo>
+                <a:lnTo>
+                  <a:pt x="14" y="1580"/>
+                </a:lnTo>
+                <a:lnTo>
+                  <a:pt x="32" y="1469"/>
+                </a:lnTo>
+                <a:lnTo>
+                  <a:pt x="55" y="1362"/>
+                </a:lnTo>
+                <a:lnTo>
+                  <a:pt x="85" y="1256"/>
+                </a:lnTo>
+                <a:lnTo>
+                  <a:pt x="121" y="1154"/>
+                </a:lnTo>
+                <a:lnTo>
+                  <a:pt x="163" y="1054"/>
+                </a:lnTo>
+                <a:lnTo>
+                  <a:pt x="211" y="958"/>
+                </a:lnTo>
+                <a:lnTo>
+                  <a:pt x="265" y="864"/>
+                </a:lnTo>
+                <a:lnTo>
+                  <a:pt x="323" y="774"/>
+                </a:lnTo>
+                <a:lnTo>
+                  <a:pt x="386" y="689"/>
+                </a:lnTo>
+                <a:lnTo>
+                  <a:pt x="454" y="607"/>
+                </a:lnTo>
+                <a:lnTo>
+                  <a:pt x="527" y="529"/>
+                </a:lnTo>
+                <a:lnTo>
+                  <a:pt x="604" y="456"/>
+                </a:lnTo>
+                <a:lnTo>
+                  <a:pt x="686" y="388"/>
+                </a:lnTo>
+                <a:lnTo>
+                  <a:pt x="771" y="325"/>
+                </a:lnTo>
+                <a:lnTo>
+                  <a:pt x="860" y="266"/>
+                </a:lnTo>
+                <a:lnTo>
+                  <a:pt x="953" y="212"/>
+                </a:lnTo>
+                <a:lnTo>
+                  <a:pt x="1050" y="164"/>
+                </a:lnTo>
+                <a:lnTo>
+                  <a:pt x="1150" y="122"/>
+                </a:lnTo>
+                <a:lnTo>
+                  <a:pt x="1251" y="85"/>
+                </a:lnTo>
+                <a:lnTo>
+                  <a:pt x="1357" y="55"/>
+                </a:lnTo>
+                <a:lnTo>
+                  <a:pt x="1464" y="32"/>
+                </a:lnTo>
+                <a:lnTo>
+                  <a:pt x="1574" y="14"/>
+                </a:lnTo>
+                <a:lnTo>
+                  <a:pt x="1686" y="5"/>
+                </a:lnTo>
+                <a:lnTo>
+                  <a:pt x="1799" y="0"/>
+                </a:lnTo>
+                <a:close/>
+              </a:path>
+            </a:pathLst>
+          </a:custGeom>
+          <a:solidFill>
+            <a:schemeClr val="tx1">
+              <a:lumMod val="85000"/>
+              <a:lumOff val="15000"/>
+            </a:schemeClr>
+          </a:solidFill>
+          <a:ln w="0">
+            <a:noFill/>
+            <a:prstDash val="solid"/>
+            <a:round/>
+            <a:headEnd/>
+            <a:tailEnd/>
+          </a:ln>
+        </p:spPr>
+      </p:sp>
+      <p:sp>
+        <p:nvSpPr>
           <p:cNvPr id="2" name="Title Placeholder 1"/>
           <p:cNvSpPr>
             <a:spLocks noGrp="1"/>
@@ -3951,15 +5360,15 @@
         </p:nvSpPr>
         <p:spPr>
           <a:xfrm>
-            <a:off x="838200" y="365125"/>
-            <a:ext cx="10515600" cy="1325563"/>
+            <a:off x="762000" y="559678"/>
+            <a:ext cx="3833906" cy="4952492"/>
           </a:xfrm>
           <a:prstGeom prst="rect">
             <a:avLst/>
           </a:prstGeom>
         </p:spPr>
         <p:txBody>
-          <a:bodyPr vert="horz" lIns="91440" tIns="45720" rIns="91440" bIns="45720" rtlCol="0" anchor="ctr">
+          <a:bodyPr vert="horz" lIns="91440" tIns="45720" rIns="91440" bIns="45720" rtlCol="0" anchor="t">
             <a:normAutofit/>
           </a:bodyPr>
           <a:lstStyle/>
@@ -3968,7 +5377,7 @@
               <a:rPr lang="en-US" smtClean="0"/>
               <a:t>Click to edit Master title style</a:t>
             </a:r>
-            <a:endParaRPr lang="en-US"/>
+            <a:endParaRPr lang="en-US" dirty="0"/>
           </a:p>
         </p:txBody>
       </p:sp>
@@ -3984,8 +5393,8 @@
         </p:nvSpPr>
         <p:spPr>
           <a:xfrm>
-            <a:off x="838200" y="1825625"/>
-            <a:ext cx="10515600" cy="4351338"/>
+            <a:off x="5181600" y="569066"/>
+            <a:ext cx="6248398" cy="5655156"/>
           </a:xfrm>
           <a:prstGeom prst="rect">
             <a:avLst/>
@@ -4000,7 +5409,7 @@
             <a:pPr lvl="0"/>
             <a:r>
               <a:rPr lang="en-US" smtClean="0"/>
-              <a:t>Click to edit Master text styles</a:t>
+              <a:t>Edit Master text styles</a:t>
             </a:r>
           </a:p>
           <a:p>
@@ -4030,7 +5439,7 @@
               <a:rPr lang="en-US" smtClean="0"/>
               <a:t>Fifth level</a:t>
             </a:r>
-            <a:endParaRPr lang="en-US"/>
+            <a:endParaRPr lang="en-US" dirty="0"/>
           </a:p>
         </p:txBody>
       </p:sp>
@@ -4046,30 +5455,32 @@
         </p:nvSpPr>
         <p:spPr>
           <a:xfrm>
-            <a:off x="838200" y="6356350"/>
-            <a:ext cx="2743200" cy="365125"/>
+            <a:off x="762001" y="5930060"/>
+            <a:ext cx="3814856" cy="365125"/>
           </a:xfrm>
           <a:prstGeom prst="rect">
             <a:avLst/>
           </a:prstGeom>
         </p:spPr>
         <p:txBody>
-          <a:bodyPr vert="horz" lIns="91440" tIns="45720" rIns="91440" bIns="45720" rtlCol="0" anchor="ctr"/>
+          <a:bodyPr vert="horz" lIns="91440" tIns="45720" rIns="91440" bIns="45720" rtlCol="0" anchor="t"/>
           <a:lstStyle>
-            <a:lvl1pPr algn="l">
-              <a:defRPr sz="1200">
+            <a:lvl1pPr algn="r">
+              <a:defRPr sz="1000" b="0" i="1" baseline="0">
                 <a:solidFill>
                   <a:schemeClr val="tx1">
-                    <a:tint val="75000"/>
+                    <a:lumMod val="85000"/>
+                    <a:lumOff val="15000"/>
                   </a:schemeClr>
                 </a:solidFill>
+                <a:latin typeface="+mj-lt"/>
               </a:defRPr>
             </a:lvl1pPr>
           </a:lstStyle>
           <a:p>
             <a:fld id="{5CD77D07-8B73-47AA-BA22-D3F09B3009AD}" type="datetimeFigureOut">
               <a:rPr lang="en-US" smtClean="0"/>
-              <a:t>11/4/2018</a:t>
+              <a:t>11/5/2018</a:t>
             </a:fld>
             <a:endParaRPr lang="en-US"/>
           </a:p>
@@ -4087,23 +5498,25 @@
         </p:nvSpPr>
         <p:spPr>
           <a:xfrm>
-            <a:off x="4038600" y="6356350"/>
-            <a:ext cx="4114800" cy="365125"/>
+            <a:off x="762001" y="6314440"/>
+            <a:ext cx="3814856" cy="365125"/>
           </a:xfrm>
           <a:prstGeom prst="rect">
             <a:avLst/>
           </a:prstGeom>
         </p:spPr>
         <p:txBody>
-          <a:bodyPr vert="horz" lIns="91440" tIns="45720" rIns="91440" bIns="45720" rtlCol="0" anchor="ctr"/>
+          <a:bodyPr vert="horz" lIns="91440" tIns="45720" rIns="91440" bIns="45720" rtlCol="0" anchor="t"/>
           <a:lstStyle>
-            <a:lvl1pPr algn="ctr">
-              <a:defRPr sz="1200">
+            <a:lvl1pPr algn="r">
+              <a:defRPr sz="1200" b="1" i="1" baseline="0">
                 <a:solidFill>
                   <a:schemeClr val="tx1">
-                    <a:tint val="75000"/>
+                    <a:lumMod val="85000"/>
+                    <a:lumOff val="15000"/>
                   </a:schemeClr>
                 </a:solidFill>
+                <a:latin typeface="+mj-lt"/>
               </a:defRPr>
             </a:lvl1pPr>
           </a:lstStyle>
@@ -4124,8 +5537,8 @@
         </p:nvSpPr>
         <p:spPr>
           <a:xfrm>
-            <a:off x="8610600" y="6356350"/>
-            <a:ext cx="2743200" cy="365125"/>
+            <a:off x="11784011" y="5607592"/>
+            <a:ext cx="407988" cy="365125"/>
           </a:xfrm>
           <a:prstGeom prst="rect">
             <a:avLst/>
@@ -4135,12 +5548,11 @@
           <a:bodyPr vert="horz" lIns="91440" tIns="45720" rIns="91440" bIns="45720" rtlCol="0" anchor="ctr"/>
           <a:lstStyle>
             <a:lvl1pPr algn="r">
-              <a:defRPr sz="1200">
+              <a:defRPr sz="1200" b="0" i="1" baseline="0">
                 <a:solidFill>
-                  <a:schemeClr val="tx1">
-                    <a:tint val="75000"/>
-                  </a:schemeClr>
+                  <a:schemeClr val="bg2"/>
                 </a:solidFill>
+                <a:latin typeface="+mj-lt"/>
               </a:defRPr>
             </a:lvl1pPr>
           </a:lstStyle>
@@ -4153,30 +5565,68 @@
           </a:p>
         </p:txBody>
       </p:sp>
+      <p:cxnSp>
+        <p:nvCxnSpPr>
+          <p:cNvPr id="10" name="Straight Connector 9" title="Horizontal Rule Line"/>
+          <p:cNvCxnSpPr/>
+          <p:nvPr/>
+        </p:nvCxnSpPr>
+        <p:spPr>
+          <a:xfrm>
+            <a:off x="0" y="6199730"/>
+            <a:ext cx="4495800" cy="0"/>
+          </a:xfrm>
+          <a:prstGeom prst="line">
+            <a:avLst/>
+          </a:prstGeom>
+          <a:ln w="25400">
+            <a:solidFill>
+              <a:schemeClr val="tx1">
+                <a:lumMod val="85000"/>
+                <a:lumOff val="15000"/>
+              </a:schemeClr>
+            </a:solidFill>
+          </a:ln>
+        </p:spPr>
+        <p:style>
+          <a:lnRef idx="1">
+            <a:schemeClr val="accent1"/>
+          </a:lnRef>
+          <a:fillRef idx="0">
+            <a:schemeClr val="accent1"/>
+          </a:fillRef>
+          <a:effectRef idx="0">
+            <a:schemeClr val="accent1"/>
+          </a:effectRef>
+          <a:fontRef idx="minor">
+            <a:schemeClr val="tx1"/>
+          </a:fontRef>
+        </p:style>
+      </p:cxnSp>
     </p:spTree>
     <p:extLst>
       <p:ext uri="{BB962C8B-B14F-4D97-AF65-F5344CB8AC3E}">
-        <p14:creationId xmlns:p14="http://schemas.microsoft.com/office/powerpoint/2010/main" val="3532376099"/>
+        <p14:creationId xmlns:p14="http://schemas.microsoft.com/office/powerpoint/2010/main" val="2820503557"/>
       </p:ext>
     </p:extLst>
   </p:cSld>
   <p:clrMap bg1="lt1" tx1="dk1" bg2="lt2" tx2="dk2" accent1="accent1" accent2="accent2" accent3="accent3" accent4="accent4" accent5="accent5" accent6="accent6" hlink="hlink" folHlink="folHlink"/>
   <p:sldLayoutIdLst>
-    <p:sldLayoutId id="2147483649" r:id="rId1"/>
-    <p:sldLayoutId id="2147483650" r:id="rId2"/>
-    <p:sldLayoutId id="2147483651" r:id="rId3"/>
-    <p:sldLayoutId id="2147483652" r:id="rId4"/>
-    <p:sldLayoutId id="2147483653" r:id="rId5"/>
-    <p:sldLayoutId id="2147483654" r:id="rId6"/>
-    <p:sldLayoutId id="2147483655" r:id="rId7"/>
-    <p:sldLayoutId id="2147483656" r:id="rId8"/>
-    <p:sldLayoutId id="2147483657" r:id="rId9"/>
-    <p:sldLayoutId id="2147483658" r:id="rId10"/>
-    <p:sldLayoutId id="2147483659" r:id="rId11"/>
+    <p:sldLayoutId id="2147484033" r:id="rId1"/>
+    <p:sldLayoutId id="2147484034" r:id="rId2"/>
+    <p:sldLayoutId id="2147484035" r:id="rId3"/>
+    <p:sldLayoutId id="2147484036" r:id="rId4"/>
+    <p:sldLayoutId id="2147484037" r:id="rId5"/>
+    <p:sldLayoutId id="2147484038" r:id="rId6"/>
+    <p:sldLayoutId id="2147484039" r:id="rId7"/>
+    <p:sldLayoutId id="2147484040" r:id="rId8"/>
+    <p:sldLayoutId id="2147484041" r:id="rId9"/>
+    <p:sldLayoutId id="2147484042" r:id="rId10"/>
+    <p:sldLayoutId id="2147484043" r:id="rId11"/>
   </p:sldLayoutIdLst>
   <p:txStyles>
     <p:titleStyle>
-      <a:lvl1pPr algn="l" defTabSz="914400" rtl="0" eaLnBrk="1" latinLnBrk="0" hangingPunct="1">
+      <a:lvl1pPr algn="r" defTabSz="914400" rtl="0" eaLnBrk="1" latinLnBrk="0" hangingPunct="1">
         <a:lnSpc>
           <a:spcPct val="90000"/>
         </a:lnSpc>
@@ -4184,9 +5634,12 @@
           <a:spcPct val="0"/>
         </a:spcBef>
         <a:buNone/>
-        <a:defRPr sz="4400" kern="1200">
+        <a:defRPr sz="5000" b="0" i="1" kern="1200" baseline="0">
           <a:solidFill>
-            <a:schemeClr val="tx1"/>
+            <a:schemeClr val="tx1">
+              <a:lumMod val="85000"/>
+              <a:lumOff val="15000"/>
+            </a:schemeClr>
           </a:solidFill>
           <a:latin typeface="+mj-lt"/>
           <a:ea typeface="+mj-ea"/>
@@ -4195,162 +5648,189 @@
       </a:lvl1pPr>
     </p:titleStyle>
     <p:bodyStyle>
-      <a:lvl1pPr marL="228600" indent="-228600" algn="l" defTabSz="914400" rtl="0" eaLnBrk="1" latinLnBrk="0" hangingPunct="1">
+      <a:lvl1pPr marL="283464" indent="-283464" algn="l" defTabSz="914400" rtl="0" eaLnBrk="1" latinLnBrk="0" hangingPunct="1">
         <a:lnSpc>
-          <a:spcPct val="90000"/>
+          <a:spcPct val="112000"/>
         </a:lnSpc>
         <a:spcBef>
-          <a:spcPts val="1000"/>
+          <a:spcPts val="900"/>
         </a:spcBef>
         <a:buFont typeface="Arial" panose="020B0604020202020204" pitchFamily="34" charset="0"/>
         <a:buChar char="•"/>
-        <a:defRPr sz="2800" kern="1200">
+        <a:defRPr sz="2000" kern="1200" baseline="0">
           <a:solidFill>
-            <a:schemeClr val="tx1"/>
+            <a:schemeClr val="tx1">
+              <a:lumMod val="85000"/>
+              <a:lumOff val="15000"/>
+            </a:schemeClr>
           </a:solidFill>
           <a:latin typeface="+mn-lt"/>
           <a:ea typeface="+mn-ea"/>
           <a:cs typeface="+mn-cs"/>
         </a:defRPr>
       </a:lvl1pPr>
-      <a:lvl2pPr marL="685800" indent="-228600" algn="l" defTabSz="914400" rtl="0" eaLnBrk="1" latinLnBrk="0" hangingPunct="1">
+      <a:lvl2pPr marL="685800" indent="-283464" algn="l" defTabSz="914400" rtl="0" eaLnBrk="1" latinLnBrk="0" hangingPunct="1">
         <a:lnSpc>
-          <a:spcPct val="90000"/>
+          <a:spcPct val="112000"/>
         </a:lnSpc>
         <a:spcBef>
-          <a:spcPts val="500"/>
+          <a:spcPts val="900"/>
         </a:spcBef>
-        <a:buFont typeface="Arial" panose="020B0604020202020204" pitchFamily="34" charset="0"/>
-        <a:buChar char="•"/>
-        <a:defRPr sz="2400" kern="1200">
+        <a:buFont typeface="Corbel" panose="020B0503020204020204" pitchFamily="34" charset="0"/>
+        <a:buChar char="–"/>
+        <a:defRPr sz="1800" kern="1200" baseline="0">
           <a:solidFill>
-            <a:schemeClr val="tx1"/>
+            <a:schemeClr val="tx1">
+              <a:lumMod val="85000"/>
+              <a:lumOff val="15000"/>
+            </a:schemeClr>
           </a:solidFill>
           <a:latin typeface="+mn-lt"/>
           <a:ea typeface="+mn-ea"/>
           <a:cs typeface="+mn-cs"/>
         </a:defRPr>
       </a:lvl2pPr>
-      <a:lvl3pPr marL="1143000" indent="-228600" algn="l" defTabSz="914400" rtl="0" eaLnBrk="1" latinLnBrk="0" hangingPunct="1">
+      <a:lvl3pPr marL="1143000" indent="-283464" algn="l" defTabSz="914400" rtl="0" eaLnBrk="1" latinLnBrk="0" hangingPunct="1">
         <a:lnSpc>
-          <a:spcPct val="90000"/>
+          <a:spcPct val="112000"/>
         </a:lnSpc>
         <a:spcBef>
-          <a:spcPts val="500"/>
+          <a:spcPts val="900"/>
         </a:spcBef>
         <a:buFont typeface="Arial" panose="020B0604020202020204" pitchFamily="34" charset="0"/>
         <a:buChar char="•"/>
-        <a:defRPr sz="2000" kern="1200">
+        <a:defRPr sz="1600" kern="1200" baseline="0">
           <a:solidFill>
-            <a:schemeClr val="tx1"/>
+            <a:schemeClr val="tx1">
+              <a:lumMod val="85000"/>
+              <a:lumOff val="15000"/>
+            </a:schemeClr>
           </a:solidFill>
           <a:latin typeface="+mn-lt"/>
           <a:ea typeface="+mn-ea"/>
           <a:cs typeface="+mn-cs"/>
         </a:defRPr>
       </a:lvl3pPr>
-      <a:lvl4pPr marL="1600200" indent="-228600" algn="l" defTabSz="914400" rtl="0" eaLnBrk="1" latinLnBrk="0" hangingPunct="1">
+      <a:lvl4pPr marL="1600200" indent="-283464" algn="l" defTabSz="914400" rtl="0" eaLnBrk="1" latinLnBrk="0" hangingPunct="1">
         <a:lnSpc>
-          <a:spcPct val="90000"/>
+          <a:spcPct val="112000"/>
         </a:lnSpc>
         <a:spcBef>
-          <a:spcPts val="500"/>
+          <a:spcPts val="900"/>
         </a:spcBef>
-        <a:buFont typeface="Arial" panose="020B0604020202020204" pitchFamily="34" charset="0"/>
-        <a:buChar char="•"/>
-        <a:defRPr sz="1800" kern="1200">
+        <a:buFont typeface="Corbel" panose="020B0503020204020204" pitchFamily="34" charset="0"/>
+        <a:buChar char="–"/>
+        <a:defRPr sz="1400" kern="1200" baseline="0">
           <a:solidFill>
-            <a:schemeClr val="tx1"/>
+            <a:schemeClr val="tx1">
+              <a:lumMod val="85000"/>
+              <a:lumOff val="15000"/>
+            </a:schemeClr>
           </a:solidFill>
           <a:latin typeface="+mn-lt"/>
           <a:ea typeface="+mn-ea"/>
           <a:cs typeface="+mn-cs"/>
         </a:defRPr>
       </a:lvl4pPr>
-      <a:lvl5pPr marL="2057400" indent="-228600" algn="l" defTabSz="914400" rtl="0" eaLnBrk="1" latinLnBrk="0" hangingPunct="1">
+      <a:lvl5pPr marL="2057400" indent="-283464" algn="l" defTabSz="914400" rtl="0" eaLnBrk="1" latinLnBrk="0" hangingPunct="1">
         <a:lnSpc>
-          <a:spcPct val="90000"/>
+          <a:spcPct val="112000"/>
         </a:lnSpc>
         <a:spcBef>
-          <a:spcPts val="500"/>
+          <a:spcPts val="900"/>
         </a:spcBef>
         <a:buFont typeface="Arial" panose="020B0604020202020204" pitchFamily="34" charset="0"/>
         <a:buChar char="•"/>
-        <a:defRPr sz="1800" kern="1200">
+        <a:defRPr sz="1400" i="1" kern="1200" baseline="0">
           <a:solidFill>
-            <a:schemeClr val="tx1"/>
+            <a:schemeClr val="tx1">
+              <a:lumMod val="85000"/>
+              <a:lumOff val="15000"/>
+            </a:schemeClr>
           </a:solidFill>
           <a:latin typeface="+mn-lt"/>
           <a:ea typeface="+mn-ea"/>
           <a:cs typeface="+mn-cs"/>
         </a:defRPr>
       </a:lvl5pPr>
-      <a:lvl6pPr marL="2514600" indent="-228600" algn="l" defTabSz="914400" rtl="0" eaLnBrk="1" latinLnBrk="0" hangingPunct="1">
+      <a:lvl6pPr marL="2514600" indent="-283464" algn="l" defTabSz="914400" rtl="0" eaLnBrk="1" latinLnBrk="0" hangingPunct="1">
         <a:lnSpc>
-          <a:spcPct val="90000"/>
+          <a:spcPct val="112000"/>
         </a:lnSpc>
         <a:spcBef>
-          <a:spcPts val="500"/>
+          <a:spcPts val="1300"/>
         </a:spcBef>
-        <a:buFont typeface="Arial" panose="020B0604020202020204" pitchFamily="34" charset="0"/>
-        <a:buChar char="•"/>
-        <a:defRPr sz="1800" kern="1200">
+        <a:buFont typeface="Corbel" panose="020B0503020204020204" pitchFamily="34" charset="0"/>
+        <a:buChar char="–"/>
+        <a:defRPr sz="1400" kern="1200">
           <a:solidFill>
-            <a:schemeClr val="tx1"/>
+            <a:schemeClr val="tx1">
+              <a:lumMod val="85000"/>
+              <a:lumOff val="15000"/>
+            </a:schemeClr>
           </a:solidFill>
           <a:latin typeface="+mn-lt"/>
           <a:ea typeface="+mn-ea"/>
           <a:cs typeface="+mn-cs"/>
         </a:defRPr>
       </a:lvl6pPr>
-      <a:lvl7pPr marL="2971800" indent="-228600" algn="l" defTabSz="914400" rtl="0" eaLnBrk="1" latinLnBrk="0" hangingPunct="1">
+      <a:lvl7pPr marL="2971800" indent="-283464" algn="l" defTabSz="914400" rtl="0" eaLnBrk="1" latinLnBrk="0" hangingPunct="1">
         <a:lnSpc>
-          <a:spcPct val="90000"/>
+          <a:spcPct val="112000"/>
         </a:lnSpc>
         <a:spcBef>
-          <a:spcPts val="500"/>
+          <a:spcPts val="1300"/>
         </a:spcBef>
         <a:buFont typeface="Arial" panose="020B0604020202020204" pitchFamily="34" charset="0"/>
         <a:buChar char="•"/>
-        <a:defRPr sz="1800" kern="1200">
+        <a:defRPr sz="1400" i="1" kern="1200">
           <a:solidFill>
-            <a:schemeClr val="tx1"/>
+            <a:schemeClr val="tx1">
+              <a:lumMod val="85000"/>
+              <a:lumOff val="15000"/>
+            </a:schemeClr>
           </a:solidFill>
           <a:latin typeface="+mn-lt"/>
           <a:ea typeface="+mn-ea"/>
           <a:cs typeface="+mn-cs"/>
         </a:defRPr>
       </a:lvl7pPr>
-      <a:lvl8pPr marL="3429000" indent="-228600" algn="l" defTabSz="914400" rtl="0" eaLnBrk="1" latinLnBrk="0" hangingPunct="1">
+      <a:lvl8pPr marL="3429000" indent="-283464" algn="l" defTabSz="914400" rtl="0" eaLnBrk="1" latinLnBrk="0" hangingPunct="1">
         <a:lnSpc>
-          <a:spcPct val="90000"/>
+          <a:spcPct val="112000"/>
         </a:lnSpc>
         <a:spcBef>
-          <a:spcPts val="500"/>
+          <a:spcPts val="1300"/>
         </a:spcBef>
-        <a:buFont typeface="Arial" panose="020B0604020202020204" pitchFamily="34" charset="0"/>
-        <a:buChar char="•"/>
-        <a:defRPr sz="1800" kern="1200">
+        <a:buFont typeface="Corbel" panose="020B0503020204020204" pitchFamily="34" charset="0"/>
+        <a:buChar char="–"/>
+        <a:defRPr sz="1400" kern="1200">
           <a:solidFill>
-            <a:schemeClr val="tx1"/>
+            <a:schemeClr val="tx1">
+              <a:lumMod val="85000"/>
+              <a:lumOff val="15000"/>
+            </a:schemeClr>
           </a:solidFill>
           <a:latin typeface="+mn-lt"/>
           <a:ea typeface="+mn-ea"/>
           <a:cs typeface="+mn-cs"/>
         </a:defRPr>
       </a:lvl8pPr>
-      <a:lvl9pPr marL="3886200" indent="-228600" algn="l" defTabSz="914400" rtl="0" eaLnBrk="1" latinLnBrk="0" hangingPunct="1">
+      <a:lvl9pPr marL="3886200" indent="-283464" algn="l" defTabSz="914400" rtl="0" eaLnBrk="1" latinLnBrk="0" hangingPunct="1">
         <a:lnSpc>
-          <a:spcPct val="90000"/>
+          <a:spcPct val="112000"/>
         </a:lnSpc>
         <a:spcBef>
-          <a:spcPts val="500"/>
+          <a:spcPts val="1300"/>
         </a:spcBef>
         <a:buFont typeface="Arial" panose="020B0604020202020204" pitchFamily="34" charset="0"/>
         <a:buChar char="•"/>
-        <a:defRPr sz="1800" kern="1200">
+        <a:defRPr sz="1400" i="1" kern="1200" baseline="0">
           <a:solidFill>
-            <a:schemeClr val="tx1"/>
+            <a:schemeClr val="tx1">
+              <a:lumMod val="85000"/>
+              <a:lumOff val="15000"/>
+            </a:schemeClr>
           </a:solidFill>
           <a:latin typeface="+mn-lt"/>
           <a:ea typeface="+mn-ea"/>
@@ -4454,6 +5934,37 @@
       </a:lvl9pPr>
     </p:otherStyle>
   </p:txStyles>
+  <p:extLst mod="1">
+    <p:ext uri="{27BBF7A9-308A-43DC-89C8-2F10F3537804}">
+      <p15:sldGuideLst xmlns:p15="http://schemas.microsoft.com/office/powerpoint/2012/main">
+        <p15:guide id="1" pos="2832">
+          <p15:clr>
+            <a:srgbClr val="F26B43"/>
+          </p15:clr>
+        </p15:guide>
+        <p15:guide id="2" pos="480">
+          <p15:clr>
+            <a:srgbClr val="F26B43"/>
+          </p15:clr>
+        </p15:guide>
+        <p15:guide id="3" orient="horz" pos="432">
+          <p15:clr>
+            <a:srgbClr val="F26B43"/>
+          </p15:clr>
+        </p15:guide>
+        <p15:guide id="4" pos="7200">
+          <p15:clr>
+            <a:srgbClr val="F26B43"/>
+          </p15:clr>
+        </p15:guide>
+        <p15:guide id="5" pos="3264">
+          <p15:clr>
+            <a:srgbClr val="F26B43"/>
+          </p15:clr>
+        </p15:guide>
+      </p15:sldGuideLst>
+    </p:ext>
+  </p:extLst>
 </p:sldMaster>
 </file>
 
@@ -4486,7 +5997,9 @@
         </p:nvSpPr>
         <p:spPr/>
         <p:txBody>
-          <a:bodyPr/>
+          <a:bodyPr>
+            <a:normAutofit fontScale="90000"/>
+          </a:bodyPr>
           <a:lstStyle/>
           <a:p>
             <a:r>
@@ -4509,7 +6022,9 @@
         </p:nvSpPr>
         <p:spPr/>
         <p:txBody>
-          <a:bodyPr/>
+          <a:bodyPr>
+            <a:normAutofit fontScale="70000" lnSpcReduction="20000"/>
+          </a:bodyPr>
           <a:lstStyle/>
           <a:p>
             <a:r>
@@ -4546,12 +6061,27 @@
   <p:clrMapOvr>
     <a:masterClrMapping/>
   </p:clrMapOvr>
+  <p:timing>
+    <p:tnLst>
+      <p:par>
+        <p:cTn id="1" dur="indefinite" restart="never" nodeType="tmRoot"/>
+      </p:par>
+    </p:tnLst>
+  </p:timing>
 </p:sld>
 </file>
 
-<file path=ppt/slides/slide2.xml><?xml version="1.0" encoding="utf-8"?>
+<file path=ppt/slides/slide10.xml><?xml version="1.0" encoding="utf-8"?>
 <p:sld xmlns:a="http://schemas.openxmlformats.org/drawingml/2006/main" xmlns:r="http://schemas.openxmlformats.org/officeDocument/2006/relationships" xmlns:p="http://schemas.openxmlformats.org/presentationml/2006/main">
   <p:cSld>
+    <p:bg>
+      <p:bgPr>
+        <a:solidFill>
+          <a:schemeClr val="bg1"/>
+        </a:solidFill>
+        <a:effectLst/>
+      </p:bgPr>
+    </p:bg>
     <p:spTree>
       <p:nvGrpSpPr>
         <p:cNvPr id="1" name=""/>
@@ -4576,6 +6106,193 @@
             <p:ph type="title"/>
           </p:nvPr>
         </p:nvSpPr>
+        <p:spPr/>
+        <p:txBody>
+          <a:bodyPr/>
+          <a:lstStyle/>
+          <a:p>
+            <a:r>
+              <a:rPr lang="en-US" dirty="0" smtClean="0"/>
+              <a:t>Conclusion</a:t>
+            </a:r>
+            <a:endParaRPr lang="en-US" dirty="0"/>
+          </a:p>
+        </p:txBody>
+      </p:sp>
+      <mc:AlternateContent xmlns:mc="http://schemas.openxmlformats.org/markup-compatibility/2006">
+        <mc:Choice xmlns:a14="http://schemas.microsoft.com/office/drawing/2010/main" Requires="a14">
+          <p:sp>
+            <p:nvSpPr>
+              <p:cNvPr id="3" name="Content Placeholder 2"/>
+              <p:cNvSpPr>
+                <a:spLocks noGrp="1"/>
+              </p:cNvSpPr>
+              <p:nvPr>
+                <p:ph idx="1"/>
+              </p:nvPr>
+            </p:nvSpPr>
+            <p:spPr/>
+            <p:txBody>
+              <a:bodyPr/>
+              <a:lstStyle/>
+              <a:p>
+                <a:r>
+                  <a:rPr lang="en-US" dirty="0" smtClean="0"/>
+                  <a:t>Both of propagation methods shows consistency with one another in regards to the predicted date of re-entry of the </a:t>
+                </a:r>
+                <a:r>
+                  <a:rPr lang="en-US" dirty="0" err="1" smtClean="0"/>
+                  <a:t>Tiangong</a:t>
+                </a:r>
+                <a:r>
+                  <a:rPr lang="en-US" dirty="0" smtClean="0"/>
+                  <a:t> 1 (within 2 weeks of each other).</a:t>
+                </a:r>
+              </a:p>
+              <a:p>
+                <a:endParaRPr lang="en-US" dirty="0" smtClean="0"/>
+              </a:p>
+              <a:p>
+                <a:r>
+                  <a:rPr lang="en-US" dirty="0" smtClean="0"/>
+                  <a:t>However, the predicted re-entry dates vary from the actual date of re-entry  by al most 3 months. </a:t>
+                </a:r>
+              </a:p>
+              <a:p>
+                <a:endParaRPr lang="en-US" dirty="0"/>
+              </a:p>
+              <a:p>
+                <a:r>
+                  <a:rPr lang="en-US" dirty="0" smtClean="0"/>
+                  <a:t>It appears that the </a:t>
+                </a:r>
+                <a14:m>
+                  <m:oMath xmlns:m="http://schemas.openxmlformats.org/officeDocument/2006/math">
+                    <m:sSup>
+                      <m:sSupPr>
+                        <m:ctrlPr>
+                          <a:rPr lang="en-US" i="1">
+                            <a:latin typeface="Cambria Math" panose="02040503050406030204" pitchFamily="18" charset="0"/>
+                          </a:rPr>
+                        </m:ctrlPr>
+                      </m:sSupPr>
+                      <m:e>
+                        <m:r>
+                          <a:rPr lang="en-US" i="1">
+                            <a:latin typeface="Cambria Math" panose="02040503050406030204" pitchFamily="18" charset="0"/>
+                          </a:rPr>
+                          <m:t>𝐵</m:t>
+                        </m:r>
+                      </m:e>
+                      <m:sup>
+                        <m:r>
+                          <a:rPr lang="en-US" i="1">
+                            <a:latin typeface="Cambria Math" panose="02040503050406030204" pitchFamily="18" charset="0"/>
+                          </a:rPr>
+                          <m:t>∗</m:t>
+                        </m:r>
+                      </m:sup>
+                    </m:sSup>
+                  </m:oMath>
+                </a14:m>
+                <a:r>
+                  <a:rPr lang="en-US" dirty="0" smtClean="0"/>
+                  <a:t> drag term reported in the TLE data was significantly underestimating the true drag experienced by the spacecraft. </a:t>
+                </a:r>
+                <a:endParaRPr lang="en-US" dirty="0"/>
+              </a:p>
+            </p:txBody>
+          </p:sp>
+        </mc:Choice>
+        <mc:Fallback>
+          <p:sp>
+            <p:nvSpPr>
+              <p:cNvPr id="3" name="Content Placeholder 2"/>
+              <p:cNvSpPr>
+                <a:spLocks noGrp="1" noRot="1" noChangeAspect="1" noMove="1" noResize="1" noEditPoints="1" noAdjustHandles="1" noChangeArrowheads="1" noChangeShapeType="1" noTextEdit="1"/>
+              </p:cNvSpPr>
+              <p:nvPr>
+                <p:ph idx="1"/>
+              </p:nvPr>
+            </p:nvSpPr>
+            <p:spPr>
+              <a:blipFill>
+                <a:blip r:embed="rId3"/>
+                <a:stretch>
+                  <a:fillRect l="-878" t="-216"/>
+                </a:stretch>
+              </a:blipFill>
+            </p:spPr>
+            <p:txBody>
+              <a:bodyPr/>
+              <a:lstStyle/>
+              <a:p>
+                <a:r>
+                  <a:rPr lang="en-US">
+                    <a:noFill/>
+                  </a:rPr>
+                  <a:t> </a:t>
+                </a:r>
+              </a:p>
+            </p:txBody>
+          </p:sp>
+        </mc:Fallback>
+      </mc:AlternateContent>
+    </p:spTree>
+    <p:extLst>
+      <p:ext uri="{BB962C8B-B14F-4D97-AF65-F5344CB8AC3E}">
+        <p14:creationId xmlns:p14="http://schemas.microsoft.com/office/powerpoint/2010/main" val="3359355050"/>
+      </p:ext>
+    </p:extLst>
+  </p:cSld>
+  <p:clrMapOvr>
+    <a:masterClrMapping/>
+  </p:clrMapOvr>
+  <p:timing>
+    <p:tnLst>
+      <p:par>
+        <p:cTn id="1" dur="indefinite" restart="never" nodeType="tmRoot"/>
+      </p:par>
+    </p:tnLst>
+  </p:timing>
+</p:sld>
+</file>
+
+<file path=ppt/slides/slide2.xml><?xml version="1.0" encoding="utf-8"?>
+<p:sld xmlns:a="http://schemas.openxmlformats.org/drawingml/2006/main" xmlns:r="http://schemas.openxmlformats.org/officeDocument/2006/relationships" xmlns:p="http://schemas.openxmlformats.org/presentationml/2006/main">
+  <p:cSld>
+    <p:bg>
+      <p:bgPr>
+        <a:solidFill>
+          <a:schemeClr val="bg1"/>
+        </a:solidFill>
+        <a:effectLst/>
+      </p:bgPr>
+    </p:bg>
+    <p:spTree>
+      <p:nvGrpSpPr>
+        <p:cNvPr id="1" name=""/>
+        <p:cNvGrpSpPr/>
+        <p:nvPr/>
+      </p:nvGrpSpPr>
+      <p:grpSpPr>
+        <a:xfrm>
+          <a:off x="0" y="0"/>
+          <a:ext cx="0" cy="0"/>
+          <a:chOff x="0" y="0"/>
+          <a:chExt cx="0" cy="0"/>
+        </a:xfrm>
+      </p:grpSpPr>
+      <p:sp>
+        <p:nvSpPr>
+          <p:cNvPr id="2" name="Title 1"/>
+          <p:cNvSpPr>
+            <a:spLocks noGrp="1"/>
+          </p:cNvSpPr>
+          <p:nvPr>
+            <p:ph type="title"/>
+          </p:nvPr>
+        </p:nvSpPr>
         <p:spPr>
           <a:xfrm>
             <a:off x="838200" y="365126"/>
@@ -4588,9 +6305,10 @@
           </a:bodyPr>
           <a:lstStyle/>
           <a:p>
+            <a:pPr algn="l"/>
             <a:r>
               <a:rPr lang="en-US" sz="3600" dirty="0" smtClean="0"/>
-              <a:t>Problem Statement</a:t>
+              <a:t>Introduction</a:t>
             </a:r>
             <a:endParaRPr lang="en-US" sz="3600" dirty="0"/>
           </a:p>
@@ -4608,8 +6326,8 @@
         </p:nvSpPr>
         <p:spPr>
           <a:xfrm>
-            <a:off x="838200" y="1454688"/>
-            <a:ext cx="11057626" cy="4351338"/>
+            <a:off x="5116944" y="1454688"/>
+            <a:ext cx="6778881" cy="5202590"/>
           </a:xfrm>
         </p:spPr>
         <p:txBody>
@@ -4620,7 +6338,36 @@
           <a:p>
             <a:r>
               <a:rPr lang="en-US" dirty="0" smtClean="0"/>
-              <a:t>Objective:</a:t>
+              <a:t>Background:</a:t>
+            </a:r>
+          </a:p>
+          <a:p>
+            <a:pPr lvl="1"/>
+            <a:r>
+              <a:rPr lang="en-US" dirty="0" smtClean="0"/>
+              <a:t>The Chinese space station </a:t>
+            </a:r>
+            <a:r>
+              <a:rPr lang="en-US" dirty="0" err="1" smtClean="0"/>
+              <a:t>Tiangong</a:t>
+            </a:r>
+            <a:r>
+              <a:rPr lang="en-US" dirty="0" smtClean="0"/>
+              <a:t> 1 re-entered the Earths’ atmosphere and fell to its demise on April 2, 2018 over the South Pacific Ocean at 24.5°S 151.1°W. </a:t>
+            </a:r>
+            <a:endParaRPr lang="en-US" dirty="0" smtClean="0"/>
+          </a:p>
+          <a:p>
+            <a:endParaRPr lang="en-US" dirty="0"/>
+          </a:p>
+          <a:p>
+            <a:r>
+              <a:rPr lang="en-US" dirty="0" smtClean="0"/>
+              <a:t>Project Objective</a:t>
+            </a:r>
+            <a:r>
+              <a:rPr lang="en-US" dirty="0" smtClean="0"/>
+              <a:t>:</a:t>
             </a:r>
           </a:p>
           <a:p>
@@ -4635,11 +6382,15 @@
             </a:r>
             <a:r>
               <a:rPr lang="en-US" dirty="0" smtClean="0"/>
-              <a:t> 1 Chinese space station and estimate the lifetime of the space station using both numerical integration of the </a:t>
+              <a:t> 1 </a:t>
             </a:r>
             <a:r>
               <a:rPr lang="en-US" dirty="0" smtClean="0"/>
-              <a:t>perturbed </a:t>
+              <a:t>space </a:t>
+            </a:r>
+            <a:r>
+              <a:rPr lang="en-US" dirty="0" smtClean="0"/>
+              <a:t>station and estimate the lifetime of the space station using both numerical integration of the perturbed </a:t>
             </a:r>
             <a:r>
               <a:rPr lang="en-US" dirty="0" err="1" smtClean="0"/>
@@ -4647,19 +6398,11 @@
             </a:r>
             <a:r>
               <a:rPr lang="en-US" dirty="0" smtClean="0"/>
-              <a:t> </a:t>
+              <a:t> equations of motion and the averaged </a:t>
             </a:r>
             <a:r>
               <a:rPr lang="en-US" dirty="0" smtClean="0"/>
-              <a:t>equations of </a:t>
-            </a:r>
-            <a:r>
-              <a:rPr lang="en-US" dirty="0" smtClean="0"/>
-              <a:t>motion and </a:t>
-            </a:r>
-            <a:r>
-              <a:rPr lang="en-US" dirty="0" smtClean="0"/>
-              <a:t>the averaged Gauss </a:t>
+              <a:t>Gauss’ </a:t>
             </a:r>
             <a:r>
               <a:rPr lang="en-US" dirty="0" err="1" smtClean="0"/>
@@ -4667,39 +6410,54 @@
             </a:r>
             <a:r>
               <a:rPr lang="en-US" dirty="0" smtClean="0"/>
-              <a:t> equations</a:t>
+              <a:t> equations.</a:t>
+            </a:r>
+          </a:p>
+          <a:p>
+            <a:pPr lvl="1"/>
+            <a:endParaRPr lang="en-US" dirty="0" smtClean="0"/>
+          </a:p>
+          <a:p>
+            <a:endParaRPr lang="en-US" sz="2400" dirty="0" smtClean="0"/>
+          </a:p>
+        </p:txBody>
+      </p:sp>
+      <p:sp>
+        <p:nvSpPr>
+          <p:cNvPr id="5" name="TextBox 4"/>
+          <p:cNvSpPr txBox="1"/>
+          <p:nvPr/>
+        </p:nvSpPr>
+        <p:spPr>
+          <a:xfrm>
+            <a:off x="461818" y="4442906"/>
+            <a:ext cx="5163127" cy="215444"/>
+          </a:xfrm>
+          <a:prstGeom prst="rect">
+            <a:avLst/>
+          </a:prstGeom>
+          <a:noFill/>
+        </p:spPr>
+        <p:txBody>
+          <a:bodyPr wrap="square" rtlCol="0">
+            <a:spAutoFit/>
+          </a:bodyPr>
+          <a:lstStyle/>
+          <a:p>
+            <a:r>
+              <a:rPr lang="en-US" sz="800" dirty="0" smtClean="0"/>
+              <a:t>Source: https</a:t>
             </a:r>
             <a:r>
-              <a:rPr lang="en-US" dirty="0" smtClean="0"/>
-              <a:t>.</a:t>
+              <a:rPr lang="en-US" sz="800" dirty="0"/>
+              <a:t>://news.sky.com/story/chinese-space-lab-tiangong-1-re-enters-earths-atmosphere-11313548</a:t>
             </a:r>
-          </a:p>
-          <a:p>
-            <a:pPr lvl="1"/>
-            <a:endParaRPr lang="en-US" dirty="0" smtClean="0"/>
-          </a:p>
-          <a:p>
-            <a:r>
-              <a:rPr lang="en-US" sz="2400" dirty="0" smtClean="0"/>
-              <a:t>The </a:t>
-            </a:r>
-            <a:r>
-              <a:rPr lang="en-US" sz="2400" dirty="0" err="1" smtClean="0"/>
-              <a:t>Tiangong</a:t>
-            </a:r>
-            <a:r>
-              <a:rPr lang="en-US" sz="2400" dirty="0" smtClean="0"/>
-              <a:t> 1 re-entered the Earth’s atmosphere on April (1-2) 2018.</a:t>
-            </a:r>
-          </a:p>
-          <a:p>
-            <a:endParaRPr lang="en-US" sz="2400" dirty="0" smtClean="0"/>
           </a:p>
         </p:txBody>
       </p:sp>
       <p:pic>
         <p:nvPicPr>
-          <p:cNvPr id="1026" name="Picture 2" descr="https://e3.365dm.com/18/03/1096x616/skynews-tiangong-china-chinese_4264895.jpg?bypass-service-worker&amp;20180325161729"/>
+          <p:cNvPr id="6" name="Picture 2" descr="https://e3.365dm.com/18/03/1096x616/skynews-tiangong-china-chinese_4264895.jpg?bypass-service-worker&amp;20180325161729"/>
           <p:cNvPicPr>
             <a:picLocks noChangeAspect="1" noChangeArrowheads="1"/>
           </p:cNvPicPr>
@@ -4720,8 +6478,8 @@
         </p:blipFill>
         <p:spPr bwMode="auto">
           <a:xfrm>
-            <a:off x="6832121" y="3825625"/>
-            <a:ext cx="4904118" cy="2756330"/>
+            <a:off x="344520" y="1826610"/>
+            <a:ext cx="4654967" cy="2616296"/>
           </a:xfrm>
           <a:prstGeom prst="rect">
             <a:avLst/>
@@ -4738,39 +6496,6 @@
           </a:extLst>
         </p:spPr>
       </p:pic>
-      <p:sp>
-        <p:nvSpPr>
-          <p:cNvPr id="5" name="TextBox 4"/>
-          <p:cNvSpPr txBox="1"/>
-          <p:nvPr/>
-        </p:nvSpPr>
-        <p:spPr>
-          <a:xfrm>
-            <a:off x="6367013" y="6611779"/>
-            <a:ext cx="5952226" cy="246221"/>
-          </a:xfrm>
-          <a:prstGeom prst="rect">
-            <a:avLst/>
-          </a:prstGeom>
-          <a:noFill/>
-        </p:spPr>
-        <p:txBody>
-          <a:bodyPr wrap="square" rtlCol="0">
-            <a:spAutoFit/>
-          </a:bodyPr>
-          <a:lstStyle/>
-          <a:p>
-            <a:r>
-              <a:rPr lang="en-US" sz="1000" dirty="0" smtClean="0"/>
-              <a:t>Source: https</a:t>
-            </a:r>
-            <a:r>
-              <a:rPr lang="en-US" sz="1000" dirty="0"/>
-              <a:t>://news.sky.com/story/chinese-space-lab-tiangong-1-re-enters-earths-atmosphere-11313548</a:t>
-            </a:r>
-          </a:p>
-        </p:txBody>
-      </p:sp>
     </p:spTree>
     <p:extLst>
       <p:ext uri="{BB962C8B-B14F-4D97-AF65-F5344CB8AC3E}">
@@ -4781,12 +6506,27 @@
   <p:clrMapOvr>
     <a:masterClrMapping/>
   </p:clrMapOvr>
+  <p:timing>
+    <p:tnLst>
+      <p:par>
+        <p:cTn id="1" dur="indefinite" restart="never" nodeType="tmRoot"/>
+      </p:par>
+    </p:tnLst>
+  </p:timing>
 </p:sld>
 </file>
 
 <file path=ppt/slides/slide3.xml><?xml version="1.0" encoding="utf-8"?>
 <p:sld xmlns:a="http://schemas.openxmlformats.org/drawingml/2006/main" xmlns:r="http://schemas.openxmlformats.org/officeDocument/2006/relationships" xmlns:p="http://schemas.openxmlformats.org/presentationml/2006/main">
   <p:cSld>
+    <p:bg>
+      <p:bgPr>
+        <a:solidFill>
+          <a:schemeClr val="bg1"/>
+        </a:solidFill>
+        <a:effectLst/>
+      </p:bgPr>
+    </p:bg>
     <p:spTree>
       <p:nvGrpSpPr>
         <p:cNvPr id="1" name=""/>
@@ -4841,9 +6581,18 @@
             <p:spPr/>
             <p:txBody>
               <a:bodyPr>
-                <a:normAutofit lnSpcReduction="10000"/>
+                <a:normAutofit fontScale="92500" lnSpcReduction="20000"/>
               </a:bodyPr>
               <a:lstStyle/>
+              <a:p>
+                <a:r>
+                  <a:rPr lang="en-US" dirty="0" smtClean="0"/>
+                  <a:t>The initial conditions used for the numerical integration are based on an epoch Julian date of 2458130.58298365 or January 12, 2018.</a:t>
+                </a:r>
+              </a:p>
+              <a:p>
+                <a:endParaRPr lang="en-US" dirty="0" smtClean="0"/>
+              </a:p>
               <a:p>
                 <a14:m>
                   <m:oMath xmlns:m="http://schemas.openxmlformats.org/officeDocument/2006/math">
@@ -5306,21 +7055,98 @@
                 <a:endParaRPr lang="en-US" dirty="0" smtClean="0"/>
               </a:p>
               <a:p>
-                <a:r>
-                  <a:rPr lang="en-US" dirty="0" smtClean="0"/>
-                  <a:t>Epoch Time:</a:t>
-                </a:r>
+                <a:endParaRPr lang="en-US" dirty="0"/>
+              </a:p>
+              <a:p>
+                <a14:m>
+                  <m:oMath xmlns:m="http://schemas.openxmlformats.org/officeDocument/2006/math">
+                    <m:sSup>
+                      <m:sSupPr>
+                        <m:ctrlPr>
+                          <a:rPr lang="en-US" i="1" smtClean="0">
+                            <a:latin typeface="Cambria Math" panose="02040503050406030204" pitchFamily="18" charset="0"/>
+                          </a:rPr>
+                        </m:ctrlPr>
+                      </m:sSupPr>
+                      <m:e>
+                        <m:r>
+                          <a:rPr lang="en-US" b="0" i="1" smtClean="0">
+                            <a:latin typeface="Cambria Math" panose="02040503050406030204" pitchFamily="18" charset="0"/>
+                          </a:rPr>
+                          <m:t>𝐵</m:t>
+                        </m:r>
+                      </m:e>
+                      <m:sup>
+                        <m:r>
+                          <a:rPr lang="en-US" b="0" i="1" smtClean="0">
+                            <a:latin typeface="Cambria Math" panose="02040503050406030204" pitchFamily="18" charset="0"/>
+                          </a:rPr>
+                          <m:t>∗</m:t>
+                        </m:r>
+                      </m:sup>
+                    </m:sSup>
+                    <m:r>
+                      <a:rPr lang="en-US" b="0" i="1" smtClean="0">
+                        <a:latin typeface="Cambria Math" panose="02040503050406030204" pitchFamily="18" charset="0"/>
+                      </a:rPr>
+                      <m:t>= .13071</m:t>
+                    </m:r>
+                    <m:r>
+                      <a:rPr lang="en-US" b="0" i="1" smtClean="0">
+                        <a:latin typeface="Cambria Math" panose="02040503050406030204" pitchFamily="18" charset="0"/>
+                      </a:rPr>
+                      <m:t>𝑒</m:t>
+                    </m:r>
+                    <m:r>
+                      <a:rPr lang="en-US" b="0" i="1" smtClean="0">
+                        <a:latin typeface="Cambria Math" panose="02040503050406030204" pitchFamily="18" charset="0"/>
+                      </a:rPr>
+                      <m:t>−3</m:t>
+                    </m:r>
+                  </m:oMath>
+                </a14:m>
+                <a:endParaRPr lang="en-US" dirty="0" smtClean="0"/>
               </a:p>
               <a:p>
                 <a:pPr lvl="1"/>
                 <a:r>
                   <a:rPr lang="en-US" dirty="0" smtClean="0"/>
-                  <a:t>JD = </a:t>
+                  <a:t>Ballistic Coefficient = 1/12.741621/</a:t>
                 </a:r>
+                <a14:m>
+                  <m:oMath xmlns:m="http://schemas.openxmlformats.org/officeDocument/2006/math">
+                    <m:sSup>
+                      <m:sSupPr>
+                        <m:ctrlPr>
+                          <a:rPr lang="en-US" i="1">
+                            <a:latin typeface="Cambria Math" panose="02040503050406030204" pitchFamily="18" charset="0"/>
+                          </a:rPr>
+                        </m:ctrlPr>
+                      </m:sSupPr>
+                      <m:e>
+                        <m:r>
+                          <a:rPr lang="en-US" i="1">
+                            <a:latin typeface="Cambria Math" panose="02040503050406030204" pitchFamily="18" charset="0"/>
+                          </a:rPr>
+                          <m:t>𝐵</m:t>
+                        </m:r>
+                      </m:e>
+                      <m:sup>
+                        <m:r>
+                          <a:rPr lang="en-US" i="1">
+                            <a:latin typeface="Cambria Math" panose="02040503050406030204" pitchFamily="18" charset="0"/>
+                          </a:rPr>
+                          <m:t>∗</m:t>
+                        </m:r>
+                      </m:sup>
+                    </m:sSup>
+                  </m:oMath>
+                </a14:m>
                 <a:r>
                   <a:rPr lang="en-US" dirty="0" smtClean="0"/>
-                  <a:t>2458130.58298365</a:t>
+                  <a:t> kg/m²</a:t>
                 </a:r>
+                <a:endParaRPr lang="en-US" dirty="0" smtClean="0"/>
               </a:p>
               <a:p>
                 <a:pPr lvl="1"/>
@@ -5350,10 +7176,10 @@
               </p:nvPr>
             </p:nvSpPr>
             <p:spPr>
-              <a:blipFill rotWithShape="0">
+              <a:blipFill>
                 <a:blip r:embed="rId3"/>
                 <a:stretch>
-                  <a:fillRect l="-1043" t="-5322" b="-3782"/>
+                  <a:fillRect l="-683" t="-970" r="-780"/>
                 </a:stretch>
               </a:blipFill>
             </p:spPr>
@@ -5382,12 +7208,27 @@
   <p:clrMapOvr>
     <a:masterClrMapping/>
   </p:clrMapOvr>
+  <p:timing>
+    <p:tnLst>
+      <p:par>
+        <p:cTn id="1" dur="indefinite" restart="never" nodeType="tmRoot"/>
+      </p:par>
+    </p:tnLst>
+  </p:timing>
 </p:sld>
 </file>
 
 <file path=ppt/slides/slide4.xml><?xml version="1.0" encoding="utf-8"?>
 <p:sld xmlns:a="http://schemas.openxmlformats.org/drawingml/2006/main" xmlns:r="http://schemas.openxmlformats.org/officeDocument/2006/relationships" xmlns:p="http://schemas.openxmlformats.org/presentationml/2006/main">
   <p:cSld>
+    <p:bg>
+      <p:bgPr>
+        <a:solidFill>
+          <a:schemeClr val="bg1"/>
+        </a:solidFill>
+        <a:effectLst/>
+      </p:bgPr>
+    </p:bg>
     <p:spTree>
       <p:nvGrpSpPr>
         <p:cNvPr id="1" name=""/>
@@ -5421,14 +7262,22 @@
           <a:p>
             <a:r>
               <a:rPr lang="en-US" sz="3600" dirty="0" smtClean="0"/>
-              <a:t>Orbit Propagation using Numerical Integration</a:t>
+              <a:t>Orbit Propagation using </a:t>
+            </a:r>
+            <a:r>
+              <a:rPr lang="en-US" sz="3600" dirty="0" err="1" smtClean="0"/>
+              <a:t>Keplerian</a:t>
+            </a:r>
+            <a:r>
+              <a:rPr lang="en-US" sz="3600" dirty="0" smtClean="0"/>
+              <a:t> Equations of Motion</a:t>
             </a:r>
             <a:endParaRPr lang="en-US" sz="3600" dirty="0"/>
           </a:p>
         </p:txBody>
       </p:sp>
-      <mc:AlternateContent xmlns:mc="http://schemas.openxmlformats.org/markup-compatibility/2006" xmlns:a14="http://schemas.microsoft.com/office/drawing/2010/main">
-        <mc:Choice Requires="a14">
+      <mc:AlternateContent xmlns:mc="http://schemas.openxmlformats.org/markup-compatibility/2006">
+        <mc:Choice xmlns:a14="http://schemas.microsoft.com/office/drawing/2010/main" Requires="a14">
           <p:sp>
             <p:nvSpPr>
               <p:cNvPr id="3" name="Content Placeholder 2"/>
@@ -5442,7 +7291,7 @@
             <p:spPr/>
             <p:txBody>
               <a:bodyPr>
-                <a:normAutofit fontScale="77500" lnSpcReduction="20000"/>
+                <a:normAutofit fontScale="92500"/>
               </a:bodyPr>
               <a:lstStyle/>
               <a:p>
@@ -5456,7 +7305,15 @@
                 </a:r>
                 <a:r>
                   <a:rPr lang="en-US" dirty="0" smtClean="0"/>
-                  <a:t> equations of motion are numerically integrated using the </a:t>
+                  <a:t> equations of motion are numerically </a:t>
+                </a:r>
+                <a:r>
+                  <a:rPr lang="en-US" dirty="0" smtClean="0"/>
+                  <a:t>integrated in Python™ </a:t>
+                </a:r>
+                <a:r>
+                  <a:rPr lang="en-US" dirty="0" smtClean="0"/>
+                  <a:t>using the </a:t>
                 </a:r>
                 <a:r>
                   <a:rPr lang="en-US" dirty="0" err="1" smtClean="0"/>
@@ -5474,8 +7331,11 @@
                 <a:endParaRPr lang="en-US" dirty="0"/>
               </a:p>
               <a:p>
+                <a:pPr marL="0" indent="0">
+                  <a:buNone/>
+                </a:pPr>
                 <a:r>
-                  <a:rPr lang="en-US" dirty="0" smtClean="0"/>
+                  <a:rPr lang="en-US" sz="2200" b="1" dirty="0" smtClean="0"/>
                   <a:t>Equations of Motion:</a:t>
                 </a:r>
               </a:p>
@@ -5640,9 +7500,6 @@
                     </m:sSub>
                   </m:oMath>
                 </a14:m>
-                <a:endParaRPr lang="en-US" sz="2300" dirty="0"/>
-              </a:p>
-              <a:p>
                 <a:endParaRPr lang="en-US" sz="2300" dirty="0"/>
               </a:p>
               <a:p>
@@ -6345,34 +8202,26 @@
                         </m:r>
                       </m:sup>
                     </m:sSup>
-                    <m:sSub>
-                      <m:sSubPr>
+                    <m:acc>
+                      <m:accPr>
+                        <m:chr m:val="̂"/>
                         <m:ctrlPr>
-                          <a:rPr lang="en-US" sz="2300" i="1">
+                          <a:rPr lang="en-US" sz="2300" i="1" smtClean="0">
                             <a:latin typeface="Cambria Math" panose="02040503050406030204" pitchFamily="18" charset="0"/>
                             <a:ea typeface="Cambria Math" panose="02040503050406030204" pitchFamily="18" charset="0"/>
                           </a:rPr>
                         </m:ctrlPr>
-                      </m:sSubPr>
+                      </m:accPr>
                       <m:e>
                         <m:r>
-                          <a:rPr lang="en-US" sz="2300" b="1" i="1">
+                          <a:rPr lang="en-US" sz="2300" b="0" i="1" smtClean="0">
                             <a:latin typeface="Cambria Math" panose="02040503050406030204" pitchFamily="18" charset="0"/>
                             <a:ea typeface="Cambria Math" panose="02040503050406030204" pitchFamily="18" charset="0"/>
                           </a:rPr>
-                          <m:t>𝒗</m:t>
+                          <m:t>𝑣</m:t>
                         </m:r>
                       </m:e>
-                      <m:sub>
-                        <m:r>
-                          <a:rPr lang="en-US" sz="2300" i="1">
-                            <a:latin typeface="Cambria Math" panose="02040503050406030204" pitchFamily="18" charset="0"/>
-                            <a:ea typeface="Cambria Math" panose="02040503050406030204" pitchFamily="18" charset="0"/>
-                          </a:rPr>
-                          <m:t>𝑟𝑒𝑙</m:t>
-                        </m:r>
-                      </m:sub>
-                    </m:sSub>
+                    </m:acc>
                   </m:oMath>
                 </a14:m>
                 <a:endParaRPr lang="en-US" sz="2300" dirty="0"/>
@@ -6380,7 +8229,7 @@
             </p:txBody>
           </p:sp>
         </mc:Choice>
-        <mc:Fallback xmlns="">
+        <mc:Fallback>
           <p:sp>
             <p:nvSpPr>
               <p:cNvPr id="3" name="Content Placeholder 2"/>
@@ -6395,7 +8244,7 @@
               <a:blipFill>
                 <a:blip r:embed="rId3"/>
                 <a:stretch>
-                  <a:fillRect l="-696" t="-2801"/>
+                  <a:fillRect l="-976" t="-216" r="-585"/>
                 </a:stretch>
               </a:blipFill>
             </p:spPr>
@@ -6424,12 +8273,27 @@
   <p:clrMapOvr>
     <a:masterClrMapping/>
   </p:clrMapOvr>
+  <p:timing>
+    <p:tnLst>
+      <p:par>
+        <p:cTn id="1" dur="indefinite" restart="never" nodeType="tmRoot"/>
+      </p:par>
+    </p:tnLst>
+  </p:timing>
 </p:sld>
 </file>
 
 <file path=ppt/slides/slide5.xml><?xml version="1.0" encoding="utf-8"?>
 <p:sld xmlns:a="http://schemas.openxmlformats.org/drawingml/2006/main" xmlns:r="http://schemas.openxmlformats.org/officeDocument/2006/relationships" xmlns:p="http://schemas.openxmlformats.org/presentationml/2006/main">
   <p:cSld>
+    <p:bg>
+      <p:bgPr>
+        <a:solidFill>
+          <a:schemeClr val="bg1"/>
+        </a:solidFill>
+        <a:effectLst/>
+      </p:bgPr>
+    </p:bg>
     <p:spTree>
       <p:nvGrpSpPr>
         <p:cNvPr id="1" name=""/>
@@ -6446,15 +8310,20 @@
       </p:grpSpPr>
       <p:sp>
         <p:nvSpPr>
-          <p:cNvPr id="2" name="Title 1"/>
-          <p:cNvSpPr>
-            <a:spLocks noGrp="1"/>
-          </p:cNvSpPr>
-          <p:nvPr>
-            <p:ph type="title"/>
-          </p:nvPr>
-        </p:nvSpPr>
-        <p:spPr/>
+          <p:cNvPr id="3" name="Content Placeholder 2"/>
+          <p:cNvSpPr>
+            <a:spLocks noGrp="1"/>
+          </p:cNvSpPr>
+          <p:nvPr>
+            <p:ph idx="1"/>
+          </p:nvPr>
+        </p:nvSpPr>
+        <p:spPr>
+          <a:xfrm>
+            <a:off x="4830618" y="559678"/>
+            <a:ext cx="6599763" cy="5997239"/>
+          </a:xfrm>
+        </p:spPr>
         <p:txBody>
           <a:bodyPr>
             <a:normAutofit/>
@@ -6462,29 +8331,837 @@
           <a:lstStyle/>
           <a:p>
             <a:r>
+              <a:rPr lang="en-US" dirty="0" smtClean="0"/>
+              <a:t>Time of a demise: 153 days after the observation epoch or June 14, 2018.</a:t>
+            </a:r>
+          </a:p>
+          <a:p>
+            <a:endParaRPr lang="en-US" dirty="0" smtClean="0"/>
+          </a:p>
+          <a:p>
+            <a:endParaRPr lang="en-US" dirty="0"/>
+          </a:p>
+          <a:p>
+            <a:endParaRPr lang="en-US" dirty="0" smtClean="0"/>
+          </a:p>
+          <a:p>
+            <a:pPr marL="0" indent="0">
+              <a:buNone/>
+            </a:pPr>
+            <a:endParaRPr lang="en-US" dirty="0" smtClean="0"/>
+          </a:p>
+          <a:p>
+            <a:pPr marL="0" indent="0">
+              <a:buNone/>
+            </a:pPr>
+            <a:endParaRPr lang="en-US" dirty="0"/>
+          </a:p>
+          <a:p>
+            <a:pPr marL="0" indent="0">
+              <a:buNone/>
+            </a:pPr>
+            <a:endParaRPr lang="en-US" dirty="0" smtClean="0"/>
+          </a:p>
+          <a:p>
+            <a:pPr marL="0" indent="0">
+              <a:buNone/>
+            </a:pPr>
+            <a:endParaRPr lang="en-US" dirty="0"/>
+          </a:p>
+          <a:p>
+            <a:r>
+              <a:rPr lang="en-US" dirty="0" smtClean="0"/>
+              <a:t>This puts the calculated crash site to be in the North Pacific, about 100 miles northwest of Hawaii. </a:t>
+            </a:r>
+            <a:endParaRPr lang="en-US" dirty="0"/>
+          </a:p>
+          <a:p>
+            <a:endParaRPr lang="en-US" dirty="0" smtClean="0"/>
+          </a:p>
+        </p:txBody>
+      </p:sp>
+      <p:graphicFrame>
+        <p:nvGraphicFramePr>
+          <p:cNvPr id="4" name="Table 3"/>
+          <p:cNvGraphicFramePr>
+            <a:graphicFrameLocks noGrp="1"/>
+          </p:cNvGraphicFramePr>
+          <p:nvPr>
+            <p:extLst>
+              <p:ext uri="{D42A27DB-BD31-4B8C-83A1-F6EECF244321}">
+                <p14:modId xmlns:p14="http://schemas.microsoft.com/office/powerpoint/2010/main" val="2505615334"/>
+              </p:ext>
+            </p:extLst>
+          </p:nvPr>
+        </p:nvGraphicFramePr>
+        <p:xfrm>
+          <a:off x="4981983" y="3305468"/>
+          <a:ext cx="5356154" cy="1112520"/>
+        </p:xfrm>
+        <a:graphic>
+          <a:graphicData uri="http://schemas.openxmlformats.org/drawingml/2006/table">
+            <a:tbl>
+              <a:tblPr firstRow="1" bandRow="1">
+                <a:tableStyleId>{5940675A-B579-460E-94D1-54222C63F5DA}</a:tableStyleId>
+              </a:tblPr>
+              <a:tblGrid>
+                <a:gridCol w="1442076">
+                  <a:extLst>
+                    <a:ext uri="{9D8B030D-6E8A-4147-A177-3AD203B41FA5}">
+                      <a16:colId xmlns:a16="http://schemas.microsoft.com/office/drawing/2014/main" val="1785865632"/>
+                    </a:ext>
+                  </a:extLst>
+                </a:gridCol>
+                <a:gridCol w="1761892">
+                  <a:extLst>
+                    <a:ext uri="{9D8B030D-6E8A-4147-A177-3AD203B41FA5}">
+                      <a16:colId xmlns:a16="http://schemas.microsoft.com/office/drawing/2014/main" val="2288258724"/>
+                    </a:ext>
+                  </a:extLst>
+                </a:gridCol>
+                <a:gridCol w="2152186">
+                  <a:extLst>
+                    <a:ext uri="{9D8B030D-6E8A-4147-A177-3AD203B41FA5}">
+                      <a16:colId xmlns:a16="http://schemas.microsoft.com/office/drawing/2014/main" val="2988336274"/>
+                    </a:ext>
+                  </a:extLst>
+                </a:gridCol>
+              </a:tblGrid>
+              <a:tr h="370840">
+                <a:tc gridSpan="3">
+                  <a:txBody>
+                    <a:bodyPr/>
+                    <a:lstStyle/>
+                    <a:p>
+                      <a:pPr algn="ctr"/>
+                      <a:r>
+                        <a:rPr lang="en-US" dirty="0" smtClean="0"/>
+                        <a:t>Calculated</a:t>
+                      </a:r>
+                      <a:r>
+                        <a:rPr lang="en-US" baseline="0" dirty="0" smtClean="0"/>
+                        <a:t> </a:t>
+                      </a:r>
+                      <a:r>
+                        <a:rPr lang="en-US" dirty="0" smtClean="0"/>
+                        <a:t>Crash Site Location</a:t>
+                      </a:r>
+                      <a:endParaRPr lang="en-US" dirty="0"/>
+                    </a:p>
+                  </a:txBody>
+                  <a:tcPr anchor="ctr"/>
+                </a:tc>
+                <a:tc hMerge="1">
+                  <a:txBody>
+                    <a:bodyPr/>
+                    <a:lstStyle/>
+                    <a:p>
+                      <a:endParaRPr lang="en-US"/>
+                    </a:p>
+                  </a:txBody>
+                  <a:tcPr/>
+                </a:tc>
+                <a:tc hMerge="1">
+                  <a:txBody>
+                    <a:bodyPr/>
+                    <a:lstStyle/>
+                    <a:p>
+                      <a:endParaRPr lang="en-US" dirty="0"/>
+                    </a:p>
+                  </a:txBody>
+                  <a:tcPr/>
+                </a:tc>
+                <a:extLst>
+                  <a:ext uri="{0D108BD9-81ED-4DB2-BD59-A6C34878D82A}">
+                    <a16:rowId xmlns:a16="http://schemas.microsoft.com/office/drawing/2014/main" val="1905235183"/>
+                  </a:ext>
+                </a:extLst>
+              </a:tr>
+              <a:tr h="370840">
+                <a:tc>
+                  <a:txBody>
+                    <a:bodyPr/>
+                    <a:lstStyle/>
+                    <a:p>
+                      <a:r>
+                        <a:rPr lang="en-US" dirty="0" smtClean="0"/>
+                        <a:t>Latitude</a:t>
+                      </a:r>
+                      <a:endParaRPr lang="en-US" dirty="0"/>
+                    </a:p>
+                  </a:txBody>
+                  <a:tcPr/>
+                </a:tc>
+                <a:tc>
+                  <a:txBody>
+                    <a:bodyPr/>
+                    <a:lstStyle/>
+                    <a:p>
+                      <a:r>
+                        <a:rPr lang="en-US" dirty="0" smtClean="0"/>
+                        <a:t>Longitude</a:t>
+                      </a:r>
+                      <a:endParaRPr lang="en-US" dirty="0"/>
+                    </a:p>
+                  </a:txBody>
+                  <a:tcPr/>
+                </a:tc>
+                <a:tc>
+                  <a:txBody>
+                    <a:bodyPr/>
+                    <a:lstStyle/>
+                    <a:p>
+                      <a:r>
+                        <a:rPr lang="en-US" dirty="0" smtClean="0"/>
+                        <a:t>Altitude (km)</a:t>
+                      </a:r>
+                      <a:endParaRPr lang="en-US" dirty="0"/>
+                    </a:p>
+                  </a:txBody>
+                  <a:tcPr/>
+                </a:tc>
+                <a:extLst>
+                  <a:ext uri="{0D108BD9-81ED-4DB2-BD59-A6C34878D82A}">
+                    <a16:rowId xmlns:a16="http://schemas.microsoft.com/office/drawing/2014/main" val="4093691599"/>
+                  </a:ext>
+                </a:extLst>
+              </a:tr>
+              <a:tr h="370840">
+                <a:tc>
+                  <a:txBody>
+                    <a:bodyPr/>
+                    <a:lstStyle/>
+                    <a:p>
+                      <a:r>
+                        <a:rPr lang="en-US" dirty="0" smtClean="0"/>
+                        <a:t>35.617</a:t>
+                      </a:r>
+                      <a:endParaRPr lang="en-US" dirty="0"/>
+                    </a:p>
+                  </a:txBody>
+                  <a:tcPr/>
+                </a:tc>
+                <a:tc>
+                  <a:txBody>
+                    <a:bodyPr/>
+                    <a:lstStyle/>
+                    <a:p>
+                      <a:r>
+                        <a:rPr lang="en-US" dirty="0" smtClean="0"/>
+                        <a:t>-176.056</a:t>
+                      </a:r>
+                      <a:endParaRPr lang="en-US" dirty="0"/>
+                    </a:p>
+                  </a:txBody>
+                  <a:tcPr/>
+                </a:tc>
+                <a:tc>
+                  <a:txBody>
+                    <a:bodyPr/>
+                    <a:lstStyle/>
+                    <a:p>
+                      <a:r>
+                        <a:rPr lang="en-US" dirty="0" smtClean="0"/>
+                        <a:t>7186.99</a:t>
+                      </a:r>
+                      <a:endParaRPr lang="en-US" dirty="0"/>
+                    </a:p>
+                  </a:txBody>
+                  <a:tcPr/>
+                </a:tc>
+                <a:extLst>
+                  <a:ext uri="{0D108BD9-81ED-4DB2-BD59-A6C34878D82A}">
+                    <a16:rowId xmlns:a16="http://schemas.microsoft.com/office/drawing/2014/main" val="1223798200"/>
+                  </a:ext>
+                </a:extLst>
+              </a:tr>
+            </a:tbl>
+          </a:graphicData>
+        </a:graphic>
+      </p:graphicFrame>
+      <p:graphicFrame>
+        <p:nvGraphicFramePr>
+          <p:cNvPr id="6" name="Table 5"/>
+          <p:cNvGraphicFramePr>
+            <a:graphicFrameLocks noGrp="1"/>
+          </p:cNvGraphicFramePr>
+          <p:nvPr>
+            <p:extLst>
+              <p:ext uri="{D42A27DB-BD31-4B8C-83A1-F6EECF244321}">
+                <p14:modId xmlns:p14="http://schemas.microsoft.com/office/powerpoint/2010/main" val="4125790089"/>
+              </p:ext>
+            </p:extLst>
+          </p:nvPr>
+        </p:nvGraphicFramePr>
+        <p:xfrm>
+          <a:off x="4981983" y="1400911"/>
+          <a:ext cx="2717800" cy="1409700"/>
+        </p:xfrm>
+        <a:graphic>
+          <a:graphicData uri="http://schemas.openxmlformats.org/drawingml/2006/table">
+            <a:tbl>
+              <a:tblPr/>
+              <a:tblGrid>
+                <a:gridCol w="1333500">
+                  <a:extLst>
+                    <a:ext uri="{9D8B030D-6E8A-4147-A177-3AD203B41FA5}">
+                      <a16:colId xmlns:a16="http://schemas.microsoft.com/office/drawing/2014/main" val="362299411"/>
+                    </a:ext>
+                  </a:extLst>
+                </a:gridCol>
+                <a:gridCol w="1384300">
+                  <a:extLst>
+                    <a:ext uri="{9D8B030D-6E8A-4147-A177-3AD203B41FA5}">
+                      <a16:colId xmlns:a16="http://schemas.microsoft.com/office/drawing/2014/main" val="2993598617"/>
+                    </a:ext>
+                  </a:extLst>
+                </a:gridCol>
+              </a:tblGrid>
+              <a:tr h="378221">
+                <a:tc>
+                  <a:txBody>
+                    <a:bodyPr/>
+                    <a:lstStyle/>
+                    <a:p>
+                      <a:pPr algn="ctr" fontAlgn="ctr"/>
+                      <a:r>
+                        <a:rPr lang="en-US" sz="1800" b="0" i="0" u="none" strike="noStrike" dirty="0">
+                          <a:solidFill>
+                            <a:srgbClr val="000000"/>
+                          </a:solidFill>
+                          <a:effectLst/>
+                          <a:latin typeface="+mn-lt"/>
+                        </a:rPr>
+                        <a:t>Final Position (m)</a:t>
+                      </a:r>
+                    </a:p>
+                  </a:txBody>
+                  <a:tcPr marL="9525" marR="9525" marT="9525" marB="0" anchor="ctr">
+                    <a:lnL w="6350" cap="flat" cmpd="sng" algn="ctr">
+                      <a:solidFill>
+                        <a:srgbClr val="000000"/>
+                      </a:solidFill>
+                      <a:prstDash val="solid"/>
+                      <a:round/>
+                      <a:headEnd type="none" w="med" len="med"/>
+                      <a:tailEnd type="none" w="med" len="med"/>
+                    </a:lnL>
+                    <a:lnR w="6350" cap="flat" cmpd="sng" algn="ctr">
+                      <a:solidFill>
+                        <a:srgbClr val="000000"/>
+                      </a:solidFill>
+                      <a:prstDash val="solid"/>
+                      <a:round/>
+                      <a:headEnd type="none" w="med" len="med"/>
+                      <a:tailEnd type="none" w="med" len="med"/>
+                    </a:lnR>
+                    <a:lnT w="6350" cap="flat" cmpd="sng" algn="ctr">
+                      <a:solidFill>
+                        <a:srgbClr val="000000"/>
+                      </a:solidFill>
+                      <a:prstDash val="solid"/>
+                      <a:round/>
+                      <a:headEnd type="none" w="med" len="med"/>
+                      <a:tailEnd type="none" w="med" len="med"/>
+                    </a:lnT>
+                    <a:lnB w="6350" cap="flat" cmpd="sng" algn="ctr">
+                      <a:solidFill>
+                        <a:srgbClr val="000000"/>
+                      </a:solidFill>
+                      <a:prstDash val="solid"/>
+                      <a:round/>
+                      <a:headEnd type="none" w="med" len="med"/>
+                      <a:tailEnd type="none" w="med" len="med"/>
+                    </a:lnB>
+                  </a:tcPr>
+                </a:tc>
+                <a:tc>
+                  <a:txBody>
+                    <a:bodyPr/>
+                    <a:lstStyle/>
+                    <a:p>
+                      <a:pPr algn="ctr" fontAlgn="ctr"/>
+                      <a:r>
+                        <a:rPr lang="en-US" sz="1800" b="0" i="0" u="none" strike="noStrike" dirty="0">
+                          <a:solidFill>
+                            <a:srgbClr val="000000"/>
+                          </a:solidFill>
+                          <a:effectLst/>
+                          <a:latin typeface="+mn-lt"/>
+                        </a:rPr>
+                        <a:t>Final Velocity (m/s)</a:t>
+                      </a:r>
+                    </a:p>
+                  </a:txBody>
+                  <a:tcPr marL="9525" marR="9525" marT="9525" marB="0" anchor="ctr">
+                    <a:lnL w="6350" cap="flat" cmpd="sng" algn="ctr">
+                      <a:solidFill>
+                        <a:srgbClr val="000000"/>
+                      </a:solidFill>
+                      <a:prstDash val="solid"/>
+                      <a:round/>
+                      <a:headEnd type="none" w="med" len="med"/>
+                      <a:tailEnd type="none" w="med" len="med"/>
+                    </a:lnL>
+                    <a:lnR w="6350" cap="flat" cmpd="sng" algn="ctr">
+                      <a:solidFill>
+                        <a:srgbClr val="000000"/>
+                      </a:solidFill>
+                      <a:prstDash val="solid"/>
+                      <a:round/>
+                      <a:headEnd type="none" w="med" len="med"/>
+                      <a:tailEnd type="none" w="med" len="med"/>
+                    </a:lnR>
+                    <a:lnT w="6350" cap="flat" cmpd="sng" algn="ctr">
+                      <a:solidFill>
+                        <a:srgbClr val="000000"/>
+                      </a:solidFill>
+                      <a:prstDash val="solid"/>
+                      <a:round/>
+                      <a:headEnd type="none" w="med" len="med"/>
+                      <a:tailEnd type="none" w="med" len="med"/>
+                    </a:lnT>
+                    <a:lnB w="6350" cap="flat" cmpd="sng" algn="ctr">
+                      <a:solidFill>
+                        <a:srgbClr val="000000"/>
+                      </a:solidFill>
+                      <a:prstDash val="solid"/>
+                      <a:round/>
+                      <a:headEnd type="none" w="med" len="med"/>
+                      <a:tailEnd type="none" w="med" len="med"/>
+                    </a:lnB>
+                  </a:tcPr>
+                </a:tc>
+                <a:extLst>
+                  <a:ext uri="{0D108BD9-81ED-4DB2-BD59-A6C34878D82A}">
+                    <a16:rowId xmlns:a16="http://schemas.microsoft.com/office/drawing/2014/main" val="1769623787"/>
+                  </a:ext>
+                </a:extLst>
+              </a:tr>
+              <a:tr h="190500">
+                <a:tc>
+                  <a:txBody>
+                    <a:bodyPr/>
+                    <a:lstStyle/>
+                    <a:p>
+                      <a:pPr algn="ctr" fontAlgn="ctr"/>
+                      <a:r>
+                        <a:rPr lang="en-US" sz="1800" b="0" i="0" u="none" strike="noStrike" dirty="0">
+                          <a:solidFill>
+                            <a:srgbClr val="000000"/>
+                          </a:solidFill>
+                          <a:effectLst/>
+                          <a:latin typeface="+mn-lt"/>
+                        </a:rPr>
+                        <a:t>-3762391.12</a:t>
+                      </a:r>
+                    </a:p>
+                  </a:txBody>
+                  <a:tcPr marL="9525" marR="9525" marT="9525" marB="0" anchor="ctr">
+                    <a:lnL w="6350" cap="flat" cmpd="sng" algn="ctr">
+                      <a:solidFill>
+                        <a:srgbClr val="000000"/>
+                      </a:solidFill>
+                      <a:prstDash val="solid"/>
+                      <a:round/>
+                      <a:headEnd type="none" w="med" len="med"/>
+                      <a:tailEnd type="none" w="med" len="med"/>
+                    </a:lnL>
+                    <a:lnR w="6350" cap="flat" cmpd="sng" algn="ctr">
+                      <a:solidFill>
+                        <a:srgbClr val="000000"/>
+                      </a:solidFill>
+                      <a:prstDash val="solid"/>
+                      <a:round/>
+                      <a:headEnd type="none" w="med" len="med"/>
+                      <a:tailEnd type="none" w="med" len="med"/>
+                    </a:lnR>
+                    <a:lnT w="6350" cap="flat" cmpd="sng" algn="ctr">
+                      <a:solidFill>
+                        <a:srgbClr val="000000"/>
+                      </a:solidFill>
+                      <a:prstDash val="solid"/>
+                      <a:round/>
+                      <a:headEnd type="none" w="med" len="med"/>
+                      <a:tailEnd type="none" w="med" len="med"/>
+                    </a:lnT>
+                    <a:lnB w="6350" cap="flat" cmpd="sng" algn="ctr">
+                      <a:solidFill>
+                        <a:srgbClr val="000000"/>
+                      </a:solidFill>
+                      <a:prstDash val="solid"/>
+                      <a:round/>
+                      <a:headEnd type="none" w="med" len="med"/>
+                      <a:tailEnd type="none" w="med" len="med"/>
+                    </a:lnB>
+                  </a:tcPr>
+                </a:tc>
+                <a:tc>
+                  <a:txBody>
+                    <a:bodyPr/>
+                    <a:lstStyle/>
+                    <a:p>
+                      <a:pPr algn="ctr" fontAlgn="ctr"/>
+                      <a:r>
+                        <a:rPr lang="en-US" sz="1800" b="0" i="0" u="none" strike="noStrike" dirty="0">
+                          <a:solidFill>
+                            <a:srgbClr val="24292E"/>
+                          </a:solidFill>
+                          <a:effectLst/>
+                          <a:latin typeface="+mn-lt"/>
+                        </a:rPr>
+                        <a:t>59.76</a:t>
+                      </a:r>
+                    </a:p>
+                  </a:txBody>
+                  <a:tcPr marL="9525" marR="9525" marT="9525" marB="0" anchor="ctr">
+                    <a:lnL w="6350" cap="flat" cmpd="sng" algn="ctr">
+                      <a:solidFill>
+                        <a:srgbClr val="000000"/>
+                      </a:solidFill>
+                      <a:prstDash val="solid"/>
+                      <a:round/>
+                      <a:headEnd type="none" w="med" len="med"/>
+                      <a:tailEnd type="none" w="med" len="med"/>
+                    </a:lnL>
+                    <a:lnR w="6350" cap="flat" cmpd="sng" algn="ctr">
+                      <a:solidFill>
+                        <a:srgbClr val="000000"/>
+                      </a:solidFill>
+                      <a:prstDash val="solid"/>
+                      <a:round/>
+                      <a:headEnd type="none" w="med" len="med"/>
+                      <a:tailEnd type="none" w="med" len="med"/>
+                    </a:lnR>
+                    <a:lnT w="6350" cap="flat" cmpd="sng" algn="ctr">
+                      <a:solidFill>
+                        <a:srgbClr val="000000"/>
+                      </a:solidFill>
+                      <a:prstDash val="solid"/>
+                      <a:round/>
+                      <a:headEnd type="none" w="med" len="med"/>
+                      <a:tailEnd type="none" w="med" len="med"/>
+                    </a:lnT>
+                    <a:lnB w="6350" cap="flat" cmpd="sng" algn="ctr">
+                      <a:solidFill>
+                        <a:srgbClr val="000000"/>
+                      </a:solidFill>
+                      <a:prstDash val="solid"/>
+                      <a:round/>
+                      <a:headEnd type="none" w="med" len="med"/>
+                      <a:tailEnd type="none" w="med" len="med"/>
+                    </a:lnB>
+                  </a:tcPr>
+                </a:tc>
+                <a:extLst>
+                  <a:ext uri="{0D108BD9-81ED-4DB2-BD59-A6C34878D82A}">
+                    <a16:rowId xmlns:a16="http://schemas.microsoft.com/office/drawing/2014/main" val="1477971410"/>
+                  </a:ext>
+                </a:extLst>
+              </a:tr>
+              <a:tr h="190500">
+                <a:tc>
+                  <a:txBody>
+                    <a:bodyPr/>
+                    <a:lstStyle/>
+                    <a:p>
+                      <a:pPr algn="ctr" fontAlgn="ctr"/>
+                      <a:r>
+                        <a:rPr lang="en-US" sz="1800" b="0" i="0" u="none" strike="noStrike">
+                          <a:solidFill>
+                            <a:srgbClr val="000000"/>
+                          </a:solidFill>
+                          <a:effectLst/>
+                          <a:latin typeface="+mn-lt"/>
+                        </a:rPr>
+                        <a:t>3577671.24</a:t>
+                      </a:r>
+                    </a:p>
+                  </a:txBody>
+                  <a:tcPr marL="9525" marR="9525" marT="9525" marB="0" anchor="ctr">
+                    <a:lnL w="6350" cap="flat" cmpd="sng" algn="ctr">
+                      <a:solidFill>
+                        <a:srgbClr val="000000"/>
+                      </a:solidFill>
+                      <a:prstDash val="solid"/>
+                      <a:round/>
+                      <a:headEnd type="none" w="med" len="med"/>
+                      <a:tailEnd type="none" w="med" len="med"/>
+                    </a:lnL>
+                    <a:lnR w="6350" cap="flat" cmpd="sng" algn="ctr">
+                      <a:solidFill>
+                        <a:srgbClr val="000000"/>
+                      </a:solidFill>
+                      <a:prstDash val="solid"/>
+                      <a:round/>
+                      <a:headEnd type="none" w="med" len="med"/>
+                      <a:tailEnd type="none" w="med" len="med"/>
+                    </a:lnR>
+                    <a:lnT w="6350" cap="flat" cmpd="sng" algn="ctr">
+                      <a:solidFill>
+                        <a:srgbClr val="000000"/>
+                      </a:solidFill>
+                      <a:prstDash val="solid"/>
+                      <a:round/>
+                      <a:headEnd type="none" w="med" len="med"/>
+                      <a:tailEnd type="none" w="med" len="med"/>
+                    </a:lnT>
+                    <a:lnB w="6350" cap="flat" cmpd="sng" algn="ctr">
+                      <a:solidFill>
+                        <a:srgbClr val="000000"/>
+                      </a:solidFill>
+                      <a:prstDash val="solid"/>
+                      <a:round/>
+                      <a:headEnd type="none" w="med" len="med"/>
+                      <a:tailEnd type="none" w="med" len="med"/>
+                    </a:lnB>
+                  </a:tcPr>
+                </a:tc>
+                <a:tc>
+                  <a:txBody>
+                    <a:bodyPr/>
+                    <a:lstStyle/>
+                    <a:p>
+                      <a:pPr algn="ctr" fontAlgn="ctr"/>
+                      <a:r>
+                        <a:rPr lang="en-US" sz="1800" b="0" i="0" u="none" strike="noStrike" dirty="0">
+                          <a:solidFill>
+                            <a:srgbClr val="000000"/>
+                          </a:solidFill>
+                          <a:effectLst/>
+                          <a:latin typeface="+mn-lt"/>
+                        </a:rPr>
+                        <a:t>-57.18</a:t>
+                      </a:r>
+                    </a:p>
+                  </a:txBody>
+                  <a:tcPr marL="9525" marR="9525" marT="9525" marB="0" anchor="ctr">
+                    <a:lnL w="6350" cap="flat" cmpd="sng" algn="ctr">
+                      <a:solidFill>
+                        <a:srgbClr val="000000"/>
+                      </a:solidFill>
+                      <a:prstDash val="solid"/>
+                      <a:round/>
+                      <a:headEnd type="none" w="med" len="med"/>
+                      <a:tailEnd type="none" w="med" len="med"/>
+                    </a:lnL>
+                    <a:lnR w="6350" cap="flat" cmpd="sng" algn="ctr">
+                      <a:solidFill>
+                        <a:srgbClr val="000000"/>
+                      </a:solidFill>
+                      <a:prstDash val="solid"/>
+                      <a:round/>
+                      <a:headEnd type="none" w="med" len="med"/>
+                      <a:tailEnd type="none" w="med" len="med"/>
+                    </a:lnR>
+                    <a:lnT w="6350" cap="flat" cmpd="sng" algn="ctr">
+                      <a:solidFill>
+                        <a:srgbClr val="000000"/>
+                      </a:solidFill>
+                      <a:prstDash val="solid"/>
+                      <a:round/>
+                      <a:headEnd type="none" w="med" len="med"/>
+                      <a:tailEnd type="none" w="med" len="med"/>
+                    </a:lnT>
+                    <a:lnB w="6350" cap="flat" cmpd="sng" algn="ctr">
+                      <a:solidFill>
+                        <a:srgbClr val="000000"/>
+                      </a:solidFill>
+                      <a:prstDash val="solid"/>
+                      <a:round/>
+                      <a:headEnd type="none" w="med" len="med"/>
+                      <a:tailEnd type="none" w="med" len="med"/>
+                    </a:lnB>
+                  </a:tcPr>
+                </a:tc>
+                <a:extLst>
+                  <a:ext uri="{0D108BD9-81ED-4DB2-BD59-A6C34878D82A}">
+                    <a16:rowId xmlns:a16="http://schemas.microsoft.com/office/drawing/2014/main" val="3499669817"/>
+                  </a:ext>
+                </a:extLst>
+              </a:tr>
+              <a:tr h="190500">
+                <a:tc>
+                  <a:txBody>
+                    <a:bodyPr/>
+                    <a:lstStyle/>
+                    <a:p>
+                      <a:pPr algn="ctr" fontAlgn="ctr"/>
+                      <a:r>
+                        <a:rPr lang="en-US" sz="1800" b="0" i="0" u="none" strike="noStrike">
+                          <a:solidFill>
+                            <a:srgbClr val="000000"/>
+                          </a:solidFill>
+                          <a:effectLst/>
+                          <a:latin typeface="+mn-lt"/>
+                        </a:rPr>
+                        <a:t>3704724.90</a:t>
+                      </a:r>
+                    </a:p>
+                  </a:txBody>
+                  <a:tcPr marL="9525" marR="9525" marT="9525" marB="0" anchor="ctr">
+                    <a:lnL w="6350" cap="flat" cmpd="sng" algn="ctr">
+                      <a:solidFill>
+                        <a:srgbClr val="000000"/>
+                      </a:solidFill>
+                      <a:prstDash val="solid"/>
+                      <a:round/>
+                      <a:headEnd type="none" w="med" len="med"/>
+                      <a:tailEnd type="none" w="med" len="med"/>
+                    </a:lnL>
+                    <a:lnR w="6350" cap="flat" cmpd="sng" algn="ctr">
+                      <a:solidFill>
+                        <a:srgbClr val="000000"/>
+                      </a:solidFill>
+                      <a:prstDash val="solid"/>
+                      <a:round/>
+                      <a:headEnd type="none" w="med" len="med"/>
+                      <a:tailEnd type="none" w="med" len="med"/>
+                    </a:lnR>
+                    <a:lnT w="6350" cap="flat" cmpd="sng" algn="ctr">
+                      <a:solidFill>
+                        <a:srgbClr val="000000"/>
+                      </a:solidFill>
+                      <a:prstDash val="solid"/>
+                      <a:round/>
+                      <a:headEnd type="none" w="med" len="med"/>
+                      <a:tailEnd type="none" w="med" len="med"/>
+                    </a:lnT>
+                    <a:lnB w="6350" cap="flat" cmpd="sng" algn="ctr">
+                      <a:solidFill>
+                        <a:srgbClr val="000000"/>
+                      </a:solidFill>
+                      <a:prstDash val="solid"/>
+                      <a:round/>
+                      <a:headEnd type="none" w="med" len="med"/>
+                      <a:tailEnd type="none" w="med" len="med"/>
+                    </a:lnB>
+                  </a:tcPr>
+                </a:tc>
+                <a:tc>
+                  <a:txBody>
+                    <a:bodyPr/>
+                    <a:lstStyle/>
+                    <a:p>
+                      <a:pPr algn="ctr" fontAlgn="ctr"/>
+                      <a:r>
+                        <a:rPr lang="en-US" sz="1800" b="0" i="0" u="none" strike="noStrike" dirty="0">
+                          <a:solidFill>
+                            <a:srgbClr val="000000"/>
+                          </a:solidFill>
+                          <a:effectLst/>
+                          <a:latin typeface="+mn-lt"/>
+                        </a:rPr>
+                        <a:t>-59.06</a:t>
+                      </a:r>
+                    </a:p>
+                  </a:txBody>
+                  <a:tcPr marL="9525" marR="9525" marT="9525" marB="0" anchor="ctr">
+                    <a:lnL w="6350" cap="flat" cmpd="sng" algn="ctr">
+                      <a:solidFill>
+                        <a:srgbClr val="000000"/>
+                      </a:solidFill>
+                      <a:prstDash val="solid"/>
+                      <a:round/>
+                      <a:headEnd type="none" w="med" len="med"/>
+                      <a:tailEnd type="none" w="med" len="med"/>
+                    </a:lnL>
+                    <a:lnR w="6350" cap="flat" cmpd="sng" algn="ctr">
+                      <a:solidFill>
+                        <a:srgbClr val="000000"/>
+                      </a:solidFill>
+                      <a:prstDash val="solid"/>
+                      <a:round/>
+                      <a:headEnd type="none" w="med" len="med"/>
+                      <a:tailEnd type="none" w="med" len="med"/>
+                    </a:lnR>
+                    <a:lnT w="6350" cap="flat" cmpd="sng" algn="ctr">
+                      <a:solidFill>
+                        <a:srgbClr val="000000"/>
+                      </a:solidFill>
+                      <a:prstDash val="solid"/>
+                      <a:round/>
+                      <a:headEnd type="none" w="med" len="med"/>
+                      <a:tailEnd type="none" w="med" len="med"/>
+                    </a:lnT>
+                    <a:lnB w="6350" cap="flat" cmpd="sng" algn="ctr">
+                      <a:solidFill>
+                        <a:srgbClr val="000000"/>
+                      </a:solidFill>
+                      <a:prstDash val="solid"/>
+                      <a:round/>
+                      <a:headEnd type="none" w="med" len="med"/>
+                      <a:tailEnd type="none" w="med" len="med"/>
+                    </a:lnB>
+                  </a:tcPr>
+                </a:tc>
+                <a:extLst>
+                  <a:ext uri="{0D108BD9-81ED-4DB2-BD59-A6C34878D82A}">
+                    <a16:rowId xmlns:a16="http://schemas.microsoft.com/office/drawing/2014/main" val="1447531859"/>
+                  </a:ext>
+                </a:extLst>
+              </a:tr>
+            </a:tbl>
+          </a:graphicData>
+        </a:graphic>
+      </p:graphicFrame>
+      <p:sp>
+        <p:nvSpPr>
+          <p:cNvPr id="7" name="Title 1"/>
+          <p:cNvSpPr txBox="1">
+            <a:spLocks/>
+          </p:cNvSpPr>
+          <p:nvPr/>
+        </p:nvSpPr>
+        <p:spPr>
+          <a:xfrm>
+            <a:off x="656842" y="559678"/>
+            <a:ext cx="3939064" cy="4952492"/>
+          </a:xfrm>
+          <a:prstGeom prst="rect">
+            <a:avLst/>
+          </a:prstGeom>
+        </p:spPr>
+        <p:txBody>
+          <a:bodyPr vert="horz" lIns="91440" tIns="45720" rIns="91440" bIns="45720" rtlCol="0" anchor="t">
+            <a:normAutofit/>
+          </a:bodyPr>
+          <a:lstStyle>
+            <a:lvl1pPr algn="r" defTabSz="914400" rtl="0" eaLnBrk="1" latinLnBrk="0" hangingPunct="1">
+              <a:lnSpc>
+                <a:spcPct val="90000"/>
+              </a:lnSpc>
+              <a:spcBef>
+                <a:spcPct val="0"/>
+              </a:spcBef>
+              <a:buNone/>
+              <a:defRPr sz="5000" b="0" i="1" kern="1200" baseline="0">
+                <a:solidFill>
+                  <a:schemeClr val="tx1">
+                    <a:lumMod val="85000"/>
+                    <a:lumOff val="15000"/>
+                  </a:schemeClr>
+                </a:solidFill>
+                <a:latin typeface="+mj-lt"/>
+                <a:ea typeface="+mj-ea"/>
+                <a:cs typeface="+mj-cs"/>
+              </a:defRPr>
+            </a:lvl1pPr>
+          </a:lstStyle>
+          <a:p>
+            <a:r>
               <a:rPr lang="en-US" sz="3600" dirty="0" smtClean="0"/>
-              <a:t>Results: Numerical Integration</a:t>
+              <a:t>Results: Numerical Integration of  </a:t>
+            </a:r>
+            <a:r>
+              <a:rPr lang="en-US" sz="3600" dirty="0" err="1" smtClean="0"/>
+              <a:t>Keplerian</a:t>
+            </a:r>
+            <a:r>
+              <a:rPr lang="en-US" sz="3600" dirty="0" smtClean="0"/>
+              <a:t> Equations</a:t>
             </a:r>
             <a:endParaRPr lang="en-US" sz="3600" dirty="0"/>
-          </a:p>
-        </p:txBody>
-      </p:sp>
-      <p:sp>
-        <p:nvSpPr>
-          <p:cNvPr id="3" name="Content Placeholder 2"/>
-          <p:cNvSpPr>
-            <a:spLocks noGrp="1"/>
-          </p:cNvSpPr>
-          <p:nvPr>
-            <p:ph idx="1"/>
-          </p:nvPr>
-        </p:nvSpPr>
-        <p:spPr/>
-        <p:txBody>
-          <a:bodyPr/>
-          <a:lstStyle/>
-          <a:p>
-            <a:endParaRPr lang="en-US"/>
           </a:p>
         </p:txBody>
       </p:sp>
@@ -6498,12 +9175,27 @@
   <p:clrMapOvr>
     <a:masterClrMapping/>
   </p:clrMapOvr>
+  <p:timing>
+    <p:tnLst>
+      <p:par>
+        <p:cTn id="1" dur="indefinite" restart="never" nodeType="tmRoot"/>
+      </p:par>
+    </p:tnLst>
+  </p:timing>
 </p:sld>
 </file>
 
 <file path=ppt/slides/slide6.xml><?xml version="1.0" encoding="utf-8"?>
 <p:sld xmlns:a="http://schemas.openxmlformats.org/drawingml/2006/main" xmlns:r="http://schemas.openxmlformats.org/officeDocument/2006/relationships" xmlns:p="http://schemas.openxmlformats.org/presentationml/2006/main">
   <p:cSld>
+    <p:bg>
+      <p:bgPr>
+        <a:solidFill>
+          <a:schemeClr val="bg1"/>
+        </a:solidFill>
+        <a:effectLst/>
+      </p:bgPr>
+    </p:bg>
     <p:spTree>
       <p:nvGrpSpPr>
         <p:cNvPr id="1" name=""/>
@@ -6528,7 +9220,12 @@
             <p:ph type="title"/>
           </p:nvPr>
         </p:nvSpPr>
-        <p:spPr/>
+        <p:spPr>
+          <a:xfrm>
+            <a:off x="657224" y="499533"/>
+            <a:ext cx="10772775" cy="861661"/>
+          </a:xfrm>
+        </p:spPr>
         <p:txBody>
           <a:bodyPr>
             <a:normAutofit/>
@@ -6537,22 +9234,123 @@
           <a:p>
             <a:r>
               <a:rPr lang="en-US" sz="3600" dirty="0" smtClean="0"/>
-              <a:t>Orbit Propagation using Gauss </a:t>
-            </a:r>
-            <a:r>
-              <a:rPr lang="en-US" sz="3600" dirty="0" err="1" smtClean="0"/>
-              <a:t>Variational</a:t>
+              <a:t>Plots: </a:t>
             </a:r>
             <a:r>
               <a:rPr lang="en-US" sz="3600" dirty="0" smtClean="0"/>
-              <a:t> Equations</a:t>
+              <a:t>Numerical Integration</a:t>
             </a:r>
             <a:endParaRPr lang="en-US" sz="3600" dirty="0"/>
           </a:p>
         </p:txBody>
       </p:sp>
-      <mc:AlternateContent xmlns:mc="http://schemas.openxmlformats.org/markup-compatibility/2006" xmlns:a14="http://schemas.microsoft.com/office/drawing/2010/main">
-        <mc:Choice Requires="a14">
+      <p:pic>
+        <p:nvPicPr>
+          <p:cNvPr id="8" name="Picture 7"/>
+          <p:cNvPicPr>
+            <a:picLocks noChangeAspect="1"/>
+          </p:cNvPicPr>
+          <p:nvPr/>
+        </p:nvPicPr>
+        <p:blipFill>
+          <a:blip r:embed="rId3">
+            <a:extLst>
+              <a:ext uri="{28A0092B-C50C-407E-A947-70E740481C1C}">
+                <a14:useLocalDpi xmlns:a14="http://schemas.microsoft.com/office/drawing/2010/main" val="0"/>
+              </a:ext>
+            </a:extLst>
+          </a:blip>
+          <a:stretch>
+            <a:fillRect/>
+          </a:stretch>
+        </p:blipFill>
+        <p:spPr>
+          <a:xfrm>
+            <a:off x="280122" y="1483816"/>
+            <a:ext cx="5852172" cy="4389129"/>
+          </a:xfrm>
+          <a:prstGeom prst="rect">
+            <a:avLst/>
+          </a:prstGeom>
+        </p:spPr>
+      </p:pic>
+      <p:pic>
+        <p:nvPicPr>
+          <p:cNvPr id="9" name="Picture 8"/>
+          <p:cNvPicPr>
+            <a:picLocks noChangeAspect="1"/>
+          </p:cNvPicPr>
+          <p:nvPr/>
+        </p:nvPicPr>
+        <p:blipFill>
+          <a:blip r:embed="rId4">
+            <a:extLst>
+              <a:ext uri="{28A0092B-C50C-407E-A947-70E740481C1C}">
+                <a14:useLocalDpi xmlns:a14="http://schemas.microsoft.com/office/drawing/2010/main" val="0"/>
+              </a:ext>
+            </a:extLst>
+          </a:blip>
+          <a:stretch>
+            <a:fillRect/>
+          </a:stretch>
+        </p:blipFill>
+        <p:spPr>
+          <a:xfrm>
+            <a:off x="6043611" y="1483816"/>
+            <a:ext cx="5852172" cy="4389129"/>
+          </a:xfrm>
+          <a:prstGeom prst="rect">
+            <a:avLst/>
+          </a:prstGeom>
+        </p:spPr>
+      </p:pic>
+    </p:spTree>
+    <p:extLst>
+      <p:ext uri="{BB962C8B-B14F-4D97-AF65-F5344CB8AC3E}">
+        <p14:creationId xmlns:p14="http://schemas.microsoft.com/office/powerpoint/2010/main" val="1760239376"/>
+      </p:ext>
+    </p:extLst>
+  </p:cSld>
+  <p:clrMapOvr>
+    <a:masterClrMapping/>
+  </p:clrMapOvr>
+  <p:timing>
+    <p:tnLst>
+      <p:par>
+        <p:cTn id="1" dur="indefinite" restart="never" nodeType="tmRoot"/>
+      </p:par>
+    </p:tnLst>
+  </p:timing>
+</p:sld>
+</file>
+
+<file path=ppt/slides/slide7.xml><?xml version="1.0" encoding="utf-8"?>
+<p:sld xmlns:a="http://schemas.openxmlformats.org/drawingml/2006/main" xmlns:r="http://schemas.openxmlformats.org/officeDocument/2006/relationships" xmlns:p="http://schemas.openxmlformats.org/presentationml/2006/main">
+  <p:cSld>
+    <p:bg>
+      <p:bgPr>
+        <a:solidFill>
+          <a:schemeClr val="bg1"/>
+        </a:solidFill>
+        <a:effectLst/>
+      </p:bgPr>
+    </p:bg>
+    <p:spTree>
+      <p:nvGrpSpPr>
+        <p:cNvPr id="1" name=""/>
+        <p:cNvGrpSpPr/>
+        <p:nvPr/>
+      </p:nvGrpSpPr>
+      <p:grpSpPr>
+        <a:xfrm>
+          <a:off x="0" y="0"/>
+          <a:ext cx="0" cy="0"/>
+          <a:chOff x="0" y="0"/>
+          <a:chExt cx="0" cy="0"/>
+        </a:xfrm>
+      </p:grpSpPr>
+      <mc:AlternateContent xmlns:mc="http://schemas.openxmlformats.org/markup-compatibility/2006">
+        <mc:Choice xmlns:a14="http://schemas.microsoft.com/office/drawing/2010/main" Requires="a14">
           <p:sp>
             <p:nvSpPr>
               <p:cNvPr id="3" name="Content Placeholder 2"/>
@@ -6566,17 +9364,30 @@
             <p:spPr/>
             <p:txBody>
               <a:bodyPr>
-                <a:normAutofit fontScale="92500" lnSpcReduction="20000"/>
+                <a:normAutofit fontScale="85000" lnSpcReduction="10000"/>
               </a:bodyPr>
               <a:lstStyle/>
               <a:p>
                 <a:r>
+                  <a:rPr lang="en-US" dirty="0" smtClean="0"/>
+                  <a:t>The averaged form of Gauss’ </a:t>
+                </a:r>
+                <a:r>
                   <a:rPr lang="en-US" dirty="0" err="1" smtClean="0"/>
-                  <a:t>Asd</a:t>
+                  <a:t>variational</a:t>
                 </a:r>
-                <a:endParaRPr lang="en-US" dirty="0" smtClean="0"/>
-              </a:p>
-              <a:p>
+                <a:r>
+                  <a:rPr lang="en-US" dirty="0" smtClean="0"/>
+                  <a:t> equations  are numerically integrated using </a:t>
+                </a:r>
+                <a:r>
+                  <a:rPr lang="en-US" dirty="0" err="1" smtClean="0"/>
+                  <a:t>Matlab’s</a:t>
+                </a:r>
+                <a:r>
+                  <a:rPr lang="en-US" dirty="0" smtClean="0"/>
+                  <a:t> ODE45 function. </a:t>
+                </a:r>
                 <a:endParaRPr lang="en-US" dirty="0"/>
               </a:p>
               <a:p>
@@ -6586,8 +9397,11 @@
                 <a:endParaRPr lang="en-US" dirty="0"/>
               </a:p>
               <a:p>
+                <a:pPr marL="0" indent="0">
+                  <a:buNone/>
+                </a:pPr>
                 <a:r>
-                  <a:rPr lang="en-US" dirty="0" smtClean="0"/>
+                  <a:rPr lang="en-US" sz="2400" b="1" dirty="0" smtClean="0"/>
                   <a:t>Equations of Motion:</a:t>
                 </a:r>
               </a:p>
@@ -8043,7 +10857,7 @@
             </p:txBody>
           </p:sp>
         </mc:Choice>
-        <mc:Fallback xmlns="">
+        <mc:Fallback>
           <p:sp>
             <p:nvSpPr>
               <p:cNvPr id="3" name="Content Placeholder 2"/>
@@ -8058,7 +10872,7 @@
               <a:blipFill>
                 <a:blip r:embed="rId3"/>
                 <a:stretch>
-                  <a:fillRect l="-928" t="-3501"/>
+                  <a:fillRect l="-976" t="-323"/>
                 </a:stretch>
               </a:blipFill>
             </p:spPr>
@@ -8077,6 +10891,66 @@
           </p:sp>
         </mc:Fallback>
       </mc:AlternateContent>
+      <p:sp>
+        <p:nvSpPr>
+          <p:cNvPr id="5" name="Title 1"/>
+          <p:cNvSpPr txBox="1">
+            <a:spLocks/>
+          </p:cNvSpPr>
+          <p:nvPr/>
+        </p:nvSpPr>
+        <p:spPr>
+          <a:xfrm>
+            <a:off x="762000" y="559678"/>
+            <a:ext cx="3833906" cy="4952492"/>
+          </a:xfrm>
+          <a:prstGeom prst="rect">
+            <a:avLst/>
+          </a:prstGeom>
+        </p:spPr>
+        <p:txBody>
+          <a:bodyPr vert="horz" lIns="91440" tIns="45720" rIns="91440" bIns="45720" rtlCol="0" anchor="t">
+            <a:normAutofit/>
+          </a:bodyPr>
+          <a:lstStyle>
+            <a:lvl1pPr algn="r" defTabSz="914400" rtl="0" eaLnBrk="1" latinLnBrk="0" hangingPunct="1">
+              <a:lnSpc>
+                <a:spcPct val="90000"/>
+              </a:lnSpc>
+              <a:spcBef>
+                <a:spcPct val="0"/>
+              </a:spcBef>
+              <a:buNone/>
+              <a:defRPr sz="5000" b="0" i="1" kern="1200" baseline="0">
+                <a:solidFill>
+                  <a:schemeClr val="tx1">
+                    <a:lumMod val="85000"/>
+                    <a:lumOff val="15000"/>
+                  </a:schemeClr>
+                </a:solidFill>
+                <a:latin typeface="+mj-lt"/>
+                <a:ea typeface="+mj-ea"/>
+                <a:cs typeface="+mj-cs"/>
+              </a:defRPr>
+            </a:lvl1pPr>
+          </a:lstStyle>
+          <a:p>
+            <a:r>
+              <a:rPr lang="en-US" sz="3600" dirty="0" smtClean="0"/>
+              <a:t>Orbit Propagation using Gauss’ </a:t>
+            </a:r>
+            <a:r>
+              <a:rPr lang="en-US" sz="3600" dirty="0" err="1" smtClean="0"/>
+              <a:t>Variational</a:t>
+            </a:r>
+            <a:r>
+              <a:rPr lang="en-US" sz="3600" dirty="0" smtClean="0"/>
+              <a:t> Equations</a:t>
+            </a:r>
+            <a:endParaRPr lang="en-US" sz="3600" dirty="0"/>
+          </a:p>
+        </p:txBody>
+      </p:sp>
     </p:spTree>
     <p:extLst>
       <p:ext uri="{BB962C8B-B14F-4D97-AF65-F5344CB8AC3E}">
@@ -8087,12 +10961,27 @@
   <p:clrMapOvr>
     <a:masterClrMapping/>
   </p:clrMapOvr>
+  <p:timing>
+    <p:tnLst>
+      <p:par>
+        <p:cTn id="1" dur="indefinite" restart="never" nodeType="tmRoot"/>
+      </p:par>
+    </p:tnLst>
+  </p:timing>
 </p:sld>
 </file>
 
-<file path=ppt/slides/slide7.xml><?xml version="1.0" encoding="utf-8"?>
+<file path=ppt/slides/slide8.xml><?xml version="1.0" encoding="utf-8"?>
 <p:sld xmlns:a="http://schemas.openxmlformats.org/drawingml/2006/main" xmlns:r="http://schemas.openxmlformats.org/officeDocument/2006/relationships" xmlns:p="http://schemas.openxmlformats.org/presentationml/2006/main">
   <p:cSld>
+    <p:bg>
+      <p:bgPr>
+        <a:solidFill>
+          <a:schemeClr val="bg1"/>
+        </a:solidFill>
+        <a:effectLst/>
+      </p:bgPr>
+    </p:bg>
     <p:spTree>
       <p:nvGrpSpPr>
         <p:cNvPr id="1" name=""/>
@@ -8153,6 +11042,28 @@
           <a:bodyPr/>
           <a:lstStyle/>
           <a:p>
+            <a:r>
+              <a:rPr lang="en-US" dirty="0"/>
+              <a:t>Time of a demise: </a:t>
+            </a:r>
+            <a:r>
+              <a:rPr lang="en-US" dirty="0" smtClean="0"/>
+              <a:t>165 days </a:t>
+            </a:r>
+            <a:r>
+              <a:rPr lang="en-US" dirty="0"/>
+              <a:t>after the observation epoch or June </a:t>
+            </a:r>
+            <a:r>
+              <a:rPr lang="en-US" dirty="0" smtClean="0"/>
+              <a:t>27, </a:t>
+            </a:r>
+            <a:r>
+              <a:rPr lang="en-US" dirty="0"/>
+              <a:t>2018.</a:t>
+            </a:r>
+          </a:p>
+          <a:p>
             <a:endParaRPr lang="en-US" dirty="0"/>
           </a:p>
         </p:txBody>
@@ -8167,12 +11078,27 @@
   <p:clrMapOvr>
     <a:masterClrMapping/>
   </p:clrMapOvr>
+  <p:timing>
+    <p:tnLst>
+      <p:par>
+        <p:cTn id="1" dur="indefinite" restart="never" nodeType="tmRoot"/>
+      </p:par>
+    </p:tnLst>
+  </p:timing>
 </p:sld>
 </file>
 
-<file path=ppt/slides/slide8.xml><?xml version="1.0" encoding="utf-8"?>
+<file path=ppt/slides/slide9.xml><?xml version="1.0" encoding="utf-8"?>
 <p:sld xmlns:a="http://schemas.openxmlformats.org/drawingml/2006/main" xmlns:r="http://schemas.openxmlformats.org/officeDocument/2006/relationships" xmlns:p="http://schemas.openxmlformats.org/presentationml/2006/main">
   <p:cSld>
+    <p:bg>
+      <p:bgPr>
+        <a:solidFill>
+          <a:schemeClr val="bg1"/>
+        </a:solidFill>
+        <a:effectLst/>
+      </p:bgPr>
+    </p:bg>
     <p:spTree>
       <p:nvGrpSpPr>
         <p:cNvPr id="1" name=""/>
@@ -8197,55 +11123,177 @@
             <p:ph type="title"/>
           </p:nvPr>
         </p:nvSpPr>
-        <p:spPr/>
-        <p:txBody>
-          <a:bodyPr/>
+        <p:spPr>
+          <a:xfrm>
+            <a:off x="657224" y="499533"/>
+            <a:ext cx="10772775" cy="861661"/>
+          </a:xfrm>
+        </p:spPr>
+        <p:txBody>
+          <a:bodyPr>
+            <a:normAutofit/>
+          </a:bodyPr>
           <a:lstStyle/>
           <a:p>
             <a:r>
-              <a:rPr lang="en-US" dirty="0" smtClean="0"/>
-              <a:t>Conclusion</a:t>
+              <a:rPr lang="en-US" sz="3600" dirty="0" smtClean="0"/>
+              <a:t>Plots: Gauss’ </a:t>
             </a:r>
-            <a:endParaRPr lang="en-US" dirty="0"/>
-          </a:p>
-        </p:txBody>
-      </p:sp>
-      <p:sp>
-        <p:nvSpPr>
-          <p:cNvPr id="3" name="Content Placeholder 2"/>
-          <p:cNvSpPr>
-            <a:spLocks noGrp="1"/>
-          </p:cNvSpPr>
-          <p:nvPr>
-            <p:ph idx="1"/>
-          </p:nvPr>
-        </p:nvSpPr>
-        <p:spPr/>
-        <p:txBody>
-          <a:bodyPr/>
-          <a:lstStyle/>
-          <a:p>
-            <a:endParaRPr lang="en-US" dirty="0"/>
-          </a:p>
-        </p:txBody>
-      </p:sp>
+            <a:r>
+              <a:rPr lang="en-US" sz="3600" dirty="0" err="1" smtClean="0"/>
+              <a:t>Variational</a:t>
+            </a:r>
+            <a:r>
+              <a:rPr lang="en-US" sz="3600" dirty="0" smtClean="0"/>
+              <a:t> Equations</a:t>
+            </a:r>
+            <a:endParaRPr lang="en-US" sz="3600" dirty="0"/>
+          </a:p>
+        </p:txBody>
+      </p:sp>
+      <p:pic>
+        <p:nvPicPr>
+          <p:cNvPr id="3" name="Picture 2"/>
+          <p:cNvPicPr>
+            <a:picLocks noChangeAspect="1"/>
+          </p:cNvPicPr>
+          <p:nvPr/>
+        </p:nvPicPr>
+        <p:blipFill>
+          <a:blip r:embed="rId3">
+            <a:extLst>
+              <a:ext uri="{28A0092B-C50C-407E-A947-70E740481C1C}">
+                <a14:useLocalDpi xmlns:a14="http://schemas.microsoft.com/office/drawing/2010/main" val="0"/>
+              </a:ext>
+            </a:extLst>
+          </a:blip>
+          <a:stretch>
+            <a:fillRect/>
+          </a:stretch>
+        </p:blipFill>
+        <p:spPr>
+          <a:xfrm>
+            <a:off x="2003874" y="1096492"/>
+            <a:ext cx="3637685" cy="2728264"/>
+          </a:xfrm>
+          <a:prstGeom prst="rect">
+            <a:avLst/>
+          </a:prstGeom>
+        </p:spPr>
+      </p:pic>
+      <p:pic>
+        <p:nvPicPr>
+          <p:cNvPr id="4" name="Picture 3"/>
+          <p:cNvPicPr>
+            <a:picLocks noChangeAspect="1"/>
+          </p:cNvPicPr>
+          <p:nvPr/>
+        </p:nvPicPr>
+        <p:blipFill rotWithShape="1">
+          <a:blip r:embed="rId4">
+            <a:extLst>
+              <a:ext uri="{28A0092B-C50C-407E-A947-70E740481C1C}">
+                <a14:useLocalDpi xmlns:a14="http://schemas.microsoft.com/office/drawing/2010/main" val="0"/>
+              </a:ext>
+            </a:extLst>
+          </a:blip>
+          <a:srcRect l="2517"/>
+          <a:stretch/>
+        </p:blipFill>
+        <p:spPr>
+          <a:xfrm>
+            <a:off x="1976581" y="3824756"/>
+            <a:ext cx="3664977" cy="2819727"/>
+          </a:xfrm>
+          <a:prstGeom prst="rect">
+            <a:avLst/>
+          </a:prstGeom>
+        </p:spPr>
+      </p:pic>
+      <p:pic>
+        <p:nvPicPr>
+          <p:cNvPr id="5" name="Picture 4"/>
+          <p:cNvPicPr>
+            <a:picLocks noChangeAspect="1"/>
+          </p:cNvPicPr>
+          <p:nvPr/>
+        </p:nvPicPr>
+        <p:blipFill>
+          <a:blip r:embed="rId5">
+            <a:extLst>
+              <a:ext uri="{28A0092B-C50C-407E-A947-70E740481C1C}">
+                <a14:useLocalDpi xmlns:a14="http://schemas.microsoft.com/office/drawing/2010/main" val="0"/>
+              </a:ext>
+            </a:extLst>
+          </a:blip>
+          <a:stretch>
+            <a:fillRect/>
+          </a:stretch>
+        </p:blipFill>
+        <p:spPr>
+          <a:xfrm>
+            <a:off x="7244349" y="1096492"/>
+            <a:ext cx="3635525" cy="2728264"/>
+          </a:xfrm>
+          <a:prstGeom prst="rect">
+            <a:avLst/>
+          </a:prstGeom>
+        </p:spPr>
+      </p:pic>
+      <p:pic>
+        <p:nvPicPr>
+          <p:cNvPr id="6" name="Picture 5"/>
+          <p:cNvPicPr>
+            <a:picLocks noChangeAspect="1"/>
+          </p:cNvPicPr>
+          <p:nvPr/>
+        </p:nvPicPr>
+        <p:blipFill>
+          <a:blip r:embed="rId6">
+            <a:extLst>
+              <a:ext uri="{28A0092B-C50C-407E-A947-70E740481C1C}">
+                <a14:useLocalDpi xmlns:a14="http://schemas.microsoft.com/office/drawing/2010/main" val="0"/>
+              </a:ext>
+            </a:extLst>
+          </a:blip>
+          <a:stretch>
+            <a:fillRect/>
+          </a:stretch>
+        </p:blipFill>
+        <p:spPr>
+          <a:xfrm>
+            <a:off x="7217557" y="3824756"/>
+            <a:ext cx="3662317" cy="2746738"/>
+          </a:xfrm>
+          <a:prstGeom prst="rect">
+            <a:avLst/>
+          </a:prstGeom>
+        </p:spPr>
+      </p:pic>
     </p:spTree>
     <p:extLst>
       <p:ext uri="{BB962C8B-B14F-4D97-AF65-F5344CB8AC3E}">
-        <p14:creationId xmlns:p14="http://schemas.microsoft.com/office/powerpoint/2010/main" val="3359355050"/>
+        <p14:creationId xmlns:p14="http://schemas.microsoft.com/office/powerpoint/2010/main" val="3749474658"/>
       </p:ext>
     </p:extLst>
   </p:cSld>
   <p:clrMapOvr>
     <a:masterClrMapping/>
   </p:clrMapOvr>
+  <p:timing>
+    <p:tnLst>
+      <p:par>
+        <p:cTn id="1" dur="indefinite" restart="never" nodeType="tmRoot"/>
+      </p:par>
+    </p:tnLst>
+  </p:timing>
 </p:sld>
 </file>
 
 <file path=ppt/theme/theme1.xml><?xml version="1.0" encoding="utf-8"?>
-<a:theme xmlns:a="http://schemas.openxmlformats.org/drawingml/2006/main" name="Office Theme">
+<a:theme xmlns:a="http://schemas.openxmlformats.org/drawingml/2006/main" name="Headlines">
   <a:themeElements>
-    <a:clrScheme name="Office">
+    <a:clrScheme name="Headlines">
       <a:dk1>
         <a:sysClr val="windowText" lastClr="000000"/>
       </a:dk1>
@@ -8253,52 +11301,52 @@
         <a:sysClr val="window" lastClr="FFFFFF"/>
       </a:lt1>
       <a:dk2>
-        <a:srgbClr val="44546A"/>
+        <a:srgbClr val="1D1A1D"/>
       </a:dk2>
       <a:lt2>
-        <a:srgbClr val="E7E6E6"/>
+        <a:srgbClr val="F5F5F5"/>
       </a:lt2>
       <a:accent1>
-        <a:srgbClr val="5B9BD5"/>
+        <a:srgbClr val="439EB7"/>
       </a:accent1>
       <a:accent2>
-        <a:srgbClr val="ED7D31"/>
+        <a:srgbClr val="E28B55"/>
       </a:accent2>
       <a:accent3>
-        <a:srgbClr val="A5A5A5"/>
+        <a:srgbClr val="DCB64D"/>
       </a:accent3>
       <a:accent4>
-        <a:srgbClr val="FFC000"/>
+        <a:srgbClr val="4CA198"/>
       </a:accent4>
       <a:accent5>
-        <a:srgbClr val="4472C4"/>
+        <a:srgbClr val="835B82"/>
       </a:accent5>
       <a:accent6>
-        <a:srgbClr val="70AD47"/>
+        <a:srgbClr val="645135"/>
       </a:accent6>
       <a:hlink>
-        <a:srgbClr val="0563C1"/>
+        <a:srgbClr val="439EB7"/>
       </a:hlink>
       <a:folHlink>
-        <a:srgbClr val="954F72"/>
+        <a:srgbClr val="835B82"/>
       </a:folHlink>
     </a:clrScheme>
-    <a:fontScheme name="Office">
+    <a:fontScheme name="Headlines">
       <a:majorFont>
-        <a:latin typeface="Calibri Light" panose="020F0302020204030204"/>
+        <a:latin typeface="Century Schoolbook" panose="02040604050505020304"/>
         <a:ea typeface=""/>
         <a:cs typeface=""/>
-        <a:font script="Jpan" typeface="ＭＳ Ｐゴシック"/>
+        <a:font script="Jpan" typeface="メイリオ"/>
         <a:font script="Hang" typeface="맑은 고딕"/>
         <a:font script="Hans" typeface="宋体"/>
         <a:font script="Hant" typeface="新細明體"/>
-        <a:font script="Arab" typeface="Times New Roman"/>
-        <a:font script="Hebr" typeface="Times New Roman"/>
-        <a:font script="Thai" typeface="Angsana New"/>
+        <a:font script="Arab" typeface="Tahoma"/>
+        <a:font script="Hebr" typeface="Gisha"/>
+        <a:font script="Thai" typeface="DilleniaUPC"/>
         <a:font script="Ethi" typeface="Nyala"/>
         <a:font script="Beng" typeface="Vrinda"/>
         <a:font script="Gujr" typeface="Shruti"/>
-        <a:font script="Khmr" typeface="MoolBoran"/>
+        <a:font script="Khmr" typeface="DaunPenh"/>
         <a:font script="Knda" typeface="Tunga"/>
         <a:font script="Guru" typeface="Raavi"/>
         <a:font script="Cans" typeface="Euphemia"/>
@@ -8315,21 +11363,21 @@
         <a:font script="Laoo" typeface="DokChampa"/>
         <a:font script="Sinh" typeface="Iskoola Pota"/>
         <a:font script="Mong" typeface="Mongolian Baiti"/>
-        <a:font script="Viet" typeface="Times New Roman"/>
+        <a:font script="Viet" typeface="Tahoma"/>
         <a:font script="Uigh" typeface="Microsoft Uighur"/>
         <a:font script="Geor" typeface="Sylfaen"/>
       </a:majorFont>
       <a:minorFont>
-        <a:latin typeface="Calibri" panose="020F0502020204030204"/>
+        <a:latin typeface="Corbel" panose="020B0503020204020204"/>
         <a:ea typeface=""/>
         <a:cs typeface=""/>
-        <a:font script="Jpan" typeface="ＭＳ Ｐゴシック"/>
-        <a:font script="Hang" typeface="맑은 고딕"/>
-        <a:font script="Hans" typeface="宋体"/>
+        <a:font script="Jpan" typeface="メイリオ"/>
+        <a:font script="Hang" typeface="HY엽서L"/>
+        <a:font script="Hans" typeface="华文楷体"/>
         <a:font script="Hant" typeface="新細明體"/>
-        <a:font script="Arab" typeface="Arial"/>
-        <a:font script="Hebr" typeface="Arial"/>
-        <a:font script="Thai" typeface="Cordia New"/>
+        <a:font script="Arab" typeface="Tahoma"/>
+        <a:font script="Hebr" typeface="Miriam"/>
+        <a:font script="Thai" typeface="DilleniaUPC"/>
         <a:font script="Ethi" typeface="Nyala"/>
         <a:font script="Beng" typeface="Vrinda"/>
         <a:font script="Gujr" typeface="Shruti"/>
@@ -8355,85 +11403,66 @@
         <a:font script="Geor" typeface="Sylfaen"/>
       </a:minorFont>
     </a:fontScheme>
-    <a:fmtScheme name="Office">
+    <a:fmtScheme name="Headlines">
       <a:fillStyleLst>
         <a:solidFill>
           <a:schemeClr val="phClr"/>
+        </a:solidFill>
+        <a:solidFill>
+          <a:schemeClr val="phClr">
+            <a:tint val="67000"/>
+            <a:satMod val="105000"/>
+          </a:schemeClr>
         </a:solidFill>
         <a:gradFill rotWithShape="1">
           <a:gsLst>
             <a:gs pos="0">
               <a:schemeClr val="phClr">
-                <a:lumMod val="110000"/>
-                <a:satMod val="105000"/>
-                <a:tint val="67000"/>
+                <a:tint val="100000"/>
+                <a:satMod val="103000"/>
+                <a:lumMod val="102000"/>
               </a:schemeClr>
             </a:gs>
             <a:gs pos="50000">
               <a:schemeClr val="phClr">
-                <a:lumMod val="105000"/>
-                <a:satMod val="103000"/>
-                <a:tint val="73000"/>
+                <a:shade val="100000"/>
+                <a:satMod val="110000"/>
+                <a:lumMod val="100000"/>
               </a:schemeClr>
             </a:gs>
             <a:gs pos="100000">
               <a:schemeClr val="phClr">
-                <a:lumMod val="105000"/>
-                <a:satMod val="109000"/>
-                <a:tint val="81000"/>
+                <a:shade val="70000"/>
+                <a:satMod val="120000"/>
+                <a:lumMod val="99000"/>
               </a:schemeClr>
             </a:gs>
           </a:gsLst>
-          <a:lin ang="5400000" scaled="0"/>
-        </a:gradFill>
-        <a:gradFill rotWithShape="1">
-          <a:gsLst>
-            <a:gs pos="0">
-              <a:schemeClr val="phClr">
-                <a:satMod val="103000"/>
-                <a:lumMod val="102000"/>
-                <a:tint val="94000"/>
-              </a:schemeClr>
-            </a:gs>
-            <a:gs pos="50000">
-              <a:schemeClr val="phClr">
-                <a:satMod val="110000"/>
-                <a:lumMod val="100000"/>
-                <a:shade val="100000"/>
-              </a:schemeClr>
-            </a:gs>
-            <a:gs pos="100000">
-              <a:schemeClr val="phClr">
-                <a:lumMod val="99000"/>
-                <a:satMod val="120000"/>
-                <a:shade val="78000"/>
-              </a:schemeClr>
-            </a:gs>
-          </a:gsLst>
-          <a:lin ang="5400000" scaled="0"/>
+          <a:path path="circle">
+            <a:fillToRect l="100000" t="100000" r="100000" b="100000"/>
+          </a:path>
         </a:gradFill>
       </a:fillStyleLst>
       <a:lnStyleLst>
-        <a:ln w="6350" cap="flat" cmpd="sng" algn="ctr">
+        <a:ln w="6350" cap="flat" cmpd="sng" algn="in">
           <a:solidFill>
             <a:schemeClr val="phClr"/>
           </a:solidFill>
           <a:prstDash val="solid"/>
-          <a:miter lim="800000"/>
         </a:ln>
-        <a:ln w="12700" cap="flat" cmpd="sng" algn="ctr">
+        <a:ln w="12700" cap="flat" cmpd="sng" algn="in">
           <a:solidFill>
             <a:schemeClr val="phClr"/>
           </a:solidFill>
           <a:prstDash val="solid"/>
-          <a:miter lim="800000"/>
         </a:ln>
-        <a:ln w="19050" cap="flat" cmpd="sng" algn="ctr">
+        <a:ln w="19050" cap="flat" cmpd="sng" algn="in">
           <a:solidFill>
-            <a:schemeClr val="phClr"/>
+            <a:schemeClr val="phClr">
+              <a:satMod val="150000"/>
+            </a:schemeClr>
           </a:solidFill>
           <a:prstDash val="solid"/>
-          <a:miter lim="800000"/>
         </a:ln>
       </a:lnStyleLst>
       <a:effectStyleLst>
@@ -8445,9 +11474,14 @@
         </a:effectStyle>
         <a:effectStyle>
           <a:effectLst>
-            <a:outerShdw blurRad="57150" dist="19050" dir="5400000" algn="ctr" rotWithShape="0">
+            <a:innerShdw blurRad="88900" dist="25400" dir="10800000">
               <a:srgbClr val="000000">
-                <a:alpha val="63000"/>
+                <a:alpha val="25000"/>
+              </a:srgbClr>
+            </a:innerShdw>
+            <a:outerShdw blurRad="25400" dist="25400" dir="5400000" rotWithShape="0">
+              <a:srgbClr val="FFFFFF">
+                <a:alpha val="10000"/>
               </a:srgbClr>
             </a:outerShdw>
           </a:effectLst>
@@ -8468,16 +11502,16 @@
             <a:gs pos="0">
               <a:schemeClr val="phClr">
                 <a:tint val="93000"/>
+                <a:shade val="98000"/>
                 <a:satMod val="150000"/>
-                <a:shade val="98000"/>
                 <a:lumMod val="102000"/>
               </a:schemeClr>
             </a:gs>
             <a:gs pos="50000">
               <a:schemeClr val="phClr">
                 <a:tint val="98000"/>
+                <a:shade val="90000"/>
                 <a:satMod val="130000"/>
-                <a:shade val="90000"/>
                 <a:lumMod val="103000"/>
               </a:schemeClr>
             </a:gs>
@@ -8497,7 +11531,7 @@
   <a:extraClrSchemeLst/>
   <a:extLst>
     <a:ext uri="{05A4C25C-085E-4340-85A3-A5531E510DB2}">
-      <thm15:themeFamily xmlns:thm15="http://schemas.microsoft.com/office/thememl/2012/main" name="Office Theme" id="{62F939B6-93AF-4DB8-9C6B-D6C7DFDC589F}" vid="{4A3C46E8-61CC-4603-A589-7422A47A8E4A}"/>
+      <thm15:themeFamily xmlns:thm15="http://schemas.microsoft.com/office/thememl/2012/main" name="Headlines" id="{3841520A-25F2-4EB8-BE4C-611DB5ABEED9}" vid="{ECD25A4C-D97E-4C12-84B1-63580BFFAEEB}"/>
     </a:ext>
   </a:extLst>
 </a:theme>
@@ -9026,29 +12060,29 @@
 </file>
 
 <file path=customXml/item1.xml><?xml version="1.0" encoding="utf-8"?>
-<sisl xmlns:xsi="http://www.w3.org/2001/XMLSchema-instance" xmlns:xsd="http://www.w3.org/2001/XMLSchema" xmlns="http://www.boldonjames.com/2008/01/sie/internal/label" sislVersion="0" policy="cde53ac1-bf5f-4aae-9cf1-07509e23a4b0" origin="userSelected"/>
-</file>
-
-<file path=customXml/item2.xml><?xml version="1.0" encoding="utf-8"?>
 <WrappedLabelHistory xmlns:xsi="http://www.w3.org/2001/XMLSchema-instance" xmlns:xsd="http://www.w3.org/2001/XMLSchema" xmlns="http://www.boldonjames.com/2016/02/Classifier/internal/wrappedLabelHistory">
   <Value>PD94bWwgdmVyc2lvbj0iMS4wIiBlbmNvZGluZz0idXMtYXNjaWkiPz48bGFiZWxIaXN0b3J5IHhtbG5zOnhzaT0iaHR0cDovL3d3dy53My5vcmcvMjAwMS9YTUxTY2hlbWEtaW5zdGFuY2UiIHhtbG5zOnhzZD0iaHR0cDovL3d3dy53My5vcmcvMjAwMS9YTUxTY2hlbWEiIHhtbG5zPSJodHRwOi8vd3d3LmJvbGRvbmphbWVzLmNvbS8yMDE2LzAyL0NsYXNzaWZpZXIvaW50ZXJuYWwvbGFiZWxIaXN0b3J5Ij48aXRlbT48c2lzbCBzaXNsVmVyc2lvbj0iMCIgcG9saWN5PSJjZGU1M2FjMS1iZjVmLTRhYWUtOWNmMS0wNzUwOWUyM2E0YjAiIG9yaWdpbj0idXNlclNlbGVjdGVkIiAvPjxVc2VyTmFtZT5VU1x6MTA4OTgyOTwvVXNlck5hbWU+PERhdGVUaW1lPjEwLzI5LzIwMTggMjowNDo1NyBQTTwvRGF0ZVRpbWU+PExhYmVsU3RyaW5nPlRoaXMgYXJ0aWZhY3QgaGFzIG5vIGNsYXNzaWZpY2F0aW9uLjwvTGFiZWxTdHJpbmc+PC9pdGVtPjwvbGFiZWxIaXN0b3J5Pg==</Value>
 </WrappedLabelHistory>
 </file>
 
-<file path=customXml/itemProps1.xml><?xml version="1.0" encoding="utf-8"?>
-<ds:datastoreItem xmlns:ds="http://schemas.openxmlformats.org/officeDocument/2006/customXml" ds:itemID="{AF6E7334-B74F-4269-96F9-7C22409C9EA6}">
-  <ds:schemaRefs>
-    <ds:schemaRef ds:uri="http://www.w3.org/2001/XMLSchema"/>
-    <ds:schemaRef ds:uri="http://www.boldonjames.com/2008/01/sie/internal/label"/>
-  </ds:schemaRefs>
-</ds:datastoreItem>
+<file path=customXml/item2.xml><?xml version="1.0" encoding="utf-8"?>
+<sisl xmlns:xsi="http://www.w3.org/2001/XMLSchema-instance" xmlns:xsd="http://www.w3.org/2001/XMLSchema" xmlns="http://www.boldonjames.com/2008/01/sie/internal/label" sislVersion="0" policy="cde53ac1-bf5f-4aae-9cf1-07509e23a4b0" origin="userSelected"/>
 </file>
 
-<file path=customXml/itemProps2.xml><?xml version="1.0" encoding="utf-8"?>
+<file path=customXml/itemProps1.xml><?xml version="1.0" encoding="utf-8"?>
 <ds:datastoreItem xmlns:ds="http://schemas.openxmlformats.org/officeDocument/2006/customXml" ds:itemID="{8F3D67F1-45F6-45F4-924E-C40296E44607}">
   <ds:schemaRefs>
     <ds:schemaRef ds:uri="http://www.w3.org/2001/XMLSchema"/>
     <ds:schemaRef ds:uri="http://www.boldonjames.com/2016/02/Classifier/internal/wrappedLabelHistory"/>
   </ds:schemaRefs>
 </ds:datastoreItem>
+</file>
+
+<file path=customXml/itemProps2.xml><?xml version="1.0" encoding="utf-8"?>
+<ds:datastoreItem xmlns:ds="http://schemas.openxmlformats.org/officeDocument/2006/customXml" ds:itemID="{CB5D6AA1-B7AF-4B5A-9A13-8D0C90707472}">
+  <ds:schemaRefs>
+    <ds:schemaRef ds:uri="http://www.w3.org/2001/XMLSchema"/>
+    <ds:schemaRef ds:uri="http://www.boldonjames.com/2008/01/sie/internal/label"/>
+  </ds:schemaRefs>
+</ds:datastoreItem>
 </file>
--- a/Presentation_Slides/AME 557 Project 2 Outline.pptx
+++ b/Presentation_Slides/AME 557 Project 2 Outline.pptx
@@ -5,10 +5,10 @@
     <p:sldMasterId id="2147484032" r:id="rId3"/>
   </p:sldMasterIdLst>
   <p:notesMasterIdLst>
-    <p:notesMasterId r:id="rId14"/>
+    <p:notesMasterId r:id="rId13"/>
   </p:notesMasterIdLst>
   <p:handoutMasterIdLst>
-    <p:handoutMasterId r:id="rId15"/>
+    <p:handoutMasterId r:id="rId14"/>
   </p:handoutMasterIdLst>
   <p:sldIdLst>
     <p:sldId id="256" r:id="rId4"/>
@@ -19,8 +19,7 @@
     <p:sldId id="266" r:id="rId9"/>
     <p:sldId id="260" r:id="rId10"/>
     <p:sldId id="263" r:id="rId11"/>
-    <p:sldId id="267" r:id="rId12"/>
-    <p:sldId id="264" r:id="rId13"/>
+    <p:sldId id="264" r:id="rId12"/>
   </p:sldIdLst>
   <p:sldSz cx="12192000" cy="6858000"/>
   <p:notesSz cx="6858000" cy="9144000"/>
@@ -209,7 +208,7 @@
           <a:p>
             <a:fld id="{5161AEA7-BDE3-4933-ABF6-F40A6642C2BA}" type="datetimeFigureOut">
               <a:rPr lang="en-US" smtClean="0"/>
-              <a:t>11/5/2018</a:t>
+              <a:t>11/6/2018</a:t>
             </a:fld>
             <a:endParaRPr lang="en-US"/>
           </a:p>
@@ -374,7 +373,7 @@
           <a:p>
             <a:fld id="{AA723876-049D-4529-81E4-B0DA7F95CC9A}" type="datetimeFigureOut">
               <a:rPr lang="en-US" smtClean="0"/>
-              <a:t>11/5/2018</a:t>
+              <a:t>11/6/2018</a:t>
             </a:fld>
             <a:endParaRPr lang="en-US"/>
           </a:p>
@@ -438,38 +437,37 @@
           <a:p>
             <a:pPr lvl="0"/>
             <a:r>
-              <a:rPr lang="en-US" smtClean="0"/>
+              <a:rPr lang="en-US"/>
               <a:t>Edit Master text styles</a:t>
             </a:r>
           </a:p>
           <a:p>
             <a:pPr lvl="1"/>
             <a:r>
-              <a:rPr lang="en-US" smtClean="0"/>
+              <a:rPr lang="en-US"/>
               <a:t>Second level</a:t>
             </a:r>
           </a:p>
           <a:p>
             <a:pPr lvl="2"/>
             <a:r>
-              <a:rPr lang="en-US" smtClean="0"/>
+              <a:rPr lang="en-US"/>
               <a:t>Third level</a:t>
             </a:r>
           </a:p>
           <a:p>
             <a:pPr lvl="3"/>
             <a:r>
-              <a:rPr lang="en-US" smtClean="0"/>
+              <a:rPr lang="en-US"/>
               <a:t>Fourth level</a:t>
             </a:r>
           </a:p>
           <a:p>
             <a:pPr lvl="4"/>
             <a:r>
-              <a:rPr lang="en-US" smtClean="0"/>
+              <a:rPr lang="en-US"/>
               <a:t>Fifth level</a:t>
             </a:r>
-            <a:endParaRPr lang="en-US"/>
           </a:p>
         </p:txBody>
       </p:sp>
@@ -765,128 +763,6 @@
 </p:notes>
 </file>
 
-<file path=ppt/notesSlides/notesSlide10.xml><?xml version="1.0" encoding="utf-8"?>
-<p:notes xmlns:a="http://schemas.openxmlformats.org/drawingml/2006/main" xmlns:r="http://schemas.openxmlformats.org/officeDocument/2006/relationships" xmlns:p="http://schemas.openxmlformats.org/presentationml/2006/main">
-  <p:cSld>
-    <p:spTree>
-      <p:nvGrpSpPr>
-        <p:cNvPr id="1" name=""/>
-        <p:cNvGrpSpPr/>
-        <p:nvPr/>
-      </p:nvGrpSpPr>
-      <p:grpSpPr>
-        <a:xfrm>
-          <a:off x="0" y="0"/>
-          <a:ext cx="0" cy="0"/>
-          <a:chOff x="0" y="0"/>
-          <a:chExt cx="0" cy="0"/>
-        </a:xfrm>
-      </p:grpSpPr>
-      <p:sp>
-        <p:nvSpPr>
-          <p:cNvPr id="2" name="Slide Image Placeholder 1"/>
-          <p:cNvSpPr>
-            <a:spLocks noGrp="1" noRot="1" noChangeAspect="1"/>
-          </p:cNvSpPr>
-          <p:nvPr>
-            <p:ph type="sldImg"/>
-          </p:nvPr>
-        </p:nvSpPr>
-        <p:spPr/>
-      </p:sp>
-      <p:sp>
-        <p:nvSpPr>
-          <p:cNvPr id="3" name="Notes Placeholder 2"/>
-          <p:cNvSpPr>
-            <a:spLocks noGrp="1"/>
-          </p:cNvSpPr>
-          <p:nvPr>
-            <p:ph type="body" idx="1"/>
-          </p:nvPr>
-        </p:nvSpPr>
-        <p:spPr/>
-        <p:txBody>
-          <a:bodyPr/>
-          <a:lstStyle/>
-          <a:p>
-            <a:endParaRPr lang="en-US"/>
-          </a:p>
-        </p:txBody>
-      </p:sp>
-      <p:sp>
-        <p:nvSpPr>
-          <p:cNvPr id="4" name="Header Placeholder 3"/>
-          <p:cNvSpPr>
-            <a:spLocks noGrp="1"/>
-          </p:cNvSpPr>
-          <p:nvPr>
-            <p:ph type="hdr" sz="quarter" idx="10"/>
-          </p:nvPr>
-        </p:nvSpPr>
-        <p:spPr/>
-        <p:txBody>
-          <a:bodyPr/>
-          <a:lstStyle/>
-          <a:p>
-            <a:endParaRPr lang="en-US"/>
-          </a:p>
-        </p:txBody>
-      </p:sp>
-      <p:sp>
-        <p:nvSpPr>
-          <p:cNvPr id="5" name="Footer Placeholder 4"/>
-          <p:cNvSpPr>
-            <a:spLocks noGrp="1"/>
-          </p:cNvSpPr>
-          <p:nvPr>
-            <p:ph type="ftr" sz="quarter" idx="11"/>
-          </p:nvPr>
-        </p:nvSpPr>
-        <p:spPr/>
-        <p:txBody>
-          <a:bodyPr/>
-          <a:lstStyle/>
-          <a:p>
-            <a:endParaRPr lang="en-US"/>
-          </a:p>
-        </p:txBody>
-      </p:sp>
-      <p:sp>
-        <p:nvSpPr>
-          <p:cNvPr id="6" name="Slide Number Placeholder 5"/>
-          <p:cNvSpPr>
-            <a:spLocks noGrp="1"/>
-          </p:cNvSpPr>
-          <p:nvPr>
-            <p:ph type="sldNum" sz="quarter" idx="12"/>
-          </p:nvPr>
-        </p:nvSpPr>
-        <p:spPr/>
-        <p:txBody>
-          <a:bodyPr/>
-          <a:lstStyle/>
-          <a:p>
-            <a:fld id="{1F2545D6-431F-430E-BE68-C9E074B64D37}" type="slidenum">
-              <a:rPr lang="en-US" smtClean="0"/>
-              <a:t>10</a:t>
-            </a:fld>
-            <a:endParaRPr lang="en-US"/>
-          </a:p>
-        </p:txBody>
-      </p:sp>
-    </p:spTree>
-    <p:extLst>
-      <p:ext uri="{BB962C8B-B14F-4D97-AF65-F5344CB8AC3E}">
-        <p14:creationId xmlns:p14="http://schemas.microsoft.com/office/powerpoint/2010/main" val="2176050424"/>
-      </p:ext>
-    </p:extLst>
-  </p:cSld>
-  <p:clrMapOvr>
-    <a:masterClrMapping/>
-  </p:clrMapOvr>
-</p:notes>
-</file>
-
 <file path=ppt/notesSlides/notesSlide2.xml><?xml version="1.0" encoding="utf-8"?>
 <p:notes xmlns:a="http://schemas.openxmlformats.org/drawingml/2006/main" xmlns:r="http://schemas.openxmlformats.org/officeDocument/2006/relationships" xmlns:p="http://schemas.openxmlformats.org/presentationml/2006/main">
   <p:cSld>
@@ -1853,7 +1729,7 @@
     </p:spTree>
     <p:extLst>
       <p:ext uri="{BB962C8B-B14F-4D97-AF65-F5344CB8AC3E}">
-        <p14:creationId xmlns:p14="http://schemas.microsoft.com/office/powerpoint/2010/main" val="613252800"/>
+        <p14:creationId xmlns:p14="http://schemas.microsoft.com/office/powerpoint/2010/main" val="2176050424"/>
       </p:ext>
     </p:extLst>
   </p:cSld>
@@ -2116,7 +1992,7 @@
           </a:lstStyle>
           <a:p>
             <a:r>
-              <a:rPr lang="en-US" smtClean="0"/>
+              <a:rPr lang="en-US"/>
               <a:t>Click to edit Master title style</a:t>
             </a:r>
             <a:endParaRPr lang="en-US" dirty="0"/>
@@ -2193,7 +2069,7 @@
           </a:lstStyle>
           <a:p>
             <a:r>
-              <a:rPr lang="en-US" smtClean="0"/>
+              <a:rPr lang="en-US"/>
               <a:t>Click to edit Master subtitle style</a:t>
             </a:r>
             <a:endParaRPr lang="en-US" dirty="0"/>
@@ -2230,7 +2106,7 @@
           <a:p>
             <a:fld id="{5CD77D07-8B73-47AA-BA22-D3F09B3009AD}" type="datetimeFigureOut">
               <a:rPr lang="en-US" smtClean="0"/>
-              <a:t>11/5/2018</a:t>
+              <a:t>11/6/2018</a:t>
             </a:fld>
             <a:endParaRPr lang="en-US"/>
           </a:p>
@@ -2396,7 +2272,7 @@
           <a:lstStyle/>
           <a:p>
             <a:r>
-              <a:rPr lang="en-US" smtClean="0"/>
+              <a:rPr lang="en-US"/>
               <a:t>Click to edit Master title style</a:t>
             </a:r>
             <a:endParaRPr lang="en-US" dirty="0"/>
@@ -2425,35 +2301,35 @@
           <a:p>
             <a:pPr lvl="0"/>
             <a:r>
-              <a:rPr lang="en-US" smtClean="0"/>
+              <a:rPr lang="en-US"/>
               <a:t>Edit Master text styles</a:t>
             </a:r>
           </a:p>
           <a:p>
             <a:pPr lvl="1"/>
             <a:r>
-              <a:rPr lang="en-US" smtClean="0"/>
+              <a:rPr lang="en-US"/>
               <a:t>Second level</a:t>
             </a:r>
           </a:p>
           <a:p>
             <a:pPr lvl="2"/>
             <a:r>
-              <a:rPr lang="en-US" smtClean="0"/>
+              <a:rPr lang="en-US"/>
               <a:t>Third level</a:t>
             </a:r>
           </a:p>
           <a:p>
             <a:pPr lvl="3"/>
             <a:r>
-              <a:rPr lang="en-US" smtClean="0"/>
+              <a:rPr lang="en-US"/>
               <a:t>Fourth level</a:t>
             </a:r>
           </a:p>
           <a:p>
             <a:pPr lvl="4"/>
             <a:r>
-              <a:rPr lang="en-US" smtClean="0"/>
+              <a:rPr lang="en-US"/>
               <a:t>Fifth level</a:t>
             </a:r>
             <a:endParaRPr lang="en-US" dirty="0"/>
@@ -2477,7 +2353,7 @@
           <a:p>
             <a:fld id="{5CD77D07-8B73-47AA-BA22-D3F09B3009AD}" type="datetimeFigureOut">
               <a:rPr lang="en-US" smtClean="0"/>
-              <a:t>11/5/2018</a:t>
+              <a:t>11/6/2018</a:t>
             </a:fld>
             <a:endParaRPr lang="en-US"/>
           </a:p>
@@ -2777,7 +2653,7 @@
           </a:lstStyle>
           <a:p>
             <a:r>
-              <a:rPr lang="en-US" smtClean="0"/>
+              <a:rPr lang="en-US"/>
               <a:t>Click to edit Master title style</a:t>
             </a:r>
             <a:endParaRPr lang="en-US" dirty="0"/>
@@ -2806,35 +2682,35 @@
           <a:p>
             <a:pPr lvl="0"/>
             <a:r>
-              <a:rPr lang="en-US" smtClean="0"/>
+              <a:rPr lang="en-US"/>
               <a:t>Edit Master text styles</a:t>
             </a:r>
           </a:p>
           <a:p>
             <a:pPr lvl="1"/>
             <a:r>
-              <a:rPr lang="en-US" smtClean="0"/>
+              <a:rPr lang="en-US"/>
               <a:t>Second level</a:t>
             </a:r>
           </a:p>
           <a:p>
             <a:pPr lvl="2"/>
             <a:r>
-              <a:rPr lang="en-US" smtClean="0"/>
+              <a:rPr lang="en-US"/>
               <a:t>Third level</a:t>
             </a:r>
           </a:p>
           <a:p>
             <a:pPr lvl="3"/>
             <a:r>
-              <a:rPr lang="en-US" smtClean="0"/>
+              <a:rPr lang="en-US"/>
               <a:t>Fourth level</a:t>
             </a:r>
           </a:p>
           <a:p>
             <a:pPr lvl="4"/>
             <a:r>
-              <a:rPr lang="en-US" smtClean="0"/>
+              <a:rPr lang="en-US"/>
               <a:t>Fifth level</a:t>
             </a:r>
             <a:endParaRPr lang="en-US" dirty="0"/>
@@ -2863,7 +2739,7 @@
           <a:p>
             <a:fld id="{5CD77D07-8B73-47AA-BA22-D3F09B3009AD}" type="datetimeFigureOut">
               <a:rPr lang="en-US" smtClean="0"/>
-              <a:t>11/5/2018</a:t>
+              <a:t>11/6/2018</a:t>
             </a:fld>
             <a:endParaRPr lang="en-US"/>
           </a:p>
@@ -3016,7 +2892,7 @@
           <a:lstStyle/>
           <a:p>
             <a:r>
-              <a:rPr lang="en-US" smtClean="0"/>
+              <a:rPr lang="en-US"/>
               <a:t>Click to edit Master title style</a:t>
             </a:r>
             <a:endParaRPr lang="en-US" dirty="0"/>
@@ -3040,35 +2916,35 @@
           <a:p>
             <a:pPr lvl="0"/>
             <a:r>
-              <a:rPr lang="en-US" smtClean="0"/>
+              <a:rPr lang="en-US"/>
               <a:t>Edit Master text styles</a:t>
             </a:r>
           </a:p>
           <a:p>
             <a:pPr lvl="1"/>
             <a:r>
-              <a:rPr lang="en-US" smtClean="0"/>
+              <a:rPr lang="en-US"/>
               <a:t>Second level</a:t>
             </a:r>
           </a:p>
           <a:p>
             <a:pPr lvl="2"/>
             <a:r>
-              <a:rPr lang="en-US" smtClean="0"/>
+              <a:rPr lang="en-US"/>
               <a:t>Third level</a:t>
             </a:r>
           </a:p>
           <a:p>
             <a:pPr lvl="3"/>
             <a:r>
-              <a:rPr lang="en-US" smtClean="0"/>
+              <a:rPr lang="en-US"/>
               <a:t>Fourth level</a:t>
             </a:r>
           </a:p>
           <a:p>
             <a:pPr lvl="4"/>
             <a:r>
-              <a:rPr lang="en-US" smtClean="0"/>
+              <a:rPr lang="en-US"/>
               <a:t>Fifth level</a:t>
             </a:r>
             <a:endParaRPr lang="en-US" dirty="0"/>
@@ -3092,7 +2968,7 @@
           <a:p>
             <a:fld id="{5CD77D07-8B73-47AA-BA22-D3F09B3009AD}" type="datetimeFigureOut">
               <a:rPr lang="en-US" smtClean="0"/>
-              <a:t>11/5/2018</a:t>
+              <a:t>11/6/2018</a:t>
             </a:fld>
             <a:endParaRPr lang="en-US"/>
           </a:p>
@@ -3415,7 +3291,7 @@
           </a:lstStyle>
           <a:p>
             <a:r>
-              <a:rPr lang="en-US" smtClean="0"/>
+              <a:rPr lang="en-US"/>
               <a:t>Click to edit Master title style</a:t>
             </a:r>
             <a:endParaRPr lang="en-US" dirty="0"/>
@@ -3544,7 +3420,7 @@
           <a:p>
             <a:pPr lvl="0"/>
             <a:r>
-              <a:rPr lang="en-US" smtClean="0"/>
+              <a:rPr lang="en-US"/>
               <a:t>Edit Master text styles</a:t>
             </a:r>
           </a:p>
@@ -3583,7 +3459,7 @@
           <a:p>
             <a:fld id="{5CD77D07-8B73-47AA-BA22-D3F09B3009AD}" type="datetimeFigureOut">
               <a:rPr lang="en-US" smtClean="0"/>
-              <a:t>11/5/2018</a:t>
+              <a:t>11/6/2018</a:t>
             </a:fld>
             <a:endParaRPr lang="en-US"/>
           </a:p>
@@ -3755,7 +3631,7 @@
           <a:lstStyle/>
           <a:p>
             <a:r>
-              <a:rPr lang="en-US" smtClean="0"/>
+              <a:rPr lang="en-US"/>
               <a:t>Click to edit Master title style</a:t>
             </a:r>
             <a:endParaRPr lang="en-US" dirty="0"/>
@@ -3784,35 +3660,35 @@
           <a:p>
             <a:pPr lvl="0"/>
             <a:r>
-              <a:rPr lang="en-US" smtClean="0"/>
+              <a:rPr lang="en-US"/>
               <a:t>Edit Master text styles</a:t>
             </a:r>
           </a:p>
           <a:p>
             <a:pPr lvl="1"/>
             <a:r>
-              <a:rPr lang="en-US" smtClean="0"/>
+              <a:rPr lang="en-US"/>
               <a:t>Second level</a:t>
             </a:r>
           </a:p>
           <a:p>
             <a:pPr lvl="2"/>
             <a:r>
-              <a:rPr lang="en-US" smtClean="0"/>
+              <a:rPr lang="en-US"/>
               <a:t>Third level</a:t>
             </a:r>
           </a:p>
           <a:p>
             <a:pPr lvl="3"/>
             <a:r>
-              <a:rPr lang="en-US" smtClean="0"/>
+              <a:rPr lang="en-US"/>
               <a:t>Fourth level</a:t>
             </a:r>
           </a:p>
           <a:p>
             <a:pPr lvl="4"/>
             <a:r>
-              <a:rPr lang="en-US" smtClean="0"/>
+              <a:rPr lang="en-US"/>
               <a:t>Fifth level</a:t>
             </a:r>
             <a:endParaRPr lang="en-US" dirty="0"/>
@@ -3841,35 +3717,35 @@
           <a:p>
             <a:pPr lvl="0"/>
             <a:r>
-              <a:rPr lang="en-US" smtClean="0"/>
+              <a:rPr lang="en-US"/>
               <a:t>Edit Master text styles</a:t>
             </a:r>
           </a:p>
           <a:p>
             <a:pPr lvl="1"/>
             <a:r>
-              <a:rPr lang="en-US" smtClean="0"/>
+              <a:rPr lang="en-US"/>
               <a:t>Second level</a:t>
             </a:r>
           </a:p>
           <a:p>
             <a:pPr lvl="2"/>
             <a:r>
-              <a:rPr lang="en-US" smtClean="0"/>
+              <a:rPr lang="en-US"/>
               <a:t>Third level</a:t>
             </a:r>
           </a:p>
           <a:p>
             <a:pPr lvl="3"/>
             <a:r>
-              <a:rPr lang="en-US" smtClean="0"/>
+              <a:rPr lang="en-US"/>
               <a:t>Fourth level</a:t>
             </a:r>
           </a:p>
           <a:p>
             <a:pPr lvl="4"/>
             <a:r>
-              <a:rPr lang="en-US" smtClean="0"/>
+              <a:rPr lang="en-US"/>
               <a:t>Fifth level</a:t>
             </a:r>
             <a:endParaRPr lang="en-US" dirty="0"/>
@@ -3893,7 +3769,7 @@
           <a:p>
             <a:fld id="{5CD77D07-8B73-47AA-BA22-D3F09B3009AD}" type="datetimeFigureOut">
               <a:rPr lang="en-US" smtClean="0"/>
-              <a:t>11/5/2018</a:t>
+              <a:t>11/6/2018</a:t>
             </a:fld>
             <a:endParaRPr lang="en-US"/>
           </a:p>
@@ -3992,7 +3868,7 @@
           <a:lstStyle/>
           <a:p>
             <a:r>
-              <a:rPr lang="en-US" smtClean="0"/>
+              <a:rPr lang="en-US"/>
               <a:t>Click to edit Master title style</a:t>
             </a:r>
             <a:endParaRPr lang="en-US" dirty="0"/>
@@ -4073,7 +3949,7 @@
           <a:p>
             <a:pPr lvl="0"/>
             <a:r>
-              <a:rPr lang="en-US" smtClean="0"/>
+              <a:rPr lang="en-US"/>
               <a:t>Edit Master text styles</a:t>
             </a:r>
           </a:p>
@@ -4101,35 +3977,35 @@
           <a:p>
             <a:pPr lvl="0"/>
             <a:r>
-              <a:rPr lang="en-US" smtClean="0"/>
+              <a:rPr lang="en-US"/>
               <a:t>Edit Master text styles</a:t>
             </a:r>
           </a:p>
           <a:p>
             <a:pPr lvl="1"/>
             <a:r>
-              <a:rPr lang="en-US" smtClean="0"/>
+              <a:rPr lang="en-US"/>
               <a:t>Second level</a:t>
             </a:r>
           </a:p>
           <a:p>
             <a:pPr lvl="2"/>
             <a:r>
-              <a:rPr lang="en-US" smtClean="0"/>
+              <a:rPr lang="en-US"/>
               <a:t>Third level</a:t>
             </a:r>
           </a:p>
           <a:p>
             <a:pPr lvl="3"/>
             <a:r>
-              <a:rPr lang="en-US" smtClean="0"/>
+              <a:rPr lang="en-US"/>
               <a:t>Fourth level</a:t>
             </a:r>
           </a:p>
           <a:p>
             <a:pPr lvl="4"/>
             <a:r>
-              <a:rPr lang="en-US" smtClean="0"/>
+              <a:rPr lang="en-US"/>
               <a:t>Fifth level</a:t>
             </a:r>
             <a:endParaRPr lang="en-US" dirty="0"/>
@@ -4204,7 +4080,7 @@
           <a:p>
             <a:pPr lvl="0"/>
             <a:r>
-              <a:rPr lang="en-US" smtClean="0"/>
+              <a:rPr lang="en-US"/>
               <a:t>Edit Master text styles</a:t>
             </a:r>
           </a:p>
@@ -4232,35 +4108,35 @@
           <a:p>
             <a:pPr lvl="0"/>
             <a:r>
-              <a:rPr lang="en-US" smtClean="0"/>
+              <a:rPr lang="en-US"/>
               <a:t>Edit Master text styles</a:t>
             </a:r>
           </a:p>
           <a:p>
             <a:pPr lvl="1"/>
             <a:r>
-              <a:rPr lang="en-US" smtClean="0"/>
+              <a:rPr lang="en-US"/>
               <a:t>Second level</a:t>
             </a:r>
           </a:p>
           <a:p>
             <a:pPr lvl="2"/>
             <a:r>
-              <a:rPr lang="en-US" smtClean="0"/>
+              <a:rPr lang="en-US"/>
               <a:t>Third level</a:t>
             </a:r>
           </a:p>
           <a:p>
             <a:pPr lvl="3"/>
             <a:r>
-              <a:rPr lang="en-US" smtClean="0"/>
+              <a:rPr lang="en-US"/>
               <a:t>Fourth level</a:t>
             </a:r>
           </a:p>
           <a:p>
             <a:pPr lvl="4"/>
             <a:r>
-              <a:rPr lang="en-US" smtClean="0"/>
+              <a:rPr lang="en-US"/>
               <a:t>Fifth level</a:t>
             </a:r>
             <a:endParaRPr lang="en-US" dirty="0"/>
@@ -4284,7 +4160,7 @@
           <a:p>
             <a:fld id="{5CD77D07-8B73-47AA-BA22-D3F09B3009AD}" type="datetimeFigureOut">
               <a:rPr lang="en-US" smtClean="0"/>
-              <a:t>11/5/2018</a:t>
+              <a:t>11/6/2018</a:t>
             </a:fld>
             <a:endParaRPr lang="en-US"/>
           </a:p>
@@ -4378,7 +4254,7 @@
           <a:lstStyle/>
           <a:p>
             <a:r>
-              <a:rPr lang="en-US" smtClean="0"/>
+              <a:rPr lang="en-US"/>
               <a:t>Click to edit Master title style</a:t>
             </a:r>
             <a:endParaRPr lang="en-US" dirty="0"/>
@@ -4402,7 +4278,7 @@
           <a:p>
             <a:fld id="{5CD77D07-8B73-47AA-BA22-D3F09B3009AD}" type="datetimeFigureOut">
               <a:rPr lang="en-US" smtClean="0"/>
-              <a:t>11/5/2018</a:t>
+              <a:t>11/6/2018</a:t>
             </a:fld>
             <a:endParaRPr lang="en-US"/>
           </a:p>
@@ -4497,7 +4373,7 @@
           <a:p>
             <a:fld id="{5CD77D07-8B73-47AA-BA22-D3F09B3009AD}" type="datetimeFigureOut">
               <a:rPr lang="en-US" smtClean="0"/>
-              <a:t>11/5/2018</a:t>
+              <a:t>11/6/2018</a:t>
             </a:fld>
             <a:endParaRPr lang="en-US"/>
           </a:p>
@@ -4605,7 +4481,7 @@
           </a:lstStyle>
           <a:p>
             <a:r>
-              <a:rPr lang="en-US" smtClean="0"/>
+              <a:rPr lang="en-US"/>
               <a:t>Click to edit Master title style</a:t>
             </a:r>
             <a:endParaRPr lang="en-US" dirty="0"/>
@@ -4677,35 +4553,35 @@
           <a:p>
             <a:pPr lvl="0"/>
             <a:r>
-              <a:rPr lang="en-US" smtClean="0"/>
+              <a:rPr lang="en-US"/>
               <a:t>Edit Master text styles</a:t>
             </a:r>
           </a:p>
           <a:p>
             <a:pPr lvl="1"/>
             <a:r>
-              <a:rPr lang="en-US" smtClean="0"/>
+              <a:rPr lang="en-US"/>
               <a:t>Second level</a:t>
             </a:r>
           </a:p>
           <a:p>
             <a:pPr lvl="2"/>
             <a:r>
-              <a:rPr lang="en-US" smtClean="0"/>
+              <a:rPr lang="en-US"/>
               <a:t>Third level</a:t>
             </a:r>
           </a:p>
           <a:p>
             <a:pPr lvl="3"/>
             <a:r>
-              <a:rPr lang="en-US" smtClean="0"/>
+              <a:rPr lang="en-US"/>
               <a:t>Fourth level</a:t>
             </a:r>
           </a:p>
           <a:p>
             <a:pPr lvl="4"/>
             <a:r>
-              <a:rPr lang="en-US" smtClean="0"/>
+              <a:rPr lang="en-US"/>
               <a:t>Fifth level</a:t>
             </a:r>
             <a:endParaRPr lang="en-US" dirty="0"/>
@@ -4774,7 +4650,7 @@
           <a:p>
             <a:pPr lvl="0"/>
             <a:r>
-              <a:rPr lang="en-US" smtClean="0"/>
+              <a:rPr lang="en-US"/>
               <a:t>Edit Master text styles</a:t>
             </a:r>
           </a:p>
@@ -4797,7 +4673,7 @@
           <a:p>
             <a:fld id="{5CD77D07-8B73-47AA-BA22-D3F09B3009AD}" type="datetimeFigureOut">
               <a:rPr lang="en-US" smtClean="0"/>
-              <a:t>11/5/2018</a:t>
+              <a:t>11/6/2018</a:t>
             </a:fld>
             <a:endParaRPr lang="en-US"/>
           </a:p>
@@ -4905,7 +4781,7 @@
           </a:lstStyle>
           <a:p>
             <a:r>
-              <a:rPr lang="en-US" smtClean="0"/>
+              <a:rPr lang="en-US"/>
               <a:t>Click to edit Master title style</a:t>
             </a:r>
             <a:endParaRPr lang="en-US" dirty="0"/>
@@ -4970,7 +4846,7 @@
           </a:lstStyle>
           <a:p>
             <a:r>
-              <a:rPr lang="en-US" smtClean="0"/>
+              <a:rPr lang="en-US"/>
               <a:t>Click icon to add picture</a:t>
             </a:r>
             <a:endParaRPr lang="en-US" dirty="0"/>
@@ -5039,7 +4915,7 @@
           <a:p>
             <a:pPr lvl="0"/>
             <a:r>
-              <a:rPr lang="en-US" smtClean="0"/>
+              <a:rPr lang="en-US"/>
               <a:t>Edit Master text styles</a:t>
             </a:r>
           </a:p>
@@ -5062,7 +4938,7 @@
           <a:p>
             <a:fld id="{5CD77D07-8B73-47AA-BA22-D3F09B3009AD}" type="datetimeFigureOut">
               <a:rPr lang="en-US" smtClean="0"/>
-              <a:t>11/5/2018</a:t>
+              <a:t>11/6/2018</a:t>
             </a:fld>
             <a:endParaRPr lang="en-US"/>
           </a:p>
@@ -5374,7 +5250,7 @@
           <a:lstStyle/>
           <a:p>
             <a:r>
-              <a:rPr lang="en-US" smtClean="0"/>
+              <a:rPr lang="en-US"/>
               <a:t>Click to edit Master title style</a:t>
             </a:r>
             <a:endParaRPr lang="en-US" dirty="0"/>
@@ -5408,35 +5284,35 @@
           <a:p>
             <a:pPr lvl="0"/>
             <a:r>
-              <a:rPr lang="en-US" smtClean="0"/>
+              <a:rPr lang="en-US"/>
               <a:t>Edit Master text styles</a:t>
             </a:r>
           </a:p>
           <a:p>
             <a:pPr lvl="1"/>
             <a:r>
-              <a:rPr lang="en-US" smtClean="0"/>
+              <a:rPr lang="en-US"/>
               <a:t>Second level</a:t>
             </a:r>
           </a:p>
           <a:p>
             <a:pPr lvl="2"/>
             <a:r>
-              <a:rPr lang="en-US" smtClean="0"/>
+              <a:rPr lang="en-US"/>
               <a:t>Third level</a:t>
             </a:r>
           </a:p>
           <a:p>
             <a:pPr lvl="3"/>
             <a:r>
-              <a:rPr lang="en-US" smtClean="0"/>
+              <a:rPr lang="en-US"/>
               <a:t>Fourth level</a:t>
             </a:r>
           </a:p>
           <a:p>
             <a:pPr lvl="4"/>
             <a:r>
-              <a:rPr lang="en-US" smtClean="0"/>
+              <a:rPr lang="en-US"/>
               <a:t>Fifth level</a:t>
             </a:r>
             <a:endParaRPr lang="en-US" dirty="0"/>
@@ -5480,7 +5356,7 @@
           <a:p>
             <a:fld id="{5CD77D07-8B73-47AA-BA22-D3F09B3009AD}" type="datetimeFigureOut">
               <a:rPr lang="en-US" smtClean="0"/>
-              <a:t>11/5/2018</a:t>
+              <a:t>11/6/2018</a:t>
             </a:fld>
             <a:endParaRPr lang="en-US"/>
           </a:p>
@@ -5998,15 +5874,14 @@
         <p:spPr/>
         <p:txBody>
           <a:bodyPr>
-            <a:normAutofit fontScale="90000"/>
+            <a:normAutofit/>
           </a:bodyPr>
           <a:lstStyle/>
           <a:p>
             <a:r>
-              <a:rPr lang="en-US" dirty="0" smtClean="0"/>
+              <a:rPr lang="en-US" sz="4400" dirty="0"/>
               <a:t>Orbit Propagation to Determine Satellite’s Demise</a:t>
             </a:r>
-            <a:endParaRPr lang="en-US" dirty="0"/>
           </a:p>
         </p:txBody>
       </p:sp>
@@ -6028,23 +5903,23 @@
           <a:lstStyle/>
           <a:p>
             <a:r>
-              <a:rPr lang="en-US" dirty="0" smtClean="0"/>
+              <a:rPr lang="en-US" dirty="0"/>
               <a:t>Jacob Bailey</a:t>
             </a:r>
           </a:p>
           <a:p>
             <a:r>
-              <a:rPr lang="en-US" dirty="0" smtClean="0"/>
+              <a:rPr lang="en-US" dirty="0"/>
               <a:t>Gus Lee</a:t>
             </a:r>
           </a:p>
           <a:p>
             <a:r>
-              <a:rPr lang="en-US" dirty="0" smtClean="0"/>
+              <a:rPr lang="en-US" dirty="0"/>
               <a:t>Michael </a:t>
             </a:r>
             <a:r>
-              <a:rPr lang="en-US" dirty="0" err="1" smtClean="0"/>
+              <a:rPr lang="en-US" dirty="0" err="1"/>
               <a:t>Lesnewski</a:t>
             </a:r>
             <a:endParaRPr lang="en-US" dirty="0"/>
@@ -6061,200 +5936,6 @@
   <p:clrMapOvr>
     <a:masterClrMapping/>
   </p:clrMapOvr>
-  <p:timing>
-    <p:tnLst>
-      <p:par>
-        <p:cTn id="1" dur="indefinite" restart="never" nodeType="tmRoot"/>
-      </p:par>
-    </p:tnLst>
-  </p:timing>
-</p:sld>
-</file>
-
-<file path=ppt/slides/slide10.xml><?xml version="1.0" encoding="utf-8"?>
-<p:sld xmlns:a="http://schemas.openxmlformats.org/drawingml/2006/main" xmlns:r="http://schemas.openxmlformats.org/officeDocument/2006/relationships" xmlns:p="http://schemas.openxmlformats.org/presentationml/2006/main">
-  <p:cSld>
-    <p:bg>
-      <p:bgPr>
-        <a:solidFill>
-          <a:schemeClr val="bg1"/>
-        </a:solidFill>
-        <a:effectLst/>
-      </p:bgPr>
-    </p:bg>
-    <p:spTree>
-      <p:nvGrpSpPr>
-        <p:cNvPr id="1" name=""/>
-        <p:cNvGrpSpPr/>
-        <p:nvPr/>
-      </p:nvGrpSpPr>
-      <p:grpSpPr>
-        <a:xfrm>
-          <a:off x="0" y="0"/>
-          <a:ext cx="0" cy="0"/>
-          <a:chOff x="0" y="0"/>
-          <a:chExt cx="0" cy="0"/>
-        </a:xfrm>
-      </p:grpSpPr>
-      <p:sp>
-        <p:nvSpPr>
-          <p:cNvPr id="2" name="Title 1"/>
-          <p:cNvSpPr>
-            <a:spLocks noGrp="1"/>
-          </p:cNvSpPr>
-          <p:nvPr>
-            <p:ph type="title"/>
-          </p:nvPr>
-        </p:nvSpPr>
-        <p:spPr/>
-        <p:txBody>
-          <a:bodyPr/>
-          <a:lstStyle/>
-          <a:p>
-            <a:r>
-              <a:rPr lang="en-US" dirty="0" smtClean="0"/>
-              <a:t>Conclusion</a:t>
-            </a:r>
-            <a:endParaRPr lang="en-US" dirty="0"/>
-          </a:p>
-        </p:txBody>
-      </p:sp>
-      <mc:AlternateContent xmlns:mc="http://schemas.openxmlformats.org/markup-compatibility/2006">
-        <mc:Choice xmlns:a14="http://schemas.microsoft.com/office/drawing/2010/main" Requires="a14">
-          <p:sp>
-            <p:nvSpPr>
-              <p:cNvPr id="3" name="Content Placeholder 2"/>
-              <p:cNvSpPr>
-                <a:spLocks noGrp="1"/>
-              </p:cNvSpPr>
-              <p:nvPr>
-                <p:ph idx="1"/>
-              </p:nvPr>
-            </p:nvSpPr>
-            <p:spPr/>
-            <p:txBody>
-              <a:bodyPr/>
-              <a:lstStyle/>
-              <a:p>
-                <a:r>
-                  <a:rPr lang="en-US" dirty="0" smtClean="0"/>
-                  <a:t>Both of propagation methods shows consistency with one another in regards to the predicted date of re-entry of the </a:t>
-                </a:r>
-                <a:r>
-                  <a:rPr lang="en-US" dirty="0" err="1" smtClean="0"/>
-                  <a:t>Tiangong</a:t>
-                </a:r>
-                <a:r>
-                  <a:rPr lang="en-US" dirty="0" smtClean="0"/>
-                  <a:t> 1 (within 2 weeks of each other).</a:t>
-                </a:r>
-              </a:p>
-              <a:p>
-                <a:endParaRPr lang="en-US" dirty="0" smtClean="0"/>
-              </a:p>
-              <a:p>
-                <a:r>
-                  <a:rPr lang="en-US" dirty="0" smtClean="0"/>
-                  <a:t>However, the predicted re-entry dates vary from the actual date of re-entry  by al most 3 months. </a:t>
-                </a:r>
-              </a:p>
-              <a:p>
-                <a:endParaRPr lang="en-US" dirty="0"/>
-              </a:p>
-              <a:p>
-                <a:r>
-                  <a:rPr lang="en-US" dirty="0" smtClean="0"/>
-                  <a:t>It appears that the </a:t>
-                </a:r>
-                <a14:m>
-                  <m:oMath xmlns:m="http://schemas.openxmlformats.org/officeDocument/2006/math">
-                    <m:sSup>
-                      <m:sSupPr>
-                        <m:ctrlPr>
-                          <a:rPr lang="en-US" i="1">
-                            <a:latin typeface="Cambria Math" panose="02040503050406030204" pitchFamily="18" charset="0"/>
-                          </a:rPr>
-                        </m:ctrlPr>
-                      </m:sSupPr>
-                      <m:e>
-                        <m:r>
-                          <a:rPr lang="en-US" i="1">
-                            <a:latin typeface="Cambria Math" panose="02040503050406030204" pitchFamily="18" charset="0"/>
-                          </a:rPr>
-                          <m:t>𝐵</m:t>
-                        </m:r>
-                      </m:e>
-                      <m:sup>
-                        <m:r>
-                          <a:rPr lang="en-US" i="1">
-                            <a:latin typeface="Cambria Math" panose="02040503050406030204" pitchFamily="18" charset="0"/>
-                          </a:rPr>
-                          <m:t>∗</m:t>
-                        </m:r>
-                      </m:sup>
-                    </m:sSup>
-                  </m:oMath>
-                </a14:m>
-                <a:r>
-                  <a:rPr lang="en-US" dirty="0" smtClean="0"/>
-                  <a:t> drag term reported in the TLE data was significantly underestimating the true drag experienced by the spacecraft. </a:t>
-                </a:r>
-                <a:endParaRPr lang="en-US" dirty="0"/>
-              </a:p>
-            </p:txBody>
-          </p:sp>
-        </mc:Choice>
-        <mc:Fallback>
-          <p:sp>
-            <p:nvSpPr>
-              <p:cNvPr id="3" name="Content Placeholder 2"/>
-              <p:cNvSpPr>
-                <a:spLocks noGrp="1" noRot="1" noChangeAspect="1" noMove="1" noResize="1" noEditPoints="1" noAdjustHandles="1" noChangeArrowheads="1" noChangeShapeType="1" noTextEdit="1"/>
-              </p:cNvSpPr>
-              <p:nvPr>
-                <p:ph idx="1"/>
-              </p:nvPr>
-            </p:nvSpPr>
-            <p:spPr>
-              <a:blipFill>
-                <a:blip r:embed="rId3"/>
-                <a:stretch>
-                  <a:fillRect l="-878" t="-216"/>
-                </a:stretch>
-              </a:blipFill>
-            </p:spPr>
-            <p:txBody>
-              <a:bodyPr/>
-              <a:lstStyle/>
-              <a:p>
-                <a:r>
-                  <a:rPr lang="en-US">
-                    <a:noFill/>
-                  </a:rPr>
-                  <a:t> </a:t>
-                </a:r>
-              </a:p>
-            </p:txBody>
-          </p:sp>
-        </mc:Fallback>
-      </mc:AlternateContent>
-    </p:spTree>
-    <p:extLst>
-      <p:ext uri="{BB962C8B-B14F-4D97-AF65-F5344CB8AC3E}">
-        <p14:creationId xmlns:p14="http://schemas.microsoft.com/office/powerpoint/2010/main" val="3359355050"/>
-      </p:ext>
-    </p:extLst>
-  </p:cSld>
-  <p:clrMapOvr>
-    <a:masterClrMapping/>
-  </p:clrMapOvr>
-  <p:timing>
-    <p:tnLst>
-      <p:par>
-        <p:cTn id="1" dur="indefinite" restart="never" nodeType="tmRoot"/>
-      </p:par>
-    </p:tnLst>
-  </p:timing>
 </p:sld>
 </file>
 
@@ -6307,10 +5988,9 @@
           <a:p>
             <a:pPr algn="l"/>
             <a:r>
-              <a:rPr lang="en-US" sz="3600" dirty="0" smtClean="0"/>
+              <a:rPr lang="en-US" sz="3600" dirty="0"/>
               <a:t>Introduction</a:t>
             </a:r>
-            <a:endParaRPr lang="en-US" sz="3600" dirty="0"/>
           </a:p>
         </p:txBody>
       </p:sp>
@@ -6337,88 +6017,63 @@
           <a:lstStyle/>
           <a:p>
             <a:r>
-              <a:rPr lang="en-US" dirty="0" smtClean="0"/>
+              <a:rPr lang="en-US" dirty="0"/>
               <a:t>Background:</a:t>
             </a:r>
           </a:p>
           <a:p>
             <a:pPr lvl="1"/>
             <a:r>
-              <a:rPr lang="en-US" dirty="0" smtClean="0"/>
+              <a:rPr lang="en-US" dirty="0"/>
               <a:t>The Chinese space station </a:t>
             </a:r>
             <a:r>
-              <a:rPr lang="en-US" dirty="0" err="1" smtClean="0"/>
+              <a:rPr lang="en-US" dirty="0" err="1"/>
               <a:t>Tiangong</a:t>
             </a:r>
             <a:r>
-              <a:rPr lang="en-US" dirty="0" smtClean="0"/>
-              <a:t> 1 re-entered the Earths’ atmosphere and fell to its demise on April 2, 2018 over the South Pacific Ocean at 24.5°S 151.1°W. </a:t>
+              <a:rPr lang="en-US" dirty="0"/>
+              <a:t> 1 re-entered the Earth’s atmosphere and fell to its demise on April 2, 2018 over the South Pacific Ocean at 24.5°S 151.1°W. </a:t>
             </a:r>
-            <a:endParaRPr lang="en-US" dirty="0" smtClean="0"/>
           </a:p>
           <a:p>
             <a:endParaRPr lang="en-US" dirty="0"/>
           </a:p>
           <a:p>
             <a:r>
-              <a:rPr lang="en-US" dirty="0" smtClean="0"/>
-              <a:t>Project Objective</a:t>
-            </a:r>
-            <a:r>
-              <a:rPr lang="en-US" dirty="0" smtClean="0"/>
-              <a:t>:</a:t>
+              <a:rPr lang="en-US" dirty="0"/>
+              <a:t>Project Objective:</a:t>
             </a:r>
           </a:p>
           <a:p>
             <a:pPr lvl="1"/>
             <a:r>
-              <a:rPr lang="en-US" dirty="0" smtClean="0"/>
+              <a:rPr lang="en-US" dirty="0"/>
               <a:t>Propagate the orbit of the </a:t>
             </a:r>
             <a:r>
-              <a:rPr lang="en-US" dirty="0" err="1" smtClean="0"/>
+              <a:rPr lang="en-US" dirty="0" err="1"/>
               <a:t>Tiangong</a:t>
             </a:r>
             <a:r>
-              <a:rPr lang="en-US" dirty="0" smtClean="0"/>
-              <a:t> 1 </a:t>
+              <a:rPr lang="en-US" dirty="0"/>
+              <a:t> 1 space station and estimate the lifetime of the space station using both numerical integration of the perturbed </a:t>
             </a:r>
             <a:r>
-              <a:rPr lang="en-US" dirty="0" smtClean="0"/>
-              <a:t>space </a:t>
-            </a:r>
-            <a:r>
-              <a:rPr lang="en-US" dirty="0" smtClean="0"/>
-              <a:t>station and estimate the lifetime of the space station using both numerical integration of the perturbed </a:t>
-            </a:r>
-            <a:r>
-              <a:rPr lang="en-US" dirty="0" err="1" smtClean="0"/>
+              <a:rPr lang="en-US" dirty="0" err="1"/>
               <a:t>Keplarian</a:t>
             </a:r>
             <a:r>
-              <a:rPr lang="en-US" dirty="0" smtClean="0"/>
-              <a:t> equations of motion and the averaged </a:t>
+              <a:rPr lang="en-US" dirty="0"/>
+              <a:t> equations of motion and the averaged Gauss’ variational equations.</a:t>
             </a:r>
-            <a:r>
-              <a:rPr lang="en-US" dirty="0" smtClean="0"/>
-              <a:t>Gauss’ </a:t>
-            </a:r>
-            <a:r>
-              <a:rPr lang="en-US" dirty="0" err="1" smtClean="0"/>
-              <a:t>variational</a:t>
-            </a:r>
-            <a:r>
-              <a:rPr lang="en-US" dirty="0" smtClean="0"/>
-              <a:t> equations.</a:t>
-            </a:r>
           </a:p>
           <a:p>
             <a:pPr lvl="1"/>
-            <a:endParaRPr lang="en-US" dirty="0" smtClean="0"/>
-          </a:p>
-          <a:p>
-            <a:endParaRPr lang="en-US" sz="2400" dirty="0" smtClean="0"/>
+            <a:endParaRPr lang="en-US" dirty="0"/>
+          </a:p>
+          <a:p>
+            <a:endParaRPr lang="en-US" sz="2400" dirty="0"/>
           </a:p>
         </p:txBody>
       </p:sp>
@@ -6445,12 +6100,8 @@
           <a:lstStyle/>
           <a:p>
             <a:r>
-              <a:rPr lang="en-US" sz="800" dirty="0" smtClean="0"/>
-              <a:t>Source: https</a:t>
-            </a:r>
-            <a:r>
               <a:rPr lang="en-US" sz="800" dirty="0"/>
-              <a:t>://news.sky.com/story/chinese-space-lab-tiangong-1-re-enters-earths-atmosphere-11313548</a:t>
+              <a:t>Source: https://news.sky.com/story/chinese-space-lab-tiangong-1-re-enters-earths-atmosphere-11313548</a:t>
             </a:r>
           </a:p>
         </p:txBody>
@@ -6506,13 +6157,6 @@
   <p:clrMapOvr>
     <a:masterClrMapping/>
   </p:clrMapOvr>
-  <p:timing>
-    <p:tnLst>
-      <p:par>
-        <p:cTn id="1" dur="indefinite" restart="never" nodeType="tmRoot"/>
-      </p:par>
-    </p:tnLst>
-  </p:timing>
 </p:sld>
 </file>
 
@@ -6559,10 +6203,9 @@
           <a:lstStyle/>
           <a:p>
             <a:r>
-              <a:rPr lang="en-US" sz="3600" dirty="0" smtClean="0"/>
+              <a:rPr lang="en-US" sz="3600" dirty="0"/>
               <a:t>Initial Conditions for Orbit Propagation</a:t>
             </a:r>
-            <a:endParaRPr lang="en-US" sz="3600" dirty="0"/>
           </a:p>
         </p:txBody>
       </p:sp>
@@ -6581,19 +6224,26 @@
             <p:spPr/>
             <p:txBody>
               <a:bodyPr>
-                <a:normAutofit fontScale="92500" lnSpcReduction="20000"/>
+                <a:normAutofit fontScale="85000" lnSpcReduction="10000"/>
               </a:bodyPr>
               <a:lstStyle/>
               <a:p>
                 <a:r>
-                  <a:rPr lang="en-US" dirty="0" smtClean="0"/>
+                  <a:rPr lang="en-US" dirty="0"/>
                   <a:t>The initial conditions used for the numerical integration are based on an epoch Julian date of 2458130.58298365 or January 12, 2018.</a:t>
                 </a:r>
               </a:p>
               <a:p>
-                <a:endParaRPr lang="en-US" dirty="0" smtClean="0"/>
+                <a:endParaRPr lang="en-US" dirty="0"/>
               </a:p>
               <a:p>
+                <a:r>
+                  <a:rPr lang="en-US" dirty="0"/>
+                  <a:t>Orbital Elements at epoch time:</a:t>
+                </a:r>
+              </a:p>
+              <a:p>
+                <a:pPr lvl="1"/>
                 <a14:m>
                   <m:oMath xmlns:m="http://schemas.openxmlformats.org/officeDocument/2006/math">
                     <m:d>
@@ -6895,164 +6545,7 @@
                     </m:d>
                   </m:oMath>
                 </a14:m>
-                <a:r>
-                  <a:rPr lang="en-US" dirty="0" smtClean="0"/>
-                  <a:t>   </a:t>
-                </a:r>
-                <a14:m>
-                  <m:oMath xmlns:m="http://schemas.openxmlformats.org/officeDocument/2006/math">
-                    <m:d>
-                      <m:dPr>
-                        <m:begChr m:val="["/>
-                        <m:endChr m:val="]"/>
-                        <m:ctrlPr>
-                          <a:rPr lang="en-US" i="1" dirty="0" smtClean="0">
-                            <a:latin typeface="Cambria Math" panose="02040503050406030204" pitchFamily="18" charset="0"/>
-                          </a:rPr>
-                        </m:ctrlPr>
-                      </m:dPr>
-                      <m:e>
-                        <m:m>
-                          <m:mPr>
-                            <m:mcs>
-                              <m:mc>
-                                <m:mcPr>
-                                  <m:count m:val="1"/>
-                                  <m:mcJc m:val="center"/>
-                                </m:mcPr>
-                              </m:mc>
-                            </m:mcs>
-                            <m:ctrlPr>
-                              <a:rPr lang="en-US" i="1" dirty="0" smtClean="0">
-                                <a:latin typeface="Cambria Math" panose="02040503050406030204" pitchFamily="18" charset="0"/>
-                              </a:rPr>
-                            </m:ctrlPr>
-                          </m:mPr>
-                          <m:mr>
-                            <m:e>
-                              <m:r>
-                                <m:rPr>
-                                  <m:brk m:alnAt="7"/>
-                                </m:rPr>
-                                <a:rPr lang="en-US" b="0" i="1" dirty="0" smtClean="0">
-                                  <a:latin typeface="Cambria Math" panose="02040503050406030204" pitchFamily="18" charset="0"/>
-                                </a:rPr>
-                                <m:t>𝑟</m:t>
-                              </m:r>
-                            </m:e>
-                          </m:mr>
-                          <m:mr>
-                            <m:e>
-                              <m:r>
-                                <a:rPr lang="en-US" b="0" i="1" dirty="0" smtClean="0">
-                                  <a:latin typeface="Cambria Math" panose="02040503050406030204" pitchFamily="18" charset="0"/>
-                                </a:rPr>
-                                <m:t>𝑣</m:t>
-                              </m:r>
-                            </m:e>
-                          </m:mr>
-                        </m:m>
-                      </m:e>
-                    </m:d>
-                    <m:r>
-                      <a:rPr lang="en-US" b="0" i="1" dirty="0" smtClean="0">
-                        <a:latin typeface="Cambria Math" panose="02040503050406030204" pitchFamily="18" charset="0"/>
-                      </a:rPr>
-                      <m:t>=</m:t>
-                    </m:r>
-                    <m:d>
-                      <m:dPr>
-                        <m:begChr m:val="["/>
-                        <m:endChr m:val="]"/>
-                        <m:ctrlPr>
-                          <a:rPr lang="en-US" b="0" i="1" dirty="0" smtClean="0">
-                            <a:latin typeface="Cambria Math" panose="02040503050406030204" pitchFamily="18" charset="0"/>
-                          </a:rPr>
-                        </m:ctrlPr>
-                      </m:dPr>
-                      <m:e>
-                        <m:m>
-                          <m:mPr>
-                            <m:mcs>
-                              <m:mc>
-                                <m:mcPr>
-                                  <m:count m:val="1"/>
-                                  <m:mcJc m:val="center"/>
-                                </m:mcPr>
-                              </m:mc>
-                            </m:mcs>
-                            <m:ctrlPr>
-                              <a:rPr lang="en-US" b="0" i="1" dirty="0" smtClean="0">
-                                <a:latin typeface="Cambria Math" panose="02040503050406030204" pitchFamily="18" charset="0"/>
-                              </a:rPr>
-                            </m:ctrlPr>
-                          </m:mPr>
-                          <m:mr>
-                            <m:e>
-                              <m:m>
-                                <m:mPr>
-                                  <m:mcs>
-                                    <m:mc>
-                                      <m:mcPr>
-                                        <m:count m:val="1"/>
-                                        <m:mcJc m:val="center"/>
-                                      </m:mcPr>
-                                    </m:mc>
-                                  </m:mcs>
-                                  <m:ctrlPr>
-                                    <a:rPr lang="en-US" b="0" i="1" dirty="0" smtClean="0">
-                                      <a:latin typeface="Cambria Math" panose="02040503050406030204" pitchFamily="18" charset="0"/>
-                                    </a:rPr>
-                                  </m:ctrlPr>
-                                </m:mPr>
-                                <m:mr>
-                                  <m:e/>
-                                </m:mr>
-                                <m:mr>
-                                  <m:e/>
-                                </m:mr>
-                                <m:mr>
-                                  <m:e/>
-                                </m:mr>
-                              </m:m>
-                            </m:e>
-                          </m:mr>
-                          <m:mr>
-                            <m:e>
-                              <m:m>
-                                <m:mPr>
-                                  <m:mcs>
-                                    <m:mc>
-                                      <m:mcPr>
-                                        <m:count m:val="1"/>
-                                        <m:mcJc m:val="center"/>
-                                      </m:mcPr>
-                                    </m:mc>
-                                  </m:mcs>
-                                  <m:ctrlPr>
-                                    <a:rPr lang="en-US" b="0" i="1" dirty="0" smtClean="0">
-                                      <a:latin typeface="Cambria Math" panose="02040503050406030204" pitchFamily="18" charset="0"/>
-                                    </a:rPr>
-                                  </m:ctrlPr>
-                                </m:mPr>
-                                <m:mr>
-                                  <m:e/>
-                                </m:mr>
-                                <m:mr>
-                                  <m:e/>
-                                </m:mr>
-                                <m:mr>
-                                  <m:e/>
-                                </m:mr>
-                              </m:m>
-                            </m:e>
-                          </m:mr>
-                        </m:m>
-                      </m:e>
-                    </m:d>
-                  </m:oMath>
-                </a14:m>
-                <a:endParaRPr lang="en-US" dirty="0" smtClean="0"/>
+                <a:endParaRPr lang="en-US" dirty="0"/>
               </a:p>
               <a:p>
                 <a:endParaRPr lang="en-US" dirty="0"/>
@@ -7105,12 +6598,12 @@
                     </m:r>
                   </m:oMath>
                 </a14:m>
-                <a:endParaRPr lang="en-US" dirty="0" smtClean="0"/>
+                <a:endParaRPr lang="en-US" dirty="0"/>
               </a:p>
               <a:p>
                 <a:pPr lvl="1"/>
                 <a:r>
-                  <a:rPr lang="en-US" dirty="0" smtClean="0"/>
+                  <a:rPr lang="en-US" dirty="0"/>
                   <a:t>Ballistic Coefficient = 1/12.741621/</a:t>
                 </a:r>
                 <a14:m>
@@ -7143,10 +6636,9 @@
                   </m:oMath>
                 </a14:m>
                 <a:r>
-                  <a:rPr lang="en-US" dirty="0" smtClean="0"/>
+                  <a:rPr lang="en-US" dirty="0"/>
                   <a:t> kg/m²</a:t>
                 </a:r>
-                <a:endParaRPr lang="en-US" dirty="0" smtClean="0"/>
               </a:p>
               <a:p>
                 <a:pPr lvl="1"/>
@@ -7179,7 +6671,7 @@
               <a:blipFill>
                 <a:blip r:embed="rId3"/>
                 <a:stretch>
-                  <a:fillRect l="-683" t="-970" r="-780"/>
+                  <a:fillRect l="-488" t="-323"/>
                 </a:stretch>
               </a:blipFill>
             </p:spPr>
@@ -7208,13 +6700,6 @@
   <p:clrMapOvr>
     <a:masterClrMapping/>
   </p:clrMapOvr>
-  <p:timing>
-    <p:tnLst>
-      <p:par>
-        <p:cTn id="1" dur="indefinite" restart="never" nodeType="tmRoot"/>
-      </p:par>
-    </p:tnLst>
-  </p:timing>
 </p:sld>
 </file>
 
@@ -7261,18 +6746,17 @@
           <a:lstStyle/>
           <a:p>
             <a:r>
-              <a:rPr lang="en-US" sz="3600" dirty="0" smtClean="0"/>
+              <a:rPr lang="en-US" sz="3600" dirty="0"/>
               <a:t>Orbit Propagation using </a:t>
             </a:r>
             <a:r>
-              <a:rPr lang="en-US" sz="3600" dirty="0" err="1" smtClean="0"/>
+              <a:rPr lang="en-US" sz="3600" dirty="0" err="1"/>
               <a:t>Keplerian</a:t>
             </a:r>
             <a:r>
-              <a:rPr lang="en-US" sz="3600" dirty="0" smtClean="0"/>
+              <a:rPr lang="en-US" sz="3600" dirty="0"/>
               <a:t> Equations of Motion</a:t>
             </a:r>
-            <a:endParaRPr lang="en-US" sz="3600" dirty="0"/>
           </a:p>
         </p:txBody>
       </p:sp>
@@ -7296,36 +6780,20 @@
               <a:lstStyle/>
               <a:p>
                 <a:r>
-                  <a:rPr lang="en-US" dirty="0" smtClean="0"/>
-                  <a:t>The perturbed </a:t>
+                  <a:rPr lang="en-US" dirty="0"/>
+                  <a:t>The perturbed Keplerian equations of motion were numerically integrated in Python™ using the Runge-</a:t>
                 </a:r>
                 <a:r>
-                  <a:rPr lang="en-US" dirty="0" err="1" smtClean="0"/>
-                  <a:t>Keplerian</a:t>
+                  <a:rPr lang="en-US" dirty="0" err="1"/>
+                  <a:t>Kutta</a:t>
                 </a:r>
                 <a:r>
-                  <a:rPr lang="en-US" dirty="0" smtClean="0"/>
-                  <a:t> equations of motion are numerically </a:t>
-                </a:r>
-                <a:r>
-                  <a:rPr lang="en-US" dirty="0" smtClean="0"/>
-                  <a:t>integrated in Python™ </a:t>
-                </a:r>
-                <a:r>
-                  <a:rPr lang="en-US" dirty="0" smtClean="0"/>
-                  <a:t>using the </a:t>
-                </a:r>
-                <a:r>
-                  <a:rPr lang="en-US" dirty="0" err="1" smtClean="0"/>
-                  <a:t>Runge-Kutta</a:t>
-                </a:r>
-                <a:r>
-                  <a:rPr lang="en-US" dirty="0" smtClean="0"/>
+                  <a:rPr lang="en-US" dirty="0"/>
                   <a:t> method (RK4).</a:t>
                 </a:r>
               </a:p>
               <a:p>
-                <a:endParaRPr lang="en-US" dirty="0" smtClean="0"/>
+                <a:endParaRPr lang="en-US" dirty="0"/>
               </a:p>
               <a:p>
                 <a:endParaRPr lang="en-US" dirty="0"/>
@@ -7335,7 +6803,7 @@
                   <a:buNone/>
                 </a:pPr>
                 <a:r>
-                  <a:rPr lang="en-US" sz="2200" b="1" dirty="0" smtClean="0"/>
+                  <a:rPr lang="en-US" sz="2200" b="1" dirty="0"/>
                   <a:t>Equations of Motion:</a:t>
                 </a:r>
               </a:p>
@@ -8273,13 +7741,6 @@
   <p:clrMapOvr>
     <a:masterClrMapping/>
   </p:clrMapOvr>
-  <p:timing>
-    <p:tnLst>
-      <p:par>
-        <p:cTn id="1" dur="indefinite" restart="never" nodeType="tmRoot"/>
-      </p:par>
-    </p:tnLst>
-  </p:timing>
 </p:sld>
 </file>
 
@@ -8331,24 +7792,25 @@
           <a:lstStyle/>
           <a:p>
             <a:r>
-              <a:rPr lang="en-US" dirty="0" smtClean="0"/>
+              <a:rPr lang="en-US" dirty="0"/>
               <a:t>Time of a demise: 153 days after the observation epoch or June 14, 2018.</a:t>
             </a:r>
           </a:p>
           <a:p>
-            <a:endParaRPr lang="en-US" dirty="0" smtClean="0"/>
+            <a:pPr lvl="1"/>
+            <a:r>
+              <a:rPr lang="en-US" dirty="0"/>
+              <a:t>73 day difference from actual re-entry date.</a:t>
+            </a:r>
           </a:p>
           <a:p>
             <a:endParaRPr lang="en-US" dirty="0"/>
           </a:p>
           <a:p>
-            <a:endParaRPr lang="en-US" dirty="0" smtClean="0"/>
-          </a:p>
-          <a:p>
-            <a:pPr marL="0" indent="0">
-              <a:buNone/>
-            </a:pPr>
-            <a:endParaRPr lang="en-US" dirty="0" smtClean="0"/>
+            <a:endParaRPr lang="en-US" dirty="0"/>
+          </a:p>
+          <a:p>
+            <a:endParaRPr lang="en-US" dirty="0"/>
           </a:p>
           <a:p>
             <a:pPr marL="0" indent="0">
@@ -8360,7 +7822,7 @@
             <a:pPr marL="0" indent="0">
               <a:buNone/>
             </a:pPr>
-            <a:endParaRPr lang="en-US" dirty="0" smtClean="0"/>
+            <a:endParaRPr lang="en-US" dirty="0"/>
           </a:p>
           <a:p>
             <a:pPr marL="0" indent="0">
@@ -8369,14 +7831,25 @@
             <a:endParaRPr lang="en-US" dirty="0"/>
           </a:p>
           <a:p>
+            <a:pPr marL="0" indent="0">
+              <a:buNone/>
+            </a:pPr>
+            <a:endParaRPr lang="en-US" dirty="0"/>
+          </a:p>
+          <a:p>
+            <a:pPr marL="0" indent="0">
+              <a:buNone/>
+            </a:pPr>
+            <a:endParaRPr lang="en-US" dirty="0"/>
+          </a:p>
+          <a:p>
             <a:r>
-              <a:rPr lang="en-US" dirty="0" smtClean="0"/>
+              <a:rPr lang="en-US" dirty="0"/>
               <a:t>This puts the calculated crash site to be in the North Pacific, about 100 miles northwest of Hawaii. </a:t>
             </a:r>
+          </a:p>
+          <a:p>
             <a:endParaRPr lang="en-US" dirty="0"/>
-          </a:p>
-          <a:p>
-            <a:endParaRPr lang="en-US" dirty="0" smtClean="0"/>
           </a:p>
         </p:txBody>
       </p:sp>
@@ -8389,14 +7862,14 @@
           <p:nvPr>
             <p:extLst>
               <p:ext uri="{D42A27DB-BD31-4B8C-83A1-F6EECF244321}">
-                <p14:modId xmlns:p14="http://schemas.microsoft.com/office/powerpoint/2010/main" val="2505615334"/>
+                <p14:modId xmlns:p14="http://schemas.microsoft.com/office/powerpoint/2010/main" val="4290395314"/>
               </p:ext>
             </p:extLst>
           </p:nvPr>
         </p:nvGraphicFramePr>
         <p:xfrm>
-          <a:off x="4981983" y="3305468"/>
-          <a:ext cx="5356154" cy="1112520"/>
+          <a:off x="4981983" y="3793748"/>
+          <a:ext cx="3731956" cy="1112520"/>
         </p:xfrm>
         <a:graphic>
           <a:graphicData uri="http://schemas.openxmlformats.org/drawingml/2006/table">
@@ -8405,21 +7878,21 @@
                 <a:tableStyleId>{5940675A-B579-460E-94D1-54222C63F5DA}</a:tableStyleId>
               </a:tblPr>
               <a:tblGrid>
-                <a:gridCol w="1442076">
+                <a:gridCol w="984147">
                   <a:extLst>
                     <a:ext uri="{9D8B030D-6E8A-4147-A177-3AD203B41FA5}">
                       <a16:colId xmlns:a16="http://schemas.microsoft.com/office/drawing/2014/main" val="1785865632"/>
                     </a:ext>
                   </a:extLst>
                 </a:gridCol>
-                <a:gridCol w="1761892">
+                <a:gridCol w="1221013">
                   <a:extLst>
                     <a:ext uri="{9D8B030D-6E8A-4147-A177-3AD203B41FA5}">
                       <a16:colId xmlns:a16="http://schemas.microsoft.com/office/drawing/2014/main" val="2288258724"/>
                     </a:ext>
                   </a:extLst>
                 </a:gridCol>
-                <a:gridCol w="2152186">
+                <a:gridCol w="1526796">
                   <a:extLst>
                     <a:ext uri="{9D8B030D-6E8A-4147-A177-3AD203B41FA5}">
                       <a16:colId xmlns:a16="http://schemas.microsoft.com/office/drawing/2014/main" val="2988336274"/>
@@ -8435,18 +7908,17 @@
                     <a:p>
                       <a:pPr algn="ctr"/>
                       <a:r>
-                        <a:rPr lang="en-US" dirty="0" smtClean="0"/>
+                        <a:rPr lang="en-US" dirty="0"/>
                         <a:t>Calculated</a:t>
                       </a:r>
                       <a:r>
-                        <a:rPr lang="en-US" baseline="0" dirty="0" smtClean="0"/>
+                        <a:rPr lang="en-US" baseline="0" dirty="0"/>
                         <a:t> </a:t>
                       </a:r>
                       <a:r>
-                        <a:rPr lang="en-US" dirty="0" smtClean="0"/>
+                        <a:rPr lang="en-US" dirty="0"/>
                         <a:t>Crash Site Location</a:t>
                       </a:r>
-                      <a:endParaRPr lang="en-US" dirty="0"/>
                     </a:p>
                   </a:txBody>
                   <a:tcPr anchor="ctr"/>
@@ -8484,10 +7956,9 @@
                     <a:lstStyle/>
                     <a:p>
                       <a:r>
-                        <a:rPr lang="en-US" dirty="0" smtClean="0"/>
+                        <a:rPr lang="en-US" dirty="0"/>
                         <a:t>Latitude</a:t>
                       </a:r>
-                      <a:endParaRPr lang="en-US" dirty="0"/>
                     </a:p>
                   </a:txBody>
                   <a:tcPr/>
@@ -8498,10 +7969,9 @@
                     <a:lstStyle/>
                     <a:p>
                       <a:r>
-                        <a:rPr lang="en-US" dirty="0" smtClean="0"/>
+                        <a:rPr lang="en-US" dirty="0"/>
                         <a:t>Longitude</a:t>
                       </a:r>
-                      <a:endParaRPr lang="en-US" dirty="0"/>
                     </a:p>
                   </a:txBody>
                   <a:tcPr/>
@@ -8512,10 +7982,9 @@
                     <a:lstStyle/>
                     <a:p>
                       <a:r>
-                        <a:rPr lang="en-US" dirty="0" smtClean="0"/>
+                        <a:rPr lang="en-US" dirty="0"/>
                         <a:t>Altitude (km)</a:t>
                       </a:r>
-                      <a:endParaRPr lang="en-US" dirty="0"/>
                     </a:p>
                   </a:txBody>
                   <a:tcPr/>
@@ -8533,10 +8002,9 @@
                     <a:lstStyle/>
                     <a:p>
                       <a:r>
-                        <a:rPr lang="en-US" dirty="0" smtClean="0"/>
+                        <a:rPr lang="en-US" dirty="0"/>
                         <a:t>35.617</a:t>
                       </a:r>
-                      <a:endParaRPr lang="en-US" dirty="0"/>
                     </a:p>
                   </a:txBody>
                   <a:tcPr/>
@@ -8547,10 +8015,9 @@
                     <a:lstStyle/>
                     <a:p>
                       <a:r>
-                        <a:rPr lang="en-US" dirty="0" smtClean="0"/>
+                        <a:rPr lang="en-US" dirty="0"/>
                         <a:t>-176.056</a:t>
                       </a:r>
-                      <a:endParaRPr lang="en-US" dirty="0"/>
                     </a:p>
                   </a:txBody>
                   <a:tcPr/>
@@ -8561,10 +8028,9 @@
                     <a:lstStyle/>
                     <a:p>
                       <a:r>
-                        <a:rPr lang="en-US" dirty="0" smtClean="0"/>
+                        <a:rPr lang="en-US" dirty="0"/>
                         <a:t>7186.99</a:t>
                       </a:r>
-                      <a:endParaRPr lang="en-US" dirty="0"/>
                     </a:p>
                   </a:txBody>
                   <a:tcPr/>
@@ -8588,13 +8054,13 @@
           <p:nvPr>
             <p:extLst>
               <p:ext uri="{D42A27DB-BD31-4B8C-83A1-F6EECF244321}">
-                <p14:modId xmlns:p14="http://schemas.microsoft.com/office/powerpoint/2010/main" val="4125790089"/>
+                <p14:modId xmlns:p14="http://schemas.microsoft.com/office/powerpoint/2010/main" val="3856780525"/>
               </p:ext>
             </p:extLst>
           </p:nvPr>
         </p:nvGraphicFramePr>
         <p:xfrm>
-          <a:off x="4981983" y="1400911"/>
+          <a:off x="4981983" y="2019300"/>
           <a:ext cx="2717800" cy="1409700"/>
         </p:xfrm>
         <a:graphic>
@@ -9150,21 +8616,50 @@
           </a:lstStyle>
           <a:p>
             <a:r>
-              <a:rPr lang="en-US" sz="3600" dirty="0" smtClean="0"/>
+              <a:rPr lang="en-US" sz="3600" dirty="0"/>
               <a:t>Results: Numerical Integration of  </a:t>
             </a:r>
             <a:r>
-              <a:rPr lang="en-US" sz="3600" dirty="0" err="1" smtClean="0"/>
+              <a:rPr lang="en-US" sz="3600" dirty="0" err="1"/>
               <a:t>Keplerian</a:t>
             </a:r>
             <a:r>
-              <a:rPr lang="en-US" sz="3600" dirty="0" smtClean="0"/>
+              <a:rPr lang="en-US" sz="3600" dirty="0"/>
               <a:t> Equations</a:t>
             </a:r>
-            <a:endParaRPr lang="en-US" sz="3600" dirty="0"/>
-          </a:p>
-        </p:txBody>
-      </p:sp>
+          </a:p>
+        </p:txBody>
+      </p:sp>
+      <p:pic>
+        <p:nvPicPr>
+          <p:cNvPr id="2" name="Picture 1">
+            <a:extLst>
+              <a:ext uri="{FF2B5EF4-FFF2-40B4-BE49-F238E27FC236}">
+                <a16:creationId xmlns:a16="http://schemas.microsoft.com/office/drawing/2014/main" id="{539A05FB-D769-4390-8663-6BD0FD77FFCB}"/>
+              </a:ext>
+            </a:extLst>
+          </p:cNvPr>
+          <p:cNvPicPr>
+            <a:picLocks noChangeAspect="1"/>
+          </p:cNvPicPr>
+          <p:nvPr/>
+        </p:nvPicPr>
+        <p:blipFill>
+          <a:blip r:embed="rId3"/>
+          <a:stretch>
+            <a:fillRect/>
+          </a:stretch>
+        </p:blipFill>
+        <p:spPr>
+          <a:xfrm>
+            <a:off x="8865304" y="2810611"/>
+            <a:ext cx="3062277" cy="2174561"/>
+          </a:xfrm>
+          <a:prstGeom prst="rect">
+            <a:avLst/>
+          </a:prstGeom>
+        </p:spPr>
+      </p:pic>
     </p:spTree>
     <p:extLst>
       <p:ext uri="{BB962C8B-B14F-4D97-AF65-F5344CB8AC3E}">
@@ -9175,13 +8670,6 @@
   <p:clrMapOvr>
     <a:masterClrMapping/>
   </p:clrMapOvr>
-  <p:timing>
-    <p:tnLst>
-      <p:par>
-        <p:cTn id="1" dur="indefinite" restart="never" nodeType="tmRoot"/>
-      </p:par>
-    </p:tnLst>
-  </p:timing>
 </p:sld>
 </file>
 
@@ -9233,14 +8721,9 @@
           <a:lstStyle/>
           <a:p>
             <a:r>
-              <a:rPr lang="en-US" sz="3600" dirty="0" smtClean="0"/>
-              <a:t>Plots: </a:t>
+              <a:rPr lang="en-US" sz="3600" dirty="0"/>
+              <a:t>Plots: Numerical Integration</a:t>
             </a:r>
-            <a:r>
-              <a:rPr lang="en-US" sz="3600" dirty="0" smtClean="0"/>
-              <a:t>Numerical Integration</a:t>
-            </a:r>
-            <a:endParaRPr lang="en-US" sz="3600" dirty="0"/>
           </a:p>
         </p:txBody>
       </p:sp>
@@ -9266,7 +8749,7 @@
         </p:blipFill>
         <p:spPr>
           <a:xfrm>
-            <a:off x="280122" y="1483816"/>
+            <a:off x="252413" y="1234435"/>
             <a:ext cx="5852172" cy="4389129"/>
           </a:xfrm>
           <a:prstGeom prst="rect">
@@ -9296,7 +8779,7 @@
         </p:blipFill>
         <p:spPr>
           <a:xfrm>
-            <a:off x="6043611" y="1483816"/>
+            <a:off x="6015902" y="1234435"/>
             <a:ext cx="5852172" cy="4389129"/>
           </a:xfrm>
           <a:prstGeom prst="rect">
@@ -9304,6 +8787,43 @@
           </a:prstGeom>
         </p:spPr>
       </p:pic>
+      <p:sp>
+        <p:nvSpPr>
+          <p:cNvPr id="6" name="TextBox 5">
+            <a:extLst>
+              <a:ext uri="{FF2B5EF4-FFF2-40B4-BE49-F238E27FC236}">
+                <a16:creationId xmlns:a16="http://schemas.microsoft.com/office/drawing/2014/main" id="{2A0DBB70-37E5-4B32-B7B5-69DC46837F12}"/>
+              </a:ext>
+            </a:extLst>
+          </p:cNvPr>
+          <p:cNvSpPr txBox="1"/>
+          <p:nvPr/>
+        </p:nvSpPr>
+        <p:spPr>
+          <a:xfrm>
+            <a:off x="2422956" y="5989134"/>
+            <a:ext cx="7241310" cy="369332"/>
+          </a:xfrm>
+          <a:prstGeom prst="rect">
+            <a:avLst/>
+          </a:prstGeom>
+          <a:solidFill>
+            <a:schemeClr val="bg1"/>
+          </a:solidFill>
+        </p:spPr>
+        <p:txBody>
+          <a:bodyPr wrap="square" rtlCol="0">
+            <a:spAutoFit/>
+          </a:bodyPr>
+          <a:lstStyle/>
+          <a:p>
+            <a:r>
+              <a:rPr lang="en-US" dirty="0"/>
+              <a:t>Altitude and Specific Energy decay as expected due to the presence of drag</a:t>
+            </a:r>
+          </a:p>
+        </p:txBody>
+      </p:sp>
     </p:spTree>
     <p:extLst>
       <p:ext uri="{BB962C8B-B14F-4D97-AF65-F5344CB8AC3E}">
@@ -9314,13 +8834,6 @@
   <p:clrMapOvr>
     <a:masterClrMapping/>
   </p:clrMapOvr>
-  <p:timing>
-    <p:tnLst>
-      <p:par>
-        <p:cTn id="1" dur="indefinite" restart="never" nodeType="tmRoot"/>
-      </p:par>
-    </p:tnLst>
-  </p:timing>
 </p:sld>
 </file>
 
@@ -9369,29 +8882,20 @@
               <a:lstStyle/>
               <a:p>
                 <a:r>
-                  <a:rPr lang="en-US" dirty="0" smtClean="0"/>
-                  <a:t>The averaged form of Gauss’ </a:t>
+                  <a:rPr lang="en-US" dirty="0"/>
+                  <a:t>The averaged Gauss variational equations  are numerically integrated using </a:t>
                 </a:r>
                 <a:r>
-                  <a:rPr lang="en-US" dirty="0" err="1" smtClean="0"/>
-                  <a:t>variational</a:t>
-                </a:r>
-                <a:r>
-                  <a:rPr lang="en-US" dirty="0" smtClean="0"/>
-                  <a:t> equations  are numerically integrated using </a:t>
-                </a:r>
-                <a:r>
-                  <a:rPr lang="en-US" dirty="0" err="1" smtClean="0"/>
+                  <a:rPr lang="en-US" dirty="0" err="1"/>
                   <a:t>Matlab’s</a:t>
                 </a:r>
                 <a:r>
-                  <a:rPr lang="en-US" dirty="0" smtClean="0"/>
+                  <a:rPr lang="en-US" dirty="0"/>
                   <a:t> ODE45 function. </a:t>
                 </a:r>
-                <a:endParaRPr lang="en-US" dirty="0"/>
               </a:p>
               <a:p>
-                <a:endParaRPr lang="en-US" dirty="0" smtClean="0"/>
+                <a:endParaRPr lang="en-US" dirty="0"/>
               </a:p>
               <a:p>
                 <a:endParaRPr lang="en-US" dirty="0"/>
@@ -9401,7 +8905,7 @@
                   <a:buNone/>
                 </a:pPr>
                 <a:r>
-                  <a:rPr lang="en-US" sz="2400" b="1" dirty="0" smtClean="0"/>
+                  <a:rPr lang="en-US" sz="2400" b="1" dirty="0"/>
                   <a:t>Equations of Motion:</a:t>
                 </a:r>
               </a:p>
@@ -10936,18 +10440,9 @@
           </a:lstStyle>
           <a:p>
             <a:r>
-              <a:rPr lang="en-US" sz="3600" dirty="0" smtClean="0"/>
-              <a:t>Orbit Propagation using Gauss’ </a:t>
+              <a:rPr lang="en-US" sz="3600" dirty="0"/>
+              <a:t>Orbit Propagation using Gauss’ Variational Equations</a:t>
             </a:r>
-            <a:r>
-              <a:rPr lang="en-US" sz="3600" dirty="0" err="1" smtClean="0"/>
-              <a:t>Variational</a:t>
-            </a:r>
-            <a:r>
-              <a:rPr lang="en-US" sz="3600" dirty="0" smtClean="0"/>
-              <a:t> Equations</a:t>
-            </a:r>
-            <a:endParaRPr lang="en-US" sz="3600" dirty="0"/>
           </a:p>
         </p:txBody>
       </p:sp>
@@ -10961,13 +10456,6 @@
   <p:clrMapOvr>
     <a:masterClrMapping/>
   </p:clrMapOvr>
-  <p:timing>
-    <p:tnLst>
-      <p:par>
-        <p:cTn id="1" dur="indefinite" restart="never" nodeType="tmRoot"/>
-      </p:par>
-    </p:tnLst>
-  </p:timing>
 </p:sld>
 </file>
 
@@ -11006,24 +10494,28 @@
             <p:ph type="title"/>
           </p:nvPr>
         </p:nvSpPr>
-        <p:spPr/>
+        <p:spPr>
+          <a:xfrm>
+            <a:off x="572798" y="569066"/>
+            <a:ext cx="3833906" cy="4952492"/>
+          </a:xfrm>
+        </p:spPr>
         <p:txBody>
           <a:bodyPr/>
           <a:lstStyle/>
           <a:p>
             <a:r>
-              <a:rPr lang="en-US" dirty="0" smtClean="0"/>
+              <a:rPr lang="en-US" dirty="0"/>
               <a:t>Results: Gauss </a:t>
             </a:r>
             <a:r>
-              <a:rPr lang="en-US" dirty="0" err="1" smtClean="0"/>
+              <a:rPr lang="en-US" dirty="0" err="1"/>
               <a:t>Variational</a:t>
             </a:r>
             <a:r>
-              <a:rPr lang="en-US" dirty="0" smtClean="0"/>
+              <a:rPr lang="en-US" dirty="0"/>
               <a:t> Equations</a:t>
             </a:r>
-            <a:endParaRPr lang="en-US" dirty="0"/>
           </a:p>
         </p:txBody>
       </p:sp>
@@ -11044,30 +10536,164 @@
           <a:p>
             <a:r>
               <a:rPr lang="en-US" dirty="0"/>
-              <a:t>Time of a demise: </a:t>
+              <a:t>Time of a demise: 165 days after the observation epoch or June 27, 2018.</a:t>
             </a:r>
-            <a:r>
-              <a:rPr lang="en-US" dirty="0" smtClean="0"/>
-              <a:t>165 days </a:t>
-            </a:r>
+          </a:p>
+          <a:p>
+            <a:pPr lvl="1"/>
             <a:r>
               <a:rPr lang="en-US" dirty="0"/>
-              <a:t>after the observation epoch or June </a:t>
+              <a:t>86 day difference from actual re-entry date.</a:t>
             </a:r>
-            <a:r>
-              <a:rPr lang="en-US" dirty="0" smtClean="0"/>
-              <a:t>27, </a:t>
-            </a:r>
-            <a:r>
-              <a:rPr lang="en-US" dirty="0"/>
-              <a:t>2018.</a:t>
-            </a:r>
           </a:p>
           <a:p>
             <a:endParaRPr lang="en-US" dirty="0"/>
           </a:p>
         </p:txBody>
       </p:sp>
+      <p:pic>
+        <p:nvPicPr>
+          <p:cNvPr id="4" name="Picture 3">
+            <a:extLst>
+              <a:ext uri="{FF2B5EF4-FFF2-40B4-BE49-F238E27FC236}">
+                <a16:creationId xmlns:a16="http://schemas.microsoft.com/office/drawing/2014/main" id="{FFF8E0DC-2BFF-4FC2-9BC5-E761665408C2}"/>
+              </a:ext>
+            </a:extLst>
+          </p:cNvPr>
+          <p:cNvPicPr>
+            <a:picLocks noChangeAspect="1"/>
+          </p:cNvPicPr>
+          <p:nvPr/>
+        </p:nvPicPr>
+        <p:blipFill>
+          <a:blip r:embed="rId3">
+            <a:extLst>
+              <a:ext uri="{28A0092B-C50C-407E-A947-70E740481C1C}">
+                <a14:useLocalDpi xmlns:a14="http://schemas.microsoft.com/office/drawing/2010/main" val="0"/>
+              </a:ext>
+            </a:extLst>
+          </a:blip>
+          <a:stretch>
+            <a:fillRect/>
+          </a:stretch>
+        </p:blipFill>
+        <p:spPr>
+          <a:xfrm>
+            <a:off x="4562996" y="1895831"/>
+            <a:ext cx="3033100" cy="2274825"/>
+          </a:xfrm>
+          <a:prstGeom prst="rect">
+            <a:avLst/>
+          </a:prstGeom>
+        </p:spPr>
+      </p:pic>
+      <p:pic>
+        <p:nvPicPr>
+          <p:cNvPr id="5" name="Picture 4">
+            <a:extLst>
+              <a:ext uri="{FF2B5EF4-FFF2-40B4-BE49-F238E27FC236}">
+                <a16:creationId xmlns:a16="http://schemas.microsoft.com/office/drawing/2014/main" id="{CBF2CB2A-E986-4A28-9262-E0A05A962318}"/>
+              </a:ext>
+            </a:extLst>
+          </p:cNvPr>
+          <p:cNvPicPr>
+            <a:picLocks noChangeAspect="1"/>
+          </p:cNvPicPr>
+          <p:nvPr/>
+        </p:nvPicPr>
+        <p:blipFill rotWithShape="1">
+          <a:blip r:embed="rId4">
+            <a:extLst>
+              <a:ext uri="{28A0092B-C50C-407E-A947-70E740481C1C}">
+                <a14:useLocalDpi xmlns:a14="http://schemas.microsoft.com/office/drawing/2010/main" val="0"/>
+              </a:ext>
+            </a:extLst>
+          </a:blip>
+          <a:srcRect l="2517"/>
+          <a:stretch/>
+        </p:blipFill>
+        <p:spPr>
+          <a:xfrm>
+            <a:off x="4605142" y="4314283"/>
+            <a:ext cx="3033101" cy="2333580"/>
+          </a:xfrm>
+          <a:prstGeom prst="rect">
+            <a:avLst/>
+          </a:prstGeom>
+        </p:spPr>
+      </p:pic>
+      <p:pic>
+        <p:nvPicPr>
+          <p:cNvPr id="6" name="Picture 5">
+            <a:extLst>
+              <a:ext uri="{FF2B5EF4-FFF2-40B4-BE49-F238E27FC236}">
+                <a16:creationId xmlns:a16="http://schemas.microsoft.com/office/drawing/2014/main" id="{58ACE77F-3117-4495-A790-4FA702328226}"/>
+              </a:ext>
+            </a:extLst>
+          </p:cNvPr>
+          <p:cNvPicPr>
+            <a:picLocks noChangeAspect="1"/>
+          </p:cNvPicPr>
+          <p:nvPr/>
+        </p:nvPicPr>
+        <p:blipFill>
+          <a:blip r:embed="rId5">
+            <a:extLst>
+              <a:ext uri="{28A0092B-C50C-407E-A947-70E740481C1C}">
+                <a14:useLocalDpi xmlns:a14="http://schemas.microsoft.com/office/drawing/2010/main" val="0"/>
+              </a:ext>
+            </a:extLst>
+          </a:blip>
+          <a:stretch>
+            <a:fillRect/>
+          </a:stretch>
+        </p:blipFill>
+        <p:spPr>
+          <a:xfrm>
+            <a:off x="7724634" y="1933664"/>
+            <a:ext cx="2930468" cy="2199157"/>
+          </a:xfrm>
+          <a:prstGeom prst="rect">
+            <a:avLst/>
+          </a:prstGeom>
+        </p:spPr>
+      </p:pic>
+      <p:pic>
+        <p:nvPicPr>
+          <p:cNvPr id="7" name="Picture 6">
+            <a:extLst>
+              <a:ext uri="{FF2B5EF4-FFF2-40B4-BE49-F238E27FC236}">
+                <a16:creationId xmlns:a16="http://schemas.microsoft.com/office/drawing/2014/main" id="{E3DCF447-3F59-4ADE-8B1D-DA89A1EB790A}"/>
+              </a:ext>
+            </a:extLst>
+          </p:cNvPr>
+          <p:cNvPicPr>
+            <a:picLocks noChangeAspect="1"/>
+          </p:cNvPicPr>
+          <p:nvPr/>
+        </p:nvPicPr>
+        <p:blipFill>
+          <a:blip r:embed="rId6">
+            <a:extLst>
+              <a:ext uri="{28A0092B-C50C-407E-A947-70E740481C1C}">
+                <a14:useLocalDpi xmlns:a14="http://schemas.microsoft.com/office/drawing/2010/main" val="0"/>
+              </a:ext>
+            </a:extLst>
+          </a:blip>
+          <a:stretch>
+            <a:fillRect/>
+          </a:stretch>
+        </p:blipFill>
+        <p:spPr>
+          <a:xfrm>
+            <a:off x="7724634" y="4260690"/>
+            <a:ext cx="3033101" cy="2274825"/>
+          </a:xfrm>
+          <a:prstGeom prst="rect">
+            <a:avLst/>
+          </a:prstGeom>
+        </p:spPr>
+      </p:pic>
     </p:spTree>
     <p:extLst>
       <p:ext uri="{BB962C8B-B14F-4D97-AF65-F5344CB8AC3E}">
@@ -11078,13 +10704,6 @@
   <p:clrMapOvr>
     <a:masterClrMapping/>
   </p:clrMapOvr>
-  <p:timing>
-    <p:tnLst>
-      <p:par>
-        <p:cTn id="1" dur="indefinite" restart="never" nodeType="tmRoot"/>
-      </p:par>
-    </p:tnLst>
-  </p:timing>
 </p:sld>
 </file>
 
@@ -11123,170 +10742,329 @@
             <p:ph type="title"/>
           </p:nvPr>
         </p:nvSpPr>
-        <p:spPr>
-          <a:xfrm>
-            <a:off x="657224" y="499533"/>
-            <a:ext cx="10772775" cy="861661"/>
-          </a:xfrm>
-        </p:spPr>
-        <p:txBody>
-          <a:bodyPr>
-            <a:normAutofit/>
-          </a:bodyPr>
+        <p:spPr/>
+        <p:txBody>
+          <a:bodyPr/>
           <a:lstStyle/>
           <a:p>
             <a:r>
-              <a:rPr lang="en-US" sz="3600" dirty="0" smtClean="0"/>
-              <a:t>Plots: Gauss’ </a:t>
+              <a:rPr lang="en-US" dirty="0"/>
+              <a:t>Project</a:t>
             </a:r>
+            <a:br>
+              <a:rPr lang="en-US" dirty="0"/>
+            </a:br>
             <a:r>
-              <a:rPr lang="en-US" sz="3600" dirty="0" err="1" smtClean="0"/>
-              <a:t>Variational</a:t>
+              <a:rPr lang="en-US" dirty="0"/>
+              <a:t>Conclusions</a:t>
             </a:r>
-            <a:r>
-              <a:rPr lang="en-US" sz="3600" dirty="0" smtClean="0"/>
-              <a:t> Equations</a:t>
-            </a:r>
-            <a:endParaRPr lang="en-US" sz="3600" dirty="0"/>
-          </a:p>
-        </p:txBody>
-      </p:sp>
-      <p:pic>
-        <p:nvPicPr>
-          <p:cNvPr id="3" name="Picture 2"/>
-          <p:cNvPicPr>
-            <a:picLocks noChangeAspect="1"/>
-          </p:cNvPicPr>
-          <p:nvPr/>
-        </p:nvPicPr>
-        <p:blipFill>
-          <a:blip r:embed="rId3">
+          </a:p>
+        </p:txBody>
+      </p:sp>
+      <mc:AlternateContent xmlns:mc="http://schemas.openxmlformats.org/markup-compatibility/2006">
+        <mc:Choice xmlns:a14="http://schemas.microsoft.com/office/drawing/2010/main" Requires="a14">
+          <p:sp>
+            <p:nvSpPr>
+              <p:cNvPr id="3" name="Content Placeholder 2"/>
+              <p:cNvSpPr>
+                <a:spLocks noGrp="1"/>
+              </p:cNvSpPr>
+              <p:nvPr>
+                <p:ph idx="1"/>
+              </p:nvPr>
+            </p:nvSpPr>
+            <p:spPr/>
+            <p:txBody>
+              <a:bodyPr>
+                <a:normAutofit/>
+              </a:bodyPr>
+              <a:lstStyle/>
+              <a:p>
+                <a:r>
+                  <a:rPr lang="en-US" sz="1800" dirty="0"/>
+                  <a:t>Both of propagation methods show consistency with one another in regards to the predicted date of re-entry of the </a:t>
+                </a:r>
+                <a:r>
+                  <a:rPr lang="en-US" sz="1800" dirty="0" err="1"/>
+                  <a:t>Tiangong</a:t>
+                </a:r>
+                <a:r>
+                  <a:rPr lang="en-US" sz="1800" dirty="0"/>
+                  <a:t> 1 (within 2 weeks of each other).</a:t>
+                </a:r>
+              </a:p>
+              <a:p>
+                <a:endParaRPr lang="en-US" sz="1800" dirty="0"/>
+              </a:p>
+              <a:p>
+                <a:endParaRPr lang="en-US" sz="1800" dirty="0"/>
+              </a:p>
+              <a:p>
+                <a:endParaRPr lang="en-US" sz="1800" dirty="0"/>
+              </a:p>
+              <a:p>
+                <a:r>
+                  <a:rPr lang="en-US" sz="1800" dirty="0"/>
+                  <a:t>However, the predicted re-entry dates vary from the actual date of re-entry  by almost 3 months. </a:t>
+                </a:r>
+              </a:p>
+              <a:p>
+                <a:endParaRPr lang="en-US" sz="1800" dirty="0"/>
+              </a:p>
+              <a:p>
+                <a:r>
+                  <a:rPr lang="en-US" sz="1800" dirty="0"/>
+                  <a:t>It appears that the </a:t>
+                </a:r>
+                <a14:m>
+                  <m:oMath xmlns:m="http://schemas.openxmlformats.org/officeDocument/2006/math">
+                    <m:sSup>
+                      <m:sSupPr>
+                        <m:ctrlPr>
+                          <a:rPr lang="en-US" sz="1800" i="1">
+                            <a:latin typeface="Cambria Math" panose="02040503050406030204" pitchFamily="18" charset="0"/>
+                          </a:rPr>
+                        </m:ctrlPr>
+                      </m:sSupPr>
+                      <m:e>
+                        <m:r>
+                          <a:rPr lang="en-US" sz="1800" i="1">
+                            <a:latin typeface="Cambria Math" panose="02040503050406030204" pitchFamily="18" charset="0"/>
+                          </a:rPr>
+                          <m:t>𝐵</m:t>
+                        </m:r>
+                      </m:e>
+                      <m:sup>
+                        <m:r>
+                          <a:rPr lang="en-US" sz="1800" i="1">
+                            <a:latin typeface="Cambria Math" panose="02040503050406030204" pitchFamily="18" charset="0"/>
+                          </a:rPr>
+                          <m:t>∗</m:t>
+                        </m:r>
+                      </m:sup>
+                    </m:sSup>
+                  </m:oMath>
+                </a14:m>
+                <a:r>
+                  <a:rPr lang="en-US" sz="1800" dirty="0"/>
+                  <a:t> drag term reported in the TLE data was significantly underestimating the true drag experienced by the spacecraft. </a:t>
+                </a:r>
+              </a:p>
+              <a:p>
+                <a:endParaRPr lang="en-US" sz="1800" dirty="0"/>
+              </a:p>
+            </p:txBody>
+          </p:sp>
+        </mc:Choice>
+        <mc:Fallback>
+          <p:sp>
+            <p:nvSpPr>
+              <p:cNvPr id="3" name="Content Placeholder 2"/>
+              <p:cNvSpPr>
+                <a:spLocks noGrp="1" noRot="1" noChangeAspect="1" noMove="1" noResize="1" noEditPoints="1" noAdjustHandles="1" noChangeArrowheads="1" noChangeShapeType="1" noTextEdit="1"/>
+              </p:cNvSpPr>
+              <p:nvPr>
+                <p:ph idx="1"/>
+              </p:nvPr>
+            </p:nvSpPr>
+            <p:spPr>
+              <a:blipFill>
+                <a:blip r:embed="rId3"/>
+                <a:stretch>
+                  <a:fillRect l="-585" t="-216" r="-976"/>
+                </a:stretch>
+              </a:blipFill>
+            </p:spPr>
+            <p:txBody>
+              <a:bodyPr/>
+              <a:lstStyle/>
+              <a:p>
+                <a:r>
+                  <a:rPr lang="en-US">
+                    <a:noFill/>
+                  </a:rPr>
+                  <a:t> </a:t>
+                </a:r>
+              </a:p>
+            </p:txBody>
+          </p:sp>
+        </mc:Fallback>
+      </mc:AlternateContent>
+      <p:graphicFrame>
+        <p:nvGraphicFramePr>
+          <p:cNvPr id="4" name="Table 3">
             <a:extLst>
-              <a:ext uri="{28A0092B-C50C-407E-A947-70E740481C1C}">
-                <a14:useLocalDpi xmlns:a14="http://schemas.microsoft.com/office/drawing/2010/main" val="0"/>
+              <a:ext uri="{FF2B5EF4-FFF2-40B4-BE49-F238E27FC236}">
+                <a16:creationId xmlns:a16="http://schemas.microsoft.com/office/drawing/2014/main" id="{DF9EF91C-3989-4D00-9022-4E9D09955698}"/>
               </a:ext>
             </a:extLst>
-          </a:blip>
-          <a:stretch>
-            <a:fillRect/>
-          </a:stretch>
-        </p:blipFill>
-        <p:spPr>
-          <a:xfrm>
-            <a:off x="2003874" y="1096492"/>
-            <a:ext cx="3637685" cy="2728264"/>
-          </a:xfrm>
-          <a:prstGeom prst="rect">
-            <a:avLst/>
-          </a:prstGeom>
-        </p:spPr>
-      </p:pic>
-      <p:pic>
-        <p:nvPicPr>
-          <p:cNvPr id="4" name="Picture 3"/>
-          <p:cNvPicPr>
-            <a:picLocks noChangeAspect="1"/>
-          </p:cNvPicPr>
-          <p:nvPr/>
-        </p:nvPicPr>
-        <p:blipFill rotWithShape="1">
-          <a:blip r:embed="rId4">
-            <a:extLst>
-              <a:ext uri="{28A0092B-C50C-407E-A947-70E740481C1C}">
-                <a14:useLocalDpi xmlns:a14="http://schemas.microsoft.com/office/drawing/2010/main" val="0"/>
-              </a:ext>
-            </a:extLst>
-          </a:blip>
-          <a:srcRect l="2517"/>
-          <a:stretch/>
-        </p:blipFill>
-        <p:spPr>
-          <a:xfrm>
-            <a:off x="1976581" y="3824756"/>
-            <a:ext cx="3664977" cy="2819727"/>
-          </a:xfrm>
-          <a:prstGeom prst="rect">
-            <a:avLst/>
-          </a:prstGeom>
-        </p:spPr>
-      </p:pic>
-      <p:pic>
-        <p:nvPicPr>
-          <p:cNvPr id="5" name="Picture 4"/>
-          <p:cNvPicPr>
-            <a:picLocks noChangeAspect="1"/>
-          </p:cNvPicPr>
-          <p:nvPr/>
-        </p:nvPicPr>
-        <p:blipFill>
-          <a:blip r:embed="rId5">
-            <a:extLst>
-              <a:ext uri="{28A0092B-C50C-407E-A947-70E740481C1C}">
-                <a14:useLocalDpi xmlns:a14="http://schemas.microsoft.com/office/drawing/2010/main" val="0"/>
-              </a:ext>
-            </a:extLst>
-          </a:blip>
-          <a:stretch>
-            <a:fillRect/>
-          </a:stretch>
-        </p:blipFill>
-        <p:spPr>
-          <a:xfrm>
-            <a:off x="7244349" y="1096492"/>
-            <a:ext cx="3635525" cy="2728264"/>
-          </a:xfrm>
-          <a:prstGeom prst="rect">
-            <a:avLst/>
-          </a:prstGeom>
-        </p:spPr>
-      </p:pic>
-      <p:pic>
-        <p:nvPicPr>
-          <p:cNvPr id="6" name="Picture 5"/>
-          <p:cNvPicPr>
-            <a:picLocks noChangeAspect="1"/>
-          </p:cNvPicPr>
-          <p:nvPr/>
-        </p:nvPicPr>
-        <p:blipFill>
-          <a:blip r:embed="rId6">
-            <a:extLst>
-              <a:ext uri="{28A0092B-C50C-407E-A947-70E740481C1C}">
-                <a14:useLocalDpi xmlns:a14="http://schemas.microsoft.com/office/drawing/2010/main" val="0"/>
-              </a:ext>
-            </a:extLst>
-          </a:blip>
-          <a:stretch>
-            <a:fillRect/>
-          </a:stretch>
-        </p:blipFill>
-        <p:spPr>
-          <a:xfrm>
-            <a:off x="7217557" y="3824756"/>
-            <a:ext cx="3662317" cy="2746738"/>
-          </a:xfrm>
-          <a:prstGeom prst="rect">
-            <a:avLst/>
-          </a:prstGeom>
-        </p:spPr>
-      </p:pic>
+          </p:cNvPr>
+          <p:cNvGraphicFramePr>
+            <a:graphicFrameLocks noGrp="1"/>
+          </p:cNvGraphicFramePr>
+          <p:nvPr>
+            <p:extLst>
+              <p:ext uri="{D42A27DB-BD31-4B8C-83A1-F6EECF244321}">
+                <p14:modId xmlns:p14="http://schemas.microsoft.com/office/powerpoint/2010/main" val="3229589658"/>
+              </p:ext>
+            </p:extLst>
+          </p:nvPr>
+        </p:nvGraphicFramePr>
+        <p:xfrm>
+          <a:off x="5514515" y="1653931"/>
+          <a:ext cx="4479231" cy="1123374"/>
+        </p:xfrm>
+        <a:graphic>
+          <a:graphicData uri="http://schemas.openxmlformats.org/drawingml/2006/table">
+            <a:tbl>
+              <a:tblPr firstRow="1" bandRow="1">
+                <a:tableStyleId>{5940675A-B579-460E-94D1-54222C63F5DA}</a:tableStyleId>
+              </a:tblPr>
+              <a:tblGrid>
+                <a:gridCol w="2705849">
+                  <a:extLst>
+                    <a:ext uri="{9D8B030D-6E8A-4147-A177-3AD203B41FA5}">
+                      <a16:colId xmlns:a16="http://schemas.microsoft.com/office/drawing/2014/main" val="4129622057"/>
+                    </a:ext>
+                  </a:extLst>
+                </a:gridCol>
+                <a:gridCol w="1773382">
+                  <a:extLst>
+                    <a:ext uri="{9D8B030D-6E8A-4147-A177-3AD203B41FA5}">
+                      <a16:colId xmlns:a16="http://schemas.microsoft.com/office/drawing/2014/main" val="2548912819"/>
+                    </a:ext>
+                  </a:extLst>
+                </a:gridCol>
+              </a:tblGrid>
+              <a:tr h="374458">
+                <a:tc>
+                  <a:txBody>
+                    <a:bodyPr/>
+                    <a:lstStyle/>
+                    <a:p>
+                      <a:r>
+                        <a:rPr lang="en-US" dirty="0"/>
+                        <a:t>Propagation Method</a:t>
+                      </a:r>
+                    </a:p>
+                  </a:txBody>
+                  <a:tcPr/>
+                </a:tc>
+                <a:tc>
+                  <a:txBody>
+                    <a:bodyPr/>
+                    <a:lstStyle/>
+                    <a:p>
+                      <a:r>
+                        <a:rPr lang="en-US" dirty="0"/>
+                        <a:t>Date of Re-entry</a:t>
+                      </a:r>
+                    </a:p>
+                  </a:txBody>
+                  <a:tcPr/>
+                </a:tc>
+                <a:extLst>
+                  <a:ext uri="{0D108BD9-81ED-4DB2-BD59-A6C34878D82A}">
+                    <a16:rowId xmlns:a16="http://schemas.microsoft.com/office/drawing/2014/main" val="2722904390"/>
+                  </a:ext>
+                </a:extLst>
+              </a:tr>
+              <a:tr h="374458">
+                <a:tc>
+                  <a:txBody>
+                    <a:bodyPr/>
+                    <a:lstStyle/>
+                    <a:p>
+                      <a:r>
+                        <a:rPr lang="en-US" dirty="0"/>
+                        <a:t>Perturbed Keplerian </a:t>
+                      </a:r>
+                      <a:r>
+                        <a:rPr lang="en-US" dirty="0" err="1"/>
+                        <a:t>Eqs</a:t>
+                      </a:r>
+                      <a:r>
+                        <a:rPr lang="en-US" dirty="0"/>
+                        <a:t>.</a:t>
+                      </a:r>
+                    </a:p>
+                  </a:txBody>
+                  <a:tcPr/>
+                </a:tc>
+                <a:tc>
+                  <a:txBody>
+                    <a:bodyPr/>
+                    <a:lstStyle/>
+                    <a:p>
+                      <a:r>
+                        <a:rPr lang="en-US" dirty="0"/>
+                        <a:t>June 14, 2018</a:t>
+                      </a:r>
+                    </a:p>
+                  </a:txBody>
+                  <a:tcPr/>
+                </a:tc>
+                <a:extLst>
+                  <a:ext uri="{0D108BD9-81ED-4DB2-BD59-A6C34878D82A}">
+                    <a16:rowId xmlns:a16="http://schemas.microsoft.com/office/drawing/2014/main" val="1100860792"/>
+                  </a:ext>
+                </a:extLst>
+              </a:tr>
+              <a:tr h="374458">
+                <a:tc>
+                  <a:txBody>
+                    <a:bodyPr/>
+                    <a:lstStyle/>
+                    <a:p>
+                      <a:r>
+                        <a:rPr lang="en-US" dirty="0"/>
+                        <a:t>Gauss’ Variational </a:t>
+                      </a:r>
+                      <a:r>
+                        <a:rPr lang="en-US" dirty="0" err="1"/>
+                        <a:t>Eqs</a:t>
+                      </a:r>
+                      <a:r>
+                        <a:rPr lang="en-US" dirty="0"/>
+                        <a:t>.</a:t>
+                      </a:r>
+                    </a:p>
+                  </a:txBody>
+                  <a:tcPr/>
+                </a:tc>
+                <a:tc>
+                  <a:txBody>
+                    <a:bodyPr/>
+                    <a:lstStyle/>
+                    <a:p>
+                      <a:r>
+                        <a:rPr lang="en-US" dirty="0"/>
+                        <a:t>June 27, 2018</a:t>
+                      </a:r>
+                    </a:p>
+                  </a:txBody>
+                  <a:tcPr/>
+                </a:tc>
+                <a:extLst>
+                  <a:ext uri="{0D108BD9-81ED-4DB2-BD59-A6C34878D82A}">
+                    <a16:rowId xmlns:a16="http://schemas.microsoft.com/office/drawing/2014/main" val="3707421813"/>
+                  </a:ext>
+                </a:extLst>
+              </a:tr>
+            </a:tbl>
+          </a:graphicData>
+        </a:graphic>
+      </p:graphicFrame>
     </p:spTree>
     <p:extLst>
       <p:ext uri="{BB962C8B-B14F-4D97-AF65-F5344CB8AC3E}">
-        <p14:creationId xmlns:p14="http://schemas.microsoft.com/office/powerpoint/2010/main" val="3749474658"/>
+        <p14:creationId xmlns:p14="http://schemas.microsoft.com/office/powerpoint/2010/main" val="3359355050"/>
       </p:ext>
     </p:extLst>
   </p:cSld>
   <p:clrMapOvr>
     <a:masterClrMapping/>
   </p:clrMapOvr>
-  <p:timing>
-    <p:tnLst>
-      <p:par>
-        <p:cTn id="1" dur="indefinite" restart="never" nodeType="tmRoot"/>
-      </p:par>
-    </p:tnLst>
-  </p:timing>
 </p:sld>
 </file>
 
@@ -12060,29 +11838,29 @@
 </file>
 
 <file path=customXml/item1.xml><?xml version="1.0" encoding="utf-8"?>
+<sisl xmlns:xsi="http://www.w3.org/2001/XMLSchema-instance" xmlns:xsd="http://www.w3.org/2001/XMLSchema" xmlns="http://www.boldonjames.com/2008/01/sie/internal/label" sislVersion="0" policy="cde53ac1-bf5f-4aae-9cf1-07509e23a4b0" origin="userSelected"/>
+</file>
+
+<file path=customXml/item2.xml><?xml version="1.0" encoding="utf-8"?>
 <WrappedLabelHistory xmlns:xsi="http://www.w3.org/2001/XMLSchema-instance" xmlns:xsd="http://www.w3.org/2001/XMLSchema" xmlns="http://www.boldonjames.com/2016/02/Classifier/internal/wrappedLabelHistory">
   <Value>PD94bWwgdmVyc2lvbj0iMS4wIiBlbmNvZGluZz0idXMtYXNjaWkiPz48bGFiZWxIaXN0b3J5IHhtbG5zOnhzaT0iaHR0cDovL3d3dy53My5vcmcvMjAwMS9YTUxTY2hlbWEtaW5zdGFuY2UiIHhtbG5zOnhzZD0iaHR0cDovL3d3dy53My5vcmcvMjAwMS9YTUxTY2hlbWEiIHhtbG5zPSJodHRwOi8vd3d3LmJvbGRvbmphbWVzLmNvbS8yMDE2LzAyL0NsYXNzaWZpZXIvaW50ZXJuYWwvbGFiZWxIaXN0b3J5Ij48aXRlbT48c2lzbCBzaXNsVmVyc2lvbj0iMCIgcG9saWN5PSJjZGU1M2FjMS1iZjVmLTRhYWUtOWNmMS0wNzUwOWUyM2E0YjAiIG9yaWdpbj0idXNlclNlbGVjdGVkIiAvPjxVc2VyTmFtZT5VU1x6MTA4OTgyOTwvVXNlck5hbWU+PERhdGVUaW1lPjEwLzI5LzIwMTggMjowNDo1NyBQTTwvRGF0ZVRpbWU+PExhYmVsU3RyaW5nPlRoaXMgYXJ0aWZhY3QgaGFzIG5vIGNsYXNzaWZpY2F0aW9uLjwvTGFiZWxTdHJpbmc+PC9pdGVtPjwvbGFiZWxIaXN0b3J5Pg==</Value>
 </WrappedLabelHistory>
 </file>
 
-<file path=customXml/item2.xml><?xml version="1.0" encoding="utf-8"?>
-<sisl xmlns:xsi="http://www.w3.org/2001/XMLSchema-instance" xmlns:xsd="http://www.w3.org/2001/XMLSchema" xmlns="http://www.boldonjames.com/2008/01/sie/internal/label" sislVersion="0" policy="cde53ac1-bf5f-4aae-9cf1-07509e23a4b0" origin="userSelected"/>
+<file path=customXml/itemProps1.xml><?xml version="1.0" encoding="utf-8"?>
+<ds:datastoreItem xmlns:ds="http://schemas.openxmlformats.org/officeDocument/2006/customXml" ds:itemID="{CB5D6AA1-B7AF-4B5A-9A13-8D0C90707472}">
+  <ds:schemaRefs>
+    <ds:schemaRef ds:uri="http://www.w3.org/2001/XMLSchema"/>
+    <ds:schemaRef ds:uri="http://www.boldonjames.com/2008/01/sie/internal/label"/>
+  </ds:schemaRefs>
+</ds:datastoreItem>
 </file>
 
-<file path=customXml/itemProps1.xml><?xml version="1.0" encoding="utf-8"?>
+<file path=customXml/itemProps2.xml><?xml version="1.0" encoding="utf-8"?>
 <ds:datastoreItem xmlns:ds="http://schemas.openxmlformats.org/officeDocument/2006/customXml" ds:itemID="{8F3D67F1-45F6-45F4-924E-C40296E44607}">
   <ds:schemaRefs>
     <ds:schemaRef ds:uri="http://www.w3.org/2001/XMLSchema"/>
     <ds:schemaRef ds:uri="http://www.boldonjames.com/2016/02/Classifier/internal/wrappedLabelHistory"/>
   </ds:schemaRefs>
 </ds:datastoreItem>
-</file>
-
-<file path=customXml/itemProps2.xml><?xml version="1.0" encoding="utf-8"?>
-<ds:datastoreItem xmlns:ds="http://schemas.openxmlformats.org/officeDocument/2006/customXml" ds:itemID="{CB5D6AA1-B7AF-4B5A-9A13-8D0C90707472}">
-  <ds:schemaRefs>
-    <ds:schemaRef ds:uri="http://www.w3.org/2001/XMLSchema"/>
-    <ds:schemaRef ds:uri="http://www.boldonjames.com/2008/01/sie/internal/label"/>
-  </ds:schemaRefs>
-</ds:datastoreItem>
 </file>